--- a/FinalProject.pptx
+++ b/FinalProject.pptx
@@ -10,6 +10,7 @@
     <p:sldId id="257" r:id="rId4"/>
     <p:sldId id="259" r:id="rId5"/>
     <p:sldId id="260" r:id="rId6"/>
+    <p:sldId id="261" r:id="rId7"/>
   </p:sldIdLst>
   <p:sldSz cx="12192000" cy="6858000"/>
   <p:notesSz cx="6858000" cy="9144000"/>
@@ -11073,6 +11074,112 @@
           </a:graphicData>
         </a:graphic>
       </p:graphicFrame>
+      <p:pic>
+        <p:nvPicPr>
+          <p:cNvPr id="3" name="图片 2">
+            <a:extLst>
+              <a:ext uri="{FF2B5EF4-FFF2-40B4-BE49-F238E27FC236}">
+                <a16:creationId xmlns:a16="http://schemas.microsoft.com/office/drawing/2014/main" id="{8538365F-FD61-402E-8612-45ED28E4C61D}"/>
+              </a:ext>
+            </a:extLst>
+          </p:cNvPr>
+          <p:cNvPicPr>
+            <a:picLocks noChangeAspect="1"/>
+          </p:cNvPicPr>
+          <p:nvPr/>
+        </p:nvPicPr>
+        <p:blipFill>
+          <a:blip r:embed="rId7"/>
+          <a:stretch>
+            <a:fillRect/>
+          </a:stretch>
+        </p:blipFill>
+        <p:spPr>
+          <a:xfrm>
+            <a:off x="8801100" y="600345"/>
+            <a:ext cx="2358508" cy="1766604"/>
+          </a:xfrm>
+          <a:prstGeom prst="rect">
+            <a:avLst/>
+          </a:prstGeom>
+        </p:spPr>
+      </p:pic>
+      <p:pic>
+        <p:nvPicPr>
+          <p:cNvPr id="4" name="图片 3">
+            <a:extLst>
+              <a:ext uri="{FF2B5EF4-FFF2-40B4-BE49-F238E27FC236}">
+                <a16:creationId xmlns:a16="http://schemas.microsoft.com/office/drawing/2014/main" id="{82932413-C466-448A-9AFE-2F47060836AD}"/>
+              </a:ext>
+            </a:extLst>
+          </p:cNvPr>
+          <p:cNvPicPr>
+            <a:picLocks noChangeAspect="1"/>
+          </p:cNvPicPr>
+          <p:nvPr/>
+        </p:nvPicPr>
+        <p:blipFill>
+          <a:blip r:embed="rId8"/>
+          <a:stretch>
+            <a:fillRect/>
+          </a:stretch>
+        </p:blipFill>
+        <p:spPr>
+          <a:xfrm>
+            <a:off x="5203342" y="728506"/>
+            <a:ext cx="2187406" cy="1638443"/>
+          </a:xfrm>
+          <a:prstGeom prst="rect">
+            <a:avLst/>
+          </a:prstGeom>
+        </p:spPr>
+      </p:pic>
+      <p:sp>
+        <p:nvSpPr>
+          <p:cNvPr id="16" name="箭头: 右 15">
+            <a:extLst>
+              <a:ext uri="{FF2B5EF4-FFF2-40B4-BE49-F238E27FC236}">
+                <a16:creationId xmlns:a16="http://schemas.microsoft.com/office/drawing/2014/main" id="{D1F1C565-4D1E-4B0B-BCD8-56881CCDB14A}"/>
+              </a:ext>
+            </a:extLst>
+          </p:cNvPr>
+          <p:cNvSpPr/>
+          <p:nvPr/>
+        </p:nvSpPr>
+        <p:spPr>
+          <a:xfrm>
+            <a:off x="7623260" y="1310477"/>
+            <a:ext cx="997527" cy="469425"/>
+          </a:xfrm>
+          <a:prstGeom prst="rightArrow">
+            <a:avLst/>
+          </a:prstGeom>
+        </p:spPr>
+        <p:style>
+          <a:lnRef idx="2">
+            <a:schemeClr val="accent1">
+              <a:shade val="50000"/>
+            </a:schemeClr>
+          </a:lnRef>
+          <a:fillRef idx="1">
+            <a:schemeClr val="accent1"/>
+          </a:fillRef>
+          <a:effectRef idx="0">
+            <a:schemeClr val="accent1"/>
+          </a:effectRef>
+          <a:fontRef idx="minor">
+            <a:schemeClr val="lt1"/>
+          </a:fontRef>
+        </p:style>
+        <p:txBody>
+          <a:bodyPr rtlCol="0" anchor="ctr"/>
+          <a:lstStyle/>
+          <a:p>
+            <a:pPr algn="ctr"/>
+            <a:endParaRPr lang="en-US"/>
+          </a:p>
+        </p:txBody>
+      </p:sp>
     </p:spTree>
     <p:extLst>
       <p:ext uri="{BB962C8B-B14F-4D97-AF65-F5344CB8AC3E}">
@@ -11092,7 +11199,2619 @@
     <p:bg>
       <p:bgPr>
         <a:solidFill>
-          <a:schemeClr val="bg2"/>
+          <a:schemeClr val="bg1"/>
+        </a:solidFill>
+        <a:effectLst/>
+      </p:bgPr>
+    </p:bg>
+    <p:spTree>
+      <p:nvGrpSpPr>
+        <p:cNvPr id="1" name=""/>
+        <p:cNvGrpSpPr/>
+        <p:nvPr/>
+      </p:nvGrpSpPr>
+      <p:grpSpPr>
+        <a:xfrm>
+          <a:off x="0" y="0"/>
+          <a:ext cx="0" cy="0"/>
+          <a:chOff x="0" y="0"/>
+          <a:chExt cx="0" cy="0"/>
+        </a:xfrm>
+      </p:grpSpPr>
+      <p:sp>
+        <p:nvSpPr>
+          <p:cNvPr id="17" name="Freeform 6">
+            <a:extLst>
+              <a:ext uri="{FF2B5EF4-FFF2-40B4-BE49-F238E27FC236}">
+                <a16:creationId xmlns:a16="http://schemas.microsoft.com/office/drawing/2014/main" id="{B217C2AD-51B4-40CE-A71F-F5D3F846D97B}"/>
+              </a:ext>
+              <a:ext uri="{C183D7F6-B498-43B3-948B-1728B52AA6E4}">
+                <adec:decorative xmlns:adec="http://schemas.microsoft.com/office/drawing/2017/decorative" val="1"/>
+              </a:ext>
+            </a:extLst>
+          </p:cNvPr>
+          <p:cNvSpPr>
+            <a:spLocks noGrp="1" noRot="1" noChangeAspect="1" noMove="1" noResize="1" noEditPoints="1" noAdjustHandles="1" noChangeArrowheads="1" noChangeShapeType="1" noTextEdit="1"/>
+          </p:cNvSpPr>
+          <p:nvPr>
+            <p:extLst>
+              <p:ext uri="{386F3935-93C4-4BCD-93E2-E3B085C9AB24}">
+                <p16:designElem xmlns:p16="http://schemas.microsoft.com/office/powerpoint/2015/main" val="1"/>
+              </p:ext>
+            </p:extLst>
+          </p:nvPr>
+        </p:nvSpPr>
+        <p:spPr bwMode="auto">
+          <a:xfrm>
+            <a:off x="3557016" y="630936"/>
+            <a:ext cx="5235575" cy="5229225"/>
+          </a:xfrm>
+          <a:custGeom>
+            <a:avLst/>
+            <a:gdLst/>
+            <a:ahLst/>
+            <a:cxnLst/>
+            <a:rect l="0" t="0" r="r" b="b"/>
+            <a:pathLst>
+              <a:path w="3298" h="3294">
+                <a:moveTo>
+                  <a:pt x="1649" y="0"/>
+                </a:moveTo>
+                <a:lnTo>
+                  <a:pt x="1681" y="3"/>
+                </a:lnTo>
+                <a:lnTo>
+                  <a:pt x="1712" y="11"/>
+                </a:lnTo>
+                <a:lnTo>
+                  <a:pt x="1742" y="23"/>
+                </a:lnTo>
+                <a:lnTo>
+                  <a:pt x="1773" y="38"/>
+                </a:lnTo>
+                <a:lnTo>
+                  <a:pt x="1802" y="55"/>
+                </a:lnTo>
+                <a:lnTo>
+                  <a:pt x="1832" y="73"/>
+                </a:lnTo>
+                <a:lnTo>
+                  <a:pt x="1862" y="89"/>
+                </a:lnTo>
+                <a:lnTo>
+                  <a:pt x="1892" y="105"/>
+                </a:lnTo>
+                <a:lnTo>
+                  <a:pt x="1921" y="117"/>
+                </a:lnTo>
+                <a:lnTo>
+                  <a:pt x="1953" y="125"/>
+                </a:lnTo>
+                <a:lnTo>
+                  <a:pt x="1984" y="129"/>
+                </a:lnTo>
+                <a:lnTo>
+                  <a:pt x="2017" y="129"/>
+                </a:lnTo>
+                <a:lnTo>
+                  <a:pt x="2051" y="127"/>
+                </a:lnTo>
+                <a:lnTo>
+                  <a:pt x="2085" y="123"/>
+                </a:lnTo>
+                <a:lnTo>
+                  <a:pt x="2119" y="118"/>
+                </a:lnTo>
+                <a:lnTo>
+                  <a:pt x="2153" y="114"/>
+                </a:lnTo>
+                <a:lnTo>
+                  <a:pt x="2187" y="111"/>
+                </a:lnTo>
+                <a:lnTo>
+                  <a:pt x="2219" y="112"/>
+                </a:lnTo>
+                <a:lnTo>
+                  <a:pt x="2250" y="116"/>
+                </a:lnTo>
+                <a:lnTo>
+                  <a:pt x="2280" y="125"/>
+                </a:lnTo>
+                <a:lnTo>
+                  <a:pt x="2305" y="138"/>
+                </a:lnTo>
+                <a:lnTo>
+                  <a:pt x="2329" y="155"/>
+                </a:lnTo>
+                <a:lnTo>
+                  <a:pt x="2350" y="175"/>
+                </a:lnTo>
+                <a:lnTo>
+                  <a:pt x="2371" y="198"/>
+                </a:lnTo>
+                <a:lnTo>
+                  <a:pt x="2390" y="222"/>
+                </a:lnTo>
+                <a:lnTo>
+                  <a:pt x="2409" y="247"/>
+                </a:lnTo>
+                <a:lnTo>
+                  <a:pt x="2428" y="272"/>
+                </a:lnTo>
+                <a:lnTo>
+                  <a:pt x="2447" y="296"/>
+                </a:lnTo>
+                <a:lnTo>
+                  <a:pt x="2467" y="319"/>
+                </a:lnTo>
+                <a:lnTo>
+                  <a:pt x="2490" y="339"/>
+                </a:lnTo>
+                <a:lnTo>
+                  <a:pt x="2512" y="357"/>
+                </a:lnTo>
+                <a:lnTo>
+                  <a:pt x="2537" y="371"/>
+                </a:lnTo>
+                <a:lnTo>
+                  <a:pt x="2564" y="383"/>
+                </a:lnTo>
+                <a:lnTo>
+                  <a:pt x="2593" y="393"/>
+                </a:lnTo>
+                <a:lnTo>
+                  <a:pt x="2623" y="402"/>
+                </a:lnTo>
+                <a:lnTo>
+                  <a:pt x="2653" y="410"/>
+                </a:lnTo>
+                <a:lnTo>
+                  <a:pt x="2684" y="418"/>
+                </a:lnTo>
+                <a:lnTo>
+                  <a:pt x="2713" y="427"/>
+                </a:lnTo>
+                <a:lnTo>
+                  <a:pt x="2742" y="437"/>
+                </a:lnTo>
+                <a:lnTo>
+                  <a:pt x="2769" y="449"/>
+                </a:lnTo>
+                <a:lnTo>
+                  <a:pt x="2793" y="464"/>
+                </a:lnTo>
+                <a:lnTo>
+                  <a:pt x="2815" y="482"/>
+                </a:lnTo>
+                <a:lnTo>
+                  <a:pt x="2833" y="504"/>
+                </a:lnTo>
+                <a:lnTo>
+                  <a:pt x="2848" y="528"/>
+                </a:lnTo>
+                <a:lnTo>
+                  <a:pt x="2860" y="555"/>
+                </a:lnTo>
+                <a:lnTo>
+                  <a:pt x="2870" y="584"/>
+                </a:lnTo>
+                <a:lnTo>
+                  <a:pt x="2879" y="613"/>
+                </a:lnTo>
+                <a:lnTo>
+                  <a:pt x="2887" y="644"/>
+                </a:lnTo>
+                <a:lnTo>
+                  <a:pt x="2895" y="674"/>
+                </a:lnTo>
+                <a:lnTo>
+                  <a:pt x="2904" y="704"/>
+                </a:lnTo>
+                <a:lnTo>
+                  <a:pt x="2914" y="733"/>
+                </a:lnTo>
+                <a:lnTo>
+                  <a:pt x="2926" y="760"/>
+                </a:lnTo>
+                <a:lnTo>
+                  <a:pt x="2940" y="785"/>
+                </a:lnTo>
+                <a:lnTo>
+                  <a:pt x="2958" y="807"/>
+                </a:lnTo>
+                <a:lnTo>
+                  <a:pt x="2978" y="830"/>
+                </a:lnTo>
+                <a:lnTo>
+                  <a:pt x="3001" y="850"/>
+                </a:lnTo>
+                <a:lnTo>
+                  <a:pt x="3025" y="869"/>
+                </a:lnTo>
+                <a:lnTo>
+                  <a:pt x="3051" y="888"/>
+                </a:lnTo>
+                <a:lnTo>
+                  <a:pt x="3076" y="907"/>
+                </a:lnTo>
+                <a:lnTo>
+                  <a:pt x="3100" y="926"/>
+                </a:lnTo>
+                <a:lnTo>
+                  <a:pt x="3123" y="947"/>
+                </a:lnTo>
+                <a:lnTo>
+                  <a:pt x="3143" y="968"/>
+                </a:lnTo>
+                <a:lnTo>
+                  <a:pt x="3160" y="992"/>
+                </a:lnTo>
+                <a:lnTo>
+                  <a:pt x="3173" y="1017"/>
+                </a:lnTo>
+                <a:lnTo>
+                  <a:pt x="3182" y="1047"/>
+                </a:lnTo>
+                <a:lnTo>
+                  <a:pt x="3186" y="1078"/>
+                </a:lnTo>
+                <a:lnTo>
+                  <a:pt x="3187" y="1110"/>
+                </a:lnTo>
+                <a:lnTo>
+                  <a:pt x="3184" y="1144"/>
+                </a:lnTo>
+                <a:lnTo>
+                  <a:pt x="3180" y="1178"/>
+                </a:lnTo>
+                <a:lnTo>
+                  <a:pt x="3175" y="1212"/>
+                </a:lnTo>
+                <a:lnTo>
+                  <a:pt x="3171" y="1246"/>
+                </a:lnTo>
+                <a:lnTo>
+                  <a:pt x="3169" y="1280"/>
+                </a:lnTo>
+                <a:lnTo>
+                  <a:pt x="3169" y="1313"/>
+                </a:lnTo>
+                <a:lnTo>
+                  <a:pt x="3173" y="1344"/>
+                </a:lnTo>
+                <a:lnTo>
+                  <a:pt x="3181" y="1375"/>
+                </a:lnTo>
+                <a:lnTo>
+                  <a:pt x="3193" y="1404"/>
+                </a:lnTo>
+                <a:lnTo>
+                  <a:pt x="3209" y="1434"/>
+                </a:lnTo>
+                <a:lnTo>
+                  <a:pt x="3225" y="1464"/>
+                </a:lnTo>
+                <a:lnTo>
+                  <a:pt x="3243" y="1494"/>
+                </a:lnTo>
+                <a:lnTo>
+                  <a:pt x="3260" y="1523"/>
+                </a:lnTo>
+                <a:lnTo>
+                  <a:pt x="3275" y="1554"/>
+                </a:lnTo>
+                <a:lnTo>
+                  <a:pt x="3287" y="1584"/>
+                </a:lnTo>
+                <a:lnTo>
+                  <a:pt x="3295" y="1615"/>
+                </a:lnTo>
+                <a:lnTo>
+                  <a:pt x="3298" y="1647"/>
+                </a:lnTo>
+                <a:lnTo>
+                  <a:pt x="3295" y="1679"/>
+                </a:lnTo>
+                <a:lnTo>
+                  <a:pt x="3287" y="1710"/>
+                </a:lnTo>
+                <a:lnTo>
+                  <a:pt x="3275" y="1740"/>
+                </a:lnTo>
+                <a:lnTo>
+                  <a:pt x="3260" y="1771"/>
+                </a:lnTo>
+                <a:lnTo>
+                  <a:pt x="3243" y="1800"/>
+                </a:lnTo>
+                <a:lnTo>
+                  <a:pt x="3225" y="1830"/>
+                </a:lnTo>
+                <a:lnTo>
+                  <a:pt x="3209" y="1860"/>
+                </a:lnTo>
+                <a:lnTo>
+                  <a:pt x="3193" y="1890"/>
+                </a:lnTo>
+                <a:lnTo>
+                  <a:pt x="3181" y="1919"/>
+                </a:lnTo>
+                <a:lnTo>
+                  <a:pt x="3173" y="1950"/>
+                </a:lnTo>
+                <a:lnTo>
+                  <a:pt x="3169" y="1981"/>
+                </a:lnTo>
+                <a:lnTo>
+                  <a:pt x="3169" y="2014"/>
+                </a:lnTo>
+                <a:lnTo>
+                  <a:pt x="3171" y="2048"/>
+                </a:lnTo>
+                <a:lnTo>
+                  <a:pt x="3175" y="2082"/>
+                </a:lnTo>
+                <a:lnTo>
+                  <a:pt x="3180" y="2116"/>
+                </a:lnTo>
+                <a:lnTo>
+                  <a:pt x="3184" y="2150"/>
+                </a:lnTo>
+                <a:lnTo>
+                  <a:pt x="3187" y="2184"/>
+                </a:lnTo>
+                <a:lnTo>
+                  <a:pt x="3186" y="2216"/>
+                </a:lnTo>
+                <a:lnTo>
+                  <a:pt x="3182" y="2247"/>
+                </a:lnTo>
+                <a:lnTo>
+                  <a:pt x="3173" y="2277"/>
+                </a:lnTo>
+                <a:lnTo>
+                  <a:pt x="3160" y="2302"/>
+                </a:lnTo>
+                <a:lnTo>
+                  <a:pt x="3143" y="2326"/>
+                </a:lnTo>
+                <a:lnTo>
+                  <a:pt x="3123" y="2347"/>
+                </a:lnTo>
+                <a:lnTo>
+                  <a:pt x="3100" y="2368"/>
+                </a:lnTo>
+                <a:lnTo>
+                  <a:pt x="3076" y="2387"/>
+                </a:lnTo>
+                <a:lnTo>
+                  <a:pt x="3051" y="2406"/>
+                </a:lnTo>
+                <a:lnTo>
+                  <a:pt x="3025" y="2425"/>
+                </a:lnTo>
+                <a:lnTo>
+                  <a:pt x="3001" y="2444"/>
+                </a:lnTo>
+                <a:lnTo>
+                  <a:pt x="2978" y="2464"/>
+                </a:lnTo>
+                <a:lnTo>
+                  <a:pt x="2958" y="2487"/>
+                </a:lnTo>
+                <a:lnTo>
+                  <a:pt x="2940" y="2509"/>
+                </a:lnTo>
+                <a:lnTo>
+                  <a:pt x="2926" y="2534"/>
+                </a:lnTo>
+                <a:lnTo>
+                  <a:pt x="2914" y="2561"/>
+                </a:lnTo>
+                <a:lnTo>
+                  <a:pt x="2904" y="2590"/>
+                </a:lnTo>
+                <a:lnTo>
+                  <a:pt x="2895" y="2620"/>
+                </a:lnTo>
+                <a:lnTo>
+                  <a:pt x="2887" y="2650"/>
+                </a:lnTo>
+                <a:lnTo>
+                  <a:pt x="2879" y="2681"/>
+                </a:lnTo>
+                <a:lnTo>
+                  <a:pt x="2870" y="2710"/>
+                </a:lnTo>
+                <a:lnTo>
+                  <a:pt x="2860" y="2739"/>
+                </a:lnTo>
+                <a:lnTo>
+                  <a:pt x="2848" y="2766"/>
+                </a:lnTo>
+                <a:lnTo>
+                  <a:pt x="2833" y="2790"/>
+                </a:lnTo>
+                <a:lnTo>
+                  <a:pt x="2815" y="2812"/>
+                </a:lnTo>
+                <a:lnTo>
+                  <a:pt x="2793" y="2830"/>
+                </a:lnTo>
+                <a:lnTo>
+                  <a:pt x="2769" y="2845"/>
+                </a:lnTo>
+                <a:lnTo>
+                  <a:pt x="2742" y="2857"/>
+                </a:lnTo>
+                <a:lnTo>
+                  <a:pt x="2713" y="2867"/>
+                </a:lnTo>
+                <a:lnTo>
+                  <a:pt x="2684" y="2876"/>
+                </a:lnTo>
+                <a:lnTo>
+                  <a:pt x="2653" y="2884"/>
+                </a:lnTo>
+                <a:lnTo>
+                  <a:pt x="2623" y="2892"/>
+                </a:lnTo>
+                <a:lnTo>
+                  <a:pt x="2593" y="2901"/>
+                </a:lnTo>
+                <a:lnTo>
+                  <a:pt x="2564" y="2911"/>
+                </a:lnTo>
+                <a:lnTo>
+                  <a:pt x="2537" y="2923"/>
+                </a:lnTo>
+                <a:lnTo>
+                  <a:pt x="2512" y="2937"/>
+                </a:lnTo>
+                <a:lnTo>
+                  <a:pt x="2490" y="2955"/>
+                </a:lnTo>
+                <a:lnTo>
+                  <a:pt x="2467" y="2975"/>
+                </a:lnTo>
+                <a:lnTo>
+                  <a:pt x="2447" y="2998"/>
+                </a:lnTo>
+                <a:lnTo>
+                  <a:pt x="2428" y="3022"/>
+                </a:lnTo>
+                <a:lnTo>
+                  <a:pt x="2409" y="3047"/>
+                </a:lnTo>
+                <a:lnTo>
+                  <a:pt x="2390" y="3072"/>
+                </a:lnTo>
+                <a:lnTo>
+                  <a:pt x="2371" y="3096"/>
+                </a:lnTo>
+                <a:lnTo>
+                  <a:pt x="2350" y="3119"/>
+                </a:lnTo>
+                <a:lnTo>
+                  <a:pt x="2329" y="3139"/>
+                </a:lnTo>
+                <a:lnTo>
+                  <a:pt x="2305" y="3156"/>
+                </a:lnTo>
+                <a:lnTo>
+                  <a:pt x="2280" y="3169"/>
+                </a:lnTo>
+                <a:lnTo>
+                  <a:pt x="2250" y="3178"/>
+                </a:lnTo>
+                <a:lnTo>
+                  <a:pt x="2219" y="3182"/>
+                </a:lnTo>
+                <a:lnTo>
+                  <a:pt x="2187" y="3183"/>
+                </a:lnTo>
+                <a:lnTo>
+                  <a:pt x="2153" y="3180"/>
+                </a:lnTo>
+                <a:lnTo>
+                  <a:pt x="2119" y="3176"/>
+                </a:lnTo>
+                <a:lnTo>
+                  <a:pt x="2085" y="3171"/>
+                </a:lnTo>
+                <a:lnTo>
+                  <a:pt x="2051" y="3167"/>
+                </a:lnTo>
+                <a:lnTo>
+                  <a:pt x="2017" y="3165"/>
+                </a:lnTo>
+                <a:lnTo>
+                  <a:pt x="1984" y="3165"/>
+                </a:lnTo>
+                <a:lnTo>
+                  <a:pt x="1953" y="3169"/>
+                </a:lnTo>
+                <a:lnTo>
+                  <a:pt x="1921" y="3177"/>
+                </a:lnTo>
+                <a:lnTo>
+                  <a:pt x="1892" y="3189"/>
+                </a:lnTo>
+                <a:lnTo>
+                  <a:pt x="1862" y="3205"/>
+                </a:lnTo>
+                <a:lnTo>
+                  <a:pt x="1832" y="3221"/>
+                </a:lnTo>
+                <a:lnTo>
+                  <a:pt x="1802" y="3239"/>
+                </a:lnTo>
+                <a:lnTo>
+                  <a:pt x="1773" y="3256"/>
+                </a:lnTo>
+                <a:lnTo>
+                  <a:pt x="1742" y="3271"/>
+                </a:lnTo>
+                <a:lnTo>
+                  <a:pt x="1712" y="3283"/>
+                </a:lnTo>
+                <a:lnTo>
+                  <a:pt x="1681" y="3291"/>
+                </a:lnTo>
+                <a:lnTo>
+                  <a:pt x="1649" y="3294"/>
+                </a:lnTo>
+                <a:lnTo>
+                  <a:pt x="1617" y="3291"/>
+                </a:lnTo>
+                <a:lnTo>
+                  <a:pt x="1586" y="3283"/>
+                </a:lnTo>
+                <a:lnTo>
+                  <a:pt x="1556" y="3271"/>
+                </a:lnTo>
+                <a:lnTo>
+                  <a:pt x="1525" y="3256"/>
+                </a:lnTo>
+                <a:lnTo>
+                  <a:pt x="1496" y="3239"/>
+                </a:lnTo>
+                <a:lnTo>
+                  <a:pt x="1466" y="3221"/>
+                </a:lnTo>
+                <a:lnTo>
+                  <a:pt x="1436" y="3205"/>
+                </a:lnTo>
+                <a:lnTo>
+                  <a:pt x="1406" y="3189"/>
+                </a:lnTo>
+                <a:lnTo>
+                  <a:pt x="1376" y="3177"/>
+                </a:lnTo>
+                <a:lnTo>
+                  <a:pt x="1345" y="3169"/>
+                </a:lnTo>
+                <a:lnTo>
+                  <a:pt x="1314" y="3165"/>
+                </a:lnTo>
+                <a:lnTo>
+                  <a:pt x="1281" y="3165"/>
+                </a:lnTo>
+                <a:lnTo>
+                  <a:pt x="1247" y="3167"/>
+                </a:lnTo>
+                <a:lnTo>
+                  <a:pt x="1213" y="3171"/>
+                </a:lnTo>
+                <a:lnTo>
+                  <a:pt x="1179" y="3176"/>
+                </a:lnTo>
+                <a:lnTo>
+                  <a:pt x="1145" y="3180"/>
+                </a:lnTo>
+                <a:lnTo>
+                  <a:pt x="1111" y="3183"/>
+                </a:lnTo>
+                <a:lnTo>
+                  <a:pt x="1079" y="3182"/>
+                </a:lnTo>
+                <a:lnTo>
+                  <a:pt x="1048" y="3178"/>
+                </a:lnTo>
+                <a:lnTo>
+                  <a:pt x="1018" y="3169"/>
+                </a:lnTo>
+                <a:lnTo>
+                  <a:pt x="993" y="3156"/>
+                </a:lnTo>
+                <a:lnTo>
+                  <a:pt x="969" y="3139"/>
+                </a:lnTo>
+                <a:lnTo>
+                  <a:pt x="948" y="3119"/>
+                </a:lnTo>
+                <a:lnTo>
+                  <a:pt x="927" y="3096"/>
+                </a:lnTo>
+                <a:lnTo>
+                  <a:pt x="908" y="3072"/>
+                </a:lnTo>
+                <a:lnTo>
+                  <a:pt x="889" y="3047"/>
+                </a:lnTo>
+                <a:lnTo>
+                  <a:pt x="870" y="3022"/>
+                </a:lnTo>
+                <a:lnTo>
+                  <a:pt x="851" y="2998"/>
+                </a:lnTo>
+                <a:lnTo>
+                  <a:pt x="831" y="2975"/>
+                </a:lnTo>
+                <a:lnTo>
+                  <a:pt x="808" y="2955"/>
+                </a:lnTo>
+                <a:lnTo>
+                  <a:pt x="786" y="2937"/>
+                </a:lnTo>
+                <a:lnTo>
+                  <a:pt x="761" y="2923"/>
+                </a:lnTo>
+                <a:lnTo>
+                  <a:pt x="734" y="2911"/>
+                </a:lnTo>
+                <a:lnTo>
+                  <a:pt x="705" y="2901"/>
+                </a:lnTo>
+                <a:lnTo>
+                  <a:pt x="675" y="2892"/>
+                </a:lnTo>
+                <a:lnTo>
+                  <a:pt x="645" y="2884"/>
+                </a:lnTo>
+                <a:lnTo>
+                  <a:pt x="614" y="2876"/>
+                </a:lnTo>
+                <a:lnTo>
+                  <a:pt x="585" y="2867"/>
+                </a:lnTo>
+                <a:lnTo>
+                  <a:pt x="556" y="2857"/>
+                </a:lnTo>
+                <a:lnTo>
+                  <a:pt x="529" y="2845"/>
+                </a:lnTo>
+                <a:lnTo>
+                  <a:pt x="505" y="2830"/>
+                </a:lnTo>
+                <a:lnTo>
+                  <a:pt x="483" y="2812"/>
+                </a:lnTo>
+                <a:lnTo>
+                  <a:pt x="465" y="2790"/>
+                </a:lnTo>
+                <a:lnTo>
+                  <a:pt x="450" y="2766"/>
+                </a:lnTo>
+                <a:lnTo>
+                  <a:pt x="438" y="2739"/>
+                </a:lnTo>
+                <a:lnTo>
+                  <a:pt x="428" y="2710"/>
+                </a:lnTo>
+                <a:lnTo>
+                  <a:pt x="419" y="2681"/>
+                </a:lnTo>
+                <a:lnTo>
+                  <a:pt x="411" y="2650"/>
+                </a:lnTo>
+                <a:lnTo>
+                  <a:pt x="403" y="2620"/>
+                </a:lnTo>
+                <a:lnTo>
+                  <a:pt x="394" y="2590"/>
+                </a:lnTo>
+                <a:lnTo>
+                  <a:pt x="384" y="2561"/>
+                </a:lnTo>
+                <a:lnTo>
+                  <a:pt x="372" y="2534"/>
+                </a:lnTo>
+                <a:lnTo>
+                  <a:pt x="358" y="2509"/>
+                </a:lnTo>
+                <a:lnTo>
+                  <a:pt x="340" y="2487"/>
+                </a:lnTo>
+                <a:lnTo>
+                  <a:pt x="320" y="2464"/>
+                </a:lnTo>
+                <a:lnTo>
+                  <a:pt x="297" y="2444"/>
+                </a:lnTo>
+                <a:lnTo>
+                  <a:pt x="272" y="2425"/>
+                </a:lnTo>
+                <a:lnTo>
+                  <a:pt x="247" y="2406"/>
+                </a:lnTo>
+                <a:lnTo>
+                  <a:pt x="222" y="2387"/>
+                </a:lnTo>
+                <a:lnTo>
+                  <a:pt x="198" y="2368"/>
+                </a:lnTo>
+                <a:lnTo>
+                  <a:pt x="175" y="2347"/>
+                </a:lnTo>
+                <a:lnTo>
+                  <a:pt x="155" y="2326"/>
+                </a:lnTo>
+                <a:lnTo>
+                  <a:pt x="138" y="2302"/>
+                </a:lnTo>
+                <a:lnTo>
+                  <a:pt x="125" y="2277"/>
+                </a:lnTo>
+                <a:lnTo>
+                  <a:pt x="116" y="2247"/>
+                </a:lnTo>
+                <a:lnTo>
+                  <a:pt x="112" y="2216"/>
+                </a:lnTo>
+                <a:lnTo>
+                  <a:pt x="111" y="2184"/>
+                </a:lnTo>
+                <a:lnTo>
+                  <a:pt x="114" y="2150"/>
+                </a:lnTo>
+                <a:lnTo>
+                  <a:pt x="118" y="2116"/>
+                </a:lnTo>
+                <a:lnTo>
+                  <a:pt x="123" y="2082"/>
+                </a:lnTo>
+                <a:lnTo>
+                  <a:pt x="127" y="2048"/>
+                </a:lnTo>
+                <a:lnTo>
+                  <a:pt x="129" y="2014"/>
+                </a:lnTo>
+                <a:lnTo>
+                  <a:pt x="129" y="1981"/>
+                </a:lnTo>
+                <a:lnTo>
+                  <a:pt x="125" y="1950"/>
+                </a:lnTo>
+                <a:lnTo>
+                  <a:pt x="117" y="1919"/>
+                </a:lnTo>
+                <a:lnTo>
+                  <a:pt x="105" y="1890"/>
+                </a:lnTo>
+                <a:lnTo>
+                  <a:pt x="90" y="1860"/>
+                </a:lnTo>
+                <a:lnTo>
+                  <a:pt x="73" y="1830"/>
+                </a:lnTo>
+                <a:lnTo>
+                  <a:pt x="55" y="1800"/>
+                </a:lnTo>
+                <a:lnTo>
+                  <a:pt x="38" y="1771"/>
+                </a:lnTo>
+                <a:lnTo>
+                  <a:pt x="23" y="1740"/>
+                </a:lnTo>
+                <a:lnTo>
+                  <a:pt x="11" y="1710"/>
+                </a:lnTo>
+                <a:lnTo>
+                  <a:pt x="3" y="1679"/>
+                </a:lnTo>
+                <a:lnTo>
+                  <a:pt x="0" y="1647"/>
+                </a:lnTo>
+                <a:lnTo>
+                  <a:pt x="3" y="1615"/>
+                </a:lnTo>
+                <a:lnTo>
+                  <a:pt x="11" y="1584"/>
+                </a:lnTo>
+                <a:lnTo>
+                  <a:pt x="23" y="1554"/>
+                </a:lnTo>
+                <a:lnTo>
+                  <a:pt x="38" y="1523"/>
+                </a:lnTo>
+                <a:lnTo>
+                  <a:pt x="55" y="1494"/>
+                </a:lnTo>
+                <a:lnTo>
+                  <a:pt x="73" y="1464"/>
+                </a:lnTo>
+                <a:lnTo>
+                  <a:pt x="90" y="1434"/>
+                </a:lnTo>
+                <a:lnTo>
+                  <a:pt x="105" y="1404"/>
+                </a:lnTo>
+                <a:lnTo>
+                  <a:pt x="117" y="1375"/>
+                </a:lnTo>
+                <a:lnTo>
+                  <a:pt x="125" y="1344"/>
+                </a:lnTo>
+                <a:lnTo>
+                  <a:pt x="129" y="1313"/>
+                </a:lnTo>
+                <a:lnTo>
+                  <a:pt x="129" y="1280"/>
+                </a:lnTo>
+                <a:lnTo>
+                  <a:pt x="127" y="1246"/>
+                </a:lnTo>
+                <a:lnTo>
+                  <a:pt x="123" y="1212"/>
+                </a:lnTo>
+                <a:lnTo>
+                  <a:pt x="118" y="1178"/>
+                </a:lnTo>
+                <a:lnTo>
+                  <a:pt x="114" y="1144"/>
+                </a:lnTo>
+                <a:lnTo>
+                  <a:pt x="111" y="1110"/>
+                </a:lnTo>
+                <a:lnTo>
+                  <a:pt x="112" y="1078"/>
+                </a:lnTo>
+                <a:lnTo>
+                  <a:pt x="116" y="1047"/>
+                </a:lnTo>
+                <a:lnTo>
+                  <a:pt x="125" y="1017"/>
+                </a:lnTo>
+                <a:lnTo>
+                  <a:pt x="138" y="992"/>
+                </a:lnTo>
+                <a:lnTo>
+                  <a:pt x="155" y="968"/>
+                </a:lnTo>
+                <a:lnTo>
+                  <a:pt x="175" y="947"/>
+                </a:lnTo>
+                <a:lnTo>
+                  <a:pt x="198" y="926"/>
+                </a:lnTo>
+                <a:lnTo>
+                  <a:pt x="222" y="907"/>
+                </a:lnTo>
+                <a:lnTo>
+                  <a:pt x="247" y="888"/>
+                </a:lnTo>
+                <a:lnTo>
+                  <a:pt x="272" y="869"/>
+                </a:lnTo>
+                <a:lnTo>
+                  <a:pt x="297" y="850"/>
+                </a:lnTo>
+                <a:lnTo>
+                  <a:pt x="320" y="830"/>
+                </a:lnTo>
+                <a:lnTo>
+                  <a:pt x="340" y="807"/>
+                </a:lnTo>
+                <a:lnTo>
+                  <a:pt x="358" y="785"/>
+                </a:lnTo>
+                <a:lnTo>
+                  <a:pt x="372" y="760"/>
+                </a:lnTo>
+                <a:lnTo>
+                  <a:pt x="384" y="733"/>
+                </a:lnTo>
+                <a:lnTo>
+                  <a:pt x="394" y="704"/>
+                </a:lnTo>
+                <a:lnTo>
+                  <a:pt x="403" y="674"/>
+                </a:lnTo>
+                <a:lnTo>
+                  <a:pt x="411" y="644"/>
+                </a:lnTo>
+                <a:lnTo>
+                  <a:pt x="419" y="613"/>
+                </a:lnTo>
+                <a:lnTo>
+                  <a:pt x="428" y="584"/>
+                </a:lnTo>
+                <a:lnTo>
+                  <a:pt x="438" y="555"/>
+                </a:lnTo>
+                <a:lnTo>
+                  <a:pt x="450" y="528"/>
+                </a:lnTo>
+                <a:lnTo>
+                  <a:pt x="465" y="504"/>
+                </a:lnTo>
+                <a:lnTo>
+                  <a:pt x="483" y="482"/>
+                </a:lnTo>
+                <a:lnTo>
+                  <a:pt x="505" y="464"/>
+                </a:lnTo>
+                <a:lnTo>
+                  <a:pt x="529" y="449"/>
+                </a:lnTo>
+                <a:lnTo>
+                  <a:pt x="556" y="437"/>
+                </a:lnTo>
+                <a:lnTo>
+                  <a:pt x="585" y="427"/>
+                </a:lnTo>
+                <a:lnTo>
+                  <a:pt x="614" y="418"/>
+                </a:lnTo>
+                <a:lnTo>
+                  <a:pt x="645" y="410"/>
+                </a:lnTo>
+                <a:lnTo>
+                  <a:pt x="675" y="402"/>
+                </a:lnTo>
+                <a:lnTo>
+                  <a:pt x="705" y="393"/>
+                </a:lnTo>
+                <a:lnTo>
+                  <a:pt x="734" y="383"/>
+                </a:lnTo>
+                <a:lnTo>
+                  <a:pt x="761" y="371"/>
+                </a:lnTo>
+                <a:lnTo>
+                  <a:pt x="786" y="357"/>
+                </a:lnTo>
+                <a:lnTo>
+                  <a:pt x="808" y="339"/>
+                </a:lnTo>
+                <a:lnTo>
+                  <a:pt x="831" y="319"/>
+                </a:lnTo>
+                <a:lnTo>
+                  <a:pt x="851" y="296"/>
+                </a:lnTo>
+                <a:lnTo>
+                  <a:pt x="870" y="272"/>
+                </a:lnTo>
+                <a:lnTo>
+                  <a:pt x="889" y="247"/>
+                </a:lnTo>
+                <a:lnTo>
+                  <a:pt x="908" y="222"/>
+                </a:lnTo>
+                <a:lnTo>
+                  <a:pt x="927" y="198"/>
+                </a:lnTo>
+                <a:lnTo>
+                  <a:pt x="948" y="175"/>
+                </a:lnTo>
+                <a:lnTo>
+                  <a:pt x="969" y="155"/>
+                </a:lnTo>
+                <a:lnTo>
+                  <a:pt x="993" y="138"/>
+                </a:lnTo>
+                <a:lnTo>
+                  <a:pt x="1018" y="125"/>
+                </a:lnTo>
+                <a:lnTo>
+                  <a:pt x="1048" y="116"/>
+                </a:lnTo>
+                <a:lnTo>
+                  <a:pt x="1079" y="112"/>
+                </a:lnTo>
+                <a:lnTo>
+                  <a:pt x="1111" y="111"/>
+                </a:lnTo>
+                <a:lnTo>
+                  <a:pt x="1145" y="114"/>
+                </a:lnTo>
+                <a:lnTo>
+                  <a:pt x="1179" y="118"/>
+                </a:lnTo>
+                <a:lnTo>
+                  <a:pt x="1213" y="123"/>
+                </a:lnTo>
+                <a:lnTo>
+                  <a:pt x="1247" y="127"/>
+                </a:lnTo>
+                <a:lnTo>
+                  <a:pt x="1281" y="129"/>
+                </a:lnTo>
+                <a:lnTo>
+                  <a:pt x="1314" y="129"/>
+                </a:lnTo>
+                <a:lnTo>
+                  <a:pt x="1345" y="125"/>
+                </a:lnTo>
+                <a:lnTo>
+                  <a:pt x="1376" y="117"/>
+                </a:lnTo>
+                <a:lnTo>
+                  <a:pt x="1406" y="105"/>
+                </a:lnTo>
+                <a:lnTo>
+                  <a:pt x="1436" y="89"/>
+                </a:lnTo>
+                <a:lnTo>
+                  <a:pt x="1466" y="73"/>
+                </a:lnTo>
+                <a:lnTo>
+                  <a:pt x="1496" y="55"/>
+                </a:lnTo>
+                <a:lnTo>
+                  <a:pt x="1525" y="38"/>
+                </a:lnTo>
+                <a:lnTo>
+                  <a:pt x="1556" y="23"/>
+                </a:lnTo>
+                <a:lnTo>
+                  <a:pt x="1586" y="11"/>
+                </a:lnTo>
+                <a:lnTo>
+                  <a:pt x="1617" y="3"/>
+                </a:lnTo>
+                <a:lnTo>
+                  <a:pt x="1649" y="0"/>
+                </a:lnTo>
+                <a:close/>
+              </a:path>
+            </a:pathLst>
+          </a:custGeom>
+          <a:solidFill>
+            <a:schemeClr val="bg2"/>
+          </a:solidFill>
+          <a:ln w="0">
+            <a:noFill/>
+            <a:prstDash val="solid"/>
+            <a:round/>
+            <a:headEnd/>
+            <a:tailEnd/>
+          </a:ln>
+        </p:spPr>
+      </p:sp>
+      <p:sp>
+        <p:nvSpPr>
+          <p:cNvPr id="19" name="Rectangle 18">
+            <a:extLst>
+              <a:ext uri="{FF2B5EF4-FFF2-40B4-BE49-F238E27FC236}">
+                <a16:creationId xmlns:a16="http://schemas.microsoft.com/office/drawing/2014/main" id="{6F1BF92E-23CF-4BFE-9E1F-C359BACFA3C5}"/>
+              </a:ext>
+              <a:ext uri="{C183D7F6-B498-43B3-948B-1728B52AA6E4}">
+                <adec:decorative xmlns:adec="http://schemas.microsoft.com/office/drawing/2017/decorative" val="1"/>
+              </a:ext>
+            </a:extLst>
+          </p:cNvPr>
+          <p:cNvSpPr>
+            <a:spLocks noGrp="1" noRot="1" noChangeAspect="1" noMove="1" noResize="1" noEditPoints="1" noAdjustHandles="1" noChangeArrowheads="1" noChangeShapeType="1" noTextEdit="1"/>
+          </p:cNvSpPr>
+          <p:nvPr>
+            <p:extLst>
+              <p:ext uri="{386F3935-93C4-4BCD-93E2-E3B085C9AB24}">
+                <p16:designElem xmlns:p16="http://schemas.microsoft.com/office/powerpoint/2015/main" val="1"/>
+              </p:ext>
+            </p:extLst>
+          </p:nvPr>
+        </p:nvSpPr>
+        <p:spPr>
+          <a:xfrm>
+            <a:off x="0" y="0"/>
+            <a:ext cx="283464" cy="6858000"/>
+          </a:xfrm>
+          <a:prstGeom prst="rect">
+            <a:avLst/>
+          </a:prstGeom>
+          <a:solidFill>
+            <a:schemeClr val="tx2"/>
+          </a:solidFill>
+          <a:ln>
+            <a:noFill/>
+          </a:ln>
+        </p:spPr>
+        <p:style>
+          <a:lnRef idx="2">
+            <a:schemeClr val="accent1">
+              <a:shade val="50000"/>
+            </a:schemeClr>
+          </a:lnRef>
+          <a:fillRef idx="1">
+            <a:schemeClr val="accent1"/>
+          </a:fillRef>
+          <a:effectRef idx="0">
+            <a:schemeClr val="accent1"/>
+          </a:effectRef>
+          <a:fontRef idx="minor">
+            <a:schemeClr val="lt1"/>
+          </a:fontRef>
+        </p:style>
+      </p:sp>
+      <p:sp useBgFill="1">
+        <p:nvSpPr>
+          <p:cNvPr id="21" name="Rectangle 20">
+            <a:extLst>
+              <a:ext uri="{FF2B5EF4-FFF2-40B4-BE49-F238E27FC236}">
+                <a16:creationId xmlns:a16="http://schemas.microsoft.com/office/drawing/2014/main" id="{DFEF8384-2545-4ACD-9071-49DD1CFC4E99}"/>
+              </a:ext>
+              <a:ext uri="{C183D7F6-B498-43B3-948B-1728B52AA6E4}">
+                <adec:decorative xmlns:adec="http://schemas.microsoft.com/office/drawing/2017/decorative" val="1"/>
+              </a:ext>
+            </a:extLst>
+          </p:cNvPr>
+          <p:cNvSpPr>
+            <a:spLocks noGrp="1" noRot="1" noChangeAspect="1" noMove="1" noResize="1" noEditPoints="1" noAdjustHandles="1" noChangeArrowheads="1" noChangeShapeType="1" noTextEdit="1"/>
+          </p:cNvSpPr>
+          <p:nvPr>
+            <p:extLst>
+              <p:ext uri="{386F3935-93C4-4BCD-93E2-E3B085C9AB24}">
+                <p16:designElem xmlns:p16="http://schemas.microsoft.com/office/powerpoint/2015/main" val="1"/>
+              </p:ext>
+            </p:extLst>
+          </p:nvPr>
+        </p:nvSpPr>
+        <p:spPr bwMode="white">
+          <a:xfrm>
+            <a:off x="0" y="0"/>
+            <a:ext cx="12192000" cy="6858000"/>
+          </a:xfrm>
+          <a:prstGeom prst="rect">
+            <a:avLst/>
+          </a:prstGeom>
+          <a:ln>
+            <a:noFill/>
+          </a:ln>
+        </p:spPr>
+        <p:style>
+          <a:lnRef idx="2">
+            <a:schemeClr val="accent1">
+              <a:shade val="50000"/>
+            </a:schemeClr>
+          </a:lnRef>
+          <a:fillRef idx="1">
+            <a:schemeClr val="accent1"/>
+          </a:fillRef>
+          <a:effectRef idx="0">
+            <a:schemeClr val="accent1"/>
+          </a:effectRef>
+          <a:fontRef idx="minor">
+            <a:schemeClr val="lt1"/>
+          </a:fontRef>
+        </p:style>
+        <p:txBody>
+          <a:bodyPr rot="0" spcFirstLastPara="0" vert="horz" wrap="square" lIns="91440" tIns="45720" rIns="91440" bIns="45720" numCol="1" spcCol="0" rtlCol="0" fromWordArt="0" anchor="ctr" anchorCtr="0" forceAA="0" compatLnSpc="1">
+            <a:prstTxWarp prst="textNoShape">
+              <a:avLst/>
+            </a:prstTxWarp>
+            <a:noAutofit/>
+          </a:bodyPr>
+          <a:lstStyle>
+            <a:defPPr>
+              <a:defRPr lang="en-US"/>
+            </a:defPPr>
+            <a:lvl1pPr marL="0" algn="l" defTabSz="914400" rtl="0" eaLnBrk="1" latinLnBrk="0" hangingPunct="1">
+              <a:defRPr sz="1800" kern="1200">
+                <a:solidFill>
+                  <a:schemeClr val="lt1"/>
+                </a:solidFill>
+                <a:latin typeface="+mn-lt"/>
+                <a:ea typeface="+mn-ea"/>
+                <a:cs typeface="+mn-cs"/>
+              </a:defRPr>
+            </a:lvl1pPr>
+            <a:lvl2pPr marL="457200" algn="l" defTabSz="914400" rtl="0" eaLnBrk="1" latinLnBrk="0" hangingPunct="1">
+              <a:defRPr sz="1800" kern="1200">
+                <a:solidFill>
+                  <a:schemeClr val="lt1"/>
+                </a:solidFill>
+                <a:latin typeface="+mn-lt"/>
+                <a:ea typeface="+mn-ea"/>
+                <a:cs typeface="+mn-cs"/>
+              </a:defRPr>
+            </a:lvl2pPr>
+            <a:lvl3pPr marL="914400" algn="l" defTabSz="914400" rtl="0" eaLnBrk="1" latinLnBrk="0" hangingPunct="1">
+              <a:defRPr sz="1800" kern="1200">
+                <a:solidFill>
+                  <a:schemeClr val="lt1"/>
+                </a:solidFill>
+                <a:latin typeface="+mn-lt"/>
+                <a:ea typeface="+mn-ea"/>
+                <a:cs typeface="+mn-cs"/>
+              </a:defRPr>
+            </a:lvl3pPr>
+            <a:lvl4pPr marL="1371600" algn="l" defTabSz="914400" rtl="0" eaLnBrk="1" latinLnBrk="0" hangingPunct="1">
+              <a:defRPr sz="1800" kern="1200">
+                <a:solidFill>
+                  <a:schemeClr val="lt1"/>
+                </a:solidFill>
+                <a:latin typeface="+mn-lt"/>
+                <a:ea typeface="+mn-ea"/>
+                <a:cs typeface="+mn-cs"/>
+              </a:defRPr>
+            </a:lvl4pPr>
+            <a:lvl5pPr marL="1828800" algn="l" defTabSz="914400" rtl="0" eaLnBrk="1" latinLnBrk="0" hangingPunct="1">
+              <a:defRPr sz="1800" kern="1200">
+                <a:solidFill>
+                  <a:schemeClr val="lt1"/>
+                </a:solidFill>
+                <a:latin typeface="+mn-lt"/>
+                <a:ea typeface="+mn-ea"/>
+                <a:cs typeface="+mn-cs"/>
+              </a:defRPr>
+            </a:lvl5pPr>
+            <a:lvl6pPr marL="2286000" algn="l" defTabSz="914400" rtl="0" eaLnBrk="1" latinLnBrk="0" hangingPunct="1">
+              <a:defRPr sz="1800" kern="1200">
+                <a:solidFill>
+                  <a:schemeClr val="lt1"/>
+                </a:solidFill>
+                <a:latin typeface="+mn-lt"/>
+                <a:ea typeface="+mn-ea"/>
+                <a:cs typeface="+mn-cs"/>
+              </a:defRPr>
+            </a:lvl6pPr>
+            <a:lvl7pPr marL="2743200" algn="l" defTabSz="914400" rtl="0" eaLnBrk="1" latinLnBrk="0" hangingPunct="1">
+              <a:defRPr sz="1800" kern="1200">
+                <a:solidFill>
+                  <a:schemeClr val="lt1"/>
+                </a:solidFill>
+                <a:latin typeface="+mn-lt"/>
+                <a:ea typeface="+mn-ea"/>
+                <a:cs typeface="+mn-cs"/>
+              </a:defRPr>
+            </a:lvl7pPr>
+            <a:lvl8pPr marL="3200400" algn="l" defTabSz="914400" rtl="0" eaLnBrk="1" latinLnBrk="0" hangingPunct="1">
+              <a:defRPr sz="1800" kern="1200">
+                <a:solidFill>
+                  <a:schemeClr val="lt1"/>
+                </a:solidFill>
+                <a:latin typeface="+mn-lt"/>
+                <a:ea typeface="+mn-ea"/>
+                <a:cs typeface="+mn-cs"/>
+              </a:defRPr>
+            </a:lvl8pPr>
+            <a:lvl9pPr marL="3657600" algn="l" defTabSz="914400" rtl="0" eaLnBrk="1" latinLnBrk="0" hangingPunct="1">
+              <a:defRPr sz="1800" kern="1200">
+                <a:solidFill>
+                  <a:schemeClr val="lt1"/>
+                </a:solidFill>
+                <a:latin typeface="+mn-lt"/>
+                <a:ea typeface="+mn-ea"/>
+                <a:cs typeface="+mn-cs"/>
+              </a:defRPr>
+            </a:lvl9pPr>
+          </a:lstStyle>
+          <a:p>
+            <a:pPr algn="ctr"/>
+            <a:endParaRPr lang="en-US"/>
+          </a:p>
+        </p:txBody>
+      </p:sp>
+      <p:sp>
+        <p:nvSpPr>
+          <p:cNvPr id="23" name="Freeform 22">
+            <a:extLst>
+              <a:ext uri="{FF2B5EF4-FFF2-40B4-BE49-F238E27FC236}">
+                <a16:creationId xmlns:a16="http://schemas.microsoft.com/office/drawing/2014/main" id="{F77DB8FA-61A7-4DE7-A777-6D258D172484}"/>
+              </a:ext>
+              <a:ext uri="{C183D7F6-B498-43B3-948B-1728B52AA6E4}">
+                <adec:decorative xmlns:adec="http://schemas.microsoft.com/office/drawing/2017/decorative" val="1"/>
+              </a:ext>
+            </a:extLst>
+          </p:cNvPr>
+          <p:cNvSpPr>
+            <a:spLocks noGrp="1" noRot="1" noChangeAspect="1" noMove="1" noResize="1" noEditPoints="1" noAdjustHandles="1" noChangeArrowheads="1" noChangeShapeType="1" noTextEdit="1"/>
+          </p:cNvSpPr>
+          <p:nvPr>
+            <p:extLst>
+              <p:ext uri="{386F3935-93C4-4BCD-93E2-E3B085C9AB24}">
+                <p16:designElem xmlns:p16="http://schemas.microsoft.com/office/powerpoint/2015/main" val="1"/>
+              </p:ext>
+            </p:extLst>
+          </p:nvPr>
+        </p:nvSpPr>
+        <p:spPr bwMode="ltGray">
+          <a:xfrm>
+            <a:off x="1" y="0"/>
+            <a:ext cx="4695443" cy="6858000"/>
+          </a:xfrm>
+          <a:custGeom>
+            <a:avLst/>
+            <a:gdLst>
+              <a:gd name="connsiteX0" fmla="*/ 0 w 4992864"/>
+              <a:gd name="connsiteY0" fmla="*/ 0 h 6858000"/>
+              <a:gd name="connsiteX1" fmla="*/ 4813476 w 4992864"/>
+              <a:gd name="connsiteY1" fmla="*/ 0 h 6858000"/>
+              <a:gd name="connsiteX2" fmla="*/ 4818239 w 4992864"/>
+              <a:gd name="connsiteY2" fmla="*/ 66675 h 6858000"/>
+              <a:gd name="connsiteX3" fmla="*/ 4826176 w 4992864"/>
+              <a:gd name="connsiteY3" fmla="*/ 122237 h 6858000"/>
+              <a:gd name="connsiteX4" fmla="*/ 4835701 w 4992864"/>
+              <a:gd name="connsiteY4" fmla="*/ 174625 h 6858000"/>
+              <a:gd name="connsiteX5" fmla="*/ 4851576 w 4992864"/>
+              <a:gd name="connsiteY5" fmla="*/ 217487 h 6858000"/>
+              <a:gd name="connsiteX6" fmla="*/ 4867451 w 4992864"/>
+              <a:gd name="connsiteY6" fmla="*/ 260350 h 6858000"/>
+              <a:gd name="connsiteX7" fmla="*/ 4886501 w 4992864"/>
+              <a:gd name="connsiteY7" fmla="*/ 296862 h 6858000"/>
+              <a:gd name="connsiteX8" fmla="*/ 4905551 w 4992864"/>
+              <a:gd name="connsiteY8" fmla="*/ 334962 h 6858000"/>
+              <a:gd name="connsiteX9" fmla="*/ 4923014 w 4992864"/>
+              <a:gd name="connsiteY9" fmla="*/ 369887 h 6858000"/>
+              <a:gd name="connsiteX10" fmla="*/ 4940476 w 4992864"/>
+              <a:gd name="connsiteY10" fmla="*/ 409575 h 6858000"/>
+              <a:gd name="connsiteX11" fmla="*/ 4956351 w 4992864"/>
+              <a:gd name="connsiteY11" fmla="*/ 450850 h 6858000"/>
+              <a:gd name="connsiteX12" fmla="*/ 4970639 w 4992864"/>
+              <a:gd name="connsiteY12" fmla="*/ 496887 h 6858000"/>
+              <a:gd name="connsiteX13" fmla="*/ 4981751 w 4992864"/>
+              <a:gd name="connsiteY13" fmla="*/ 546100 h 6858000"/>
+              <a:gd name="connsiteX14" fmla="*/ 4989689 w 4992864"/>
+              <a:gd name="connsiteY14" fmla="*/ 606425 h 6858000"/>
+              <a:gd name="connsiteX15" fmla="*/ 4992864 w 4992864"/>
+              <a:gd name="connsiteY15" fmla="*/ 673100 h 6858000"/>
+              <a:gd name="connsiteX16" fmla="*/ 4989689 w 4992864"/>
+              <a:gd name="connsiteY16" fmla="*/ 744537 h 6858000"/>
+              <a:gd name="connsiteX17" fmla="*/ 4981751 w 4992864"/>
+              <a:gd name="connsiteY17" fmla="*/ 801687 h 6858000"/>
+              <a:gd name="connsiteX18" fmla="*/ 4970639 w 4992864"/>
+              <a:gd name="connsiteY18" fmla="*/ 854075 h 6858000"/>
+              <a:gd name="connsiteX19" fmla="*/ 4956351 w 4992864"/>
+              <a:gd name="connsiteY19" fmla="*/ 901700 h 6858000"/>
+              <a:gd name="connsiteX20" fmla="*/ 4940476 w 4992864"/>
+              <a:gd name="connsiteY20" fmla="*/ 942975 h 6858000"/>
+              <a:gd name="connsiteX21" fmla="*/ 4921426 w 4992864"/>
+              <a:gd name="connsiteY21" fmla="*/ 981075 h 6858000"/>
+              <a:gd name="connsiteX22" fmla="*/ 4902376 w 4992864"/>
+              <a:gd name="connsiteY22" fmla="*/ 1017587 h 6858000"/>
+              <a:gd name="connsiteX23" fmla="*/ 4883326 w 4992864"/>
+              <a:gd name="connsiteY23" fmla="*/ 1055687 h 6858000"/>
+              <a:gd name="connsiteX24" fmla="*/ 4865864 w 4992864"/>
+              <a:gd name="connsiteY24" fmla="*/ 1095375 h 6858000"/>
+              <a:gd name="connsiteX25" fmla="*/ 4848401 w 4992864"/>
+              <a:gd name="connsiteY25" fmla="*/ 1136650 h 6858000"/>
+              <a:gd name="connsiteX26" fmla="*/ 4834114 w 4992864"/>
+              <a:gd name="connsiteY26" fmla="*/ 1182687 h 6858000"/>
+              <a:gd name="connsiteX27" fmla="*/ 4824589 w 4992864"/>
+              <a:gd name="connsiteY27" fmla="*/ 1235075 h 6858000"/>
+              <a:gd name="connsiteX28" fmla="*/ 4815064 w 4992864"/>
+              <a:gd name="connsiteY28" fmla="*/ 1295400 h 6858000"/>
+              <a:gd name="connsiteX29" fmla="*/ 4813476 w 4992864"/>
+              <a:gd name="connsiteY29" fmla="*/ 1363662 h 6858000"/>
+              <a:gd name="connsiteX30" fmla="*/ 4815064 w 4992864"/>
+              <a:gd name="connsiteY30" fmla="*/ 1431925 h 6858000"/>
+              <a:gd name="connsiteX31" fmla="*/ 4824589 w 4992864"/>
+              <a:gd name="connsiteY31" fmla="*/ 1492250 h 6858000"/>
+              <a:gd name="connsiteX32" fmla="*/ 4834114 w 4992864"/>
+              <a:gd name="connsiteY32" fmla="*/ 1544637 h 6858000"/>
+              <a:gd name="connsiteX33" fmla="*/ 4848401 w 4992864"/>
+              <a:gd name="connsiteY33" fmla="*/ 1589087 h 6858000"/>
+              <a:gd name="connsiteX34" fmla="*/ 4865864 w 4992864"/>
+              <a:gd name="connsiteY34" fmla="*/ 1631950 h 6858000"/>
+              <a:gd name="connsiteX35" fmla="*/ 4883326 w 4992864"/>
+              <a:gd name="connsiteY35" fmla="*/ 1671637 h 6858000"/>
+              <a:gd name="connsiteX36" fmla="*/ 4902376 w 4992864"/>
+              <a:gd name="connsiteY36" fmla="*/ 1708150 h 6858000"/>
+              <a:gd name="connsiteX37" fmla="*/ 4921426 w 4992864"/>
+              <a:gd name="connsiteY37" fmla="*/ 1743075 h 6858000"/>
+              <a:gd name="connsiteX38" fmla="*/ 4940476 w 4992864"/>
+              <a:gd name="connsiteY38" fmla="*/ 1782762 h 6858000"/>
+              <a:gd name="connsiteX39" fmla="*/ 4956351 w 4992864"/>
+              <a:gd name="connsiteY39" fmla="*/ 1824037 h 6858000"/>
+              <a:gd name="connsiteX40" fmla="*/ 4970639 w 4992864"/>
+              <a:gd name="connsiteY40" fmla="*/ 1870075 h 6858000"/>
+              <a:gd name="connsiteX41" fmla="*/ 4981751 w 4992864"/>
+              <a:gd name="connsiteY41" fmla="*/ 1922462 h 6858000"/>
+              <a:gd name="connsiteX42" fmla="*/ 4989689 w 4992864"/>
+              <a:gd name="connsiteY42" fmla="*/ 1982787 h 6858000"/>
+              <a:gd name="connsiteX43" fmla="*/ 4992864 w 4992864"/>
+              <a:gd name="connsiteY43" fmla="*/ 2051050 h 6858000"/>
+              <a:gd name="connsiteX44" fmla="*/ 4989689 w 4992864"/>
+              <a:gd name="connsiteY44" fmla="*/ 2119312 h 6858000"/>
+              <a:gd name="connsiteX45" fmla="*/ 4981751 w 4992864"/>
+              <a:gd name="connsiteY45" fmla="*/ 2179637 h 6858000"/>
+              <a:gd name="connsiteX46" fmla="*/ 4970639 w 4992864"/>
+              <a:gd name="connsiteY46" fmla="*/ 2232025 h 6858000"/>
+              <a:gd name="connsiteX47" fmla="*/ 4956351 w 4992864"/>
+              <a:gd name="connsiteY47" fmla="*/ 2278062 h 6858000"/>
+              <a:gd name="connsiteX48" fmla="*/ 4940476 w 4992864"/>
+              <a:gd name="connsiteY48" fmla="*/ 2319337 h 6858000"/>
+              <a:gd name="connsiteX49" fmla="*/ 4921426 w 4992864"/>
+              <a:gd name="connsiteY49" fmla="*/ 2359025 h 6858000"/>
+              <a:gd name="connsiteX50" fmla="*/ 4902376 w 4992864"/>
+              <a:gd name="connsiteY50" fmla="*/ 2395537 h 6858000"/>
+              <a:gd name="connsiteX51" fmla="*/ 4883326 w 4992864"/>
+              <a:gd name="connsiteY51" fmla="*/ 2433637 h 6858000"/>
+              <a:gd name="connsiteX52" fmla="*/ 4865864 w 4992864"/>
+              <a:gd name="connsiteY52" fmla="*/ 2471737 h 6858000"/>
+              <a:gd name="connsiteX53" fmla="*/ 4848401 w 4992864"/>
+              <a:gd name="connsiteY53" fmla="*/ 2513012 h 6858000"/>
+              <a:gd name="connsiteX54" fmla="*/ 4834114 w 4992864"/>
+              <a:gd name="connsiteY54" fmla="*/ 2560637 h 6858000"/>
+              <a:gd name="connsiteX55" fmla="*/ 4824589 w 4992864"/>
+              <a:gd name="connsiteY55" fmla="*/ 2613025 h 6858000"/>
+              <a:gd name="connsiteX56" fmla="*/ 4815064 w 4992864"/>
+              <a:gd name="connsiteY56" fmla="*/ 2671762 h 6858000"/>
+              <a:gd name="connsiteX57" fmla="*/ 4813476 w 4992864"/>
+              <a:gd name="connsiteY57" fmla="*/ 2741612 h 6858000"/>
+              <a:gd name="connsiteX58" fmla="*/ 4815064 w 4992864"/>
+              <a:gd name="connsiteY58" fmla="*/ 2809875 h 6858000"/>
+              <a:gd name="connsiteX59" fmla="*/ 4824589 w 4992864"/>
+              <a:gd name="connsiteY59" fmla="*/ 2868612 h 6858000"/>
+              <a:gd name="connsiteX60" fmla="*/ 4834114 w 4992864"/>
+              <a:gd name="connsiteY60" fmla="*/ 2922587 h 6858000"/>
+              <a:gd name="connsiteX61" fmla="*/ 4848401 w 4992864"/>
+              <a:gd name="connsiteY61" fmla="*/ 2967037 h 6858000"/>
+              <a:gd name="connsiteX62" fmla="*/ 4865864 w 4992864"/>
+              <a:gd name="connsiteY62" fmla="*/ 3009900 h 6858000"/>
+              <a:gd name="connsiteX63" fmla="*/ 4883326 w 4992864"/>
+              <a:gd name="connsiteY63" fmla="*/ 3046412 h 6858000"/>
+              <a:gd name="connsiteX64" fmla="*/ 4902376 w 4992864"/>
+              <a:gd name="connsiteY64" fmla="*/ 3084512 h 6858000"/>
+              <a:gd name="connsiteX65" fmla="*/ 4921426 w 4992864"/>
+              <a:gd name="connsiteY65" fmla="*/ 3121025 h 6858000"/>
+              <a:gd name="connsiteX66" fmla="*/ 4940476 w 4992864"/>
+              <a:gd name="connsiteY66" fmla="*/ 3160712 h 6858000"/>
+              <a:gd name="connsiteX67" fmla="*/ 4956351 w 4992864"/>
+              <a:gd name="connsiteY67" fmla="*/ 3201987 h 6858000"/>
+              <a:gd name="connsiteX68" fmla="*/ 4970639 w 4992864"/>
+              <a:gd name="connsiteY68" fmla="*/ 3248025 h 6858000"/>
+              <a:gd name="connsiteX69" fmla="*/ 4981751 w 4992864"/>
+              <a:gd name="connsiteY69" fmla="*/ 3300412 h 6858000"/>
+              <a:gd name="connsiteX70" fmla="*/ 4989689 w 4992864"/>
+              <a:gd name="connsiteY70" fmla="*/ 3360737 h 6858000"/>
+              <a:gd name="connsiteX71" fmla="*/ 4992864 w 4992864"/>
+              <a:gd name="connsiteY71" fmla="*/ 3427412 h 6858000"/>
+              <a:gd name="connsiteX72" fmla="*/ 4989689 w 4992864"/>
+              <a:gd name="connsiteY72" fmla="*/ 3497262 h 6858000"/>
+              <a:gd name="connsiteX73" fmla="*/ 4981751 w 4992864"/>
+              <a:gd name="connsiteY73" fmla="*/ 3557587 h 6858000"/>
+              <a:gd name="connsiteX74" fmla="*/ 4970639 w 4992864"/>
+              <a:gd name="connsiteY74" fmla="*/ 3609975 h 6858000"/>
+              <a:gd name="connsiteX75" fmla="*/ 4956351 w 4992864"/>
+              <a:gd name="connsiteY75" fmla="*/ 3656012 h 6858000"/>
+              <a:gd name="connsiteX76" fmla="*/ 4940476 w 4992864"/>
+              <a:gd name="connsiteY76" fmla="*/ 3697287 h 6858000"/>
+              <a:gd name="connsiteX77" fmla="*/ 4921426 w 4992864"/>
+              <a:gd name="connsiteY77" fmla="*/ 3736975 h 6858000"/>
+              <a:gd name="connsiteX78" fmla="*/ 4883326 w 4992864"/>
+              <a:gd name="connsiteY78" fmla="*/ 3811587 h 6858000"/>
+              <a:gd name="connsiteX79" fmla="*/ 4865864 w 4992864"/>
+              <a:gd name="connsiteY79" fmla="*/ 3848100 h 6858000"/>
+              <a:gd name="connsiteX80" fmla="*/ 4848401 w 4992864"/>
+              <a:gd name="connsiteY80" fmla="*/ 3890962 h 6858000"/>
+              <a:gd name="connsiteX81" fmla="*/ 4834114 w 4992864"/>
+              <a:gd name="connsiteY81" fmla="*/ 3935412 h 6858000"/>
+              <a:gd name="connsiteX82" fmla="*/ 4824589 w 4992864"/>
+              <a:gd name="connsiteY82" fmla="*/ 3987800 h 6858000"/>
+              <a:gd name="connsiteX83" fmla="*/ 4815064 w 4992864"/>
+              <a:gd name="connsiteY83" fmla="*/ 4048125 h 6858000"/>
+              <a:gd name="connsiteX84" fmla="*/ 4813476 w 4992864"/>
+              <a:gd name="connsiteY84" fmla="*/ 4116387 h 6858000"/>
+              <a:gd name="connsiteX85" fmla="*/ 4815064 w 4992864"/>
+              <a:gd name="connsiteY85" fmla="*/ 4186237 h 6858000"/>
+              <a:gd name="connsiteX86" fmla="*/ 4824589 w 4992864"/>
+              <a:gd name="connsiteY86" fmla="*/ 4244975 h 6858000"/>
+              <a:gd name="connsiteX87" fmla="*/ 4834114 w 4992864"/>
+              <a:gd name="connsiteY87" fmla="*/ 4297362 h 6858000"/>
+              <a:gd name="connsiteX88" fmla="*/ 4848401 w 4992864"/>
+              <a:gd name="connsiteY88" fmla="*/ 4343400 h 6858000"/>
+              <a:gd name="connsiteX89" fmla="*/ 4865864 w 4992864"/>
+              <a:gd name="connsiteY89" fmla="*/ 4386262 h 6858000"/>
+              <a:gd name="connsiteX90" fmla="*/ 4883326 w 4992864"/>
+              <a:gd name="connsiteY90" fmla="*/ 4424362 h 6858000"/>
+              <a:gd name="connsiteX91" fmla="*/ 4921426 w 4992864"/>
+              <a:gd name="connsiteY91" fmla="*/ 4498975 h 6858000"/>
+              <a:gd name="connsiteX92" fmla="*/ 4940476 w 4992864"/>
+              <a:gd name="connsiteY92" fmla="*/ 4537075 h 6858000"/>
+              <a:gd name="connsiteX93" fmla="*/ 4956351 w 4992864"/>
+              <a:gd name="connsiteY93" fmla="*/ 4579937 h 6858000"/>
+              <a:gd name="connsiteX94" fmla="*/ 4970639 w 4992864"/>
+              <a:gd name="connsiteY94" fmla="*/ 4625975 h 6858000"/>
+              <a:gd name="connsiteX95" fmla="*/ 4981751 w 4992864"/>
+              <a:gd name="connsiteY95" fmla="*/ 4678362 h 6858000"/>
+              <a:gd name="connsiteX96" fmla="*/ 4989689 w 4992864"/>
+              <a:gd name="connsiteY96" fmla="*/ 4738687 h 6858000"/>
+              <a:gd name="connsiteX97" fmla="*/ 4992864 w 4992864"/>
+              <a:gd name="connsiteY97" fmla="*/ 4806950 h 6858000"/>
+              <a:gd name="connsiteX98" fmla="*/ 4989689 w 4992864"/>
+              <a:gd name="connsiteY98" fmla="*/ 4875212 h 6858000"/>
+              <a:gd name="connsiteX99" fmla="*/ 4981751 w 4992864"/>
+              <a:gd name="connsiteY99" fmla="*/ 4935537 h 6858000"/>
+              <a:gd name="connsiteX100" fmla="*/ 4970639 w 4992864"/>
+              <a:gd name="connsiteY100" fmla="*/ 4987925 h 6858000"/>
+              <a:gd name="connsiteX101" fmla="*/ 4956351 w 4992864"/>
+              <a:gd name="connsiteY101" fmla="*/ 5033962 h 6858000"/>
+              <a:gd name="connsiteX102" fmla="*/ 4940476 w 4992864"/>
+              <a:gd name="connsiteY102" fmla="*/ 5075237 h 6858000"/>
+              <a:gd name="connsiteX103" fmla="*/ 4921426 w 4992864"/>
+              <a:gd name="connsiteY103" fmla="*/ 5114925 h 6858000"/>
+              <a:gd name="connsiteX104" fmla="*/ 4902376 w 4992864"/>
+              <a:gd name="connsiteY104" fmla="*/ 5149850 h 6858000"/>
+              <a:gd name="connsiteX105" fmla="*/ 4883326 w 4992864"/>
+              <a:gd name="connsiteY105" fmla="*/ 5186362 h 6858000"/>
+              <a:gd name="connsiteX106" fmla="*/ 4865864 w 4992864"/>
+              <a:gd name="connsiteY106" fmla="*/ 5226050 h 6858000"/>
+              <a:gd name="connsiteX107" fmla="*/ 4848401 w 4992864"/>
+              <a:gd name="connsiteY107" fmla="*/ 5268912 h 6858000"/>
+              <a:gd name="connsiteX108" fmla="*/ 4834114 w 4992864"/>
+              <a:gd name="connsiteY108" fmla="*/ 5313362 h 6858000"/>
+              <a:gd name="connsiteX109" fmla="*/ 4824589 w 4992864"/>
+              <a:gd name="connsiteY109" fmla="*/ 5365750 h 6858000"/>
+              <a:gd name="connsiteX110" fmla="*/ 4815064 w 4992864"/>
+              <a:gd name="connsiteY110" fmla="*/ 5426075 h 6858000"/>
+              <a:gd name="connsiteX111" fmla="*/ 4813476 w 4992864"/>
+              <a:gd name="connsiteY111" fmla="*/ 5494337 h 6858000"/>
+              <a:gd name="connsiteX112" fmla="*/ 4815064 w 4992864"/>
+              <a:gd name="connsiteY112" fmla="*/ 5562600 h 6858000"/>
+              <a:gd name="connsiteX113" fmla="*/ 4824589 w 4992864"/>
+              <a:gd name="connsiteY113" fmla="*/ 5622925 h 6858000"/>
+              <a:gd name="connsiteX114" fmla="*/ 4834114 w 4992864"/>
+              <a:gd name="connsiteY114" fmla="*/ 5675312 h 6858000"/>
+              <a:gd name="connsiteX115" fmla="*/ 4848401 w 4992864"/>
+              <a:gd name="connsiteY115" fmla="*/ 5721350 h 6858000"/>
+              <a:gd name="connsiteX116" fmla="*/ 4865864 w 4992864"/>
+              <a:gd name="connsiteY116" fmla="*/ 5762625 h 6858000"/>
+              <a:gd name="connsiteX117" fmla="*/ 4883326 w 4992864"/>
+              <a:gd name="connsiteY117" fmla="*/ 5802312 h 6858000"/>
+              <a:gd name="connsiteX118" fmla="*/ 4902376 w 4992864"/>
+              <a:gd name="connsiteY118" fmla="*/ 5840412 h 6858000"/>
+              <a:gd name="connsiteX119" fmla="*/ 4921426 w 4992864"/>
+              <a:gd name="connsiteY119" fmla="*/ 5876925 h 6858000"/>
+              <a:gd name="connsiteX120" fmla="*/ 4940476 w 4992864"/>
+              <a:gd name="connsiteY120" fmla="*/ 5915025 h 6858000"/>
+              <a:gd name="connsiteX121" fmla="*/ 4956351 w 4992864"/>
+              <a:gd name="connsiteY121" fmla="*/ 5956300 h 6858000"/>
+              <a:gd name="connsiteX122" fmla="*/ 4970639 w 4992864"/>
+              <a:gd name="connsiteY122" fmla="*/ 6003925 h 6858000"/>
+              <a:gd name="connsiteX123" fmla="*/ 4981751 w 4992864"/>
+              <a:gd name="connsiteY123" fmla="*/ 6056312 h 6858000"/>
+              <a:gd name="connsiteX124" fmla="*/ 4989689 w 4992864"/>
+              <a:gd name="connsiteY124" fmla="*/ 6113462 h 6858000"/>
+              <a:gd name="connsiteX125" fmla="*/ 4992864 w 4992864"/>
+              <a:gd name="connsiteY125" fmla="*/ 6183312 h 6858000"/>
+              <a:gd name="connsiteX126" fmla="*/ 4989689 w 4992864"/>
+              <a:gd name="connsiteY126" fmla="*/ 6251575 h 6858000"/>
+              <a:gd name="connsiteX127" fmla="*/ 4981751 w 4992864"/>
+              <a:gd name="connsiteY127" fmla="*/ 6311900 h 6858000"/>
+              <a:gd name="connsiteX128" fmla="*/ 4970639 w 4992864"/>
+              <a:gd name="connsiteY128" fmla="*/ 6361112 h 6858000"/>
+              <a:gd name="connsiteX129" fmla="*/ 4956351 w 4992864"/>
+              <a:gd name="connsiteY129" fmla="*/ 6407150 h 6858000"/>
+              <a:gd name="connsiteX130" fmla="*/ 4940476 w 4992864"/>
+              <a:gd name="connsiteY130" fmla="*/ 6448425 h 6858000"/>
+              <a:gd name="connsiteX131" fmla="*/ 4923014 w 4992864"/>
+              <a:gd name="connsiteY131" fmla="*/ 6488112 h 6858000"/>
+              <a:gd name="connsiteX132" fmla="*/ 4905551 w 4992864"/>
+              <a:gd name="connsiteY132" fmla="*/ 6523037 h 6858000"/>
+              <a:gd name="connsiteX133" fmla="*/ 4886501 w 4992864"/>
+              <a:gd name="connsiteY133" fmla="*/ 6561137 h 6858000"/>
+              <a:gd name="connsiteX134" fmla="*/ 4867451 w 4992864"/>
+              <a:gd name="connsiteY134" fmla="*/ 6597650 h 6858000"/>
+              <a:gd name="connsiteX135" fmla="*/ 4851576 w 4992864"/>
+              <a:gd name="connsiteY135" fmla="*/ 6640512 h 6858000"/>
+              <a:gd name="connsiteX136" fmla="*/ 4835701 w 4992864"/>
+              <a:gd name="connsiteY136" fmla="*/ 6683375 h 6858000"/>
+              <a:gd name="connsiteX137" fmla="*/ 4826176 w 4992864"/>
+              <a:gd name="connsiteY137" fmla="*/ 6735762 h 6858000"/>
+              <a:gd name="connsiteX138" fmla="*/ 4818239 w 4992864"/>
+              <a:gd name="connsiteY138" fmla="*/ 6791325 h 6858000"/>
+              <a:gd name="connsiteX139" fmla="*/ 4813476 w 4992864"/>
+              <a:gd name="connsiteY139" fmla="*/ 6858000 h 6858000"/>
+              <a:gd name="connsiteX140" fmla="*/ 0 w 4992864"/>
+              <a:gd name="connsiteY140" fmla="*/ 6858000 h 6858000"/>
+            </a:gdLst>
+            <a:ahLst/>
+            <a:cxnLst>
+              <a:cxn ang="0">
+                <a:pos x="connsiteX0" y="connsiteY0"/>
+              </a:cxn>
+              <a:cxn ang="0">
+                <a:pos x="connsiteX1" y="connsiteY1"/>
+              </a:cxn>
+              <a:cxn ang="0">
+                <a:pos x="connsiteX2" y="connsiteY2"/>
+              </a:cxn>
+              <a:cxn ang="0">
+                <a:pos x="connsiteX3" y="connsiteY3"/>
+              </a:cxn>
+              <a:cxn ang="0">
+                <a:pos x="connsiteX4" y="connsiteY4"/>
+              </a:cxn>
+              <a:cxn ang="0">
+                <a:pos x="connsiteX5" y="connsiteY5"/>
+              </a:cxn>
+              <a:cxn ang="0">
+                <a:pos x="connsiteX6" y="connsiteY6"/>
+              </a:cxn>
+              <a:cxn ang="0">
+                <a:pos x="connsiteX7" y="connsiteY7"/>
+              </a:cxn>
+              <a:cxn ang="0">
+                <a:pos x="connsiteX8" y="connsiteY8"/>
+              </a:cxn>
+              <a:cxn ang="0">
+                <a:pos x="connsiteX9" y="connsiteY9"/>
+              </a:cxn>
+              <a:cxn ang="0">
+                <a:pos x="connsiteX10" y="connsiteY10"/>
+              </a:cxn>
+              <a:cxn ang="0">
+                <a:pos x="connsiteX11" y="connsiteY11"/>
+              </a:cxn>
+              <a:cxn ang="0">
+                <a:pos x="connsiteX12" y="connsiteY12"/>
+              </a:cxn>
+              <a:cxn ang="0">
+                <a:pos x="connsiteX13" y="connsiteY13"/>
+              </a:cxn>
+              <a:cxn ang="0">
+                <a:pos x="connsiteX14" y="connsiteY14"/>
+              </a:cxn>
+              <a:cxn ang="0">
+                <a:pos x="connsiteX15" y="connsiteY15"/>
+              </a:cxn>
+              <a:cxn ang="0">
+                <a:pos x="connsiteX16" y="connsiteY16"/>
+              </a:cxn>
+              <a:cxn ang="0">
+                <a:pos x="connsiteX17" y="connsiteY17"/>
+              </a:cxn>
+              <a:cxn ang="0">
+                <a:pos x="connsiteX18" y="connsiteY18"/>
+              </a:cxn>
+              <a:cxn ang="0">
+                <a:pos x="connsiteX19" y="connsiteY19"/>
+              </a:cxn>
+              <a:cxn ang="0">
+                <a:pos x="connsiteX20" y="connsiteY20"/>
+              </a:cxn>
+              <a:cxn ang="0">
+                <a:pos x="connsiteX21" y="connsiteY21"/>
+              </a:cxn>
+              <a:cxn ang="0">
+                <a:pos x="connsiteX22" y="connsiteY22"/>
+              </a:cxn>
+              <a:cxn ang="0">
+                <a:pos x="connsiteX23" y="connsiteY23"/>
+              </a:cxn>
+              <a:cxn ang="0">
+                <a:pos x="connsiteX24" y="connsiteY24"/>
+              </a:cxn>
+              <a:cxn ang="0">
+                <a:pos x="connsiteX25" y="connsiteY25"/>
+              </a:cxn>
+              <a:cxn ang="0">
+                <a:pos x="connsiteX26" y="connsiteY26"/>
+              </a:cxn>
+              <a:cxn ang="0">
+                <a:pos x="connsiteX27" y="connsiteY27"/>
+              </a:cxn>
+              <a:cxn ang="0">
+                <a:pos x="connsiteX28" y="connsiteY28"/>
+              </a:cxn>
+              <a:cxn ang="0">
+                <a:pos x="connsiteX29" y="connsiteY29"/>
+              </a:cxn>
+              <a:cxn ang="0">
+                <a:pos x="connsiteX30" y="connsiteY30"/>
+              </a:cxn>
+              <a:cxn ang="0">
+                <a:pos x="connsiteX31" y="connsiteY31"/>
+              </a:cxn>
+              <a:cxn ang="0">
+                <a:pos x="connsiteX32" y="connsiteY32"/>
+              </a:cxn>
+              <a:cxn ang="0">
+                <a:pos x="connsiteX33" y="connsiteY33"/>
+              </a:cxn>
+              <a:cxn ang="0">
+                <a:pos x="connsiteX34" y="connsiteY34"/>
+              </a:cxn>
+              <a:cxn ang="0">
+                <a:pos x="connsiteX35" y="connsiteY35"/>
+              </a:cxn>
+              <a:cxn ang="0">
+                <a:pos x="connsiteX36" y="connsiteY36"/>
+              </a:cxn>
+              <a:cxn ang="0">
+                <a:pos x="connsiteX37" y="connsiteY37"/>
+              </a:cxn>
+              <a:cxn ang="0">
+                <a:pos x="connsiteX38" y="connsiteY38"/>
+              </a:cxn>
+              <a:cxn ang="0">
+                <a:pos x="connsiteX39" y="connsiteY39"/>
+              </a:cxn>
+              <a:cxn ang="0">
+                <a:pos x="connsiteX40" y="connsiteY40"/>
+              </a:cxn>
+              <a:cxn ang="0">
+                <a:pos x="connsiteX41" y="connsiteY41"/>
+              </a:cxn>
+              <a:cxn ang="0">
+                <a:pos x="connsiteX42" y="connsiteY42"/>
+              </a:cxn>
+              <a:cxn ang="0">
+                <a:pos x="connsiteX43" y="connsiteY43"/>
+              </a:cxn>
+              <a:cxn ang="0">
+                <a:pos x="connsiteX44" y="connsiteY44"/>
+              </a:cxn>
+              <a:cxn ang="0">
+                <a:pos x="connsiteX45" y="connsiteY45"/>
+              </a:cxn>
+              <a:cxn ang="0">
+                <a:pos x="connsiteX46" y="connsiteY46"/>
+              </a:cxn>
+              <a:cxn ang="0">
+                <a:pos x="connsiteX47" y="connsiteY47"/>
+              </a:cxn>
+              <a:cxn ang="0">
+                <a:pos x="connsiteX48" y="connsiteY48"/>
+              </a:cxn>
+              <a:cxn ang="0">
+                <a:pos x="connsiteX49" y="connsiteY49"/>
+              </a:cxn>
+              <a:cxn ang="0">
+                <a:pos x="connsiteX50" y="connsiteY50"/>
+              </a:cxn>
+              <a:cxn ang="0">
+                <a:pos x="connsiteX51" y="connsiteY51"/>
+              </a:cxn>
+              <a:cxn ang="0">
+                <a:pos x="connsiteX52" y="connsiteY52"/>
+              </a:cxn>
+              <a:cxn ang="0">
+                <a:pos x="connsiteX53" y="connsiteY53"/>
+              </a:cxn>
+              <a:cxn ang="0">
+                <a:pos x="connsiteX54" y="connsiteY54"/>
+              </a:cxn>
+              <a:cxn ang="0">
+                <a:pos x="connsiteX55" y="connsiteY55"/>
+              </a:cxn>
+              <a:cxn ang="0">
+                <a:pos x="connsiteX56" y="connsiteY56"/>
+              </a:cxn>
+              <a:cxn ang="0">
+                <a:pos x="connsiteX57" y="connsiteY57"/>
+              </a:cxn>
+              <a:cxn ang="0">
+                <a:pos x="connsiteX58" y="connsiteY58"/>
+              </a:cxn>
+              <a:cxn ang="0">
+                <a:pos x="connsiteX59" y="connsiteY59"/>
+              </a:cxn>
+              <a:cxn ang="0">
+                <a:pos x="connsiteX60" y="connsiteY60"/>
+              </a:cxn>
+              <a:cxn ang="0">
+                <a:pos x="connsiteX61" y="connsiteY61"/>
+              </a:cxn>
+              <a:cxn ang="0">
+                <a:pos x="connsiteX62" y="connsiteY62"/>
+              </a:cxn>
+              <a:cxn ang="0">
+                <a:pos x="connsiteX63" y="connsiteY63"/>
+              </a:cxn>
+              <a:cxn ang="0">
+                <a:pos x="connsiteX64" y="connsiteY64"/>
+              </a:cxn>
+              <a:cxn ang="0">
+                <a:pos x="connsiteX65" y="connsiteY65"/>
+              </a:cxn>
+              <a:cxn ang="0">
+                <a:pos x="connsiteX66" y="connsiteY66"/>
+              </a:cxn>
+              <a:cxn ang="0">
+                <a:pos x="connsiteX67" y="connsiteY67"/>
+              </a:cxn>
+              <a:cxn ang="0">
+                <a:pos x="connsiteX68" y="connsiteY68"/>
+              </a:cxn>
+              <a:cxn ang="0">
+                <a:pos x="connsiteX69" y="connsiteY69"/>
+              </a:cxn>
+              <a:cxn ang="0">
+                <a:pos x="connsiteX70" y="connsiteY70"/>
+              </a:cxn>
+              <a:cxn ang="0">
+                <a:pos x="connsiteX71" y="connsiteY71"/>
+              </a:cxn>
+              <a:cxn ang="0">
+                <a:pos x="connsiteX72" y="connsiteY72"/>
+              </a:cxn>
+              <a:cxn ang="0">
+                <a:pos x="connsiteX73" y="connsiteY73"/>
+              </a:cxn>
+              <a:cxn ang="0">
+                <a:pos x="connsiteX74" y="connsiteY74"/>
+              </a:cxn>
+              <a:cxn ang="0">
+                <a:pos x="connsiteX75" y="connsiteY75"/>
+              </a:cxn>
+              <a:cxn ang="0">
+                <a:pos x="connsiteX76" y="connsiteY76"/>
+              </a:cxn>
+              <a:cxn ang="0">
+                <a:pos x="connsiteX77" y="connsiteY77"/>
+              </a:cxn>
+              <a:cxn ang="0">
+                <a:pos x="connsiteX78" y="connsiteY78"/>
+              </a:cxn>
+              <a:cxn ang="0">
+                <a:pos x="connsiteX79" y="connsiteY79"/>
+              </a:cxn>
+              <a:cxn ang="0">
+                <a:pos x="connsiteX80" y="connsiteY80"/>
+              </a:cxn>
+              <a:cxn ang="0">
+                <a:pos x="connsiteX81" y="connsiteY81"/>
+              </a:cxn>
+              <a:cxn ang="0">
+                <a:pos x="connsiteX82" y="connsiteY82"/>
+              </a:cxn>
+              <a:cxn ang="0">
+                <a:pos x="connsiteX83" y="connsiteY83"/>
+              </a:cxn>
+              <a:cxn ang="0">
+                <a:pos x="connsiteX84" y="connsiteY84"/>
+              </a:cxn>
+              <a:cxn ang="0">
+                <a:pos x="connsiteX85" y="connsiteY85"/>
+              </a:cxn>
+              <a:cxn ang="0">
+                <a:pos x="connsiteX86" y="connsiteY86"/>
+              </a:cxn>
+              <a:cxn ang="0">
+                <a:pos x="connsiteX87" y="connsiteY87"/>
+              </a:cxn>
+              <a:cxn ang="0">
+                <a:pos x="connsiteX88" y="connsiteY88"/>
+              </a:cxn>
+              <a:cxn ang="0">
+                <a:pos x="connsiteX89" y="connsiteY89"/>
+              </a:cxn>
+              <a:cxn ang="0">
+                <a:pos x="connsiteX90" y="connsiteY90"/>
+              </a:cxn>
+              <a:cxn ang="0">
+                <a:pos x="connsiteX91" y="connsiteY91"/>
+              </a:cxn>
+              <a:cxn ang="0">
+                <a:pos x="connsiteX92" y="connsiteY92"/>
+              </a:cxn>
+              <a:cxn ang="0">
+                <a:pos x="connsiteX93" y="connsiteY93"/>
+              </a:cxn>
+              <a:cxn ang="0">
+                <a:pos x="connsiteX94" y="connsiteY94"/>
+              </a:cxn>
+              <a:cxn ang="0">
+                <a:pos x="connsiteX95" y="connsiteY95"/>
+              </a:cxn>
+              <a:cxn ang="0">
+                <a:pos x="connsiteX96" y="connsiteY96"/>
+              </a:cxn>
+              <a:cxn ang="0">
+                <a:pos x="connsiteX97" y="connsiteY97"/>
+              </a:cxn>
+              <a:cxn ang="0">
+                <a:pos x="connsiteX98" y="connsiteY98"/>
+              </a:cxn>
+              <a:cxn ang="0">
+                <a:pos x="connsiteX99" y="connsiteY99"/>
+              </a:cxn>
+              <a:cxn ang="0">
+                <a:pos x="connsiteX100" y="connsiteY100"/>
+              </a:cxn>
+              <a:cxn ang="0">
+                <a:pos x="connsiteX101" y="connsiteY101"/>
+              </a:cxn>
+              <a:cxn ang="0">
+                <a:pos x="connsiteX102" y="connsiteY102"/>
+              </a:cxn>
+              <a:cxn ang="0">
+                <a:pos x="connsiteX103" y="connsiteY103"/>
+              </a:cxn>
+              <a:cxn ang="0">
+                <a:pos x="connsiteX104" y="connsiteY104"/>
+              </a:cxn>
+              <a:cxn ang="0">
+                <a:pos x="connsiteX105" y="connsiteY105"/>
+              </a:cxn>
+              <a:cxn ang="0">
+                <a:pos x="connsiteX106" y="connsiteY106"/>
+              </a:cxn>
+              <a:cxn ang="0">
+                <a:pos x="connsiteX107" y="connsiteY107"/>
+              </a:cxn>
+              <a:cxn ang="0">
+                <a:pos x="connsiteX108" y="connsiteY108"/>
+              </a:cxn>
+              <a:cxn ang="0">
+                <a:pos x="connsiteX109" y="connsiteY109"/>
+              </a:cxn>
+              <a:cxn ang="0">
+                <a:pos x="connsiteX110" y="connsiteY110"/>
+              </a:cxn>
+              <a:cxn ang="0">
+                <a:pos x="connsiteX111" y="connsiteY111"/>
+              </a:cxn>
+              <a:cxn ang="0">
+                <a:pos x="connsiteX112" y="connsiteY112"/>
+              </a:cxn>
+              <a:cxn ang="0">
+                <a:pos x="connsiteX113" y="connsiteY113"/>
+              </a:cxn>
+              <a:cxn ang="0">
+                <a:pos x="connsiteX114" y="connsiteY114"/>
+              </a:cxn>
+              <a:cxn ang="0">
+                <a:pos x="connsiteX115" y="connsiteY115"/>
+              </a:cxn>
+              <a:cxn ang="0">
+                <a:pos x="connsiteX116" y="connsiteY116"/>
+              </a:cxn>
+              <a:cxn ang="0">
+                <a:pos x="connsiteX117" y="connsiteY117"/>
+              </a:cxn>
+              <a:cxn ang="0">
+                <a:pos x="connsiteX118" y="connsiteY118"/>
+              </a:cxn>
+              <a:cxn ang="0">
+                <a:pos x="connsiteX119" y="connsiteY119"/>
+              </a:cxn>
+              <a:cxn ang="0">
+                <a:pos x="connsiteX120" y="connsiteY120"/>
+              </a:cxn>
+              <a:cxn ang="0">
+                <a:pos x="connsiteX121" y="connsiteY121"/>
+              </a:cxn>
+              <a:cxn ang="0">
+                <a:pos x="connsiteX122" y="connsiteY122"/>
+              </a:cxn>
+              <a:cxn ang="0">
+                <a:pos x="connsiteX123" y="connsiteY123"/>
+              </a:cxn>
+              <a:cxn ang="0">
+                <a:pos x="connsiteX124" y="connsiteY124"/>
+              </a:cxn>
+              <a:cxn ang="0">
+                <a:pos x="connsiteX125" y="connsiteY125"/>
+              </a:cxn>
+              <a:cxn ang="0">
+                <a:pos x="connsiteX126" y="connsiteY126"/>
+              </a:cxn>
+              <a:cxn ang="0">
+                <a:pos x="connsiteX127" y="connsiteY127"/>
+              </a:cxn>
+              <a:cxn ang="0">
+                <a:pos x="connsiteX128" y="connsiteY128"/>
+              </a:cxn>
+              <a:cxn ang="0">
+                <a:pos x="connsiteX129" y="connsiteY129"/>
+              </a:cxn>
+              <a:cxn ang="0">
+                <a:pos x="connsiteX130" y="connsiteY130"/>
+              </a:cxn>
+              <a:cxn ang="0">
+                <a:pos x="connsiteX131" y="connsiteY131"/>
+              </a:cxn>
+              <a:cxn ang="0">
+                <a:pos x="connsiteX132" y="connsiteY132"/>
+              </a:cxn>
+              <a:cxn ang="0">
+                <a:pos x="connsiteX133" y="connsiteY133"/>
+              </a:cxn>
+              <a:cxn ang="0">
+                <a:pos x="connsiteX134" y="connsiteY134"/>
+              </a:cxn>
+              <a:cxn ang="0">
+                <a:pos x="connsiteX135" y="connsiteY135"/>
+              </a:cxn>
+              <a:cxn ang="0">
+                <a:pos x="connsiteX136" y="connsiteY136"/>
+              </a:cxn>
+              <a:cxn ang="0">
+                <a:pos x="connsiteX137" y="connsiteY137"/>
+              </a:cxn>
+              <a:cxn ang="0">
+                <a:pos x="connsiteX138" y="connsiteY138"/>
+              </a:cxn>
+              <a:cxn ang="0">
+                <a:pos x="connsiteX139" y="connsiteY139"/>
+              </a:cxn>
+              <a:cxn ang="0">
+                <a:pos x="connsiteX140" y="connsiteY140"/>
+              </a:cxn>
+            </a:cxnLst>
+            <a:rect l="l" t="t" r="r" b="b"/>
+            <a:pathLst>
+              <a:path w="4992864" h="6858000">
+                <a:moveTo>
+                  <a:pt x="0" y="0"/>
+                </a:moveTo>
+                <a:lnTo>
+                  <a:pt x="4813476" y="0"/>
+                </a:lnTo>
+                <a:lnTo>
+                  <a:pt x="4818239" y="66675"/>
+                </a:lnTo>
+                <a:lnTo>
+                  <a:pt x="4826176" y="122237"/>
+                </a:lnTo>
+                <a:lnTo>
+                  <a:pt x="4835701" y="174625"/>
+                </a:lnTo>
+                <a:lnTo>
+                  <a:pt x="4851576" y="217487"/>
+                </a:lnTo>
+                <a:lnTo>
+                  <a:pt x="4867451" y="260350"/>
+                </a:lnTo>
+                <a:lnTo>
+                  <a:pt x="4886501" y="296862"/>
+                </a:lnTo>
+                <a:lnTo>
+                  <a:pt x="4905551" y="334962"/>
+                </a:lnTo>
+                <a:lnTo>
+                  <a:pt x="4923014" y="369887"/>
+                </a:lnTo>
+                <a:lnTo>
+                  <a:pt x="4940476" y="409575"/>
+                </a:lnTo>
+                <a:lnTo>
+                  <a:pt x="4956351" y="450850"/>
+                </a:lnTo>
+                <a:lnTo>
+                  <a:pt x="4970639" y="496887"/>
+                </a:lnTo>
+                <a:lnTo>
+                  <a:pt x="4981751" y="546100"/>
+                </a:lnTo>
+                <a:lnTo>
+                  <a:pt x="4989689" y="606425"/>
+                </a:lnTo>
+                <a:lnTo>
+                  <a:pt x="4992864" y="673100"/>
+                </a:lnTo>
+                <a:lnTo>
+                  <a:pt x="4989689" y="744537"/>
+                </a:lnTo>
+                <a:lnTo>
+                  <a:pt x="4981751" y="801687"/>
+                </a:lnTo>
+                <a:lnTo>
+                  <a:pt x="4970639" y="854075"/>
+                </a:lnTo>
+                <a:lnTo>
+                  <a:pt x="4956351" y="901700"/>
+                </a:lnTo>
+                <a:lnTo>
+                  <a:pt x="4940476" y="942975"/>
+                </a:lnTo>
+                <a:lnTo>
+                  <a:pt x="4921426" y="981075"/>
+                </a:lnTo>
+                <a:lnTo>
+                  <a:pt x="4902376" y="1017587"/>
+                </a:lnTo>
+                <a:lnTo>
+                  <a:pt x="4883326" y="1055687"/>
+                </a:lnTo>
+                <a:lnTo>
+                  <a:pt x="4865864" y="1095375"/>
+                </a:lnTo>
+                <a:lnTo>
+                  <a:pt x="4848401" y="1136650"/>
+                </a:lnTo>
+                <a:lnTo>
+                  <a:pt x="4834114" y="1182687"/>
+                </a:lnTo>
+                <a:lnTo>
+                  <a:pt x="4824589" y="1235075"/>
+                </a:lnTo>
+                <a:lnTo>
+                  <a:pt x="4815064" y="1295400"/>
+                </a:lnTo>
+                <a:lnTo>
+                  <a:pt x="4813476" y="1363662"/>
+                </a:lnTo>
+                <a:lnTo>
+                  <a:pt x="4815064" y="1431925"/>
+                </a:lnTo>
+                <a:lnTo>
+                  <a:pt x="4824589" y="1492250"/>
+                </a:lnTo>
+                <a:lnTo>
+                  <a:pt x="4834114" y="1544637"/>
+                </a:lnTo>
+                <a:lnTo>
+                  <a:pt x="4848401" y="1589087"/>
+                </a:lnTo>
+                <a:lnTo>
+                  <a:pt x="4865864" y="1631950"/>
+                </a:lnTo>
+                <a:lnTo>
+                  <a:pt x="4883326" y="1671637"/>
+                </a:lnTo>
+                <a:lnTo>
+                  <a:pt x="4902376" y="1708150"/>
+                </a:lnTo>
+                <a:lnTo>
+                  <a:pt x="4921426" y="1743075"/>
+                </a:lnTo>
+                <a:lnTo>
+                  <a:pt x="4940476" y="1782762"/>
+                </a:lnTo>
+                <a:lnTo>
+                  <a:pt x="4956351" y="1824037"/>
+                </a:lnTo>
+                <a:lnTo>
+                  <a:pt x="4970639" y="1870075"/>
+                </a:lnTo>
+                <a:lnTo>
+                  <a:pt x="4981751" y="1922462"/>
+                </a:lnTo>
+                <a:lnTo>
+                  <a:pt x="4989689" y="1982787"/>
+                </a:lnTo>
+                <a:lnTo>
+                  <a:pt x="4992864" y="2051050"/>
+                </a:lnTo>
+                <a:lnTo>
+                  <a:pt x="4989689" y="2119312"/>
+                </a:lnTo>
+                <a:lnTo>
+                  <a:pt x="4981751" y="2179637"/>
+                </a:lnTo>
+                <a:lnTo>
+                  <a:pt x="4970639" y="2232025"/>
+                </a:lnTo>
+                <a:lnTo>
+                  <a:pt x="4956351" y="2278062"/>
+                </a:lnTo>
+                <a:lnTo>
+                  <a:pt x="4940476" y="2319337"/>
+                </a:lnTo>
+                <a:lnTo>
+                  <a:pt x="4921426" y="2359025"/>
+                </a:lnTo>
+                <a:lnTo>
+                  <a:pt x="4902376" y="2395537"/>
+                </a:lnTo>
+                <a:lnTo>
+                  <a:pt x="4883326" y="2433637"/>
+                </a:lnTo>
+                <a:lnTo>
+                  <a:pt x="4865864" y="2471737"/>
+                </a:lnTo>
+                <a:lnTo>
+                  <a:pt x="4848401" y="2513012"/>
+                </a:lnTo>
+                <a:lnTo>
+                  <a:pt x="4834114" y="2560637"/>
+                </a:lnTo>
+                <a:lnTo>
+                  <a:pt x="4824589" y="2613025"/>
+                </a:lnTo>
+                <a:lnTo>
+                  <a:pt x="4815064" y="2671762"/>
+                </a:lnTo>
+                <a:lnTo>
+                  <a:pt x="4813476" y="2741612"/>
+                </a:lnTo>
+                <a:lnTo>
+                  <a:pt x="4815064" y="2809875"/>
+                </a:lnTo>
+                <a:lnTo>
+                  <a:pt x="4824589" y="2868612"/>
+                </a:lnTo>
+                <a:lnTo>
+                  <a:pt x="4834114" y="2922587"/>
+                </a:lnTo>
+                <a:lnTo>
+                  <a:pt x="4848401" y="2967037"/>
+                </a:lnTo>
+                <a:lnTo>
+                  <a:pt x="4865864" y="3009900"/>
+                </a:lnTo>
+                <a:lnTo>
+                  <a:pt x="4883326" y="3046412"/>
+                </a:lnTo>
+                <a:lnTo>
+                  <a:pt x="4902376" y="3084512"/>
+                </a:lnTo>
+                <a:lnTo>
+                  <a:pt x="4921426" y="3121025"/>
+                </a:lnTo>
+                <a:lnTo>
+                  <a:pt x="4940476" y="3160712"/>
+                </a:lnTo>
+                <a:lnTo>
+                  <a:pt x="4956351" y="3201987"/>
+                </a:lnTo>
+                <a:lnTo>
+                  <a:pt x="4970639" y="3248025"/>
+                </a:lnTo>
+                <a:lnTo>
+                  <a:pt x="4981751" y="3300412"/>
+                </a:lnTo>
+                <a:lnTo>
+                  <a:pt x="4989689" y="3360737"/>
+                </a:lnTo>
+                <a:lnTo>
+                  <a:pt x="4992864" y="3427412"/>
+                </a:lnTo>
+                <a:lnTo>
+                  <a:pt x="4989689" y="3497262"/>
+                </a:lnTo>
+                <a:lnTo>
+                  <a:pt x="4981751" y="3557587"/>
+                </a:lnTo>
+                <a:lnTo>
+                  <a:pt x="4970639" y="3609975"/>
+                </a:lnTo>
+                <a:lnTo>
+                  <a:pt x="4956351" y="3656012"/>
+                </a:lnTo>
+                <a:lnTo>
+                  <a:pt x="4940476" y="3697287"/>
+                </a:lnTo>
+                <a:lnTo>
+                  <a:pt x="4921426" y="3736975"/>
+                </a:lnTo>
+                <a:lnTo>
+                  <a:pt x="4883326" y="3811587"/>
+                </a:lnTo>
+                <a:lnTo>
+                  <a:pt x="4865864" y="3848100"/>
+                </a:lnTo>
+                <a:lnTo>
+                  <a:pt x="4848401" y="3890962"/>
+                </a:lnTo>
+                <a:lnTo>
+                  <a:pt x="4834114" y="3935412"/>
+                </a:lnTo>
+                <a:lnTo>
+                  <a:pt x="4824589" y="3987800"/>
+                </a:lnTo>
+                <a:lnTo>
+                  <a:pt x="4815064" y="4048125"/>
+                </a:lnTo>
+                <a:lnTo>
+                  <a:pt x="4813476" y="4116387"/>
+                </a:lnTo>
+                <a:lnTo>
+                  <a:pt x="4815064" y="4186237"/>
+                </a:lnTo>
+                <a:lnTo>
+                  <a:pt x="4824589" y="4244975"/>
+                </a:lnTo>
+                <a:lnTo>
+                  <a:pt x="4834114" y="4297362"/>
+                </a:lnTo>
+                <a:lnTo>
+                  <a:pt x="4848401" y="4343400"/>
+                </a:lnTo>
+                <a:lnTo>
+                  <a:pt x="4865864" y="4386262"/>
+                </a:lnTo>
+                <a:lnTo>
+                  <a:pt x="4883326" y="4424362"/>
+                </a:lnTo>
+                <a:lnTo>
+                  <a:pt x="4921426" y="4498975"/>
+                </a:lnTo>
+                <a:lnTo>
+                  <a:pt x="4940476" y="4537075"/>
+                </a:lnTo>
+                <a:lnTo>
+                  <a:pt x="4956351" y="4579937"/>
+                </a:lnTo>
+                <a:lnTo>
+                  <a:pt x="4970639" y="4625975"/>
+                </a:lnTo>
+                <a:lnTo>
+                  <a:pt x="4981751" y="4678362"/>
+                </a:lnTo>
+                <a:lnTo>
+                  <a:pt x="4989689" y="4738687"/>
+                </a:lnTo>
+                <a:lnTo>
+                  <a:pt x="4992864" y="4806950"/>
+                </a:lnTo>
+                <a:lnTo>
+                  <a:pt x="4989689" y="4875212"/>
+                </a:lnTo>
+                <a:lnTo>
+                  <a:pt x="4981751" y="4935537"/>
+                </a:lnTo>
+                <a:lnTo>
+                  <a:pt x="4970639" y="4987925"/>
+                </a:lnTo>
+                <a:lnTo>
+                  <a:pt x="4956351" y="5033962"/>
+                </a:lnTo>
+                <a:lnTo>
+                  <a:pt x="4940476" y="5075237"/>
+                </a:lnTo>
+                <a:lnTo>
+                  <a:pt x="4921426" y="5114925"/>
+                </a:lnTo>
+                <a:lnTo>
+                  <a:pt x="4902376" y="5149850"/>
+                </a:lnTo>
+                <a:lnTo>
+                  <a:pt x="4883326" y="5186362"/>
+                </a:lnTo>
+                <a:lnTo>
+                  <a:pt x="4865864" y="5226050"/>
+                </a:lnTo>
+                <a:lnTo>
+                  <a:pt x="4848401" y="5268912"/>
+                </a:lnTo>
+                <a:lnTo>
+                  <a:pt x="4834114" y="5313362"/>
+                </a:lnTo>
+                <a:lnTo>
+                  <a:pt x="4824589" y="5365750"/>
+                </a:lnTo>
+                <a:lnTo>
+                  <a:pt x="4815064" y="5426075"/>
+                </a:lnTo>
+                <a:lnTo>
+                  <a:pt x="4813476" y="5494337"/>
+                </a:lnTo>
+                <a:lnTo>
+                  <a:pt x="4815064" y="5562600"/>
+                </a:lnTo>
+                <a:lnTo>
+                  <a:pt x="4824589" y="5622925"/>
+                </a:lnTo>
+                <a:lnTo>
+                  <a:pt x="4834114" y="5675312"/>
+                </a:lnTo>
+                <a:lnTo>
+                  <a:pt x="4848401" y="5721350"/>
+                </a:lnTo>
+                <a:lnTo>
+                  <a:pt x="4865864" y="5762625"/>
+                </a:lnTo>
+                <a:lnTo>
+                  <a:pt x="4883326" y="5802312"/>
+                </a:lnTo>
+                <a:lnTo>
+                  <a:pt x="4902376" y="5840412"/>
+                </a:lnTo>
+                <a:lnTo>
+                  <a:pt x="4921426" y="5876925"/>
+                </a:lnTo>
+                <a:lnTo>
+                  <a:pt x="4940476" y="5915025"/>
+                </a:lnTo>
+                <a:lnTo>
+                  <a:pt x="4956351" y="5956300"/>
+                </a:lnTo>
+                <a:lnTo>
+                  <a:pt x="4970639" y="6003925"/>
+                </a:lnTo>
+                <a:lnTo>
+                  <a:pt x="4981751" y="6056312"/>
+                </a:lnTo>
+                <a:lnTo>
+                  <a:pt x="4989689" y="6113462"/>
+                </a:lnTo>
+                <a:lnTo>
+                  <a:pt x="4992864" y="6183312"/>
+                </a:lnTo>
+                <a:lnTo>
+                  <a:pt x="4989689" y="6251575"/>
+                </a:lnTo>
+                <a:lnTo>
+                  <a:pt x="4981751" y="6311900"/>
+                </a:lnTo>
+                <a:lnTo>
+                  <a:pt x="4970639" y="6361112"/>
+                </a:lnTo>
+                <a:lnTo>
+                  <a:pt x="4956351" y="6407150"/>
+                </a:lnTo>
+                <a:lnTo>
+                  <a:pt x="4940476" y="6448425"/>
+                </a:lnTo>
+                <a:lnTo>
+                  <a:pt x="4923014" y="6488112"/>
+                </a:lnTo>
+                <a:lnTo>
+                  <a:pt x="4905551" y="6523037"/>
+                </a:lnTo>
+                <a:lnTo>
+                  <a:pt x="4886501" y="6561137"/>
+                </a:lnTo>
+                <a:lnTo>
+                  <a:pt x="4867451" y="6597650"/>
+                </a:lnTo>
+                <a:lnTo>
+                  <a:pt x="4851576" y="6640512"/>
+                </a:lnTo>
+                <a:lnTo>
+                  <a:pt x="4835701" y="6683375"/>
+                </a:lnTo>
+                <a:lnTo>
+                  <a:pt x="4826176" y="6735762"/>
+                </a:lnTo>
+                <a:lnTo>
+                  <a:pt x="4818239" y="6791325"/>
+                </a:lnTo>
+                <a:lnTo>
+                  <a:pt x="4813476" y="6858000"/>
+                </a:lnTo>
+                <a:lnTo>
+                  <a:pt x="0" y="6858000"/>
+                </a:lnTo>
+                <a:close/>
+              </a:path>
+            </a:pathLst>
+          </a:custGeom>
+          <a:solidFill>
+            <a:schemeClr val="accent1"/>
+          </a:solidFill>
+          <a:ln w="0">
+            <a:noFill/>
+            <a:prstDash val="solid"/>
+            <a:round/>
+            <a:headEnd/>
+            <a:tailEnd/>
+          </a:ln>
+        </p:spPr>
+      </p:sp>
+      <p:sp>
+        <p:nvSpPr>
+          <p:cNvPr id="2" name="Title 1">
+            <a:extLst>
+              <a:ext uri="{FF2B5EF4-FFF2-40B4-BE49-F238E27FC236}">
+                <a16:creationId xmlns:a16="http://schemas.microsoft.com/office/drawing/2014/main" id="{FF08BF10-489E-4C6B-A1F0-F7E846DA0E5A}"/>
+              </a:ext>
+            </a:extLst>
+          </p:cNvPr>
+          <p:cNvSpPr>
+            <a:spLocks noGrp="1"/>
+          </p:cNvSpPr>
+          <p:nvPr>
+            <p:ph type="title"/>
+          </p:nvPr>
+        </p:nvSpPr>
+        <p:spPr>
+          <a:xfrm>
+            <a:off x="644854" y="643464"/>
+            <a:ext cx="3437290" cy="4374850"/>
+          </a:xfrm>
+        </p:spPr>
+        <p:txBody>
+          <a:bodyPr vert="horz" lIns="91440" tIns="45720" rIns="91440" bIns="45720" rtlCol="0" anchor="ctr">
+            <a:normAutofit/>
+          </a:bodyPr>
+          <a:lstStyle/>
+          <a:p>
+            <a:pPr algn="ctr"/>
+            <a:r>
+              <a:rPr lang="en-US" altLang="zh-CN" sz="4700" spc="800">
+                <a:solidFill>
+                  <a:srgbClr val="2A1A00"/>
+                </a:solidFill>
+              </a:rPr>
+              <a:t>Rotation	</a:t>
+            </a:r>
+          </a:p>
+        </p:txBody>
+      </p:sp>
+      <p:sp>
+        <p:nvSpPr>
+          <p:cNvPr id="3" name="Content Placeholder 2">
+            <a:extLst>
+              <a:ext uri="{FF2B5EF4-FFF2-40B4-BE49-F238E27FC236}">
+                <a16:creationId xmlns:a16="http://schemas.microsoft.com/office/drawing/2014/main" id="{4477747A-3CAD-4F32-9548-170199D746AB}"/>
+              </a:ext>
+            </a:extLst>
+          </p:cNvPr>
+          <p:cNvSpPr>
+            <a:spLocks noGrp="1"/>
+          </p:cNvSpPr>
+          <p:nvPr>
+            <p:ph idx="1"/>
+          </p:nvPr>
+        </p:nvSpPr>
+        <p:spPr>
+          <a:xfrm>
+            <a:off x="644854" y="5338354"/>
+            <a:ext cx="3437290" cy="992038"/>
+          </a:xfrm>
+        </p:spPr>
+        <p:txBody>
+          <a:bodyPr vert="horz" lIns="91440" tIns="45720" rIns="91440" bIns="45720" rtlCol="0" anchor="t">
+            <a:normAutofit/>
+          </a:bodyPr>
+          <a:lstStyle/>
+          <a:p>
+            <a:pPr marL="0" indent="0" algn="ctr">
+              <a:lnSpc>
+                <a:spcPct val="100000"/>
+              </a:lnSpc>
+              <a:buNone/>
+            </a:pPr>
+            <a:r>
+              <a:rPr lang="en-US" altLang="zh-CN" sz="1600" b="1" cap="all" spc="400">
+                <a:solidFill>
+                  <a:srgbClr val="F3F3F2"/>
+                </a:solidFill>
+              </a:rPr>
+              <a:t>Input the angle(For example 90 degrees) </a:t>
+            </a:r>
+          </a:p>
+        </p:txBody>
+      </p:sp>
+      <p:pic>
+        <p:nvPicPr>
+          <p:cNvPr id="4" name="图片 3">
+            <a:extLst>
+              <a:ext uri="{FF2B5EF4-FFF2-40B4-BE49-F238E27FC236}">
+                <a16:creationId xmlns:a16="http://schemas.microsoft.com/office/drawing/2014/main" id="{70DB433A-0E05-47BF-8609-7DCF951BF26E}"/>
+              </a:ext>
+            </a:extLst>
+          </p:cNvPr>
+          <p:cNvPicPr>
+            <a:picLocks noChangeAspect="1"/>
+          </p:cNvPicPr>
+          <p:nvPr/>
+        </p:nvPicPr>
+        <p:blipFill>
+          <a:blip r:embed="rId2"/>
+          <a:stretch>
+            <a:fillRect/>
+          </a:stretch>
+        </p:blipFill>
+        <p:spPr>
+          <a:xfrm rot="16200000">
+            <a:off x="5340297" y="1101336"/>
+            <a:ext cx="6220332" cy="4659244"/>
+          </a:xfrm>
+          <a:prstGeom prst="rect">
+            <a:avLst/>
+          </a:prstGeom>
+        </p:spPr>
+      </p:pic>
+    </p:spTree>
+    <p:extLst>
+      <p:ext uri="{BB962C8B-B14F-4D97-AF65-F5344CB8AC3E}">
+        <p14:creationId xmlns:p14="http://schemas.microsoft.com/office/powerpoint/2010/main" val="3638282669"/>
+      </p:ext>
+    </p:extLst>
+  </p:cSld>
+  <p:clrMapOvr>
+    <a:masterClrMapping/>
+  </p:clrMapOvr>
+</p:sld>
+</file>
+
+<file path=ppt/slides/slide6.xml><?xml version="1.0" encoding="utf-8"?>
+<p:sld xmlns:a="http://schemas.openxmlformats.org/drawingml/2006/main" xmlns:r="http://schemas.openxmlformats.org/officeDocument/2006/relationships" xmlns:p="http://schemas.openxmlformats.org/presentationml/2006/main">
+  <p:cSld>
+    <p:bg>
+      <p:bgPr>
+        <a:solidFill>
+          <a:schemeClr val="accent1"/>
         </a:solidFill>
         <a:effectLst/>
       </p:bgPr>
@@ -11113,10 +13832,10 @@
       </p:grpSpPr>
       <p:sp useBgFill="1">
         <p:nvSpPr>
-          <p:cNvPr id="8" name="Rectangle 7">
+          <p:cNvPr id="24" name="Rectangle 23">
             <a:extLst>
               <a:ext uri="{FF2B5EF4-FFF2-40B4-BE49-F238E27FC236}">
-                <a16:creationId xmlns:a16="http://schemas.microsoft.com/office/drawing/2014/main" id="{A98AD482-27A4-454E-8A3A-84F73CBDA7E4}"/>
+                <a16:creationId xmlns:a16="http://schemas.microsoft.com/office/drawing/2014/main" id="{7C615D28-8D37-47CB-9D5B-9ACFDA308974}"/>
               </a:ext>
               <a:ext uri="{C183D7F6-B498-43B3-948B-1728B52AA6E4}">
                 <adec:decorative xmlns:adec="http://schemas.microsoft.com/office/drawing/2017/decorative" val="1"/>
@@ -11137,7 +13856,7 @@
         <p:spPr>
           <a:xfrm>
             <a:off x="0" y="0"/>
-            <a:ext cx="12192000" cy="6858000"/>
+            <a:ext cx="12192000" cy="6857998"/>
           </a:xfrm>
           <a:prstGeom prst="rect">
             <a:avLst/>
@@ -11173,10 +13892,1282 @@
       </p:sp>
       <p:sp>
         <p:nvSpPr>
-          <p:cNvPr id="10" name="Rectangle 9">
+          <p:cNvPr id="2" name="标题 1">
             <a:extLst>
               <a:ext uri="{FF2B5EF4-FFF2-40B4-BE49-F238E27FC236}">
-                <a16:creationId xmlns:a16="http://schemas.microsoft.com/office/drawing/2014/main" id="{322422E2-F15A-43AE-98F1-7210710B0EB8}"/>
+                <a16:creationId xmlns:a16="http://schemas.microsoft.com/office/drawing/2014/main" id="{BD798097-1672-45F2-8F7C-497EF26906B3}"/>
+              </a:ext>
+            </a:extLst>
+          </p:cNvPr>
+          <p:cNvSpPr>
+            <a:spLocks noGrp="1"/>
+          </p:cNvSpPr>
+          <p:nvPr>
+            <p:ph type="title"/>
+          </p:nvPr>
+        </p:nvSpPr>
+        <p:spPr>
+          <a:xfrm>
+            <a:off x="1193799" y="804335"/>
+            <a:ext cx="6340851" cy="1681709"/>
+          </a:xfrm>
+        </p:spPr>
+        <p:txBody>
+          <a:bodyPr>
+            <a:normAutofit/>
+          </a:bodyPr>
+          <a:lstStyle/>
+          <a:p>
+            <a:r>
+              <a:rPr lang="en-US" dirty="0"/>
+              <a:t>Resize	</a:t>
+            </a:r>
+          </a:p>
+        </p:txBody>
+      </p:sp>
+      <p:sp>
+        <p:nvSpPr>
+          <p:cNvPr id="26" name="Freeform: Shape 25">
+            <a:extLst>
+              <a:ext uri="{FF2B5EF4-FFF2-40B4-BE49-F238E27FC236}">
+                <a16:creationId xmlns:a16="http://schemas.microsoft.com/office/drawing/2014/main" id="{41FDC264-1201-436C-919B-101837D60759}"/>
+              </a:ext>
+              <a:ext uri="{C183D7F6-B498-43B3-948B-1728B52AA6E4}">
+                <adec:decorative xmlns:adec="http://schemas.microsoft.com/office/drawing/2017/decorative" val="1"/>
+              </a:ext>
+            </a:extLst>
+          </p:cNvPr>
+          <p:cNvSpPr>
+            <a:spLocks noGrp="1" noRot="1" noChangeAspect="1" noMove="1" noResize="1" noEditPoints="1" noAdjustHandles="1" noChangeArrowheads="1" noChangeShapeType="1" noTextEdit="1"/>
+          </p:cNvSpPr>
+          <p:nvPr>
+            <p:extLst>
+              <p:ext uri="{386F3935-93C4-4BCD-93E2-E3B085C9AB24}">
+                <p16:designElem xmlns:p16="http://schemas.microsoft.com/office/powerpoint/2015/main" val="1"/>
+              </p:ext>
+            </p:extLst>
+          </p:nvPr>
+        </p:nvSpPr>
+        <p:spPr bwMode="auto">
+          <a:xfrm>
+            <a:off x="0" y="0"/>
+            <a:ext cx="672465" cy="6858000"/>
+          </a:xfrm>
+          <a:custGeom>
+            <a:avLst/>
+            <a:gdLst>
+              <a:gd name="connsiteX0" fmla="*/ 0 w 672465"/>
+              <a:gd name="connsiteY0" fmla="*/ 0 h 6858000"/>
+              <a:gd name="connsiteX1" fmla="*/ 496253 w 672465"/>
+              <a:gd name="connsiteY1" fmla="*/ 0 h 6858000"/>
+              <a:gd name="connsiteX2" fmla="*/ 497840 w 672465"/>
+              <a:gd name="connsiteY2" fmla="*/ 68263 h 6858000"/>
+              <a:gd name="connsiteX3" fmla="*/ 505778 w 672465"/>
+              <a:gd name="connsiteY3" fmla="*/ 128588 h 6858000"/>
+              <a:gd name="connsiteX4" fmla="*/ 516890 w 672465"/>
+              <a:gd name="connsiteY4" fmla="*/ 180975 h 6858000"/>
+              <a:gd name="connsiteX5" fmla="*/ 531178 w 672465"/>
+              <a:gd name="connsiteY5" fmla="*/ 227013 h 6858000"/>
+              <a:gd name="connsiteX6" fmla="*/ 547053 w 672465"/>
+              <a:gd name="connsiteY6" fmla="*/ 268288 h 6858000"/>
+              <a:gd name="connsiteX7" fmla="*/ 566103 w 672465"/>
+              <a:gd name="connsiteY7" fmla="*/ 304800 h 6858000"/>
+              <a:gd name="connsiteX8" fmla="*/ 585153 w 672465"/>
+              <a:gd name="connsiteY8" fmla="*/ 342900 h 6858000"/>
+              <a:gd name="connsiteX9" fmla="*/ 604203 w 672465"/>
+              <a:gd name="connsiteY9" fmla="*/ 381000 h 6858000"/>
+              <a:gd name="connsiteX10" fmla="*/ 620078 w 672465"/>
+              <a:gd name="connsiteY10" fmla="*/ 417513 h 6858000"/>
+              <a:gd name="connsiteX11" fmla="*/ 635953 w 672465"/>
+              <a:gd name="connsiteY11" fmla="*/ 458788 h 6858000"/>
+              <a:gd name="connsiteX12" fmla="*/ 651828 w 672465"/>
+              <a:gd name="connsiteY12" fmla="*/ 504825 h 6858000"/>
+              <a:gd name="connsiteX13" fmla="*/ 662940 w 672465"/>
+              <a:gd name="connsiteY13" fmla="*/ 557213 h 6858000"/>
+              <a:gd name="connsiteX14" fmla="*/ 669290 w 672465"/>
+              <a:gd name="connsiteY14" fmla="*/ 617538 h 6858000"/>
+              <a:gd name="connsiteX15" fmla="*/ 672465 w 672465"/>
+              <a:gd name="connsiteY15" fmla="*/ 685800 h 6858000"/>
+              <a:gd name="connsiteX16" fmla="*/ 669290 w 672465"/>
+              <a:gd name="connsiteY16" fmla="*/ 754063 h 6858000"/>
+              <a:gd name="connsiteX17" fmla="*/ 662940 w 672465"/>
+              <a:gd name="connsiteY17" fmla="*/ 814388 h 6858000"/>
+              <a:gd name="connsiteX18" fmla="*/ 651828 w 672465"/>
+              <a:gd name="connsiteY18" fmla="*/ 866775 h 6858000"/>
+              <a:gd name="connsiteX19" fmla="*/ 635953 w 672465"/>
+              <a:gd name="connsiteY19" fmla="*/ 912813 h 6858000"/>
+              <a:gd name="connsiteX20" fmla="*/ 620078 w 672465"/>
+              <a:gd name="connsiteY20" fmla="*/ 954088 h 6858000"/>
+              <a:gd name="connsiteX21" fmla="*/ 604203 w 672465"/>
+              <a:gd name="connsiteY21" fmla="*/ 990600 h 6858000"/>
+              <a:gd name="connsiteX22" fmla="*/ 585153 w 672465"/>
+              <a:gd name="connsiteY22" fmla="*/ 1028700 h 6858000"/>
+              <a:gd name="connsiteX23" fmla="*/ 566103 w 672465"/>
+              <a:gd name="connsiteY23" fmla="*/ 1066800 h 6858000"/>
+              <a:gd name="connsiteX24" fmla="*/ 547053 w 672465"/>
+              <a:gd name="connsiteY24" fmla="*/ 1103313 h 6858000"/>
+              <a:gd name="connsiteX25" fmla="*/ 531178 w 672465"/>
+              <a:gd name="connsiteY25" fmla="*/ 1144588 h 6858000"/>
+              <a:gd name="connsiteX26" fmla="*/ 516890 w 672465"/>
+              <a:gd name="connsiteY26" fmla="*/ 1190625 h 6858000"/>
+              <a:gd name="connsiteX27" fmla="*/ 505778 w 672465"/>
+              <a:gd name="connsiteY27" fmla="*/ 1243013 h 6858000"/>
+              <a:gd name="connsiteX28" fmla="*/ 497840 w 672465"/>
+              <a:gd name="connsiteY28" fmla="*/ 1303338 h 6858000"/>
+              <a:gd name="connsiteX29" fmla="*/ 496253 w 672465"/>
+              <a:gd name="connsiteY29" fmla="*/ 1371600 h 6858000"/>
+              <a:gd name="connsiteX30" fmla="*/ 497840 w 672465"/>
+              <a:gd name="connsiteY30" fmla="*/ 1439863 h 6858000"/>
+              <a:gd name="connsiteX31" fmla="*/ 505778 w 672465"/>
+              <a:gd name="connsiteY31" fmla="*/ 1500188 h 6858000"/>
+              <a:gd name="connsiteX32" fmla="*/ 516890 w 672465"/>
+              <a:gd name="connsiteY32" fmla="*/ 1552575 h 6858000"/>
+              <a:gd name="connsiteX33" fmla="*/ 531178 w 672465"/>
+              <a:gd name="connsiteY33" fmla="*/ 1598613 h 6858000"/>
+              <a:gd name="connsiteX34" fmla="*/ 547053 w 672465"/>
+              <a:gd name="connsiteY34" fmla="*/ 1639888 h 6858000"/>
+              <a:gd name="connsiteX35" fmla="*/ 566103 w 672465"/>
+              <a:gd name="connsiteY35" fmla="*/ 1676400 h 6858000"/>
+              <a:gd name="connsiteX36" fmla="*/ 585153 w 672465"/>
+              <a:gd name="connsiteY36" fmla="*/ 1714500 h 6858000"/>
+              <a:gd name="connsiteX37" fmla="*/ 604203 w 672465"/>
+              <a:gd name="connsiteY37" fmla="*/ 1752600 h 6858000"/>
+              <a:gd name="connsiteX38" fmla="*/ 620078 w 672465"/>
+              <a:gd name="connsiteY38" fmla="*/ 1789113 h 6858000"/>
+              <a:gd name="connsiteX39" fmla="*/ 635953 w 672465"/>
+              <a:gd name="connsiteY39" fmla="*/ 1830388 h 6858000"/>
+              <a:gd name="connsiteX40" fmla="*/ 651828 w 672465"/>
+              <a:gd name="connsiteY40" fmla="*/ 1876425 h 6858000"/>
+              <a:gd name="connsiteX41" fmla="*/ 662940 w 672465"/>
+              <a:gd name="connsiteY41" fmla="*/ 1928813 h 6858000"/>
+              <a:gd name="connsiteX42" fmla="*/ 669290 w 672465"/>
+              <a:gd name="connsiteY42" fmla="*/ 1989138 h 6858000"/>
+              <a:gd name="connsiteX43" fmla="*/ 672465 w 672465"/>
+              <a:gd name="connsiteY43" fmla="*/ 2057400 h 6858000"/>
+              <a:gd name="connsiteX44" fmla="*/ 669290 w 672465"/>
+              <a:gd name="connsiteY44" fmla="*/ 2125663 h 6858000"/>
+              <a:gd name="connsiteX45" fmla="*/ 662940 w 672465"/>
+              <a:gd name="connsiteY45" fmla="*/ 2185988 h 6858000"/>
+              <a:gd name="connsiteX46" fmla="*/ 651828 w 672465"/>
+              <a:gd name="connsiteY46" fmla="*/ 2238375 h 6858000"/>
+              <a:gd name="connsiteX47" fmla="*/ 635953 w 672465"/>
+              <a:gd name="connsiteY47" fmla="*/ 2284413 h 6858000"/>
+              <a:gd name="connsiteX48" fmla="*/ 620078 w 672465"/>
+              <a:gd name="connsiteY48" fmla="*/ 2325688 h 6858000"/>
+              <a:gd name="connsiteX49" fmla="*/ 604203 w 672465"/>
+              <a:gd name="connsiteY49" fmla="*/ 2362200 h 6858000"/>
+              <a:gd name="connsiteX50" fmla="*/ 585153 w 672465"/>
+              <a:gd name="connsiteY50" fmla="*/ 2400300 h 6858000"/>
+              <a:gd name="connsiteX51" fmla="*/ 566103 w 672465"/>
+              <a:gd name="connsiteY51" fmla="*/ 2438400 h 6858000"/>
+              <a:gd name="connsiteX52" fmla="*/ 547053 w 672465"/>
+              <a:gd name="connsiteY52" fmla="*/ 2474913 h 6858000"/>
+              <a:gd name="connsiteX53" fmla="*/ 531178 w 672465"/>
+              <a:gd name="connsiteY53" fmla="*/ 2516188 h 6858000"/>
+              <a:gd name="connsiteX54" fmla="*/ 516890 w 672465"/>
+              <a:gd name="connsiteY54" fmla="*/ 2562225 h 6858000"/>
+              <a:gd name="connsiteX55" fmla="*/ 505778 w 672465"/>
+              <a:gd name="connsiteY55" fmla="*/ 2614613 h 6858000"/>
+              <a:gd name="connsiteX56" fmla="*/ 497840 w 672465"/>
+              <a:gd name="connsiteY56" fmla="*/ 2674938 h 6858000"/>
+              <a:gd name="connsiteX57" fmla="*/ 496253 w 672465"/>
+              <a:gd name="connsiteY57" fmla="*/ 2743200 h 6858000"/>
+              <a:gd name="connsiteX58" fmla="*/ 497840 w 672465"/>
+              <a:gd name="connsiteY58" fmla="*/ 2811463 h 6858000"/>
+              <a:gd name="connsiteX59" fmla="*/ 505778 w 672465"/>
+              <a:gd name="connsiteY59" fmla="*/ 2871788 h 6858000"/>
+              <a:gd name="connsiteX60" fmla="*/ 516890 w 672465"/>
+              <a:gd name="connsiteY60" fmla="*/ 2924175 h 6858000"/>
+              <a:gd name="connsiteX61" fmla="*/ 531178 w 672465"/>
+              <a:gd name="connsiteY61" fmla="*/ 2970213 h 6858000"/>
+              <a:gd name="connsiteX62" fmla="*/ 547053 w 672465"/>
+              <a:gd name="connsiteY62" fmla="*/ 3011488 h 6858000"/>
+              <a:gd name="connsiteX63" fmla="*/ 566103 w 672465"/>
+              <a:gd name="connsiteY63" fmla="*/ 3048000 h 6858000"/>
+              <a:gd name="connsiteX64" fmla="*/ 585153 w 672465"/>
+              <a:gd name="connsiteY64" fmla="*/ 3086100 h 6858000"/>
+              <a:gd name="connsiteX65" fmla="*/ 604203 w 672465"/>
+              <a:gd name="connsiteY65" fmla="*/ 3124200 h 6858000"/>
+              <a:gd name="connsiteX66" fmla="*/ 620078 w 672465"/>
+              <a:gd name="connsiteY66" fmla="*/ 3160713 h 6858000"/>
+              <a:gd name="connsiteX67" fmla="*/ 635953 w 672465"/>
+              <a:gd name="connsiteY67" fmla="*/ 3201988 h 6858000"/>
+              <a:gd name="connsiteX68" fmla="*/ 651828 w 672465"/>
+              <a:gd name="connsiteY68" fmla="*/ 3248025 h 6858000"/>
+              <a:gd name="connsiteX69" fmla="*/ 662940 w 672465"/>
+              <a:gd name="connsiteY69" fmla="*/ 3300413 h 6858000"/>
+              <a:gd name="connsiteX70" fmla="*/ 669290 w 672465"/>
+              <a:gd name="connsiteY70" fmla="*/ 3360738 h 6858000"/>
+              <a:gd name="connsiteX71" fmla="*/ 672465 w 672465"/>
+              <a:gd name="connsiteY71" fmla="*/ 3427413 h 6858000"/>
+              <a:gd name="connsiteX72" fmla="*/ 669290 w 672465"/>
+              <a:gd name="connsiteY72" fmla="*/ 3497263 h 6858000"/>
+              <a:gd name="connsiteX73" fmla="*/ 662940 w 672465"/>
+              <a:gd name="connsiteY73" fmla="*/ 3557588 h 6858000"/>
+              <a:gd name="connsiteX74" fmla="*/ 651828 w 672465"/>
+              <a:gd name="connsiteY74" fmla="*/ 3609975 h 6858000"/>
+              <a:gd name="connsiteX75" fmla="*/ 635953 w 672465"/>
+              <a:gd name="connsiteY75" fmla="*/ 3656013 h 6858000"/>
+              <a:gd name="connsiteX76" fmla="*/ 620078 w 672465"/>
+              <a:gd name="connsiteY76" fmla="*/ 3697288 h 6858000"/>
+              <a:gd name="connsiteX77" fmla="*/ 604203 w 672465"/>
+              <a:gd name="connsiteY77" fmla="*/ 3733800 h 6858000"/>
+              <a:gd name="connsiteX78" fmla="*/ 585153 w 672465"/>
+              <a:gd name="connsiteY78" fmla="*/ 3771900 h 6858000"/>
+              <a:gd name="connsiteX79" fmla="*/ 566103 w 672465"/>
+              <a:gd name="connsiteY79" fmla="*/ 3810000 h 6858000"/>
+              <a:gd name="connsiteX80" fmla="*/ 547053 w 672465"/>
+              <a:gd name="connsiteY80" fmla="*/ 3846513 h 6858000"/>
+              <a:gd name="connsiteX81" fmla="*/ 531178 w 672465"/>
+              <a:gd name="connsiteY81" fmla="*/ 3887788 h 6858000"/>
+              <a:gd name="connsiteX82" fmla="*/ 516890 w 672465"/>
+              <a:gd name="connsiteY82" fmla="*/ 3933825 h 6858000"/>
+              <a:gd name="connsiteX83" fmla="*/ 505778 w 672465"/>
+              <a:gd name="connsiteY83" fmla="*/ 3986213 h 6858000"/>
+              <a:gd name="connsiteX84" fmla="*/ 497840 w 672465"/>
+              <a:gd name="connsiteY84" fmla="*/ 4046538 h 6858000"/>
+              <a:gd name="connsiteX85" fmla="*/ 496253 w 672465"/>
+              <a:gd name="connsiteY85" fmla="*/ 4114800 h 6858000"/>
+              <a:gd name="connsiteX86" fmla="*/ 497840 w 672465"/>
+              <a:gd name="connsiteY86" fmla="*/ 4183063 h 6858000"/>
+              <a:gd name="connsiteX87" fmla="*/ 505778 w 672465"/>
+              <a:gd name="connsiteY87" fmla="*/ 4243388 h 6858000"/>
+              <a:gd name="connsiteX88" fmla="*/ 516890 w 672465"/>
+              <a:gd name="connsiteY88" fmla="*/ 4295775 h 6858000"/>
+              <a:gd name="connsiteX89" fmla="*/ 531178 w 672465"/>
+              <a:gd name="connsiteY89" fmla="*/ 4341813 h 6858000"/>
+              <a:gd name="connsiteX90" fmla="*/ 547053 w 672465"/>
+              <a:gd name="connsiteY90" fmla="*/ 4383088 h 6858000"/>
+              <a:gd name="connsiteX91" fmla="*/ 566103 w 672465"/>
+              <a:gd name="connsiteY91" fmla="*/ 4419600 h 6858000"/>
+              <a:gd name="connsiteX92" fmla="*/ 604203 w 672465"/>
+              <a:gd name="connsiteY92" fmla="*/ 4495800 h 6858000"/>
+              <a:gd name="connsiteX93" fmla="*/ 620078 w 672465"/>
+              <a:gd name="connsiteY93" fmla="*/ 4532313 h 6858000"/>
+              <a:gd name="connsiteX94" fmla="*/ 635953 w 672465"/>
+              <a:gd name="connsiteY94" fmla="*/ 4573588 h 6858000"/>
+              <a:gd name="connsiteX95" fmla="*/ 651828 w 672465"/>
+              <a:gd name="connsiteY95" fmla="*/ 4619625 h 6858000"/>
+              <a:gd name="connsiteX96" fmla="*/ 662940 w 672465"/>
+              <a:gd name="connsiteY96" fmla="*/ 4672013 h 6858000"/>
+              <a:gd name="connsiteX97" fmla="*/ 669290 w 672465"/>
+              <a:gd name="connsiteY97" fmla="*/ 4732338 h 6858000"/>
+              <a:gd name="connsiteX98" fmla="*/ 672465 w 672465"/>
+              <a:gd name="connsiteY98" fmla="*/ 4800600 h 6858000"/>
+              <a:gd name="connsiteX99" fmla="*/ 669290 w 672465"/>
+              <a:gd name="connsiteY99" fmla="*/ 4868863 h 6858000"/>
+              <a:gd name="connsiteX100" fmla="*/ 662940 w 672465"/>
+              <a:gd name="connsiteY100" fmla="*/ 4929188 h 6858000"/>
+              <a:gd name="connsiteX101" fmla="*/ 651828 w 672465"/>
+              <a:gd name="connsiteY101" fmla="*/ 4981575 h 6858000"/>
+              <a:gd name="connsiteX102" fmla="*/ 635953 w 672465"/>
+              <a:gd name="connsiteY102" fmla="*/ 5027613 h 6858000"/>
+              <a:gd name="connsiteX103" fmla="*/ 620078 w 672465"/>
+              <a:gd name="connsiteY103" fmla="*/ 5068888 h 6858000"/>
+              <a:gd name="connsiteX104" fmla="*/ 604203 w 672465"/>
+              <a:gd name="connsiteY104" fmla="*/ 5105400 h 6858000"/>
+              <a:gd name="connsiteX105" fmla="*/ 585153 w 672465"/>
+              <a:gd name="connsiteY105" fmla="*/ 5143500 h 6858000"/>
+              <a:gd name="connsiteX106" fmla="*/ 566103 w 672465"/>
+              <a:gd name="connsiteY106" fmla="*/ 5181600 h 6858000"/>
+              <a:gd name="connsiteX107" fmla="*/ 547053 w 672465"/>
+              <a:gd name="connsiteY107" fmla="*/ 5218113 h 6858000"/>
+              <a:gd name="connsiteX108" fmla="*/ 531178 w 672465"/>
+              <a:gd name="connsiteY108" fmla="*/ 5259388 h 6858000"/>
+              <a:gd name="connsiteX109" fmla="*/ 516890 w 672465"/>
+              <a:gd name="connsiteY109" fmla="*/ 5305425 h 6858000"/>
+              <a:gd name="connsiteX110" fmla="*/ 505778 w 672465"/>
+              <a:gd name="connsiteY110" fmla="*/ 5357813 h 6858000"/>
+              <a:gd name="connsiteX111" fmla="*/ 497840 w 672465"/>
+              <a:gd name="connsiteY111" fmla="*/ 5418138 h 6858000"/>
+              <a:gd name="connsiteX112" fmla="*/ 496253 w 672465"/>
+              <a:gd name="connsiteY112" fmla="*/ 5486400 h 6858000"/>
+              <a:gd name="connsiteX113" fmla="*/ 497840 w 672465"/>
+              <a:gd name="connsiteY113" fmla="*/ 5554663 h 6858000"/>
+              <a:gd name="connsiteX114" fmla="*/ 505778 w 672465"/>
+              <a:gd name="connsiteY114" fmla="*/ 5614988 h 6858000"/>
+              <a:gd name="connsiteX115" fmla="*/ 516890 w 672465"/>
+              <a:gd name="connsiteY115" fmla="*/ 5667375 h 6858000"/>
+              <a:gd name="connsiteX116" fmla="*/ 531178 w 672465"/>
+              <a:gd name="connsiteY116" fmla="*/ 5713413 h 6858000"/>
+              <a:gd name="connsiteX117" fmla="*/ 547053 w 672465"/>
+              <a:gd name="connsiteY117" fmla="*/ 5754688 h 6858000"/>
+              <a:gd name="connsiteX118" fmla="*/ 566103 w 672465"/>
+              <a:gd name="connsiteY118" fmla="*/ 5791200 h 6858000"/>
+              <a:gd name="connsiteX119" fmla="*/ 585153 w 672465"/>
+              <a:gd name="connsiteY119" fmla="*/ 5829300 h 6858000"/>
+              <a:gd name="connsiteX120" fmla="*/ 604203 w 672465"/>
+              <a:gd name="connsiteY120" fmla="*/ 5867400 h 6858000"/>
+              <a:gd name="connsiteX121" fmla="*/ 620078 w 672465"/>
+              <a:gd name="connsiteY121" fmla="*/ 5903913 h 6858000"/>
+              <a:gd name="connsiteX122" fmla="*/ 635953 w 672465"/>
+              <a:gd name="connsiteY122" fmla="*/ 5945188 h 6858000"/>
+              <a:gd name="connsiteX123" fmla="*/ 651828 w 672465"/>
+              <a:gd name="connsiteY123" fmla="*/ 5991225 h 6858000"/>
+              <a:gd name="connsiteX124" fmla="*/ 662940 w 672465"/>
+              <a:gd name="connsiteY124" fmla="*/ 6043613 h 6858000"/>
+              <a:gd name="connsiteX125" fmla="*/ 669290 w 672465"/>
+              <a:gd name="connsiteY125" fmla="*/ 6103938 h 6858000"/>
+              <a:gd name="connsiteX126" fmla="*/ 672465 w 672465"/>
+              <a:gd name="connsiteY126" fmla="*/ 6172200 h 6858000"/>
+              <a:gd name="connsiteX127" fmla="*/ 669290 w 672465"/>
+              <a:gd name="connsiteY127" fmla="*/ 6240463 h 6858000"/>
+              <a:gd name="connsiteX128" fmla="*/ 662940 w 672465"/>
+              <a:gd name="connsiteY128" fmla="*/ 6300788 h 6858000"/>
+              <a:gd name="connsiteX129" fmla="*/ 651828 w 672465"/>
+              <a:gd name="connsiteY129" fmla="*/ 6353175 h 6858000"/>
+              <a:gd name="connsiteX130" fmla="*/ 635953 w 672465"/>
+              <a:gd name="connsiteY130" fmla="*/ 6399213 h 6858000"/>
+              <a:gd name="connsiteX131" fmla="*/ 620078 w 672465"/>
+              <a:gd name="connsiteY131" fmla="*/ 6440488 h 6858000"/>
+              <a:gd name="connsiteX132" fmla="*/ 604203 w 672465"/>
+              <a:gd name="connsiteY132" fmla="*/ 6477000 h 6858000"/>
+              <a:gd name="connsiteX133" fmla="*/ 585153 w 672465"/>
+              <a:gd name="connsiteY133" fmla="*/ 6515100 h 6858000"/>
+              <a:gd name="connsiteX134" fmla="*/ 566103 w 672465"/>
+              <a:gd name="connsiteY134" fmla="*/ 6553200 h 6858000"/>
+              <a:gd name="connsiteX135" fmla="*/ 547053 w 672465"/>
+              <a:gd name="connsiteY135" fmla="*/ 6589713 h 6858000"/>
+              <a:gd name="connsiteX136" fmla="*/ 531178 w 672465"/>
+              <a:gd name="connsiteY136" fmla="*/ 6630988 h 6858000"/>
+              <a:gd name="connsiteX137" fmla="*/ 516890 w 672465"/>
+              <a:gd name="connsiteY137" fmla="*/ 6677025 h 6858000"/>
+              <a:gd name="connsiteX138" fmla="*/ 505778 w 672465"/>
+              <a:gd name="connsiteY138" fmla="*/ 6729413 h 6858000"/>
+              <a:gd name="connsiteX139" fmla="*/ 497840 w 672465"/>
+              <a:gd name="connsiteY139" fmla="*/ 6789738 h 6858000"/>
+              <a:gd name="connsiteX140" fmla="*/ 496253 w 672465"/>
+              <a:gd name="connsiteY140" fmla="*/ 6858000 h 6858000"/>
+              <a:gd name="connsiteX141" fmla="*/ 0 w 672465"/>
+              <a:gd name="connsiteY141" fmla="*/ 6858000 h 6858000"/>
+            </a:gdLst>
+            <a:ahLst/>
+            <a:cxnLst>
+              <a:cxn ang="0">
+                <a:pos x="connsiteX0" y="connsiteY0"/>
+              </a:cxn>
+              <a:cxn ang="0">
+                <a:pos x="connsiteX1" y="connsiteY1"/>
+              </a:cxn>
+              <a:cxn ang="0">
+                <a:pos x="connsiteX2" y="connsiteY2"/>
+              </a:cxn>
+              <a:cxn ang="0">
+                <a:pos x="connsiteX3" y="connsiteY3"/>
+              </a:cxn>
+              <a:cxn ang="0">
+                <a:pos x="connsiteX4" y="connsiteY4"/>
+              </a:cxn>
+              <a:cxn ang="0">
+                <a:pos x="connsiteX5" y="connsiteY5"/>
+              </a:cxn>
+              <a:cxn ang="0">
+                <a:pos x="connsiteX6" y="connsiteY6"/>
+              </a:cxn>
+              <a:cxn ang="0">
+                <a:pos x="connsiteX7" y="connsiteY7"/>
+              </a:cxn>
+              <a:cxn ang="0">
+                <a:pos x="connsiteX8" y="connsiteY8"/>
+              </a:cxn>
+              <a:cxn ang="0">
+                <a:pos x="connsiteX9" y="connsiteY9"/>
+              </a:cxn>
+              <a:cxn ang="0">
+                <a:pos x="connsiteX10" y="connsiteY10"/>
+              </a:cxn>
+              <a:cxn ang="0">
+                <a:pos x="connsiteX11" y="connsiteY11"/>
+              </a:cxn>
+              <a:cxn ang="0">
+                <a:pos x="connsiteX12" y="connsiteY12"/>
+              </a:cxn>
+              <a:cxn ang="0">
+                <a:pos x="connsiteX13" y="connsiteY13"/>
+              </a:cxn>
+              <a:cxn ang="0">
+                <a:pos x="connsiteX14" y="connsiteY14"/>
+              </a:cxn>
+              <a:cxn ang="0">
+                <a:pos x="connsiteX15" y="connsiteY15"/>
+              </a:cxn>
+              <a:cxn ang="0">
+                <a:pos x="connsiteX16" y="connsiteY16"/>
+              </a:cxn>
+              <a:cxn ang="0">
+                <a:pos x="connsiteX17" y="connsiteY17"/>
+              </a:cxn>
+              <a:cxn ang="0">
+                <a:pos x="connsiteX18" y="connsiteY18"/>
+              </a:cxn>
+              <a:cxn ang="0">
+                <a:pos x="connsiteX19" y="connsiteY19"/>
+              </a:cxn>
+              <a:cxn ang="0">
+                <a:pos x="connsiteX20" y="connsiteY20"/>
+              </a:cxn>
+              <a:cxn ang="0">
+                <a:pos x="connsiteX21" y="connsiteY21"/>
+              </a:cxn>
+              <a:cxn ang="0">
+                <a:pos x="connsiteX22" y="connsiteY22"/>
+              </a:cxn>
+              <a:cxn ang="0">
+                <a:pos x="connsiteX23" y="connsiteY23"/>
+              </a:cxn>
+              <a:cxn ang="0">
+                <a:pos x="connsiteX24" y="connsiteY24"/>
+              </a:cxn>
+              <a:cxn ang="0">
+                <a:pos x="connsiteX25" y="connsiteY25"/>
+              </a:cxn>
+              <a:cxn ang="0">
+                <a:pos x="connsiteX26" y="connsiteY26"/>
+              </a:cxn>
+              <a:cxn ang="0">
+                <a:pos x="connsiteX27" y="connsiteY27"/>
+              </a:cxn>
+              <a:cxn ang="0">
+                <a:pos x="connsiteX28" y="connsiteY28"/>
+              </a:cxn>
+              <a:cxn ang="0">
+                <a:pos x="connsiteX29" y="connsiteY29"/>
+              </a:cxn>
+              <a:cxn ang="0">
+                <a:pos x="connsiteX30" y="connsiteY30"/>
+              </a:cxn>
+              <a:cxn ang="0">
+                <a:pos x="connsiteX31" y="connsiteY31"/>
+              </a:cxn>
+              <a:cxn ang="0">
+                <a:pos x="connsiteX32" y="connsiteY32"/>
+              </a:cxn>
+              <a:cxn ang="0">
+                <a:pos x="connsiteX33" y="connsiteY33"/>
+              </a:cxn>
+              <a:cxn ang="0">
+                <a:pos x="connsiteX34" y="connsiteY34"/>
+              </a:cxn>
+              <a:cxn ang="0">
+                <a:pos x="connsiteX35" y="connsiteY35"/>
+              </a:cxn>
+              <a:cxn ang="0">
+                <a:pos x="connsiteX36" y="connsiteY36"/>
+              </a:cxn>
+              <a:cxn ang="0">
+                <a:pos x="connsiteX37" y="connsiteY37"/>
+              </a:cxn>
+              <a:cxn ang="0">
+                <a:pos x="connsiteX38" y="connsiteY38"/>
+              </a:cxn>
+              <a:cxn ang="0">
+                <a:pos x="connsiteX39" y="connsiteY39"/>
+              </a:cxn>
+              <a:cxn ang="0">
+                <a:pos x="connsiteX40" y="connsiteY40"/>
+              </a:cxn>
+              <a:cxn ang="0">
+                <a:pos x="connsiteX41" y="connsiteY41"/>
+              </a:cxn>
+              <a:cxn ang="0">
+                <a:pos x="connsiteX42" y="connsiteY42"/>
+              </a:cxn>
+              <a:cxn ang="0">
+                <a:pos x="connsiteX43" y="connsiteY43"/>
+              </a:cxn>
+              <a:cxn ang="0">
+                <a:pos x="connsiteX44" y="connsiteY44"/>
+              </a:cxn>
+              <a:cxn ang="0">
+                <a:pos x="connsiteX45" y="connsiteY45"/>
+              </a:cxn>
+              <a:cxn ang="0">
+                <a:pos x="connsiteX46" y="connsiteY46"/>
+              </a:cxn>
+              <a:cxn ang="0">
+                <a:pos x="connsiteX47" y="connsiteY47"/>
+              </a:cxn>
+              <a:cxn ang="0">
+                <a:pos x="connsiteX48" y="connsiteY48"/>
+              </a:cxn>
+              <a:cxn ang="0">
+                <a:pos x="connsiteX49" y="connsiteY49"/>
+              </a:cxn>
+              <a:cxn ang="0">
+                <a:pos x="connsiteX50" y="connsiteY50"/>
+              </a:cxn>
+              <a:cxn ang="0">
+                <a:pos x="connsiteX51" y="connsiteY51"/>
+              </a:cxn>
+              <a:cxn ang="0">
+                <a:pos x="connsiteX52" y="connsiteY52"/>
+              </a:cxn>
+              <a:cxn ang="0">
+                <a:pos x="connsiteX53" y="connsiteY53"/>
+              </a:cxn>
+              <a:cxn ang="0">
+                <a:pos x="connsiteX54" y="connsiteY54"/>
+              </a:cxn>
+              <a:cxn ang="0">
+                <a:pos x="connsiteX55" y="connsiteY55"/>
+              </a:cxn>
+              <a:cxn ang="0">
+                <a:pos x="connsiteX56" y="connsiteY56"/>
+              </a:cxn>
+              <a:cxn ang="0">
+                <a:pos x="connsiteX57" y="connsiteY57"/>
+              </a:cxn>
+              <a:cxn ang="0">
+                <a:pos x="connsiteX58" y="connsiteY58"/>
+              </a:cxn>
+              <a:cxn ang="0">
+                <a:pos x="connsiteX59" y="connsiteY59"/>
+              </a:cxn>
+              <a:cxn ang="0">
+                <a:pos x="connsiteX60" y="connsiteY60"/>
+              </a:cxn>
+              <a:cxn ang="0">
+                <a:pos x="connsiteX61" y="connsiteY61"/>
+              </a:cxn>
+              <a:cxn ang="0">
+                <a:pos x="connsiteX62" y="connsiteY62"/>
+              </a:cxn>
+              <a:cxn ang="0">
+                <a:pos x="connsiteX63" y="connsiteY63"/>
+              </a:cxn>
+              <a:cxn ang="0">
+                <a:pos x="connsiteX64" y="connsiteY64"/>
+              </a:cxn>
+              <a:cxn ang="0">
+                <a:pos x="connsiteX65" y="connsiteY65"/>
+              </a:cxn>
+              <a:cxn ang="0">
+                <a:pos x="connsiteX66" y="connsiteY66"/>
+              </a:cxn>
+              <a:cxn ang="0">
+                <a:pos x="connsiteX67" y="connsiteY67"/>
+              </a:cxn>
+              <a:cxn ang="0">
+                <a:pos x="connsiteX68" y="connsiteY68"/>
+              </a:cxn>
+              <a:cxn ang="0">
+                <a:pos x="connsiteX69" y="connsiteY69"/>
+              </a:cxn>
+              <a:cxn ang="0">
+                <a:pos x="connsiteX70" y="connsiteY70"/>
+              </a:cxn>
+              <a:cxn ang="0">
+                <a:pos x="connsiteX71" y="connsiteY71"/>
+              </a:cxn>
+              <a:cxn ang="0">
+                <a:pos x="connsiteX72" y="connsiteY72"/>
+              </a:cxn>
+              <a:cxn ang="0">
+                <a:pos x="connsiteX73" y="connsiteY73"/>
+              </a:cxn>
+              <a:cxn ang="0">
+                <a:pos x="connsiteX74" y="connsiteY74"/>
+              </a:cxn>
+              <a:cxn ang="0">
+                <a:pos x="connsiteX75" y="connsiteY75"/>
+              </a:cxn>
+              <a:cxn ang="0">
+                <a:pos x="connsiteX76" y="connsiteY76"/>
+              </a:cxn>
+              <a:cxn ang="0">
+                <a:pos x="connsiteX77" y="connsiteY77"/>
+              </a:cxn>
+              <a:cxn ang="0">
+                <a:pos x="connsiteX78" y="connsiteY78"/>
+              </a:cxn>
+              <a:cxn ang="0">
+                <a:pos x="connsiteX79" y="connsiteY79"/>
+              </a:cxn>
+              <a:cxn ang="0">
+                <a:pos x="connsiteX80" y="connsiteY80"/>
+              </a:cxn>
+              <a:cxn ang="0">
+                <a:pos x="connsiteX81" y="connsiteY81"/>
+              </a:cxn>
+              <a:cxn ang="0">
+                <a:pos x="connsiteX82" y="connsiteY82"/>
+              </a:cxn>
+              <a:cxn ang="0">
+                <a:pos x="connsiteX83" y="connsiteY83"/>
+              </a:cxn>
+              <a:cxn ang="0">
+                <a:pos x="connsiteX84" y="connsiteY84"/>
+              </a:cxn>
+              <a:cxn ang="0">
+                <a:pos x="connsiteX85" y="connsiteY85"/>
+              </a:cxn>
+              <a:cxn ang="0">
+                <a:pos x="connsiteX86" y="connsiteY86"/>
+              </a:cxn>
+              <a:cxn ang="0">
+                <a:pos x="connsiteX87" y="connsiteY87"/>
+              </a:cxn>
+              <a:cxn ang="0">
+                <a:pos x="connsiteX88" y="connsiteY88"/>
+              </a:cxn>
+              <a:cxn ang="0">
+                <a:pos x="connsiteX89" y="connsiteY89"/>
+              </a:cxn>
+              <a:cxn ang="0">
+                <a:pos x="connsiteX90" y="connsiteY90"/>
+              </a:cxn>
+              <a:cxn ang="0">
+                <a:pos x="connsiteX91" y="connsiteY91"/>
+              </a:cxn>
+              <a:cxn ang="0">
+                <a:pos x="connsiteX92" y="connsiteY92"/>
+              </a:cxn>
+              <a:cxn ang="0">
+                <a:pos x="connsiteX93" y="connsiteY93"/>
+              </a:cxn>
+              <a:cxn ang="0">
+                <a:pos x="connsiteX94" y="connsiteY94"/>
+              </a:cxn>
+              <a:cxn ang="0">
+                <a:pos x="connsiteX95" y="connsiteY95"/>
+              </a:cxn>
+              <a:cxn ang="0">
+                <a:pos x="connsiteX96" y="connsiteY96"/>
+              </a:cxn>
+              <a:cxn ang="0">
+                <a:pos x="connsiteX97" y="connsiteY97"/>
+              </a:cxn>
+              <a:cxn ang="0">
+                <a:pos x="connsiteX98" y="connsiteY98"/>
+              </a:cxn>
+              <a:cxn ang="0">
+                <a:pos x="connsiteX99" y="connsiteY99"/>
+              </a:cxn>
+              <a:cxn ang="0">
+                <a:pos x="connsiteX100" y="connsiteY100"/>
+              </a:cxn>
+              <a:cxn ang="0">
+                <a:pos x="connsiteX101" y="connsiteY101"/>
+              </a:cxn>
+              <a:cxn ang="0">
+                <a:pos x="connsiteX102" y="connsiteY102"/>
+              </a:cxn>
+              <a:cxn ang="0">
+                <a:pos x="connsiteX103" y="connsiteY103"/>
+              </a:cxn>
+              <a:cxn ang="0">
+                <a:pos x="connsiteX104" y="connsiteY104"/>
+              </a:cxn>
+              <a:cxn ang="0">
+                <a:pos x="connsiteX105" y="connsiteY105"/>
+              </a:cxn>
+              <a:cxn ang="0">
+                <a:pos x="connsiteX106" y="connsiteY106"/>
+              </a:cxn>
+              <a:cxn ang="0">
+                <a:pos x="connsiteX107" y="connsiteY107"/>
+              </a:cxn>
+              <a:cxn ang="0">
+                <a:pos x="connsiteX108" y="connsiteY108"/>
+              </a:cxn>
+              <a:cxn ang="0">
+                <a:pos x="connsiteX109" y="connsiteY109"/>
+              </a:cxn>
+              <a:cxn ang="0">
+                <a:pos x="connsiteX110" y="connsiteY110"/>
+              </a:cxn>
+              <a:cxn ang="0">
+                <a:pos x="connsiteX111" y="connsiteY111"/>
+              </a:cxn>
+              <a:cxn ang="0">
+                <a:pos x="connsiteX112" y="connsiteY112"/>
+              </a:cxn>
+              <a:cxn ang="0">
+                <a:pos x="connsiteX113" y="connsiteY113"/>
+              </a:cxn>
+              <a:cxn ang="0">
+                <a:pos x="connsiteX114" y="connsiteY114"/>
+              </a:cxn>
+              <a:cxn ang="0">
+                <a:pos x="connsiteX115" y="connsiteY115"/>
+              </a:cxn>
+              <a:cxn ang="0">
+                <a:pos x="connsiteX116" y="connsiteY116"/>
+              </a:cxn>
+              <a:cxn ang="0">
+                <a:pos x="connsiteX117" y="connsiteY117"/>
+              </a:cxn>
+              <a:cxn ang="0">
+                <a:pos x="connsiteX118" y="connsiteY118"/>
+              </a:cxn>
+              <a:cxn ang="0">
+                <a:pos x="connsiteX119" y="connsiteY119"/>
+              </a:cxn>
+              <a:cxn ang="0">
+                <a:pos x="connsiteX120" y="connsiteY120"/>
+              </a:cxn>
+              <a:cxn ang="0">
+                <a:pos x="connsiteX121" y="connsiteY121"/>
+              </a:cxn>
+              <a:cxn ang="0">
+                <a:pos x="connsiteX122" y="connsiteY122"/>
+              </a:cxn>
+              <a:cxn ang="0">
+                <a:pos x="connsiteX123" y="connsiteY123"/>
+              </a:cxn>
+              <a:cxn ang="0">
+                <a:pos x="connsiteX124" y="connsiteY124"/>
+              </a:cxn>
+              <a:cxn ang="0">
+                <a:pos x="connsiteX125" y="connsiteY125"/>
+              </a:cxn>
+              <a:cxn ang="0">
+                <a:pos x="connsiteX126" y="connsiteY126"/>
+              </a:cxn>
+              <a:cxn ang="0">
+                <a:pos x="connsiteX127" y="connsiteY127"/>
+              </a:cxn>
+              <a:cxn ang="0">
+                <a:pos x="connsiteX128" y="connsiteY128"/>
+              </a:cxn>
+              <a:cxn ang="0">
+                <a:pos x="connsiteX129" y="connsiteY129"/>
+              </a:cxn>
+              <a:cxn ang="0">
+                <a:pos x="connsiteX130" y="connsiteY130"/>
+              </a:cxn>
+              <a:cxn ang="0">
+                <a:pos x="connsiteX131" y="connsiteY131"/>
+              </a:cxn>
+              <a:cxn ang="0">
+                <a:pos x="connsiteX132" y="connsiteY132"/>
+              </a:cxn>
+              <a:cxn ang="0">
+                <a:pos x="connsiteX133" y="connsiteY133"/>
+              </a:cxn>
+              <a:cxn ang="0">
+                <a:pos x="connsiteX134" y="connsiteY134"/>
+              </a:cxn>
+              <a:cxn ang="0">
+                <a:pos x="connsiteX135" y="connsiteY135"/>
+              </a:cxn>
+              <a:cxn ang="0">
+                <a:pos x="connsiteX136" y="connsiteY136"/>
+              </a:cxn>
+              <a:cxn ang="0">
+                <a:pos x="connsiteX137" y="connsiteY137"/>
+              </a:cxn>
+              <a:cxn ang="0">
+                <a:pos x="connsiteX138" y="connsiteY138"/>
+              </a:cxn>
+              <a:cxn ang="0">
+                <a:pos x="connsiteX139" y="connsiteY139"/>
+              </a:cxn>
+              <a:cxn ang="0">
+                <a:pos x="connsiteX140" y="connsiteY140"/>
+              </a:cxn>
+              <a:cxn ang="0">
+                <a:pos x="connsiteX141" y="connsiteY141"/>
+              </a:cxn>
+            </a:cxnLst>
+            <a:rect l="l" t="t" r="r" b="b"/>
+            <a:pathLst>
+              <a:path w="672465" h="6858000">
+                <a:moveTo>
+                  <a:pt x="0" y="0"/>
+                </a:moveTo>
+                <a:lnTo>
+                  <a:pt x="496253" y="0"/>
+                </a:lnTo>
+                <a:lnTo>
+                  <a:pt x="497840" y="68263"/>
+                </a:lnTo>
+                <a:lnTo>
+                  <a:pt x="505778" y="128588"/>
+                </a:lnTo>
+                <a:lnTo>
+                  <a:pt x="516890" y="180975"/>
+                </a:lnTo>
+                <a:lnTo>
+                  <a:pt x="531178" y="227013"/>
+                </a:lnTo>
+                <a:lnTo>
+                  <a:pt x="547053" y="268288"/>
+                </a:lnTo>
+                <a:lnTo>
+                  <a:pt x="566103" y="304800"/>
+                </a:lnTo>
+                <a:lnTo>
+                  <a:pt x="585153" y="342900"/>
+                </a:lnTo>
+                <a:lnTo>
+                  <a:pt x="604203" y="381000"/>
+                </a:lnTo>
+                <a:lnTo>
+                  <a:pt x="620078" y="417513"/>
+                </a:lnTo>
+                <a:lnTo>
+                  <a:pt x="635953" y="458788"/>
+                </a:lnTo>
+                <a:lnTo>
+                  <a:pt x="651828" y="504825"/>
+                </a:lnTo>
+                <a:lnTo>
+                  <a:pt x="662940" y="557213"/>
+                </a:lnTo>
+                <a:lnTo>
+                  <a:pt x="669290" y="617538"/>
+                </a:lnTo>
+                <a:lnTo>
+                  <a:pt x="672465" y="685800"/>
+                </a:lnTo>
+                <a:lnTo>
+                  <a:pt x="669290" y="754063"/>
+                </a:lnTo>
+                <a:lnTo>
+                  <a:pt x="662940" y="814388"/>
+                </a:lnTo>
+                <a:lnTo>
+                  <a:pt x="651828" y="866775"/>
+                </a:lnTo>
+                <a:lnTo>
+                  <a:pt x="635953" y="912813"/>
+                </a:lnTo>
+                <a:lnTo>
+                  <a:pt x="620078" y="954088"/>
+                </a:lnTo>
+                <a:lnTo>
+                  <a:pt x="604203" y="990600"/>
+                </a:lnTo>
+                <a:lnTo>
+                  <a:pt x="585153" y="1028700"/>
+                </a:lnTo>
+                <a:lnTo>
+                  <a:pt x="566103" y="1066800"/>
+                </a:lnTo>
+                <a:lnTo>
+                  <a:pt x="547053" y="1103313"/>
+                </a:lnTo>
+                <a:lnTo>
+                  <a:pt x="531178" y="1144588"/>
+                </a:lnTo>
+                <a:lnTo>
+                  <a:pt x="516890" y="1190625"/>
+                </a:lnTo>
+                <a:lnTo>
+                  <a:pt x="505778" y="1243013"/>
+                </a:lnTo>
+                <a:lnTo>
+                  <a:pt x="497840" y="1303338"/>
+                </a:lnTo>
+                <a:lnTo>
+                  <a:pt x="496253" y="1371600"/>
+                </a:lnTo>
+                <a:lnTo>
+                  <a:pt x="497840" y="1439863"/>
+                </a:lnTo>
+                <a:lnTo>
+                  <a:pt x="505778" y="1500188"/>
+                </a:lnTo>
+                <a:lnTo>
+                  <a:pt x="516890" y="1552575"/>
+                </a:lnTo>
+                <a:lnTo>
+                  <a:pt x="531178" y="1598613"/>
+                </a:lnTo>
+                <a:lnTo>
+                  <a:pt x="547053" y="1639888"/>
+                </a:lnTo>
+                <a:lnTo>
+                  <a:pt x="566103" y="1676400"/>
+                </a:lnTo>
+                <a:lnTo>
+                  <a:pt x="585153" y="1714500"/>
+                </a:lnTo>
+                <a:lnTo>
+                  <a:pt x="604203" y="1752600"/>
+                </a:lnTo>
+                <a:lnTo>
+                  <a:pt x="620078" y="1789113"/>
+                </a:lnTo>
+                <a:lnTo>
+                  <a:pt x="635953" y="1830388"/>
+                </a:lnTo>
+                <a:lnTo>
+                  <a:pt x="651828" y="1876425"/>
+                </a:lnTo>
+                <a:lnTo>
+                  <a:pt x="662940" y="1928813"/>
+                </a:lnTo>
+                <a:lnTo>
+                  <a:pt x="669290" y="1989138"/>
+                </a:lnTo>
+                <a:lnTo>
+                  <a:pt x="672465" y="2057400"/>
+                </a:lnTo>
+                <a:lnTo>
+                  <a:pt x="669290" y="2125663"/>
+                </a:lnTo>
+                <a:lnTo>
+                  <a:pt x="662940" y="2185988"/>
+                </a:lnTo>
+                <a:lnTo>
+                  <a:pt x="651828" y="2238375"/>
+                </a:lnTo>
+                <a:lnTo>
+                  <a:pt x="635953" y="2284413"/>
+                </a:lnTo>
+                <a:lnTo>
+                  <a:pt x="620078" y="2325688"/>
+                </a:lnTo>
+                <a:lnTo>
+                  <a:pt x="604203" y="2362200"/>
+                </a:lnTo>
+                <a:lnTo>
+                  <a:pt x="585153" y="2400300"/>
+                </a:lnTo>
+                <a:lnTo>
+                  <a:pt x="566103" y="2438400"/>
+                </a:lnTo>
+                <a:lnTo>
+                  <a:pt x="547053" y="2474913"/>
+                </a:lnTo>
+                <a:lnTo>
+                  <a:pt x="531178" y="2516188"/>
+                </a:lnTo>
+                <a:lnTo>
+                  <a:pt x="516890" y="2562225"/>
+                </a:lnTo>
+                <a:lnTo>
+                  <a:pt x="505778" y="2614613"/>
+                </a:lnTo>
+                <a:lnTo>
+                  <a:pt x="497840" y="2674938"/>
+                </a:lnTo>
+                <a:lnTo>
+                  <a:pt x="496253" y="2743200"/>
+                </a:lnTo>
+                <a:lnTo>
+                  <a:pt x="497840" y="2811463"/>
+                </a:lnTo>
+                <a:lnTo>
+                  <a:pt x="505778" y="2871788"/>
+                </a:lnTo>
+                <a:lnTo>
+                  <a:pt x="516890" y="2924175"/>
+                </a:lnTo>
+                <a:lnTo>
+                  <a:pt x="531178" y="2970213"/>
+                </a:lnTo>
+                <a:lnTo>
+                  <a:pt x="547053" y="3011488"/>
+                </a:lnTo>
+                <a:lnTo>
+                  <a:pt x="566103" y="3048000"/>
+                </a:lnTo>
+                <a:lnTo>
+                  <a:pt x="585153" y="3086100"/>
+                </a:lnTo>
+                <a:lnTo>
+                  <a:pt x="604203" y="3124200"/>
+                </a:lnTo>
+                <a:lnTo>
+                  <a:pt x="620078" y="3160713"/>
+                </a:lnTo>
+                <a:lnTo>
+                  <a:pt x="635953" y="3201988"/>
+                </a:lnTo>
+                <a:lnTo>
+                  <a:pt x="651828" y="3248025"/>
+                </a:lnTo>
+                <a:lnTo>
+                  <a:pt x="662940" y="3300413"/>
+                </a:lnTo>
+                <a:lnTo>
+                  <a:pt x="669290" y="3360738"/>
+                </a:lnTo>
+                <a:lnTo>
+                  <a:pt x="672465" y="3427413"/>
+                </a:lnTo>
+                <a:lnTo>
+                  <a:pt x="669290" y="3497263"/>
+                </a:lnTo>
+                <a:lnTo>
+                  <a:pt x="662940" y="3557588"/>
+                </a:lnTo>
+                <a:lnTo>
+                  <a:pt x="651828" y="3609975"/>
+                </a:lnTo>
+                <a:lnTo>
+                  <a:pt x="635953" y="3656013"/>
+                </a:lnTo>
+                <a:lnTo>
+                  <a:pt x="620078" y="3697288"/>
+                </a:lnTo>
+                <a:lnTo>
+                  <a:pt x="604203" y="3733800"/>
+                </a:lnTo>
+                <a:lnTo>
+                  <a:pt x="585153" y="3771900"/>
+                </a:lnTo>
+                <a:lnTo>
+                  <a:pt x="566103" y="3810000"/>
+                </a:lnTo>
+                <a:lnTo>
+                  <a:pt x="547053" y="3846513"/>
+                </a:lnTo>
+                <a:lnTo>
+                  <a:pt x="531178" y="3887788"/>
+                </a:lnTo>
+                <a:lnTo>
+                  <a:pt x="516890" y="3933825"/>
+                </a:lnTo>
+                <a:lnTo>
+                  <a:pt x="505778" y="3986213"/>
+                </a:lnTo>
+                <a:lnTo>
+                  <a:pt x="497840" y="4046538"/>
+                </a:lnTo>
+                <a:lnTo>
+                  <a:pt x="496253" y="4114800"/>
+                </a:lnTo>
+                <a:lnTo>
+                  <a:pt x="497840" y="4183063"/>
+                </a:lnTo>
+                <a:lnTo>
+                  <a:pt x="505778" y="4243388"/>
+                </a:lnTo>
+                <a:lnTo>
+                  <a:pt x="516890" y="4295775"/>
+                </a:lnTo>
+                <a:lnTo>
+                  <a:pt x="531178" y="4341813"/>
+                </a:lnTo>
+                <a:lnTo>
+                  <a:pt x="547053" y="4383088"/>
+                </a:lnTo>
+                <a:lnTo>
+                  <a:pt x="566103" y="4419600"/>
+                </a:lnTo>
+                <a:lnTo>
+                  <a:pt x="604203" y="4495800"/>
+                </a:lnTo>
+                <a:lnTo>
+                  <a:pt x="620078" y="4532313"/>
+                </a:lnTo>
+                <a:lnTo>
+                  <a:pt x="635953" y="4573588"/>
+                </a:lnTo>
+                <a:lnTo>
+                  <a:pt x="651828" y="4619625"/>
+                </a:lnTo>
+                <a:lnTo>
+                  <a:pt x="662940" y="4672013"/>
+                </a:lnTo>
+                <a:lnTo>
+                  <a:pt x="669290" y="4732338"/>
+                </a:lnTo>
+                <a:lnTo>
+                  <a:pt x="672465" y="4800600"/>
+                </a:lnTo>
+                <a:lnTo>
+                  <a:pt x="669290" y="4868863"/>
+                </a:lnTo>
+                <a:lnTo>
+                  <a:pt x="662940" y="4929188"/>
+                </a:lnTo>
+                <a:lnTo>
+                  <a:pt x="651828" y="4981575"/>
+                </a:lnTo>
+                <a:lnTo>
+                  <a:pt x="635953" y="5027613"/>
+                </a:lnTo>
+                <a:lnTo>
+                  <a:pt x="620078" y="5068888"/>
+                </a:lnTo>
+                <a:lnTo>
+                  <a:pt x="604203" y="5105400"/>
+                </a:lnTo>
+                <a:lnTo>
+                  <a:pt x="585153" y="5143500"/>
+                </a:lnTo>
+                <a:lnTo>
+                  <a:pt x="566103" y="5181600"/>
+                </a:lnTo>
+                <a:lnTo>
+                  <a:pt x="547053" y="5218113"/>
+                </a:lnTo>
+                <a:lnTo>
+                  <a:pt x="531178" y="5259388"/>
+                </a:lnTo>
+                <a:lnTo>
+                  <a:pt x="516890" y="5305425"/>
+                </a:lnTo>
+                <a:lnTo>
+                  <a:pt x="505778" y="5357813"/>
+                </a:lnTo>
+                <a:lnTo>
+                  <a:pt x="497840" y="5418138"/>
+                </a:lnTo>
+                <a:lnTo>
+                  <a:pt x="496253" y="5486400"/>
+                </a:lnTo>
+                <a:lnTo>
+                  <a:pt x="497840" y="5554663"/>
+                </a:lnTo>
+                <a:lnTo>
+                  <a:pt x="505778" y="5614988"/>
+                </a:lnTo>
+                <a:lnTo>
+                  <a:pt x="516890" y="5667375"/>
+                </a:lnTo>
+                <a:lnTo>
+                  <a:pt x="531178" y="5713413"/>
+                </a:lnTo>
+                <a:lnTo>
+                  <a:pt x="547053" y="5754688"/>
+                </a:lnTo>
+                <a:lnTo>
+                  <a:pt x="566103" y="5791200"/>
+                </a:lnTo>
+                <a:lnTo>
+                  <a:pt x="585153" y="5829300"/>
+                </a:lnTo>
+                <a:lnTo>
+                  <a:pt x="604203" y="5867400"/>
+                </a:lnTo>
+                <a:lnTo>
+                  <a:pt x="620078" y="5903913"/>
+                </a:lnTo>
+                <a:lnTo>
+                  <a:pt x="635953" y="5945188"/>
+                </a:lnTo>
+                <a:lnTo>
+                  <a:pt x="651828" y="5991225"/>
+                </a:lnTo>
+                <a:lnTo>
+                  <a:pt x="662940" y="6043613"/>
+                </a:lnTo>
+                <a:lnTo>
+                  <a:pt x="669290" y="6103938"/>
+                </a:lnTo>
+                <a:lnTo>
+                  <a:pt x="672465" y="6172200"/>
+                </a:lnTo>
+                <a:lnTo>
+                  <a:pt x="669290" y="6240463"/>
+                </a:lnTo>
+                <a:lnTo>
+                  <a:pt x="662940" y="6300788"/>
+                </a:lnTo>
+                <a:lnTo>
+                  <a:pt x="651828" y="6353175"/>
+                </a:lnTo>
+                <a:lnTo>
+                  <a:pt x="635953" y="6399213"/>
+                </a:lnTo>
+                <a:lnTo>
+                  <a:pt x="620078" y="6440488"/>
+                </a:lnTo>
+                <a:lnTo>
+                  <a:pt x="604203" y="6477000"/>
+                </a:lnTo>
+                <a:lnTo>
+                  <a:pt x="585153" y="6515100"/>
+                </a:lnTo>
+                <a:lnTo>
+                  <a:pt x="566103" y="6553200"/>
+                </a:lnTo>
+                <a:lnTo>
+                  <a:pt x="547053" y="6589713"/>
+                </a:lnTo>
+                <a:lnTo>
+                  <a:pt x="531178" y="6630988"/>
+                </a:lnTo>
+                <a:lnTo>
+                  <a:pt x="516890" y="6677025"/>
+                </a:lnTo>
+                <a:lnTo>
+                  <a:pt x="505778" y="6729413"/>
+                </a:lnTo>
+                <a:lnTo>
+                  <a:pt x="497840" y="6789738"/>
+                </a:lnTo>
+                <a:lnTo>
+                  <a:pt x="496253" y="6858000"/>
+                </a:lnTo>
+                <a:lnTo>
+                  <a:pt x="0" y="6858000"/>
+                </a:lnTo>
+                <a:close/>
+              </a:path>
+            </a:pathLst>
+          </a:custGeom>
+          <a:solidFill>
+            <a:schemeClr val="tx2"/>
+          </a:solidFill>
+          <a:ln w="0">
+            <a:noFill/>
+            <a:prstDash val="solid"/>
+            <a:round/>
+            <a:headEnd/>
+            <a:tailEnd/>
+          </a:ln>
+        </p:spPr>
+      </p:sp>
+      <p:sp>
+        <p:nvSpPr>
+          <p:cNvPr id="3" name="内容占位符 2">
+            <a:extLst>
+              <a:ext uri="{FF2B5EF4-FFF2-40B4-BE49-F238E27FC236}">
+                <a16:creationId xmlns:a16="http://schemas.microsoft.com/office/drawing/2014/main" id="{3CD1FF80-F165-4737-86ED-064C26818C6F}"/>
+              </a:ext>
+            </a:extLst>
+          </p:cNvPr>
+          <p:cNvSpPr>
+            <a:spLocks noGrp="1"/>
+          </p:cNvSpPr>
+          <p:nvPr>
+            <p:ph idx="1"/>
+          </p:nvPr>
+        </p:nvSpPr>
+        <p:spPr>
+          <a:xfrm>
+            <a:off x="1193799" y="2871982"/>
+            <a:ext cx="6340855" cy="3181684"/>
+          </a:xfrm>
+        </p:spPr>
+        <p:txBody>
+          <a:bodyPr anchor="t">
+            <a:normAutofit/>
+          </a:bodyPr>
+          <a:lstStyle/>
+          <a:p>
+            <a:r>
+              <a:rPr lang="en-US" sz="1800" dirty="0">
+                <a:solidFill>
+                  <a:schemeClr val="tx1"/>
+                </a:solidFill>
+              </a:rPr>
+              <a:t>By passing the percentage change of the width and length of </a:t>
+            </a:r>
+            <a:r>
+              <a:rPr lang="en-US" sz="1800">
+                <a:solidFill>
+                  <a:schemeClr val="tx1"/>
+                </a:solidFill>
+              </a:rPr>
+              <a:t>the image.</a:t>
+            </a:r>
+          </a:p>
+        </p:txBody>
+      </p:sp>
+      <p:sp>
+        <p:nvSpPr>
+          <p:cNvPr id="28" name="Freeform: Shape 27">
+            <a:extLst>
+              <a:ext uri="{FF2B5EF4-FFF2-40B4-BE49-F238E27FC236}">
+                <a16:creationId xmlns:a16="http://schemas.microsoft.com/office/drawing/2014/main" id="{D6B215F4-747D-4CC6-A400-179A94AB89D8}"/>
               </a:ext>
               <a:ext uri="{C183D7F6-B498-43B3-948B-1728B52AA6E4}">
                 <adec:decorative xmlns:adec="http://schemas.microsoft.com/office/drawing/2017/decorative" val="1"/>
@@ -11196,14 +15187,1227 @@
         </p:nvSpPr>
         <p:spPr>
           <a:xfrm>
-            <a:off x="0" y="0"/>
-            <a:ext cx="4640343" cy="6858000"/>
+            <a:off x="7959668" y="0"/>
+            <a:ext cx="4232332" cy="3701000"/>
           </a:xfrm>
-          <a:prstGeom prst="rect">
+          <a:custGeom>
             <a:avLst/>
-          </a:prstGeom>
+            <a:gdLst>
+              <a:gd name="connsiteX0" fmla="*/ 319701 w 4232332"/>
+              <a:gd name="connsiteY0" fmla="*/ 0 h 3701000"/>
+              <a:gd name="connsiteX1" fmla="*/ 4232332 w 4232332"/>
+              <a:gd name="connsiteY1" fmla="*/ 0 h 3701000"/>
+              <a:gd name="connsiteX2" fmla="*/ 4232332 w 4232332"/>
+              <a:gd name="connsiteY2" fmla="*/ 3034486 h 3701000"/>
+              <a:gd name="connsiteX3" fmla="*/ 4230268 w 4232332"/>
+              <a:gd name="connsiteY3" fmla="*/ 3035198 h 3701000"/>
+              <a:gd name="connsiteX4" fmla="*/ 4185051 w 4232332"/>
+              <a:gd name="connsiteY4" fmla="*/ 3049231 h 3701000"/>
+              <a:gd name="connsiteX5" fmla="*/ 4136714 w 4232332"/>
+              <a:gd name="connsiteY5" fmla="*/ 3061706 h 3701000"/>
+              <a:gd name="connsiteX6" fmla="*/ 4089935 w 4232332"/>
+              <a:gd name="connsiteY6" fmla="*/ 3074180 h 3701000"/>
+              <a:gd name="connsiteX7" fmla="*/ 4043158 w 4232332"/>
+              <a:gd name="connsiteY7" fmla="*/ 3088214 h 3701000"/>
+              <a:gd name="connsiteX8" fmla="*/ 3997940 w 4232332"/>
+              <a:gd name="connsiteY8" fmla="*/ 3103806 h 3701000"/>
+              <a:gd name="connsiteX9" fmla="*/ 3955840 w 4232332"/>
+              <a:gd name="connsiteY9" fmla="*/ 3122518 h 3701000"/>
+              <a:gd name="connsiteX10" fmla="*/ 3916860 w 4232332"/>
+              <a:gd name="connsiteY10" fmla="*/ 3144346 h 3701000"/>
+              <a:gd name="connsiteX11" fmla="*/ 3882555 w 4232332"/>
+              <a:gd name="connsiteY11" fmla="*/ 3172413 h 3701000"/>
+              <a:gd name="connsiteX12" fmla="*/ 3846692 w 4232332"/>
+              <a:gd name="connsiteY12" fmla="*/ 3203599 h 3701000"/>
+              <a:gd name="connsiteX13" fmla="*/ 3815506 w 4232332"/>
+              <a:gd name="connsiteY13" fmla="*/ 3239461 h 3701000"/>
+              <a:gd name="connsiteX14" fmla="*/ 3785881 w 4232332"/>
+              <a:gd name="connsiteY14" fmla="*/ 3276884 h 3701000"/>
+              <a:gd name="connsiteX15" fmla="*/ 3756254 w 4232332"/>
+              <a:gd name="connsiteY15" fmla="*/ 3315864 h 3701000"/>
+              <a:gd name="connsiteX16" fmla="*/ 3726629 w 4232332"/>
+              <a:gd name="connsiteY16" fmla="*/ 3354846 h 3701000"/>
+              <a:gd name="connsiteX17" fmla="*/ 3697003 w 4232332"/>
+              <a:gd name="connsiteY17" fmla="*/ 3392268 h 3701000"/>
+              <a:gd name="connsiteX18" fmla="*/ 3664258 w 4232332"/>
+              <a:gd name="connsiteY18" fmla="*/ 3428131 h 3701000"/>
+              <a:gd name="connsiteX19" fmla="*/ 3631513 w 4232332"/>
+              <a:gd name="connsiteY19" fmla="*/ 3459315 h 3701000"/>
+              <a:gd name="connsiteX20" fmla="*/ 3594093 w 4232332"/>
+              <a:gd name="connsiteY20" fmla="*/ 3485823 h 3701000"/>
+              <a:gd name="connsiteX21" fmla="*/ 3555111 w 4232332"/>
+              <a:gd name="connsiteY21" fmla="*/ 3506094 h 3701000"/>
+              <a:gd name="connsiteX22" fmla="*/ 3508332 w 4232332"/>
+              <a:gd name="connsiteY22" fmla="*/ 3520128 h 3701000"/>
+              <a:gd name="connsiteX23" fmla="*/ 3459994 w 4232332"/>
+              <a:gd name="connsiteY23" fmla="*/ 3526365 h 3701000"/>
+              <a:gd name="connsiteX24" fmla="*/ 3410100 w 4232332"/>
+              <a:gd name="connsiteY24" fmla="*/ 3527923 h 3701000"/>
+              <a:gd name="connsiteX25" fmla="*/ 3357084 w 4232332"/>
+              <a:gd name="connsiteY25" fmla="*/ 3523245 h 3701000"/>
+              <a:gd name="connsiteX26" fmla="*/ 3304070 w 4232332"/>
+              <a:gd name="connsiteY26" fmla="*/ 3517009 h 3701000"/>
+              <a:gd name="connsiteX27" fmla="*/ 3251054 w 4232332"/>
+              <a:gd name="connsiteY27" fmla="*/ 3509211 h 3701000"/>
+              <a:gd name="connsiteX28" fmla="*/ 3198040 w 4232332"/>
+              <a:gd name="connsiteY28" fmla="*/ 3502976 h 3701000"/>
+              <a:gd name="connsiteX29" fmla="*/ 3145024 w 4232332"/>
+              <a:gd name="connsiteY29" fmla="*/ 3499857 h 3701000"/>
+              <a:gd name="connsiteX30" fmla="*/ 3093569 w 4232332"/>
+              <a:gd name="connsiteY30" fmla="*/ 3499857 h 3701000"/>
+              <a:gd name="connsiteX31" fmla="*/ 3045233 w 4232332"/>
+              <a:gd name="connsiteY31" fmla="*/ 3506094 h 3701000"/>
+              <a:gd name="connsiteX32" fmla="*/ 2995337 w 4232332"/>
+              <a:gd name="connsiteY32" fmla="*/ 3518569 h 3701000"/>
+              <a:gd name="connsiteX33" fmla="*/ 2950118 w 4232332"/>
+              <a:gd name="connsiteY33" fmla="*/ 3537278 h 3701000"/>
+              <a:gd name="connsiteX34" fmla="*/ 2903340 w 4232332"/>
+              <a:gd name="connsiteY34" fmla="*/ 3562227 h 3701000"/>
+              <a:gd name="connsiteX35" fmla="*/ 2856564 w 4232332"/>
+              <a:gd name="connsiteY35" fmla="*/ 3587176 h 3701000"/>
+              <a:gd name="connsiteX36" fmla="*/ 2809785 w 4232332"/>
+              <a:gd name="connsiteY36" fmla="*/ 3615241 h 3701000"/>
+              <a:gd name="connsiteX37" fmla="*/ 2764565 w 4232332"/>
+              <a:gd name="connsiteY37" fmla="*/ 3641749 h 3701000"/>
+              <a:gd name="connsiteX38" fmla="*/ 2716230 w 4232332"/>
+              <a:gd name="connsiteY38" fmla="*/ 3665138 h 3701000"/>
+              <a:gd name="connsiteX39" fmla="*/ 2669451 w 4232332"/>
+              <a:gd name="connsiteY39" fmla="*/ 3683850 h 3701000"/>
+              <a:gd name="connsiteX40" fmla="*/ 2621114 w 4232332"/>
+              <a:gd name="connsiteY40" fmla="*/ 3696324 h 3701000"/>
+              <a:gd name="connsiteX41" fmla="*/ 2571219 w 4232332"/>
+              <a:gd name="connsiteY41" fmla="*/ 3701000 h 3701000"/>
+              <a:gd name="connsiteX42" fmla="*/ 2521322 w 4232332"/>
+              <a:gd name="connsiteY42" fmla="*/ 3696324 h 3701000"/>
+              <a:gd name="connsiteX43" fmla="*/ 2472985 w 4232332"/>
+              <a:gd name="connsiteY43" fmla="*/ 3683850 h 3701000"/>
+              <a:gd name="connsiteX44" fmla="*/ 2426209 w 4232332"/>
+              <a:gd name="connsiteY44" fmla="*/ 3665138 h 3701000"/>
+              <a:gd name="connsiteX45" fmla="*/ 2377871 w 4232332"/>
+              <a:gd name="connsiteY45" fmla="*/ 3641749 h 3701000"/>
+              <a:gd name="connsiteX46" fmla="*/ 2332651 w 4232332"/>
+              <a:gd name="connsiteY46" fmla="*/ 3615241 h 3701000"/>
+              <a:gd name="connsiteX47" fmla="*/ 2285874 w 4232332"/>
+              <a:gd name="connsiteY47" fmla="*/ 3587176 h 3701000"/>
+              <a:gd name="connsiteX48" fmla="*/ 2239096 w 4232332"/>
+              <a:gd name="connsiteY48" fmla="*/ 3562227 h 3701000"/>
+              <a:gd name="connsiteX49" fmla="*/ 2192319 w 4232332"/>
+              <a:gd name="connsiteY49" fmla="*/ 3537278 h 3701000"/>
+              <a:gd name="connsiteX50" fmla="*/ 2145542 w 4232332"/>
+              <a:gd name="connsiteY50" fmla="*/ 3518569 h 3701000"/>
+              <a:gd name="connsiteX51" fmla="*/ 2097204 w 4232332"/>
+              <a:gd name="connsiteY51" fmla="*/ 3506094 h 3701000"/>
+              <a:gd name="connsiteX52" fmla="*/ 2048867 w 4232332"/>
+              <a:gd name="connsiteY52" fmla="*/ 3499857 h 3701000"/>
+              <a:gd name="connsiteX53" fmla="*/ 1997410 w 4232332"/>
+              <a:gd name="connsiteY53" fmla="*/ 3499857 h 3701000"/>
+              <a:gd name="connsiteX54" fmla="*/ 1944396 w 4232332"/>
+              <a:gd name="connsiteY54" fmla="*/ 3502976 h 3701000"/>
+              <a:gd name="connsiteX55" fmla="*/ 1891382 w 4232332"/>
+              <a:gd name="connsiteY55" fmla="*/ 3509211 h 3701000"/>
+              <a:gd name="connsiteX56" fmla="*/ 1838366 w 4232332"/>
+              <a:gd name="connsiteY56" fmla="*/ 3517009 h 3701000"/>
+              <a:gd name="connsiteX57" fmla="*/ 1785350 w 4232332"/>
+              <a:gd name="connsiteY57" fmla="*/ 3523245 h 3701000"/>
+              <a:gd name="connsiteX58" fmla="*/ 1732336 w 4232332"/>
+              <a:gd name="connsiteY58" fmla="*/ 3527923 h 3701000"/>
+              <a:gd name="connsiteX59" fmla="*/ 1682442 w 4232332"/>
+              <a:gd name="connsiteY59" fmla="*/ 3526365 h 3701000"/>
+              <a:gd name="connsiteX60" fmla="*/ 1634105 w 4232332"/>
+              <a:gd name="connsiteY60" fmla="*/ 3520128 h 3701000"/>
+              <a:gd name="connsiteX61" fmla="*/ 1587326 w 4232332"/>
+              <a:gd name="connsiteY61" fmla="*/ 3506094 h 3701000"/>
+              <a:gd name="connsiteX62" fmla="*/ 1548345 w 4232332"/>
+              <a:gd name="connsiteY62" fmla="*/ 3485823 h 3701000"/>
+              <a:gd name="connsiteX63" fmla="*/ 1510922 w 4232332"/>
+              <a:gd name="connsiteY63" fmla="*/ 3459315 h 3701000"/>
+              <a:gd name="connsiteX64" fmla="*/ 1478179 w 4232332"/>
+              <a:gd name="connsiteY64" fmla="*/ 3428131 h 3701000"/>
+              <a:gd name="connsiteX65" fmla="*/ 1445433 w 4232332"/>
+              <a:gd name="connsiteY65" fmla="*/ 3392268 h 3701000"/>
+              <a:gd name="connsiteX66" fmla="*/ 1415807 w 4232332"/>
+              <a:gd name="connsiteY66" fmla="*/ 3354846 h 3701000"/>
+              <a:gd name="connsiteX67" fmla="*/ 1386182 w 4232332"/>
+              <a:gd name="connsiteY67" fmla="*/ 3315864 h 3701000"/>
+              <a:gd name="connsiteX68" fmla="*/ 1356556 w 4232332"/>
+              <a:gd name="connsiteY68" fmla="*/ 3276884 h 3701000"/>
+              <a:gd name="connsiteX69" fmla="*/ 1326930 w 4232332"/>
+              <a:gd name="connsiteY69" fmla="*/ 3239461 h 3701000"/>
+              <a:gd name="connsiteX70" fmla="*/ 1295744 w 4232332"/>
+              <a:gd name="connsiteY70" fmla="*/ 3203599 h 3701000"/>
+              <a:gd name="connsiteX71" fmla="*/ 1259881 w 4232332"/>
+              <a:gd name="connsiteY71" fmla="*/ 3172413 h 3701000"/>
+              <a:gd name="connsiteX72" fmla="*/ 1225577 w 4232332"/>
+              <a:gd name="connsiteY72" fmla="*/ 3144346 h 3701000"/>
+              <a:gd name="connsiteX73" fmla="*/ 1186596 w 4232332"/>
+              <a:gd name="connsiteY73" fmla="*/ 3122518 h 3701000"/>
+              <a:gd name="connsiteX74" fmla="*/ 1144496 w 4232332"/>
+              <a:gd name="connsiteY74" fmla="*/ 3103806 h 3701000"/>
+              <a:gd name="connsiteX75" fmla="*/ 1099278 w 4232332"/>
+              <a:gd name="connsiteY75" fmla="*/ 3088214 h 3701000"/>
+              <a:gd name="connsiteX76" fmla="*/ 1052499 w 4232332"/>
+              <a:gd name="connsiteY76" fmla="*/ 3074180 h 3701000"/>
+              <a:gd name="connsiteX77" fmla="*/ 1005723 w 4232332"/>
+              <a:gd name="connsiteY77" fmla="*/ 3061706 h 3701000"/>
+              <a:gd name="connsiteX78" fmla="*/ 957386 w 4232332"/>
+              <a:gd name="connsiteY78" fmla="*/ 3049231 h 3701000"/>
+              <a:gd name="connsiteX79" fmla="*/ 912167 w 4232332"/>
+              <a:gd name="connsiteY79" fmla="*/ 3035198 h 3701000"/>
+              <a:gd name="connsiteX80" fmla="*/ 866948 w 4232332"/>
+              <a:gd name="connsiteY80" fmla="*/ 3019606 h 3701000"/>
+              <a:gd name="connsiteX81" fmla="*/ 824850 w 4232332"/>
+              <a:gd name="connsiteY81" fmla="*/ 3000894 h 3701000"/>
+              <a:gd name="connsiteX82" fmla="*/ 787426 w 4232332"/>
+              <a:gd name="connsiteY82" fmla="*/ 2977505 h 3701000"/>
+              <a:gd name="connsiteX83" fmla="*/ 753122 w 4232332"/>
+              <a:gd name="connsiteY83" fmla="*/ 2949439 h 3701000"/>
+              <a:gd name="connsiteX84" fmla="*/ 725057 w 4232332"/>
+              <a:gd name="connsiteY84" fmla="*/ 2915136 h 3701000"/>
+              <a:gd name="connsiteX85" fmla="*/ 701668 w 4232332"/>
+              <a:gd name="connsiteY85" fmla="*/ 2877713 h 3701000"/>
+              <a:gd name="connsiteX86" fmla="*/ 682956 w 4232332"/>
+              <a:gd name="connsiteY86" fmla="*/ 2835613 h 3701000"/>
+              <a:gd name="connsiteX87" fmla="*/ 667364 w 4232332"/>
+              <a:gd name="connsiteY87" fmla="*/ 2790396 h 3701000"/>
+              <a:gd name="connsiteX88" fmla="*/ 653331 w 4232332"/>
+              <a:gd name="connsiteY88" fmla="*/ 2745177 h 3701000"/>
+              <a:gd name="connsiteX89" fmla="*/ 640857 w 4232332"/>
+              <a:gd name="connsiteY89" fmla="*/ 2696840 h 3701000"/>
+              <a:gd name="connsiteX90" fmla="*/ 628382 w 4232332"/>
+              <a:gd name="connsiteY90" fmla="*/ 2650063 h 3701000"/>
+              <a:gd name="connsiteX91" fmla="*/ 614349 w 4232332"/>
+              <a:gd name="connsiteY91" fmla="*/ 2603285 h 3701000"/>
+              <a:gd name="connsiteX92" fmla="*/ 598756 w 4232332"/>
+              <a:gd name="connsiteY92" fmla="*/ 2558065 h 3701000"/>
+              <a:gd name="connsiteX93" fmla="*/ 580044 w 4232332"/>
+              <a:gd name="connsiteY93" fmla="*/ 2515965 h 3701000"/>
+              <a:gd name="connsiteX94" fmla="*/ 558214 w 4232332"/>
+              <a:gd name="connsiteY94" fmla="*/ 2476984 h 3701000"/>
+              <a:gd name="connsiteX95" fmla="*/ 530150 w 4232332"/>
+              <a:gd name="connsiteY95" fmla="*/ 2442681 h 3701000"/>
+              <a:gd name="connsiteX96" fmla="*/ 498963 w 4232332"/>
+              <a:gd name="connsiteY96" fmla="*/ 2406817 h 3701000"/>
+              <a:gd name="connsiteX97" fmla="*/ 463101 w 4232332"/>
+              <a:gd name="connsiteY97" fmla="*/ 2375633 h 3701000"/>
+              <a:gd name="connsiteX98" fmla="*/ 424118 w 4232332"/>
+              <a:gd name="connsiteY98" fmla="*/ 2346007 h 3701000"/>
+              <a:gd name="connsiteX99" fmla="*/ 385138 w 4232332"/>
+              <a:gd name="connsiteY99" fmla="*/ 2316382 h 3701000"/>
+              <a:gd name="connsiteX100" fmla="*/ 346157 w 4232332"/>
+              <a:gd name="connsiteY100" fmla="*/ 2286756 h 3701000"/>
+              <a:gd name="connsiteX101" fmla="*/ 308733 w 4232332"/>
+              <a:gd name="connsiteY101" fmla="*/ 2257129 h 3701000"/>
+              <a:gd name="connsiteX102" fmla="*/ 272871 w 4232332"/>
+              <a:gd name="connsiteY102" fmla="*/ 2224386 h 3701000"/>
+              <a:gd name="connsiteX103" fmla="*/ 241686 w 4232332"/>
+              <a:gd name="connsiteY103" fmla="*/ 2191641 h 3701000"/>
+              <a:gd name="connsiteX104" fmla="*/ 215179 w 4232332"/>
+              <a:gd name="connsiteY104" fmla="*/ 2154219 h 3701000"/>
+              <a:gd name="connsiteX105" fmla="*/ 194909 w 4232332"/>
+              <a:gd name="connsiteY105" fmla="*/ 2115238 h 3701000"/>
+              <a:gd name="connsiteX106" fmla="*/ 180876 w 4232332"/>
+              <a:gd name="connsiteY106" fmla="*/ 2068461 h 3701000"/>
+              <a:gd name="connsiteX107" fmla="*/ 174638 w 4232332"/>
+              <a:gd name="connsiteY107" fmla="*/ 2020123 h 3701000"/>
+              <a:gd name="connsiteX108" fmla="*/ 173078 w 4232332"/>
+              <a:gd name="connsiteY108" fmla="*/ 1970225 h 3701000"/>
+              <a:gd name="connsiteX109" fmla="*/ 177756 w 4232332"/>
+              <a:gd name="connsiteY109" fmla="*/ 1917211 h 3701000"/>
+              <a:gd name="connsiteX110" fmla="*/ 183993 w 4232332"/>
+              <a:gd name="connsiteY110" fmla="*/ 1864197 h 3701000"/>
+              <a:gd name="connsiteX111" fmla="*/ 191789 w 4232332"/>
+              <a:gd name="connsiteY111" fmla="*/ 1811182 h 3701000"/>
+              <a:gd name="connsiteX112" fmla="*/ 198027 w 4232332"/>
+              <a:gd name="connsiteY112" fmla="*/ 1758167 h 3701000"/>
+              <a:gd name="connsiteX113" fmla="*/ 201146 w 4232332"/>
+              <a:gd name="connsiteY113" fmla="*/ 1705153 h 3701000"/>
+              <a:gd name="connsiteX114" fmla="*/ 201146 w 4232332"/>
+              <a:gd name="connsiteY114" fmla="*/ 1653697 h 3701000"/>
+              <a:gd name="connsiteX115" fmla="*/ 194909 w 4232332"/>
+              <a:gd name="connsiteY115" fmla="*/ 1605362 h 3701000"/>
+              <a:gd name="connsiteX116" fmla="*/ 182434 w 4232332"/>
+              <a:gd name="connsiteY116" fmla="*/ 1557024 h 3701000"/>
+              <a:gd name="connsiteX117" fmla="*/ 163723 w 4232332"/>
+              <a:gd name="connsiteY117" fmla="*/ 1511804 h 3701000"/>
+              <a:gd name="connsiteX118" fmla="*/ 140335 w 4232332"/>
+              <a:gd name="connsiteY118" fmla="*/ 1465027 h 3701000"/>
+              <a:gd name="connsiteX119" fmla="*/ 113826 w 4232332"/>
+              <a:gd name="connsiteY119" fmla="*/ 1418251 h 3701000"/>
+              <a:gd name="connsiteX120" fmla="*/ 85761 w 4232332"/>
+              <a:gd name="connsiteY120" fmla="*/ 1371472 h 3701000"/>
+              <a:gd name="connsiteX121" fmla="*/ 59253 w 4232332"/>
+              <a:gd name="connsiteY121" fmla="*/ 1326252 h 3701000"/>
+              <a:gd name="connsiteX122" fmla="*/ 35863 w 4232332"/>
+              <a:gd name="connsiteY122" fmla="*/ 1277917 h 3701000"/>
+              <a:gd name="connsiteX123" fmla="*/ 17153 w 4232332"/>
+              <a:gd name="connsiteY123" fmla="*/ 1231139 h 3701000"/>
+              <a:gd name="connsiteX124" fmla="*/ 4679 w 4232332"/>
+              <a:gd name="connsiteY124" fmla="*/ 1182801 h 3701000"/>
+              <a:gd name="connsiteX125" fmla="*/ 0 w 4232332"/>
+              <a:gd name="connsiteY125" fmla="*/ 1132905 h 3701000"/>
+              <a:gd name="connsiteX126" fmla="*/ 4679 w 4232332"/>
+              <a:gd name="connsiteY126" fmla="*/ 1083010 h 3701000"/>
+              <a:gd name="connsiteX127" fmla="*/ 17153 w 4232332"/>
+              <a:gd name="connsiteY127" fmla="*/ 1034673 h 3701000"/>
+              <a:gd name="connsiteX128" fmla="*/ 35863 w 4232332"/>
+              <a:gd name="connsiteY128" fmla="*/ 987895 h 3701000"/>
+              <a:gd name="connsiteX129" fmla="*/ 59253 w 4232332"/>
+              <a:gd name="connsiteY129" fmla="*/ 939559 h 3701000"/>
+              <a:gd name="connsiteX130" fmla="*/ 85761 w 4232332"/>
+              <a:gd name="connsiteY130" fmla="*/ 894339 h 3701000"/>
+              <a:gd name="connsiteX131" fmla="*/ 113826 w 4232332"/>
+              <a:gd name="connsiteY131" fmla="*/ 847563 h 3701000"/>
+              <a:gd name="connsiteX132" fmla="*/ 140335 w 4232332"/>
+              <a:gd name="connsiteY132" fmla="*/ 800784 h 3701000"/>
+              <a:gd name="connsiteX133" fmla="*/ 163723 w 4232332"/>
+              <a:gd name="connsiteY133" fmla="*/ 754007 h 3701000"/>
+              <a:gd name="connsiteX134" fmla="*/ 182434 w 4232332"/>
+              <a:gd name="connsiteY134" fmla="*/ 708787 h 3701000"/>
+              <a:gd name="connsiteX135" fmla="*/ 194909 w 4232332"/>
+              <a:gd name="connsiteY135" fmla="*/ 660451 h 3701000"/>
+              <a:gd name="connsiteX136" fmla="*/ 201146 w 4232332"/>
+              <a:gd name="connsiteY136" fmla="*/ 612115 h 3701000"/>
+              <a:gd name="connsiteX137" fmla="*/ 201146 w 4232332"/>
+              <a:gd name="connsiteY137" fmla="*/ 560659 h 3701000"/>
+              <a:gd name="connsiteX138" fmla="*/ 198027 w 4232332"/>
+              <a:gd name="connsiteY138" fmla="*/ 507644 h 3701000"/>
+              <a:gd name="connsiteX139" fmla="*/ 191789 w 4232332"/>
+              <a:gd name="connsiteY139" fmla="*/ 454630 h 3701000"/>
+              <a:gd name="connsiteX140" fmla="*/ 183993 w 4232332"/>
+              <a:gd name="connsiteY140" fmla="*/ 401614 h 3701000"/>
+              <a:gd name="connsiteX141" fmla="*/ 177756 w 4232332"/>
+              <a:gd name="connsiteY141" fmla="*/ 348600 h 3701000"/>
+              <a:gd name="connsiteX142" fmla="*/ 173078 w 4232332"/>
+              <a:gd name="connsiteY142" fmla="*/ 295586 h 3701000"/>
+              <a:gd name="connsiteX143" fmla="*/ 174638 w 4232332"/>
+              <a:gd name="connsiteY143" fmla="*/ 245689 h 3701000"/>
+              <a:gd name="connsiteX144" fmla="*/ 180876 w 4232332"/>
+              <a:gd name="connsiteY144" fmla="*/ 197353 h 3701000"/>
+              <a:gd name="connsiteX145" fmla="*/ 194909 w 4232332"/>
+              <a:gd name="connsiteY145" fmla="*/ 150574 h 3701000"/>
+              <a:gd name="connsiteX146" fmla="*/ 215179 w 4232332"/>
+              <a:gd name="connsiteY146" fmla="*/ 111594 h 3701000"/>
+              <a:gd name="connsiteX147" fmla="*/ 241686 w 4232332"/>
+              <a:gd name="connsiteY147" fmla="*/ 74171 h 3701000"/>
+              <a:gd name="connsiteX148" fmla="*/ 272871 w 4232332"/>
+              <a:gd name="connsiteY148" fmla="*/ 41427 h 3701000"/>
+              <a:gd name="connsiteX149" fmla="*/ 308733 w 4232332"/>
+              <a:gd name="connsiteY149" fmla="*/ 8683 h 3701000"/>
+            </a:gdLst>
+            <a:ahLst/>
+            <a:cxnLst>
+              <a:cxn ang="0">
+                <a:pos x="connsiteX0" y="connsiteY0"/>
+              </a:cxn>
+              <a:cxn ang="0">
+                <a:pos x="connsiteX1" y="connsiteY1"/>
+              </a:cxn>
+              <a:cxn ang="0">
+                <a:pos x="connsiteX2" y="connsiteY2"/>
+              </a:cxn>
+              <a:cxn ang="0">
+                <a:pos x="connsiteX3" y="connsiteY3"/>
+              </a:cxn>
+              <a:cxn ang="0">
+                <a:pos x="connsiteX4" y="connsiteY4"/>
+              </a:cxn>
+              <a:cxn ang="0">
+                <a:pos x="connsiteX5" y="connsiteY5"/>
+              </a:cxn>
+              <a:cxn ang="0">
+                <a:pos x="connsiteX6" y="connsiteY6"/>
+              </a:cxn>
+              <a:cxn ang="0">
+                <a:pos x="connsiteX7" y="connsiteY7"/>
+              </a:cxn>
+              <a:cxn ang="0">
+                <a:pos x="connsiteX8" y="connsiteY8"/>
+              </a:cxn>
+              <a:cxn ang="0">
+                <a:pos x="connsiteX9" y="connsiteY9"/>
+              </a:cxn>
+              <a:cxn ang="0">
+                <a:pos x="connsiteX10" y="connsiteY10"/>
+              </a:cxn>
+              <a:cxn ang="0">
+                <a:pos x="connsiteX11" y="connsiteY11"/>
+              </a:cxn>
+              <a:cxn ang="0">
+                <a:pos x="connsiteX12" y="connsiteY12"/>
+              </a:cxn>
+              <a:cxn ang="0">
+                <a:pos x="connsiteX13" y="connsiteY13"/>
+              </a:cxn>
+              <a:cxn ang="0">
+                <a:pos x="connsiteX14" y="connsiteY14"/>
+              </a:cxn>
+              <a:cxn ang="0">
+                <a:pos x="connsiteX15" y="connsiteY15"/>
+              </a:cxn>
+              <a:cxn ang="0">
+                <a:pos x="connsiteX16" y="connsiteY16"/>
+              </a:cxn>
+              <a:cxn ang="0">
+                <a:pos x="connsiteX17" y="connsiteY17"/>
+              </a:cxn>
+              <a:cxn ang="0">
+                <a:pos x="connsiteX18" y="connsiteY18"/>
+              </a:cxn>
+              <a:cxn ang="0">
+                <a:pos x="connsiteX19" y="connsiteY19"/>
+              </a:cxn>
+              <a:cxn ang="0">
+                <a:pos x="connsiteX20" y="connsiteY20"/>
+              </a:cxn>
+              <a:cxn ang="0">
+                <a:pos x="connsiteX21" y="connsiteY21"/>
+              </a:cxn>
+              <a:cxn ang="0">
+                <a:pos x="connsiteX22" y="connsiteY22"/>
+              </a:cxn>
+              <a:cxn ang="0">
+                <a:pos x="connsiteX23" y="connsiteY23"/>
+              </a:cxn>
+              <a:cxn ang="0">
+                <a:pos x="connsiteX24" y="connsiteY24"/>
+              </a:cxn>
+              <a:cxn ang="0">
+                <a:pos x="connsiteX25" y="connsiteY25"/>
+              </a:cxn>
+              <a:cxn ang="0">
+                <a:pos x="connsiteX26" y="connsiteY26"/>
+              </a:cxn>
+              <a:cxn ang="0">
+                <a:pos x="connsiteX27" y="connsiteY27"/>
+              </a:cxn>
+              <a:cxn ang="0">
+                <a:pos x="connsiteX28" y="connsiteY28"/>
+              </a:cxn>
+              <a:cxn ang="0">
+                <a:pos x="connsiteX29" y="connsiteY29"/>
+              </a:cxn>
+              <a:cxn ang="0">
+                <a:pos x="connsiteX30" y="connsiteY30"/>
+              </a:cxn>
+              <a:cxn ang="0">
+                <a:pos x="connsiteX31" y="connsiteY31"/>
+              </a:cxn>
+              <a:cxn ang="0">
+                <a:pos x="connsiteX32" y="connsiteY32"/>
+              </a:cxn>
+              <a:cxn ang="0">
+                <a:pos x="connsiteX33" y="connsiteY33"/>
+              </a:cxn>
+              <a:cxn ang="0">
+                <a:pos x="connsiteX34" y="connsiteY34"/>
+              </a:cxn>
+              <a:cxn ang="0">
+                <a:pos x="connsiteX35" y="connsiteY35"/>
+              </a:cxn>
+              <a:cxn ang="0">
+                <a:pos x="connsiteX36" y="connsiteY36"/>
+              </a:cxn>
+              <a:cxn ang="0">
+                <a:pos x="connsiteX37" y="connsiteY37"/>
+              </a:cxn>
+              <a:cxn ang="0">
+                <a:pos x="connsiteX38" y="connsiteY38"/>
+              </a:cxn>
+              <a:cxn ang="0">
+                <a:pos x="connsiteX39" y="connsiteY39"/>
+              </a:cxn>
+              <a:cxn ang="0">
+                <a:pos x="connsiteX40" y="connsiteY40"/>
+              </a:cxn>
+              <a:cxn ang="0">
+                <a:pos x="connsiteX41" y="connsiteY41"/>
+              </a:cxn>
+              <a:cxn ang="0">
+                <a:pos x="connsiteX42" y="connsiteY42"/>
+              </a:cxn>
+              <a:cxn ang="0">
+                <a:pos x="connsiteX43" y="connsiteY43"/>
+              </a:cxn>
+              <a:cxn ang="0">
+                <a:pos x="connsiteX44" y="connsiteY44"/>
+              </a:cxn>
+              <a:cxn ang="0">
+                <a:pos x="connsiteX45" y="connsiteY45"/>
+              </a:cxn>
+              <a:cxn ang="0">
+                <a:pos x="connsiteX46" y="connsiteY46"/>
+              </a:cxn>
+              <a:cxn ang="0">
+                <a:pos x="connsiteX47" y="connsiteY47"/>
+              </a:cxn>
+              <a:cxn ang="0">
+                <a:pos x="connsiteX48" y="connsiteY48"/>
+              </a:cxn>
+              <a:cxn ang="0">
+                <a:pos x="connsiteX49" y="connsiteY49"/>
+              </a:cxn>
+              <a:cxn ang="0">
+                <a:pos x="connsiteX50" y="connsiteY50"/>
+              </a:cxn>
+              <a:cxn ang="0">
+                <a:pos x="connsiteX51" y="connsiteY51"/>
+              </a:cxn>
+              <a:cxn ang="0">
+                <a:pos x="connsiteX52" y="connsiteY52"/>
+              </a:cxn>
+              <a:cxn ang="0">
+                <a:pos x="connsiteX53" y="connsiteY53"/>
+              </a:cxn>
+              <a:cxn ang="0">
+                <a:pos x="connsiteX54" y="connsiteY54"/>
+              </a:cxn>
+              <a:cxn ang="0">
+                <a:pos x="connsiteX55" y="connsiteY55"/>
+              </a:cxn>
+              <a:cxn ang="0">
+                <a:pos x="connsiteX56" y="connsiteY56"/>
+              </a:cxn>
+              <a:cxn ang="0">
+                <a:pos x="connsiteX57" y="connsiteY57"/>
+              </a:cxn>
+              <a:cxn ang="0">
+                <a:pos x="connsiteX58" y="connsiteY58"/>
+              </a:cxn>
+              <a:cxn ang="0">
+                <a:pos x="connsiteX59" y="connsiteY59"/>
+              </a:cxn>
+              <a:cxn ang="0">
+                <a:pos x="connsiteX60" y="connsiteY60"/>
+              </a:cxn>
+              <a:cxn ang="0">
+                <a:pos x="connsiteX61" y="connsiteY61"/>
+              </a:cxn>
+              <a:cxn ang="0">
+                <a:pos x="connsiteX62" y="connsiteY62"/>
+              </a:cxn>
+              <a:cxn ang="0">
+                <a:pos x="connsiteX63" y="connsiteY63"/>
+              </a:cxn>
+              <a:cxn ang="0">
+                <a:pos x="connsiteX64" y="connsiteY64"/>
+              </a:cxn>
+              <a:cxn ang="0">
+                <a:pos x="connsiteX65" y="connsiteY65"/>
+              </a:cxn>
+              <a:cxn ang="0">
+                <a:pos x="connsiteX66" y="connsiteY66"/>
+              </a:cxn>
+              <a:cxn ang="0">
+                <a:pos x="connsiteX67" y="connsiteY67"/>
+              </a:cxn>
+              <a:cxn ang="0">
+                <a:pos x="connsiteX68" y="connsiteY68"/>
+              </a:cxn>
+              <a:cxn ang="0">
+                <a:pos x="connsiteX69" y="connsiteY69"/>
+              </a:cxn>
+              <a:cxn ang="0">
+                <a:pos x="connsiteX70" y="connsiteY70"/>
+              </a:cxn>
+              <a:cxn ang="0">
+                <a:pos x="connsiteX71" y="connsiteY71"/>
+              </a:cxn>
+              <a:cxn ang="0">
+                <a:pos x="connsiteX72" y="connsiteY72"/>
+              </a:cxn>
+              <a:cxn ang="0">
+                <a:pos x="connsiteX73" y="connsiteY73"/>
+              </a:cxn>
+              <a:cxn ang="0">
+                <a:pos x="connsiteX74" y="connsiteY74"/>
+              </a:cxn>
+              <a:cxn ang="0">
+                <a:pos x="connsiteX75" y="connsiteY75"/>
+              </a:cxn>
+              <a:cxn ang="0">
+                <a:pos x="connsiteX76" y="connsiteY76"/>
+              </a:cxn>
+              <a:cxn ang="0">
+                <a:pos x="connsiteX77" y="connsiteY77"/>
+              </a:cxn>
+              <a:cxn ang="0">
+                <a:pos x="connsiteX78" y="connsiteY78"/>
+              </a:cxn>
+              <a:cxn ang="0">
+                <a:pos x="connsiteX79" y="connsiteY79"/>
+              </a:cxn>
+              <a:cxn ang="0">
+                <a:pos x="connsiteX80" y="connsiteY80"/>
+              </a:cxn>
+              <a:cxn ang="0">
+                <a:pos x="connsiteX81" y="connsiteY81"/>
+              </a:cxn>
+              <a:cxn ang="0">
+                <a:pos x="connsiteX82" y="connsiteY82"/>
+              </a:cxn>
+              <a:cxn ang="0">
+                <a:pos x="connsiteX83" y="connsiteY83"/>
+              </a:cxn>
+              <a:cxn ang="0">
+                <a:pos x="connsiteX84" y="connsiteY84"/>
+              </a:cxn>
+              <a:cxn ang="0">
+                <a:pos x="connsiteX85" y="connsiteY85"/>
+              </a:cxn>
+              <a:cxn ang="0">
+                <a:pos x="connsiteX86" y="connsiteY86"/>
+              </a:cxn>
+              <a:cxn ang="0">
+                <a:pos x="connsiteX87" y="connsiteY87"/>
+              </a:cxn>
+              <a:cxn ang="0">
+                <a:pos x="connsiteX88" y="connsiteY88"/>
+              </a:cxn>
+              <a:cxn ang="0">
+                <a:pos x="connsiteX89" y="connsiteY89"/>
+              </a:cxn>
+              <a:cxn ang="0">
+                <a:pos x="connsiteX90" y="connsiteY90"/>
+              </a:cxn>
+              <a:cxn ang="0">
+                <a:pos x="connsiteX91" y="connsiteY91"/>
+              </a:cxn>
+              <a:cxn ang="0">
+                <a:pos x="connsiteX92" y="connsiteY92"/>
+              </a:cxn>
+              <a:cxn ang="0">
+                <a:pos x="connsiteX93" y="connsiteY93"/>
+              </a:cxn>
+              <a:cxn ang="0">
+                <a:pos x="connsiteX94" y="connsiteY94"/>
+              </a:cxn>
+              <a:cxn ang="0">
+                <a:pos x="connsiteX95" y="connsiteY95"/>
+              </a:cxn>
+              <a:cxn ang="0">
+                <a:pos x="connsiteX96" y="connsiteY96"/>
+              </a:cxn>
+              <a:cxn ang="0">
+                <a:pos x="connsiteX97" y="connsiteY97"/>
+              </a:cxn>
+              <a:cxn ang="0">
+                <a:pos x="connsiteX98" y="connsiteY98"/>
+              </a:cxn>
+              <a:cxn ang="0">
+                <a:pos x="connsiteX99" y="connsiteY99"/>
+              </a:cxn>
+              <a:cxn ang="0">
+                <a:pos x="connsiteX100" y="connsiteY100"/>
+              </a:cxn>
+              <a:cxn ang="0">
+                <a:pos x="connsiteX101" y="connsiteY101"/>
+              </a:cxn>
+              <a:cxn ang="0">
+                <a:pos x="connsiteX102" y="connsiteY102"/>
+              </a:cxn>
+              <a:cxn ang="0">
+                <a:pos x="connsiteX103" y="connsiteY103"/>
+              </a:cxn>
+              <a:cxn ang="0">
+                <a:pos x="connsiteX104" y="connsiteY104"/>
+              </a:cxn>
+              <a:cxn ang="0">
+                <a:pos x="connsiteX105" y="connsiteY105"/>
+              </a:cxn>
+              <a:cxn ang="0">
+                <a:pos x="connsiteX106" y="connsiteY106"/>
+              </a:cxn>
+              <a:cxn ang="0">
+                <a:pos x="connsiteX107" y="connsiteY107"/>
+              </a:cxn>
+              <a:cxn ang="0">
+                <a:pos x="connsiteX108" y="connsiteY108"/>
+              </a:cxn>
+              <a:cxn ang="0">
+                <a:pos x="connsiteX109" y="connsiteY109"/>
+              </a:cxn>
+              <a:cxn ang="0">
+                <a:pos x="connsiteX110" y="connsiteY110"/>
+              </a:cxn>
+              <a:cxn ang="0">
+                <a:pos x="connsiteX111" y="connsiteY111"/>
+              </a:cxn>
+              <a:cxn ang="0">
+                <a:pos x="connsiteX112" y="connsiteY112"/>
+              </a:cxn>
+              <a:cxn ang="0">
+                <a:pos x="connsiteX113" y="connsiteY113"/>
+              </a:cxn>
+              <a:cxn ang="0">
+                <a:pos x="connsiteX114" y="connsiteY114"/>
+              </a:cxn>
+              <a:cxn ang="0">
+                <a:pos x="connsiteX115" y="connsiteY115"/>
+              </a:cxn>
+              <a:cxn ang="0">
+                <a:pos x="connsiteX116" y="connsiteY116"/>
+              </a:cxn>
+              <a:cxn ang="0">
+                <a:pos x="connsiteX117" y="connsiteY117"/>
+              </a:cxn>
+              <a:cxn ang="0">
+                <a:pos x="connsiteX118" y="connsiteY118"/>
+              </a:cxn>
+              <a:cxn ang="0">
+                <a:pos x="connsiteX119" y="connsiteY119"/>
+              </a:cxn>
+              <a:cxn ang="0">
+                <a:pos x="connsiteX120" y="connsiteY120"/>
+              </a:cxn>
+              <a:cxn ang="0">
+                <a:pos x="connsiteX121" y="connsiteY121"/>
+              </a:cxn>
+              <a:cxn ang="0">
+                <a:pos x="connsiteX122" y="connsiteY122"/>
+              </a:cxn>
+              <a:cxn ang="0">
+                <a:pos x="connsiteX123" y="connsiteY123"/>
+              </a:cxn>
+              <a:cxn ang="0">
+                <a:pos x="connsiteX124" y="connsiteY124"/>
+              </a:cxn>
+              <a:cxn ang="0">
+                <a:pos x="connsiteX125" y="connsiteY125"/>
+              </a:cxn>
+              <a:cxn ang="0">
+                <a:pos x="connsiteX126" y="connsiteY126"/>
+              </a:cxn>
+              <a:cxn ang="0">
+                <a:pos x="connsiteX127" y="connsiteY127"/>
+              </a:cxn>
+              <a:cxn ang="0">
+                <a:pos x="connsiteX128" y="connsiteY128"/>
+              </a:cxn>
+              <a:cxn ang="0">
+                <a:pos x="connsiteX129" y="connsiteY129"/>
+              </a:cxn>
+              <a:cxn ang="0">
+                <a:pos x="connsiteX130" y="connsiteY130"/>
+              </a:cxn>
+              <a:cxn ang="0">
+                <a:pos x="connsiteX131" y="connsiteY131"/>
+              </a:cxn>
+              <a:cxn ang="0">
+                <a:pos x="connsiteX132" y="connsiteY132"/>
+              </a:cxn>
+              <a:cxn ang="0">
+                <a:pos x="connsiteX133" y="connsiteY133"/>
+              </a:cxn>
+              <a:cxn ang="0">
+                <a:pos x="connsiteX134" y="connsiteY134"/>
+              </a:cxn>
+              <a:cxn ang="0">
+                <a:pos x="connsiteX135" y="connsiteY135"/>
+              </a:cxn>
+              <a:cxn ang="0">
+                <a:pos x="connsiteX136" y="connsiteY136"/>
+              </a:cxn>
+              <a:cxn ang="0">
+                <a:pos x="connsiteX137" y="connsiteY137"/>
+              </a:cxn>
+              <a:cxn ang="0">
+                <a:pos x="connsiteX138" y="connsiteY138"/>
+              </a:cxn>
+              <a:cxn ang="0">
+                <a:pos x="connsiteX139" y="connsiteY139"/>
+              </a:cxn>
+              <a:cxn ang="0">
+                <a:pos x="connsiteX140" y="connsiteY140"/>
+              </a:cxn>
+              <a:cxn ang="0">
+                <a:pos x="connsiteX141" y="connsiteY141"/>
+              </a:cxn>
+              <a:cxn ang="0">
+                <a:pos x="connsiteX142" y="connsiteY142"/>
+              </a:cxn>
+              <a:cxn ang="0">
+                <a:pos x="connsiteX143" y="connsiteY143"/>
+              </a:cxn>
+              <a:cxn ang="0">
+                <a:pos x="connsiteX144" y="connsiteY144"/>
+              </a:cxn>
+              <a:cxn ang="0">
+                <a:pos x="connsiteX145" y="connsiteY145"/>
+              </a:cxn>
+              <a:cxn ang="0">
+                <a:pos x="connsiteX146" y="connsiteY146"/>
+              </a:cxn>
+              <a:cxn ang="0">
+                <a:pos x="connsiteX147" y="connsiteY147"/>
+              </a:cxn>
+              <a:cxn ang="0">
+                <a:pos x="connsiteX148" y="connsiteY148"/>
+              </a:cxn>
+              <a:cxn ang="0">
+                <a:pos x="connsiteX149" y="connsiteY149"/>
+              </a:cxn>
+            </a:cxnLst>
+            <a:rect l="l" t="t" r="r" b="b"/>
+            <a:pathLst>
+              <a:path w="4232332" h="3701000">
+                <a:moveTo>
+                  <a:pt x="319701" y="0"/>
+                </a:moveTo>
+                <a:lnTo>
+                  <a:pt x="4232332" y="0"/>
+                </a:lnTo>
+                <a:lnTo>
+                  <a:pt x="4232332" y="3034486"/>
+                </a:lnTo>
+                <a:lnTo>
+                  <a:pt x="4230268" y="3035198"/>
+                </a:lnTo>
+                <a:lnTo>
+                  <a:pt x="4185051" y="3049231"/>
+                </a:lnTo>
+                <a:lnTo>
+                  <a:pt x="4136714" y="3061706"/>
+                </a:lnTo>
+                <a:lnTo>
+                  <a:pt x="4089935" y="3074180"/>
+                </a:lnTo>
+                <a:lnTo>
+                  <a:pt x="4043158" y="3088214"/>
+                </a:lnTo>
+                <a:lnTo>
+                  <a:pt x="3997940" y="3103806"/>
+                </a:lnTo>
+                <a:lnTo>
+                  <a:pt x="3955840" y="3122518"/>
+                </a:lnTo>
+                <a:lnTo>
+                  <a:pt x="3916860" y="3144346"/>
+                </a:lnTo>
+                <a:lnTo>
+                  <a:pt x="3882555" y="3172413"/>
+                </a:lnTo>
+                <a:lnTo>
+                  <a:pt x="3846692" y="3203599"/>
+                </a:lnTo>
+                <a:lnTo>
+                  <a:pt x="3815506" y="3239461"/>
+                </a:lnTo>
+                <a:lnTo>
+                  <a:pt x="3785881" y="3276884"/>
+                </a:lnTo>
+                <a:lnTo>
+                  <a:pt x="3756254" y="3315864"/>
+                </a:lnTo>
+                <a:lnTo>
+                  <a:pt x="3726629" y="3354846"/>
+                </a:lnTo>
+                <a:lnTo>
+                  <a:pt x="3697003" y="3392268"/>
+                </a:lnTo>
+                <a:lnTo>
+                  <a:pt x="3664258" y="3428131"/>
+                </a:lnTo>
+                <a:lnTo>
+                  <a:pt x="3631513" y="3459315"/>
+                </a:lnTo>
+                <a:lnTo>
+                  <a:pt x="3594093" y="3485823"/>
+                </a:lnTo>
+                <a:lnTo>
+                  <a:pt x="3555111" y="3506094"/>
+                </a:lnTo>
+                <a:lnTo>
+                  <a:pt x="3508332" y="3520128"/>
+                </a:lnTo>
+                <a:lnTo>
+                  <a:pt x="3459994" y="3526365"/>
+                </a:lnTo>
+                <a:lnTo>
+                  <a:pt x="3410100" y="3527923"/>
+                </a:lnTo>
+                <a:lnTo>
+                  <a:pt x="3357084" y="3523245"/>
+                </a:lnTo>
+                <a:lnTo>
+                  <a:pt x="3304070" y="3517009"/>
+                </a:lnTo>
+                <a:lnTo>
+                  <a:pt x="3251054" y="3509211"/>
+                </a:lnTo>
+                <a:lnTo>
+                  <a:pt x="3198040" y="3502976"/>
+                </a:lnTo>
+                <a:lnTo>
+                  <a:pt x="3145024" y="3499857"/>
+                </a:lnTo>
+                <a:lnTo>
+                  <a:pt x="3093569" y="3499857"/>
+                </a:lnTo>
+                <a:lnTo>
+                  <a:pt x="3045233" y="3506094"/>
+                </a:lnTo>
+                <a:lnTo>
+                  <a:pt x="2995337" y="3518569"/>
+                </a:lnTo>
+                <a:lnTo>
+                  <a:pt x="2950118" y="3537278"/>
+                </a:lnTo>
+                <a:lnTo>
+                  <a:pt x="2903340" y="3562227"/>
+                </a:lnTo>
+                <a:lnTo>
+                  <a:pt x="2856564" y="3587176"/>
+                </a:lnTo>
+                <a:lnTo>
+                  <a:pt x="2809785" y="3615241"/>
+                </a:lnTo>
+                <a:lnTo>
+                  <a:pt x="2764565" y="3641749"/>
+                </a:lnTo>
+                <a:lnTo>
+                  <a:pt x="2716230" y="3665138"/>
+                </a:lnTo>
+                <a:lnTo>
+                  <a:pt x="2669451" y="3683850"/>
+                </a:lnTo>
+                <a:lnTo>
+                  <a:pt x="2621114" y="3696324"/>
+                </a:lnTo>
+                <a:lnTo>
+                  <a:pt x="2571219" y="3701000"/>
+                </a:lnTo>
+                <a:lnTo>
+                  <a:pt x="2521322" y="3696324"/>
+                </a:lnTo>
+                <a:lnTo>
+                  <a:pt x="2472985" y="3683850"/>
+                </a:lnTo>
+                <a:lnTo>
+                  <a:pt x="2426209" y="3665138"/>
+                </a:lnTo>
+                <a:lnTo>
+                  <a:pt x="2377871" y="3641749"/>
+                </a:lnTo>
+                <a:lnTo>
+                  <a:pt x="2332651" y="3615241"/>
+                </a:lnTo>
+                <a:lnTo>
+                  <a:pt x="2285874" y="3587176"/>
+                </a:lnTo>
+                <a:lnTo>
+                  <a:pt x="2239096" y="3562227"/>
+                </a:lnTo>
+                <a:lnTo>
+                  <a:pt x="2192319" y="3537278"/>
+                </a:lnTo>
+                <a:lnTo>
+                  <a:pt x="2145542" y="3518569"/>
+                </a:lnTo>
+                <a:lnTo>
+                  <a:pt x="2097204" y="3506094"/>
+                </a:lnTo>
+                <a:lnTo>
+                  <a:pt x="2048867" y="3499857"/>
+                </a:lnTo>
+                <a:lnTo>
+                  <a:pt x="1997410" y="3499857"/>
+                </a:lnTo>
+                <a:lnTo>
+                  <a:pt x="1944396" y="3502976"/>
+                </a:lnTo>
+                <a:lnTo>
+                  <a:pt x="1891382" y="3509211"/>
+                </a:lnTo>
+                <a:lnTo>
+                  <a:pt x="1838366" y="3517009"/>
+                </a:lnTo>
+                <a:lnTo>
+                  <a:pt x="1785350" y="3523245"/>
+                </a:lnTo>
+                <a:lnTo>
+                  <a:pt x="1732336" y="3527923"/>
+                </a:lnTo>
+                <a:lnTo>
+                  <a:pt x="1682442" y="3526365"/>
+                </a:lnTo>
+                <a:lnTo>
+                  <a:pt x="1634105" y="3520128"/>
+                </a:lnTo>
+                <a:lnTo>
+                  <a:pt x="1587326" y="3506094"/>
+                </a:lnTo>
+                <a:lnTo>
+                  <a:pt x="1548345" y="3485823"/>
+                </a:lnTo>
+                <a:lnTo>
+                  <a:pt x="1510922" y="3459315"/>
+                </a:lnTo>
+                <a:lnTo>
+                  <a:pt x="1478179" y="3428131"/>
+                </a:lnTo>
+                <a:lnTo>
+                  <a:pt x="1445433" y="3392268"/>
+                </a:lnTo>
+                <a:lnTo>
+                  <a:pt x="1415807" y="3354846"/>
+                </a:lnTo>
+                <a:lnTo>
+                  <a:pt x="1386182" y="3315864"/>
+                </a:lnTo>
+                <a:lnTo>
+                  <a:pt x="1356556" y="3276884"/>
+                </a:lnTo>
+                <a:lnTo>
+                  <a:pt x="1326930" y="3239461"/>
+                </a:lnTo>
+                <a:lnTo>
+                  <a:pt x="1295744" y="3203599"/>
+                </a:lnTo>
+                <a:lnTo>
+                  <a:pt x="1259881" y="3172413"/>
+                </a:lnTo>
+                <a:lnTo>
+                  <a:pt x="1225577" y="3144346"/>
+                </a:lnTo>
+                <a:lnTo>
+                  <a:pt x="1186596" y="3122518"/>
+                </a:lnTo>
+                <a:lnTo>
+                  <a:pt x="1144496" y="3103806"/>
+                </a:lnTo>
+                <a:lnTo>
+                  <a:pt x="1099278" y="3088214"/>
+                </a:lnTo>
+                <a:lnTo>
+                  <a:pt x="1052499" y="3074180"/>
+                </a:lnTo>
+                <a:lnTo>
+                  <a:pt x="1005723" y="3061706"/>
+                </a:lnTo>
+                <a:lnTo>
+                  <a:pt x="957386" y="3049231"/>
+                </a:lnTo>
+                <a:lnTo>
+                  <a:pt x="912167" y="3035198"/>
+                </a:lnTo>
+                <a:lnTo>
+                  <a:pt x="866948" y="3019606"/>
+                </a:lnTo>
+                <a:lnTo>
+                  <a:pt x="824850" y="3000894"/>
+                </a:lnTo>
+                <a:lnTo>
+                  <a:pt x="787426" y="2977505"/>
+                </a:lnTo>
+                <a:lnTo>
+                  <a:pt x="753122" y="2949439"/>
+                </a:lnTo>
+                <a:lnTo>
+                  <a:pt x="725057" y="2915136"/>
+                </a:lnTo>
+                <a:lnTo>
+                  <a:pt x="701668" y="2877713"/>
+                </a:lnTo>
+                <a:lnTo>
+                  <a:pt x="682956" y="2835613"/>
+                </a:lnTo>
+                <a:lnTo>
+                  <a:pt x="667364" y="2790396"/>
+                </a:lnTo>
+                <a:lnTo>
+                  <a:pt x="653331" y="2745177"/>
+                </a:lnTo>
+                <a:lnTo>
+                  <a:pt x="640857" y="2696840"/>
+                </a:lnTo>
+                <a:lnTo>
+                  <a:pt x="628382" y="2650063"/>
+                </a:lnTo>
+                <a:lnTo>
+                  <a:pt x="614349" y="2603285"/>
+                </a:lnTo>
+                <a:lnTo>
+                  <a:pt x="598756" y="2558065"/>
+                </a:lnTo>
+                <a:lnTo>
+                  <a:pt x="580044" y="2515965"/>
+                </a:lnTo>
+                <a:lnTo>
+                  <a:pt x="558214" y="2476984"/>
+                </a:lnTo>
+                <a:lnTo>
+                  <a:pt x="530150" y="2442681"/>
+                </a:lnTo>
+                <a:lnTo>
+                  <a:pt x="498963" y="2406817"/>
+                </a:lnTo>
+                <a:lnTo>
+                  <a:pt x="463101" y="2375633"/>
+                </a:lnTo>
+                <a:lnTo>
+                  <a:pt x="424118" y="2346007"/>
+                </a:lnTo>
+                <a:lnTo>
+                  <a:pt x="385138" y="2316382"/>
+                </a:lnTo>
+                <a:lnTo>
+                  <a:pt x="346157" y="2286756"/>
+                </a:lnTo>
+                <a:lnTo>
+                  <a:pt x="308733" y="2257129"/>
+                </a:lnTo>
+                <a:lnTo>
+                  <a:pt x="272871" y="2224386"/>
+                </a:lnTo>
+                <a:lnTo>
+                  <a:pt x="241686" y="2191641"/>
+                </a:lnTo>
+                <a:lnTo>
+                  <a:pt x="215179" y="2154219"/>
+                </a:lnTo>
+                <a:lnTo>
+                  <a:pt x="194909" y="2115238"/>
+                </a:lnTo>
+                <a:lnTo>
+                  <a:pt x="180876" y="2068461"/>
+                </a:lnTo>
+                <a:lnTo>
+                  <a:pt x="174638" y="2020123"/>
+                </a:lnTo>
+                <a:lnTo>
+                  <a:pt x="173078" y="1970225"/>
+                </a:lnTo>
+                <a:lnTo>
+                  <a:pt x="177756" y="1917211"/>
+                </a:lnTo>
+                <a:lnTo>
+                  <a:pt x="183993" y="1864197"/>
+                </a:lnTo>
+                <a:lnTo>
+                  <a:pt x="191789" y="1811182"/>
+                </a:lnTo>
+                <a:lnTo>
+                  <a:pt x="198027" y="1758167"/>
+                </a:lnTo>
+                <a:lnTo>
+                  <a:pt x="201146" y="1705153"/>
+                </a:lnTo>
+                <a:lnTo>
+                  <a:pt x="201146" y="1653697"/>
+                </a:lnTo>
+                <a:lnTo>
+                  <a:pt x="194909" y="1605362"/>
+                </a:lnTo>
+                <a:lnTo>
+                  <a:pt x="182434" y="1557024"/>
+                </a:lnTo>
+                <a:lnTo>
+                  <a:pt x="163723" y="1511804"/>
+                </a:lnTo>
+                <a:lnTo>
+                  <a:pt x="140335" y="1465027"/>
+                </a:lnTo>
+                <a:lnTo>
+                  <a:pt x="113826" y="1418251"/>
+                </a:lnTo>
+                <a:lnTo>
+                  <a:pt x="85761" y="1371472"/>
+                </a:lnTo>
+                <a:lnTo>
+                  <a:pt x="59253" y="1326252"/>
+                </a:lnTo>
+                <a:lnTo>
+                  <a:pt x="35863" y="1277917"/>
+                </a:lnTo>
+                <a:lnTo>
+                  <a:pt x="17153" y="1231139"/>
+                </a:lnTo>
+                <a:lnTo>
+                  <a:pt x="4679" y="1182801"/>
+                </a:lnTo>
+                <a:lnTo>
+                  <a:pt x="0" y="1132905"/>
+                </a:lnTo>
+                <a:lnTo>
+                  <a:pt x="4679" y="1083010"/>
+                </a:lnTo>
+                <a:lnTo>
+                  <a:pt x="17153" y="1034673"/>
+                </a:lnTo>
+                <a:lnTo>
+                  <a:pt x="35863" y="987895"/>
+                </a:lnTo>
+                <a:lnTo>
+                  <a:pt x="59253" y="939559"/>
+                </a:lnTo>
+                <a:lnTo>
+                  <a:pt x="85761" y="894339"/>
+                </a:lnTo>
+                <a:lnTo>
+                  <a:pt x="113826" y="847563"/>
+                </a:lnTo>
+                <a:lnTo>
+                  <a:pt x="140335" y="800784"/>
+                </a:lnTo>
+                <a:lnTo>
+                  <a:pt x="163723" y="754007"/>
+                </a:lnTo>
+                <a:lnTo>
+                  <a:pt x="182434" y="708787"/>
+                </a:lnTo>
+                <a:lnTo>
+                  <a:pt x="194909" y="660451"/>
+                </a:lnTo>
+                <a:lnTo>
+                  <a:pt x="201146" y="612115"/>
+                </a:lnTo>
+                <a:lnTo>
+                  <a:pt x="201146" y="560659"/>
+                </a:lnTo>
+                <a:lnTo>
+                  <a:pt x="198027" y="507644"/>
+                </a:lnTo>
+                <a:lnTo>
+                  <a:pt x="191789" y="454630"/>
+                </a:lnTo>
+                <a:lnTo>
+                  <a:pt x="183993" y="401614"/>
+                </a:lnTo>
+                <a:lnTo>
+                  <a:pt x="177756" y="348600"/>
+                </a:lnTo>
+                <a:lnTo>
+                  <a:pt x="173078" y="295586"/>
+                </a:lnTo>
+                <a:lnTo>
+                  <a:pt x="174638" y="245689"/>
+                </a:lnTo>
+                <a:lnTo>
+                  <a:pt x="180876" y="197353"/>
+                </a:lnTo>
+                <a:lnTo>
+                  <a:pt x="194909" y="150574"/>
+                </a:lnTo>
+                <a:lnTo>
+                  <a:pt x="215179" y="111594"/>
+                </a:lnTo>
+                <a:lnTo>
+                  <a:pt x="241686" y="74171"/>
+                </a:lnTo>
+                <a:lnTo>
+                  <a:pt x="272871" y="41427"/>
+                </a:lnTo>
+                <a:lnTo>
+                  <a:pt x="308733" y="8683"/>
+                </a:lnTo>
+                <a:close/>
+              </a:path>
+            </a:pathLst>
+          </a:custGeom>
           <a:solidFill>
-            <a:schemeClr val="accent1"/>
+            <a:srgbClr val="FFFFFF">
+              <a:alpha val="80000"/>
+            </a:srgbClr>
           </a:solidFill>
           <a:ln>
             <a:noFill/>
@@ -11226,56 +16430,27 @@
           </a:fontRef>
         </p:style>
         <p:txBody>
-          <a:bodyPr rtlCol="0" anchor="ctr"/>
+          <a:bodyPr wrap="square" rtlCol="0" anchor="ctr">
+            <a:noAutofit/>
+          </a:bodyPr>
           <a:lstStyle/>
           <a:p>
             <a:pPr algn="ctr"/>
-            <a:endParaRPr lang="en-US"/>
+            <a:endParaRPr lang="en-US" dirty="0">
+              <a:solidFill>
+                <a:prstClr val="white"/>
+              </a:solidFill>
+              <a:latin typeface="Calibri" panose="020F0502020204030204"/>
+            </a:endParaRPr>
           </a:p>
         </p:txBody>
       </p:sp>
       <p:sp>
         <p:nvSpPr>
-          <p:cNvPr id="2" name="Title 1">
+          <p:cNvPr id="30" name="Freeform: Shape 29">
             <a:extLst>
               <a:ext uri="{FF2B5EF4-FFF2-40B4-BE49-F238E27FC236}">
-                <a16:creationId xmlns:a16="http://schemas.microsoft.com/office/drawing/2014/main" id="{FF08BF10-489E-4C6B-A1F0-F7E846DA0E5A}"/>
-              </a:ext>
-            </a:extLst>
-          </p:cNvPr>
-          <p:cNvSpPr>
-            <a:spLocks noGrp="1"/>
-          </p:cNvSpPr>
-          <p:nvPr>
-            <p:ph type="title"/>
-          </p:nvPr>
-        </p:nvSpPr>
-        <p:spPr>
-          <a:xfrm>
-            <a:off x="1251677" y="1078378"/>
-            <a:ext cx="2917551" cy="4701244"/>
-          </a:xfrm>
-        </p:spPr>
-        <p:txBody>
-          <a:bodyPr anchor="ctr">
-            <a:normAutofit/>
-          </a:bodyPr>
-          <a:lstStyle/>
-          <a:p>
-            <a:r>
-              <a:rPr lang="en-US" altLang="zh-CN" sz="3600"/>
-              <a:t>Rotation	</a:t>
-            </a:r>
-            <a:endParaRPr lang="zh-CN" altLang="en-US" sz="3600"/>
-          </a:p>
-        </p:txBody>
-      </p:sp>
-      <p:sp>
-        <p:nvSpPr>
-          <p:cNvPr id="12" name="Freeform 6">
-            <a:extLst>
-              <a:ext uri="{FF2B5EF4-FFF2-40B4-BE49-F238E27FC236}">
-                <a16:creationId xmlns:a16="http://schemas.microsoft.com/office/drawing/2014/main" id="{BDC8164B-5FC0-4CBD-B7AE-0CB8780FFCB3}"/>
+                <a16:creationId xmlns:a16="http://schemas.microsoft.com/office/drawing/2014/main" id="{C336FE1A-0BAD-4B17-A0E2-47F328026E05}"/>
               </a:ext>
               <a:ext uri="{C183D7F6-B498-43B3-948B-1728B52AA6E4}">
                 <adec:decorative xmlns:adec="http://schemas.microsoft.com/office/drawing/2017/decorative" val="1"/>
@@ -11293,507 +16468,4138 @@
             </p:extLst>
           </p:nvPr>
         </p:nvSpPr>
-        <p:spPr bwMode="auto">
+        <p:spPr>
           <a:xfrm>
-            <a:off x="0" y="0"/>
-            <a:ext cx="885825" cy="6858000"/>
+            <a:off x="8075116" y="0"/>
+            <a:ext cx="4116885" cy="3585722"/>
           </a:xfrm>
           <a:custGeom>
             <a:avLst/>
-            <a:gdLst/>
+            <a:gdLst>
+              <a:gd name="connsiteX0" fmla="*/ 371204 w 4116885"/>
+              <a:gd name="connsiteY0" fmla="*/ 0 h 3585722"/>
+              <a:gd name="connsiteX1" fmla="*/ 4116885 w 4116885"/>
+              <a:gd name="connsiteY1" fmla="*/ 0 h 3585722"/>
+              <a:gd name="connsiteX2" fmla="*/ 4116885 w 4116885"/>
+              <a:gd name="connsiteY2" fmla="*/ 2920084 h 3585722"/>
+              <a:gd name="connsiteX3" fmla="*/ 4083518 w 4116885"/>
+              <a:gd name="connsiteY3" fmla="*/ 2934914 h 3585722"/>
+              <a:gd name="connsiteX4" fmla="*/ 4040331 w 4116885"/>
+              <a:gd name="connsiteY4" fmla="*/ 2949806 h 3585722"/>
+              <a:gd name="connsiteX5" fmla="*/ 3997143 w 4116885"/>
+              <a:gd name="connsiteY5" fmla="*/ 2963209 h 3585722"/>
+              <a:gd name="connsiteX6" fmla="*/ 3950976 w 4116885"/>
+              <a:gd name="connsiteY6" fmla="*/ 2975125 h 3585722"/>
+              <a:gd name="connsiteX7" fmla="*/ 3906298 w 4116885"/>
+              <a:gd name="connsiteY7" fmla="*/ 2987039 h 3585722"/>
+              <a:gd name="connsiteX8" fmla="*/ 3861622 w 4116885"/>
+              <a:gd name="connsiteY8" fmla="*/ 3000442 h 3585722"/>
+              <a:gd name="connsiteX9" fmla="*/ 3818433 w 4116885"/>
+              <a:gd name="connsiteY9" fmla="*/ 3015336 h 3585722"/>
+              <a:gd name="connsiteX10" fmla="*/ 3778225 w 4116885"/>
+              <a:gd name="connsiteY10" fmla="*/ 3033207 h 3585722"/>
+              <a:gd name="connsiteX11" fmla="*/ 3740994 w 4116885"/>
+              <a:gd name="connsiteY11" fmla="*/ 3054056 h 3585722"/>
+              <a:gd name="connsiteX12" fmla="*/ 3708230 w 4116885"/>
+              <a:gd name="connsiteY12" fmla="*/ 3080861 h 3585722"/>
+              <a:gd name="connsiteX13" fmla="*/ 3673977 w 4116885"/>
+              <a:gd name="connsiteY13" fmla="*/ 3110649 h 3585722"/>
+              <a:gd name="connsiteX14" fmla="*/ 3644190 w 4116885"/>
+              <a:gd name="connsiteY14" fmla="*/ 3144902 h 3585722"/>
+              <a:gd name="connsiteX15" fmla="*/ 3615895 w 4116885"/>
+              <a:gd name="connsiteY15" fmla="*/ 3180643 h 3585722"/>
+              <a:gd name="connsiteX16" fmla="*/ 3587600 w 4116885"/>
+              <a:gd name="connsiteY16" fmla="*/ 3217874 h 3585722"/>
+              <a:gd name="connsiteX17" fmla="*/ 3559305 w 4116885"/>
+              <a:gd name="connsiteY17" fmla="*/ 3255107 h 3585722"/>
+              <a:gd name="connsiteX18" fmla="*/ 3531009 w 4116885"/>
+              <a:gd name="connsiteY18" fmla="*/ 3290849 h 3585722"/>
+              <a:gd name="connsiteX19" fmla="*/ 3499734 w 4116885"/>
+              <a:gd name="connsiteY19" fmla="*/ 3325101 h 3585722"/>
+              <a:gd name="connsiteX20" fmla="*/ 3468459 w 4116885"/>
+              <a:gd name="connsiteY20" fmla="*/ 3354887 h 3585722"/>
+              <a:gd name="connsiteX21" fmla="*/ 3432719 w 4116885"/>
+              <a:gd name="connsiteY21" fmla="*/ 3380204 h 3585722"/>
+              <a:gd name="connsiteX22" fmla="*/ 3395487 w 4116885"/>
+              <a:gd name="connsiteY22" fmla="*/ 3399565 h 3585722"/>
+              <a:gd name="connsiteX23" fmla="*/ 3350809 w 4116885"/>
+              <a:gd name="connsiteY23" fmla="*/ 3412968 h 3585722"/>
+              <a:gd name="connsiteX24" fmla="*/ 3304642 w 4116885"/>
+              <a:gd name="connsiteY24" fmla="*/ 3418925 h 3585722"/>
+              <a:gd name="connsiteX25" fmla="*/ 3256988 w 4116885"/>
+              <a:gd name="connsiteY25" fmla="*/ 3420415 h 3585722"/>
+              <a:gd name="connsiteX26" fmla="*/ 3206353 w 4116885"/>
+              <a:gd name="connsiteY26" fmla="*/ 3415946 h 3585722"/>
+              <a:gd name="connsiteX27" fmla="*/ 3155719 w 4116885"/>
+              <a:gd name="connsiteY27" fmla="*/ 3409991 h 3585722"/>
+              <a:gd name="connsiteX28" fmla="*/ 3105083 w 4116885"/>
+              <a:gd name="connsiteY28" fmla="*/ 3402543 h 3585722"/>
+              <a:gd name="connsiteX29" fmla="*/ 3054450 w 4116885"/>
+              <a:gd name="connsiteY29" fmla="*/ 3396587 h 3585722"/>
+              <a:gd name="connsiteX30" fmla="*/ 3003814 w 4116885"/>
+              <a:gd name="connsiteY30" fmla="*/ 3393607 h 3585722"/>
+              <a:gd name="connsiteX31" fmla="*/ 2954669 w 4116885"/>
+              <a:gd name="connsiteY31" fmla="*/ 3393607 h 3585722"/>
+              <a:gd name="connsiteX32" fmla="*/ 2908503 w 4116885"/>
+              <a:gd name="connsiteY32" fmla="*/ 3399565 h 3585722"/>
+              <a:gd name="connsiteX33" fmla="*/ 2860847 w 4116885"/>
+              <a:gd name="connsiteY33" fmla="*/ 3411479 h 3585722"/>
+              <a:gd name="connsiteX34" fmla="*/ 2817659 w 4116885"/>
+              <a:gd name="connsiteY34" fmla="*/ 3429350 h 3585722"/>
+              <a:gd name="connsiteX35" fmla="*/ 2772981 w 4116885"/>
+              <a:gd name="connsiteY35" fmla="*/ 3453178 h 3585722"/>
+              <a:gd name="connsiteX36" fmla="*/ 2728305 w 4116885"/>
+              <a:gd name="connsiteY36" fmla="*/ 3477008 h 3585722"/>
+              <a:gd name="connsiteX37" fmla="*/ 2683627 w 4116885"/>
+              <a:gd name="connsiteY37" fmla="*/ 3503814 h 3585722"/>
+              <a:gd name="connsiteX38" fmla="*/ 2640437 w 4116885"/>
+              <a:gd name="connsiteY38" fmla="*/ 3529131 h 3585722"/>
+              <a:gd name="connsiteX39" fmla="*/ 2594272 w 4116885"/>
+              <a:gd name="connsiteY39" fmla="*/ 3551469 h 3585722"/>
+              <a:gd name="connsiteX40" fmla="*/ 2549594 w 4116885"/>
+              <a:gd name="connsiteY40" fmla="*/ 3569341 h 3585722"/>
+              <a:gd name="connsiteX41" fmla="*/ 2503426 w 4116885"/>
+              <a:gd name="connsiteY41" fmla="*/ 3581255 h 3585722"/>
+              <a:gd name="connsiteX42" fmla="*/ 2455772 w 4116885"/>
+              <a:gd name="connsiteY42" fmla="*/ 3585722 h 3585722"/>
+              <a:gd name="connsiteX43" fmla="*/ 2408116 w 4116885"/>
+              <a:gd name="connsiteY43" fmla="*/ 3581255 h 3585722"/>
+              <a:gd name="connsiteX44" fmla="*/ 2361949 w 4116885"/>
+              <a:gd name="connsiteY44" fmla="*/ 3569341 h 3585722"/>
+              <a:gd name="connsiteX45" fmla="*/ 2317272 w 4116885"/>
+              <a:gd name="connsiteY45" fmla="*/ 3551469 h 3585722"/>
+              <a:gd name="connsiteX46" fmla="*/ 2271105 w 4116885"/>
+              <a:gd name="connsiteY46" fmla="*/ 3529131 h 3585722"/>
+              <a:gd name="connsiteX47" fmla="*/ 2227917 w 4116885"/>
+              <a:gd name="connsiteY47" fmla="*/ 3503814 h 3585722"/>
+              <a:gd name="connsiteX48" fmla="*/ 2183239 w 4116885"/>
+              <a:gd name="connsiteY48" fmla="*/ 3477008 h 3585722"/>
+              <a:gd name="connsiteX49" fmla="*/ 2138561 w 4116885"/>
+              <a:gd name="connsiteY49" fmla="*/ 3453178 h 3585722"/>
+              <a:gd name="connsiteX50" fmla="*/ 2093885 w 4116885"/>
+              <a:gd name="connsiteY50" fmla="*/ 3429350 h 3585722"/>
+              <a:gd name="connsiteX51" fmla="*/ 2049208 w 4116885"/>
+              <a:gd name="connsiteY51" fmla="*/ 3411479 h 3585722"/>
+              <a:gd name="connsiteX52" fmla="*/ 2003041 w 4116885"/>
+              <a:gd name="connsiteY52" fmla="*/ 3399565 h 3585722"/>
+              <a:gd name="connsiteX53" fmla="*/ 1956874 w 4116885"/>
+              <a:gd name="connsiteY53" fmla="*/ 3393607 h 3585722"/>
+              <a:gd name="connsiteX54" fmla="*/ 1907728 w 4116885"/>
+              <a:gd name="connsiteY54" fmla="*/ 3393607 h 3585722"/>
+              <a:gd name="connsiteX55" fmla="*/ 1857094 w 4116885"/>
+              <a:gd name="connsiteY55" fmla="*/ 3396587 h 3585722"/>
+              <a:gd name="connsiteX56" fmla="*/ 1806460 w 4116885"/>
+              <a:gd name="connsiteY56" fmla="*/ 3402543 h 3585722"/>
+              <a:gd name="connsiteX57" fmla="*/ 1755825 w 4116885"/>
+              <a:gd name="connsiteY57" fmla="*/ 3409991 h 3585722"/>
+              <a:gd name="connsiteX58" fmla="*/ 1705189 w 4116885"/>
+              <a:gd name="connsiteY58" fmla="*/ 3415946 h 3585722"/>
+              <a:gd name="connsiteX59" fmla="*/ 1654555 w 4116885"/>
+              <a:gd name="connsiteY59" fmla="*/ 3420415 h 3585722"/>
+              <a:gd name="connsiteX60" fmla="*/ 1606901 w 4116885"/>
+              <a:gd name="connsiteY60" fmla="*/ 3418925 h 3585722"/>
+              <a:gd name="connsiteX61" fmla="*/ 1560733 w 4116885"/>
+              <a:gd name="connsiteY61" fmla="*/ 3412968 h 3585722"/>
+              <a:gd name="connsiteX62" fmla="*/ 1516055 w 4116885"/>
+              <a:gd name="connsiteY62" fmla="*/ 3399565 h 3585722"/>
+              <a:gd name="connsiteX63" fmla="*/ 1478825 w 4116885"/>
+              <a:gd name="connsiteY63" fmla="*/ 3380204 h 3585722"/>
+              <a:gd name="connsiteX64" fmla="*/ 1443081 w 4116885"/>
+              <a:gd name="connsiteY64" fmla="*/ 3354887 h 3585722"/>
+              <a:gd name="connsiteX65" fmla="*/ 1411808 w 4116885"/>
+              <a:gd name="connsiteY65" fmla="*/ 3325101 h 3585722"/>
+              <a:gd name="connsiteX66" fmla="*/ 1380533 w 4116885"/>
+              <a:gd name="connsiteY66" fmla="*/ 3290849 h 3585722"/>
+              <a:gd name="connsiteX67" fmla="*/ 1352239 w 4116885"/>
+              <a:gd name="connsiteY67" fmla="*/ 3255107 h 3585722"/>
+              <a:gd name="connsiteX68" fmla="*/ 1323942 w 4116885"/>
+              <a:gd name="connsiteY68" fmla="*/ 3217874 h 3585722"/>
+              <a:gd name="connsiteX69" fmla="*/ 1295647 w 4116885"/>
+              <a:gd name="connsiteY69" fmla="*/ 3180643 h 3585722"/>
+              <a:gd name="connsiteX70" fmla="*/ 1267352 w 4116885"/>
+              <a:gd name="connsiteY70" fmla="*/ 3144902 h 3585722"/>
+              <a:gd name="connsiteX71" fmla="*/ 1237566 w 4116885"/>
+              <a:gd name="connsiteY71" fmla="*/ 3110649 h 3585722"/>
+              <a:gd name="connsiteX72" fmla="*/ 1203314 w 4116885"/>
+              <a:gd name="connsiteY72" fmla="*/ 3080861 h 3585722"/>
+              <a:gd name="connsiteX73" fmla="*/ 1170550 w 4116885"/>
+              <a:gd name="connsiteY73" fmla="*/ 3054056 h 3585722"/>
+              <a:gd name="connsiteX74" fmla="*/ 1133319 w 4116885"/>
+              <a:gd name="connsiteY74" fmla="*/ 3033207 h 3585722"/>
+              <a:gd name="connsiteX75" fmla="*/ 1093109 w 4116885"/>
+              <a:gd name="connsiteY75" fmla="*/ 3015336 h 3585722"/>
+              <a:gd name="connsiteX76" fmla="*/ 1049921 w 4116885"/>
+              <a:gd name="connsiteY76" fmla="*/ 3000442 h 3585722"/>
+              <a:gd name="connsiteX77" fmla="*/ 1005242 w 4116885"/>
+              <a:gd name="connsiteY77" fmla="*/ 2987039 h 3585722"/>
+              <a:gd name="connsiteX78" fmla="*/ 960566 w 4116885"/>
+              <a:gd name="connsiteY78" fmla="*/ 2975125 h 3585722"/>
+              <a:gd name="connsiteX79" fmla="*/ 914400 w 4116885"/>
+              <a:gd name="connsiteY79" fmla="*/ 2963209 h 3585722"/>
+              <a:gd name="connsiteX80" fmla="*/ 871211 w 4116885"/>
+              <a:gd name="connsiteY80" fmla="*/ 2949806 h 3585722"/>
+              <a:gd name="connsiteX81" fmla="*/ 828022 w 4116885"/>
+              <a:gd name="connsiteY81" fmla="*/ 2934914 h 3585722"/>
+              <a:gd name="connsiteX82" fmla="*/ 787813 w 4116885"/>
+              <a:gd name="connsiteY82" fmla="*/ 2917043 h 3585722"/>
+              <a:gd name="connsiteX83" fmla="*/ 752072 w 4116885"/>
+              <a:gd name="connsiteY83" fmla="*/ 2894704 h 3585722"/>
+              <a:gd name="connsiteX84" fmla="*/ 719306 w 4116885"/>
+              <a:gd name="connsiteY84" fmla="*/ 2867898 h 3585722"/>
+              <a:gd name="connsiteX85" fmla="*/ 692502 w 4116885"/>
+              <a:gd name="connsiteY85" fmla="*/ 2835134 h 3585722"/>
+              <a:gd name="connsiteX86" fmla="*/ 670163 w 4116885"/>
+              <a:gd name="connsiteY86" fmla="*/ 2799391 h 3585722"/>
+              <a:gd name="connsiteX87" fmla="*/ 652291 w 4116885"/>
+              <a:gd name="connsiteY87" fmla="*/ 2759180 h 3585722"/>
+              <a:gd name="connsiteX88" fmla="*/ 637399 w 4116885"/>
+              <a:gd name="connsiteY88" fmla="*/ 2715993 h 3585722"/>
+              <a:gd name="connsiteX89" fmla="*/ 623997 w 4116885"/>
+              <a:gd name="connsiteY89" fmla="*/ 2672804 h 3585722"/>
+              <a:gd name="connsiteX90" fmla="*/ 612083 w 4116885"/>
+              <a:gd name="connsiteY90" fmla="*/ 2626638 h 3585722"/>
+              <a:gd name="connsiteX91" fmla="*/ 600169 w 4116885"/>
+              <a:gd name="connsiteY91" fmla="*/ 2581960 h 3585722"/>
+              <a:gd name="connsiteX92" fmla="*/ 586764 w 4116885"/>
+              <a:gd name="connsiteY92" fmla="*/ 2537281 h 3585722"/>
+              <a:gd name="connsiteX93" fmla="*/ 571872 w 4116885"/>
+              <a:gd name="connsiteY93" fmla="*/ 2494092 h 3585722"/>
+              <a:gd name="connsiteX94" fmla="*/ 554000 w 4116885"/>
+              <a:gd name="connsiteY94" fmla="*/ 2453882 h 3585722"/>
+              <a:gd name="connsiteX95" fmla="*/ 533152 w 4116885"/>
+              <a:gd name="connsiteY95" fmla="*/ 2416651 h 3585722"/>
+              <a:gd name="connsiteX96" fmla="*/ 506346 w 4116885"/>
+              <a:gd name="connsiteY96" fmla="*/ 2383887 h 3585722"/>
+              <a:gd name="connsiteX97" fmla="*/ 476561 w 4116885"/>
+              <a:gd name="connsiteY97" fmla="*/ 2349633 h 3585722"/>
+              <a:gd name="connsiteX98" fmla="*/ 442308 w 4116885"/>
+              <a:gd name="connsiteY98" fmla="*/ 2319849 h 3585722"/>
+              <a:gd name="connsiteX99" fmla="*/ 405075 w 4116885"/>
+              <a:gd name="connsiteY99" fmla="*/ 2291554 h 3585722"/>
+              <a:gd name="connsiteX100" fmla="*/ 367844 w 4116885"/>
+              <a:gd name="connsiteY100" fmla="*/ 2263257 h 3585722"/>
+              <a:gd name="connsiteX101" fmla="*/ 330615 w 4116885"/>
+              <a:gd name="connsiteY101" fmla="*/ 2234962 h 3585722"/>
+              <a:gd name="connsiteX102" fmla="*/ 294872 w 4116885"/>
+              <a:gd name="connsiteY102" fmla="*/ 2206664 h 3585722"/>
+              <a:gd name="connsiteX103" fmla="*/ 260619 w 4116885"/>
+              <a:gd name="connsiteY103" fmla="*/ 2175390 h 3585722"/>
+              <a:gd name="connsiteX104" fmla="*/ 230835 w 4116885"/>
+              <a:gd name="connsiteY104" fmla="*/ 2144116 h 3585722"/>
+              <a:gd name="connsiteX105" fmla="*/ 205519 w 4116885"/>
+              <a:gd name="connsiteY105" fmla="*/ 2108372 h 3585722"/>
+              <a:gd name="connsiteX106" fmla="*/ 186158 w 4116885"/>
+              <a:gd name="connsiteY106" fmla="*/ 2071141 h 3585722"/>
+              <a:gd name="connsiteX107" fmla="*/ 172755 w 4116885"/>
+              <a:gd name="connsiteY107" fmla="*/ 2026465 h 3585722"/>
+              <a:gd name="connsiteX108" fmla="*/ 166797 w 4116885"/>
+              <a:gd name="connsiteY108" fmla="*/ 1980297 h 3585722"/>
+              <a:gd name="connsiteX109" fmla="*/ 165306 w 4116885"/>
+              <a:gd name="connsiteY109" fmla="*/ 1932640 h 3585722"/>
+              <a:gd name="connsiteX110" fmla="*/ 169775 w 4116885"/>
+              <a:gd name="connsiteY110" fmla="*/ 1882006 h 3585722"/>
+              <a:gd name="connsiteX111" fmla="*/ 175733 w 4116885"/>
+              <a:gd name="connsiteY111" fmla="*/ 1831370 h 3585722"/>
+              <a:gd name="connsiteX112" fmla="*/ 183178 w 4116885"/>
+              <a:gd name="connsiteY112" fmla="*/ 1780735 h 3585722"/>
+              <a:gd name="connsiteX113" fmla="*/ 189136 w 4116885"/>
+              <a:gd name="connsiteY113" fmla="*/ 1730101 h 3585722"/>
+              <a:gd name="connsiteX114" fmla="*/ 192116 w 4116885"/>
+              <a:gd name="connsiteY114" fmla="*/ 1679466 h 3585722"/>
+              <a:gd name="connsiteX115" fmla="*/ 192116 w 4116885"/>
+              <a:gd name="connsiteY115" fmla="*/ 1630319 h 3585722"/>
+              <a:gd name="connsiteX116" fmla="*/ 186158 w 4116885"/>
+              <a:gd name="connsiteY116" fmla="*/ 1584152 h 3585722"/>
+              <a:gd name="connsiteX117" fmla="*/ 174244 w 4116885"/>
+              <a:gd name="connsiteY117" fmla="*/ 1537986 h 3585722"/>
+              <a:gd name="connsiteX118" fmla="*/ 156372 w 4116885"/>
+              <a:gd name="connsiteY118" fmla="*/ 1494795 h 3585722"/>
+              <a:gd name="connsiteX119" fmla="*/ 134033 w 4116885"/>
+              <a:gd name="connsiteY119" fmla="*/ 1450119 h 3585722"/>
+              <a:gd name="connsiteX120" fmla="*/ 108716 w 4116885"/>
+              <a:gd name="connsiteY120" fmla="*/ 1405442 h 3585722"/>
+              <a:gd name="connsiteX121" fmla="*/ 81910 w 4116885"/>
+              <a:gd name="connsiteY121" fmla="*/ 1360762 h 3585722"/>
+              <a:gd name="connsiteX122" fmla="*/ 56594 w 4116885"/>
+              <a:gd name="connsiteY122" fmla="*/ 1317574 h 3585722"/>
+              <a:gd name="connsiteX123" fmla="*/ 34253 w 4116885"/>
+              <a:gd name="connsiteY123" fmla="*/ 1271407 h 3585722"/>
+              <a:gd name="connsiteX124" fmla="*/ 16383 w 4116885"/>
+              <a:gd name="connsiteY124" fmla="*/ 1226729 h 3585722"/>
+              <a:gd name="connsiteX125" fmla="*/ 4469 w 4116885"/>
+              <a:gd name="connsiteY125" fmla="*/ 1180561 h 3585722"/>
+              <a:gd name="connsiteX126" fmla="*/ 0 w 4116885"/>
+              <a:gd name="connsiteY126" fmla="*/ 1132905 h 3585722"/>
+              <a:gd name="connsiteX127" fmla="*/ 4469 w 4116885"/>
+              <a:gd name="connsiteY127" fmla="*/ 1085249 h 3585722"/>
+              <a:gd name="connsiteX128" fmla="*/ 16383 w 4116885"/>
+              <a:gd name="connsiteY128" fmla="*/ 1039083 h 3585722"/>
+              <a:gd name="connsiteX129" fmla="*/ 34253 w 4116885"/>
+              <a:gd name="connsiteY129" fmla="*/ 994403 h 3585722"/>
+              <a:gd name="connsiteX130" fmla="*/ 56594 w 4116885"/>
+              <a:gd name="connsiteY130" fmla="*/ 948238 h 3585722"/>
+              <a:gd name="connsiteX131" fmla="*/ 81910 w 4116885"/>
+              <a:gd name="connsiteY131" fmla="*/ 905048 h 3585722"/>
+              <a:gd name="connsiteX132" fmla="*/ 108716 w 4116885"/>
+              <a:gd name="connsiteY132" fmla="*/ 860370 h 3585722"/>
+              <a:gd name="connsiteX133" fmla="*/ 134033 w 4116885"/>
+              <a:gd name="connsiteY133" fmla="*/ 815693 h 3585722"/>
+              <a:gd name="connsiteX134" fmla="*/ 156372 w 4116885"/>
+              <a:gd name="connsiteY134" fmla="*/ 771015 h 3585722"/>
+              <a:gd name="connsiteX135" fmla="*/ 174244 w 4116885"/>
+              <a:gd name="connsiteY135" fmla="*/ 727825 h 3585722"/>
+              <a:gd name="connsiteX136" fmla="*/ 186158 w 4116885"/>
+              <a:gd name="connsiteY136" fmla="*/ 681658 h 3585722"/>
+              <a:gd name="connsiteX137" fmla="*/ 192116 w 4116885"/>
+              <a:gd name="connsiteY137" fmla="*/ 635491 h 3585722"/>
+              <a:gd name="connsiteX138" fmla="*/ 192116 w 4116885"/>
+              <a:gd name="connsiteY138" fmla="*/ 586346 h 3585722"/>
+              <a:gd name="connsiteX139" fmla="*/ 189136 w 4116885"/>
+              <a:gd name="connsiteY139" fmla="*/ 535711 h 3585722"/>
+              <a:gd name="connsiteX140" fmla="*/ 183178 w 4116885"/>
+              <a:gd name="connsiteY140" fmla="*/ 485075 h 3585722"/>
+              <a:gd name="connsiteX141" fmla="*/ 175733 w 4116885"/>
+              <a:gd name="connsiteY141" fmla="*/ 434440 h 3585722"/>
+              <a:gd name="connsiteX142" fmla="*/ 169775 w 4116885"/>
+              <a:gd name="connsiteY142" fmla="*/ 383806 h 3585722"/>
+              <a:gd name="connsiteX143" fmla="*/ 165306 w 4116885"/>
+              <a:gd name="connsiteY143" fmla="*/ 333172 h 3585722"/>
+              <a:gd name="connsiteX144" fmla="*/ 166797 w 4116885"/>
+              <a:gd name="connsiteY144" fmla="*/ 285515 h 3585722"/>
+              <a:gd name="connsiteX145" fmla="*/ 172755 w 4116885"/>
+              <a:gd name="connsiteY145" fmla="*/ 239348 h 3585722"/>
+              <a:gd name="connsiteX146" fmla="*/ 186158 w 4116885"/>
+              <a:gd name="connsiteY146" fmla="*/ 194669 h 3585722"/>
+              <a:gd name="connsiteX147" fmla="*/ 205519 w 4116885"/>
+              <a:gd name="connsiteY147" fmla="*/ 157438 h 3585722"/>
+              <a:gd name="connsiteX148" fmla="*/ 230835 w 4116885"/>
+              <a:gd name="connsiteY148" fmla="*/ 121696 h 3585722"/>
+              <a:gd name="connsiteX149" fmla="*/ 260619 w 4116885"/>
+              <a:gd name="connsiteY149" fmla="*/ 90421 h 3585722"/>
+              <a:gd name="connsiteX150" fmla="*/ 294872 w 4116885"/>
+              <a:gd name="connsiteY150" fmla="*/ 59147 h 3585722"/>
+              <a:gd name="connsiteX151" fmla="*/ 330615 w 4116885"/>
+              <a:gd name="connsiteY151" fmla="*/ 30850 h 3585722"/>
+              <a:gd name="connsiteX152" fmla="*/ 367844 w 4116885"/>
+              <a:gd name="connsiteY152" fmla="*/ 2553 h 3585722"/>
+            </a:gdLst>
             <a:ahLst/>
-            <a:cxnLst/>
-            <a:rect l="0" t="0" r="r" b="b"/>
+            <a:cxnLst>
+              <a:cxn ang="0">
+                <a:pos x="connsiteX0" y="connsiteY0"/>
+              </a:cxn>
+              <a:cxn ang="0">
+                <a:pos x="connsiteX1" y="connsiteY1"/>
+              </a:cxn>
+              <a:cxn ang="0">
+                <a:pos x="connsiteX2" y="connsiteY2"/>
+              </a:cxn>
+              <a:cxn ang="0">
+                <a:pos x="connsiteX3" y="connsiteY3"/>
+              </a:cxn>
+              <a:cxn ang="0">
+                <a:pos x="connsiteX4" y="connsiteY4"/>
+              </a:cxn>
+              <a:cxn ang="0">
+                <a:pos x="connsiteX5" y="connsiteY5"/>
+              </a:cxn>
+              <a:cxn ang="0">
+                <a:pos x="connsiteX6" y="connsiteY6"/>
+              </a:cxn>
+              <a:cxn ang="0">
+                <a:pos x="connsiteX7" y="connsiteY7"/>
+              </a:cxn>
+              <a:cxn ang="0">
+                <a:pos x="connsiteX8" y="connsiteY8"/>
+              </a:cxn>
+              <a:cxn ang="0">
+                <a:pos x="connsiteX9" y="connsiteY9"/>
+              </a:cxn>
+              <a:cxn ang="0">
+                <a:pos x="connsiteX10" y="connsiteY10"/>
+              </a:cxn>
+              <a:cxn ang="0">
+                <a:pos x="connsiteX11" y="connsiteY11"/>
+              </a:cxn>
+              <a:cxn ang="0">
+                <a:pos x="connsiteX12" y="connsiteY12"/>
+              </a:cxn>
+              <a:cxn ang="0">
+                <a:pos x="connsiteX13" y="connsiteY13"/>
+              </a:cxn>
+              <a:cxn ang="0">
+                <a:pos x="connsiteX14" y="connsiteY14"/>
+              </a:cxn>
+              <a:cxn ang="0">
+                <a:pos x="connsiteX15" y="connsiteY15"/>
+              </a:cxn>
+              <a:cxn ang="0">
+                <a:pos x="connsiteX16" y="connsiteY16"/>
+              </a:cxn>
+              <a:cxn ang="0">
+                <a:pos x="connsiteX17" y="connsiteY17"/>
+              </a:cxn>
+              <a:cxn ang="0">
+                <a:pos x="connsiteX18" y="connsiteY18"/>
+              </a:cxn>
+              <a:cxn ang="0">
+                <a:pos x="connsiteX19" y="connsiteY19"/>
+              </a:cxn>
+              <a:cxn ang="0">
+                <a:pos x="connsiteX20" y="connsiteY20"/>
+              </a:cxn>
+              <a:cxn ang="0">
+                <a:pos x="connsiteX21" y="connsiteY21"/>
+              </a:cxn>
+              <a:cxn ang="0">
+                <a:pos x="connsiteX22" y="connsiteY22"/>
+              </a:cxn>
+              <a:cxn ang="0">
+                <a:pos x="connsiteX23" y="connsiteY23"/>
+              </a:cxn>
+              <a:cxn ang="0">
+                <a:pos x="connsiteX24" y="connsiteY24"/>
+              </a:cxn>
+              <a:cxn ang="0">
+                <a:pos x="connsiteX25" y="connsiteY25"/>
+              </a:cxn>
+              <a:cxn ang="0">
+                <a:pos x="connsiteX26" y="connsiteY26"/>
+              </a:cxn>
+              <a:cxn ang="0">
+                <a:pos x="connsiteX27" y="connsiteY27"/>
+              </a:cxn>
+              <a:cxn ang="0">
+                <a:pos x="connsiteX28" y="connsiteY28"/>
+              </a:cxn>
+              <a:cxn ang="0">
+                <a:pos x="connsiteX29" y="connsiteY29"/>
+              </a:cxn>
+              <a:cxn ang="0">
+                <a:pos x="connsiteX30" y="connsiteY30"/>
+              </a:cxn>
+              <a:cxn ang="0">
+                <a:pos x="connsiteX31" y="connsiteY31"/>
+              </a:cxn>
+              <a:cxn ang="0">
+                <a:pos x="connsiteX32" y="connsiteY32"/>
+              </a:cxn>
+              <a:cxn ang="0">
+                <a:pos x="connsiteX33" y="connsiteY33"/>
+              </a:cxn>
+              <a:cxn ang="0">
+                <a:pos x="connsiteX34" y="connsiteY34"/>
+              </a:cxn>
+              <a:cxn ang="0">
+                <a:pos x="connsiteX35" y="connsiteY35"/>
+              </a:cxn>
+              <a:cxn ang="0">
+                <a:pos x="connsiteX36" y="connsiteY36"/>
+              </a:cxn>
+              <a:cxn ang="0">
+                <a:pos x="connsiteX37" y="connsiteY37"/>
+              </a:cxn>
+              <a:cxn ang="0">
+                <a:pos x="connsiteX38" y="connsiteY38"/>
+              </a:cxn>
+              <a:cxn ang="0">
+                <a:pos x="connsiteX39" y="connsiteY39"/>
+              </a:cxn>
+              <a:cxn ang="0">
+                <a:pos x="connsiteX40" y="connsiteY40"/>
+              </a:cxn>
+              <a:cxn ang="0">
+                <a:pos x="connsiteX41" y="connsiteY41"/>
+              </a:cxn>
+              <a:cxn ang="0">
+                <a:pos x="connsiteX42" y="connsiteY42"/>
+              </a:cxn>
+              <a:cxn ang="0">
+                <a:pos x="connsiteX43" y="connsiteY43"/>
+              </a:cxn>
+              <a:cxn ang="0">
+                <a:pos x="connsiteX44" y="connsiteY44"/>
+              </a:cxn>
+              <a:cxn ang="0">
+                <a:pos x="connsiteX45" y="connsiteY45"/>
+              </a:cxn>
+              <a:cxn ang="0">
+                <a:pos x="connsiteX46" y="connsiteY46"/>
+              </a:cxn>
+              <a:cxn ang="0">
+                <a:pos x="connsiteX47" y="connsiteY47"/>
+              </a:cxn>
+              <a:cxn ang="0">
+                <a:pos x="connsiteX48" y="connsiteY48"/>
+              </a:cxn>
+              <a:cxn ang="0">
+                <a:pos x="connsiteX49" y="connsiteY49"/>
+              </a:cxn>
+              <a:cxn ang="0">
+                <a:pos x="connsiteX50" y="connsiteY50"/>
+              </a:cxn>
+              <a:cxn ang="0">
+                <a:pos x="connsiteX51" y="connsiteY51"/>
+              </a:cxn>
+              <a:cxn ang="0">
+                <a:pos x="connsiteX52" y="connsiteY52"/>
+              </a:cxn>
+              <a:cxn ang="0">
+                <a:pos x="connsiteX53" y="connsiteY53"/>
+              </a:cxn>
+              <a:cxn ang="0">
+                <a:pos x="connsiteX54" y="connsiteY54"/>
+              </a:cxn>
+              <a:cxn ang="0">
+                <a:pos x="connsiteX55" y="connsiteY55"/>
+              </a:cxn>
+              <a:cxn ang="0">
+                <a:pos x="connsiteX56" y="connsiteY56"/>
+              </a:cxn>
+              <a:cxn ang="0">
+                <a:pos x="connsiteX57" y="connsiteY57"/>
+              </a:cxn>
+              <a:cxn ang="0">
+                <a:pos x="connsiteX58" y="connsiteY58"/>
+              </a:cxn>
+              <a:cxn ang="0">
+                <a:pos x="connsiteX59" y="connsiteY59"/>
+              </a:cxn>
+              <a:cxn ang="0">
+                <a:pos x="connsiteX60" y="connsiteY60"/>
+              </a:cxn>
+              <a:cxn ang="0">
+                <a:pos x="connsiteX61" y="connsiteY61"/>
+              </a:cxn>
+              <a:cxn ang="0">
+                <a:pos x="connsiteX62" y="connsiteY62"/>
+              </a:cxn>
+              <a:cxn ang="0">
+                <a:pos x="connsiteX63" y="connsiteY63"/>
+              </a:cxn>
+              <a:cxn ang="0">
+                <a:pos x="connsiteX64" y="connsiteY64"/>
+              </a:cxn>
+              <a:cxn ang="0">
+                <a:pos x="connsiteX65" y="connsiteY65"/>
+              </a:cxn>
+              <a:cxn ang="0">
+                <a:pos x="connsiteX66" y="connsiteY66"/>
+              </a:cxn>
+              <a:cxn ang="0">
+                <a:pos x="connsiteX67" y="connsiteY67"/>
+              </a:cxn>
+              <a:cxn ang="0">
+                <a:pos x="connsiteX68" y="connsiteY68"/>
+              </a:cxn>
+              <a:cxn ang="0">
+                <a:pos x="connsiteX69" y="connsiteY69"/>
+              </a:cxn>
+              <a:cxn ang="0">
+                <a:pos x="connsiteX70" y="connsiteY70"/>
+              </a:cxn>
+              <a:cxn ang="0">
+                <a:pos x="connsiteX71" y="connsiteY71"/>
+              </a:cxn>
+              <a:cxn ang="0">
+                <a:pos x="connsiteX72" y="connsiteY72"/>
+              </a:cxn>
+              <a:cxn ang="0">
+                <a:pos x="connsiteX73" y="connsiteY73"/>
+              </a:cxn>
+              <a:cxn ang="0">
+                <a:pos x="connsiteX74" y="connsiteY74"/>
+              </a:cxn>
+              <a:cxn ang="0">
+                <a:pos x="connsiteX75" y="connsiteY75"/>
+              </a:cxn>
+              <a:cxn ang="0">
+                <a:pos x="connsiteX76" y="connsiteY76"/>
+              </a:cxn>
+              <a:cxn ang="0">
+                <a:pos x="connsiteX77" y="connsiteY77"/>
+              </a:cxn>
+              <a:cxn ang="0">
+                <a:pos x="connsiteX78" y="connsiteY78"/>
+              </a:cxn>
+              <a:cxn ang="0">
+                <a:pos x="connsiteX79" y="connsiteY79"/>
+              </a:cxn>
+              <a:cxn ang="0">
+                <a:pos x="connsiteX80" y="connsiteY80"/>
+              </a:cxn>
+              <a:cxn ang="0">
+                <a:pos x="connsiteX81" y="connsiteY81"/>
+              </a:cxn>
+              <a:cxn ang="0">
+                <a:pos x="connsiteX82" y="connsiteY82"/>
+              </a:cxn>
+              <a:cxn ang="0">
+                <a:pos x="connsiteX83" y="connsiteY83"/>
+              </a:cxn>
+              <a:cxn ang="0">
+                <a:pos x="connsiteX84" y="connsiteY84"/>
+              </a:cxn>
+              <a:cxn ang="0">
+                <a:pos x="connsiteX85" y="connsiteY85"/>
+              </a:cxn>
+              <a:cxn ang="0">
+                <a:pos x="connsiteX86" y="connsiteY86"/>
+              </a:cxn>
+              <a:cxn ang="0">
+                <a:pos x="connsiteX87" y="connsiteY87"/>
+              </a:cxn>
+              <a:cxn ang="0">
+                <a:pos x="connsiteX88" y="connsiteY88"/>
+              </a:cxn>
+              <a:cxn ang="0">
+                <a:pos x="connsiteX89" y="connsiteY89"/>
+              </a:cxn>
+              <a:cxn ang="0">
+                <a:pos x="connsiteX90" y="connsiteY90"/>
+              </a:cxn>
+              <a:cxn ang="0">
+                <a:pos x="connsiteX91" y="connsiteY91"/>
+              </a:cxn>
+              <a:cxn ang="0">
+                <a:pos x="connsiteX92" y="connsiteY92"/>
+              </a:cxn>
+              <a:cxn ang="0">
+                <a:pos x="connsiteX93" y="connsiteY93"/>
+              </a:cxn>
+              <a:cxn ang="0">
+                <a:pos x="connsiteX94" y="connsiteY94"/>
+              </a:cxn>
+              <a:cxn ang="0">
+                <a:pos x="connsiteX95" y="connsiteY95"/>
+              </a:cxn>
+              <a:cxn ang="0">
+                <a:pos x="connsiteX96" y="connsiteY96"/>
+              </a:cxn>
+              <a:cxn ang="0">
+                <a:pos x="connsiteX97" y="connsiteY97"/>
+              </a:cxn>
+              <a:cxn ang="0">
+                <a:pos x="connsiteX98" y="connsiteY98"/>
+              </a:cxn>
+              <a:cxn ang="0">
+                <a:pos x="connsiteX99" y="connsiteY99"/>
+              </a:cxn>
+              <a:cxn ang="0">
+                <a:pos x="connsiteX100" y="connsiteY100"/>
+              </a:cxn>
+              <a:cxn ang="0">
+                <a:pos x="connsiteX101" y="connsiteY101"/>
+              </a:cxn>
+              <a:cxn ang="0">
+                <a:pos x="connsiteX102" y="connsiteY102"/>
+              </a:cxn>
+              <a:cxn ang="0">
+                <a:pos x="connsiteX103" y="connsiteY103"/>
+              </a:cxn>
+              <a:cxn ang="0">
+                <a:pos x="connsiteX104" y="connsiteY104"/>
+              </a:cxn>
+              <a:cxn ang="0">
+                <a:pos x="connsiteX105" y="connsiteY105"/>
+              </a:cxn>
+              <a:cxn ang="0">
+                <a:pos x="connsiteX106" y="connsiteY106"/>
+              </a:cxn>
+              <a:cxn ang="0">
+                <a:pos x="connsiteX107" y="connsiteY107"/>
+              </a:cxn>
+              <a:cxn ang="0">
+                <a:pos x="connsiteX108" y="connsiteY108"/>
+              </a:cxn>
+              <a:cxn ang="0">
+                <a:pos x="connsiteX109" y="connsiteY109"/>
+              </a:cxn>
+              <a:cxn ang="0">
+                <a:pos x="connsiteX110" y="connsiteY110"/>
+              </a:cxn>
+              <a:cxn ang="0">
+                <a:pos x="connsiteX111" y="connsiteY111"/>
+              </a:cxn>
+              <a:cxn ang="0">
+                <a:pos x="connsiteX112" y="connsiteY112"/>
+              </a:cxn>
+              <a:cxn ang="0">
+                <a:pos x="connsiteX113" y="connsiteY113"/>
+              </a:cxn>
+              <a:cxn ang="0">
+                <a:pos x="connsiteX114" y="connsiteY114"/>
+              </a:cxn>
+              <a:cxn ang="0">
+                <a:pos x="connsiteX115" y="connsiteY115"/>
+              </a:cxn>
+              <a:cxn ang="0">
+                <a:pos x="connsiteX116" y="connsiteY116"/>
+              </a:cxn>
+              <a:cxn ang="0">
+                <a:pos x="connsiteX117" y="connsiteY117"/>
+              </a:cxn>
+              <a:cxn ang="0">
+                <a:pos x="connsiteX118" y="connsiteY118"/>
+              </a:cxn>
+              <a:cxn ang="0">
+                <a:pos x="connsiteX119" y="connsiteY119"/>
+              </a:cxn>
+              <a:cxn ang="0">
+                <a:pos x="connsiteX120" y="connsiteY120"/>
+              </a:cxn>
+              <a:cxn ang="0">
+                <a:pos x="connsiteX121" y="connsiteY121"/>
+              </a:cxn>
+              <a:cxn ang="0">
+                <a:pos x="connsiteX122" y="connsiteY122"/>
+              </a:cxn>
+              <a:cxn ang="0">
+                <a:pos x="connsiteX123" y="connsiteY123"/>
+              </a:cxn>
+              <a:cxn ang="0">
+                <a:pos x="connsiteX124" y="connsiteY124"/>
+              </a:cxn>
+              <a:cxn ang="0">
+                <a:pos x="connsiteX125" y="connsiteY125"/>
+              </a:cxn>
+              <a:cxn ang="0">
+                <a:pos x="connsiteX126" y="connsiteY126"/>
+              </a:cxn>
+              <a:cxn ang="0">
+                <a:pos x="connsiteX127" y="connsiteY127"/>
+              </a:cxn>
+              <a:cxn ang="0">
+                <a:pos x="connsiteX128" y="connsiteY128"/>
+              </a:cxn>
+              <a:cxn ang="0">
+                <a:pos x="connsiteX129" y="connsiteY129"/>
+              </a:cxn>
+              <a:cxn ang="0">
+                <a:pos x="connsiteX130" y="connsiteY130"/>
+              </a:cxn>
+              <a:cxn ang="0">
+                <a:pos x="connsiteX131" y="connsiteY131"/>
+              </a:cxn>
+              <a:cxn ang="0">
+                <a:pos x="connsiteX132" y="connsiteY132"/>
+              </a:cxn>
+              <a:cxn ang="0">
+                <a:pos x="connsiteX133" y="connsiteY133"/>
+              </a:cxn>
+              <a:cxn ang="0">
+                <a:pos x="connsiteX134" y="connsiteY134"/>
+              </a:cxn>
+              <a:cxn ang="0">
+                <a:pos x="connsiteX135" y="connsiteY135"/>
+              </a:cxn>
+              <a:cxn ang="0">
+                <a:pos x="connsiteX136" y="connsiteY136"/>
+              </a:cxn>
+              <a:cxn ang="0">
+                <a:pos x="connsiteX137" y="connsiteY137"/>
+              </a:cxn>
+              <a:cxn ang="0">
+                <a:pos x="connsiteX138" y="connsiteY138"/>
+              </a:cxn>
+              <a:cxn ang="0">
+                <a:pos x="connsiteX139" y="connsiteY139"/>
+              </a:cxn>
+              <a:cxn ang="0">
+                <a:pos x="connsiteX140" y="connsiteY140"/>
+              </a:cxn>
+              <a:cxn ang="0">
+                <a:pos x="connsiteX141" y="connsiteY141"/>
+              </a:cxn>
+              <a:cxn ang="0">
+                <a:pos x="connsiteX142" y="connsiteY142"/>
+              </a:cxn>
+              <a:cxn ang="0">
+                <a:pos x="connsiteX143" y="connsiteY143"/>
+              </a:cxn>
+              <a:cxn ang="0">
+                <a:pos x="connsiteX144" y="connsiteY144"/>
+              </a:cxn>
+              <a:cxn ang="0">
+                <a:pos x="connsiteX145" y="connsiteY145"/>
+              </a:cxn>
+              <a:cxn ang="0">
+                <a:pos x="connsiteX146" y="connsiteY146"/>
+              </a:cxn>
+              <a:cxn ang="0">
+                <a:pos x="connsiteX147" y="connsiteY147"/>
+              </a:cxn>
+              <a:cxn ang="0">
+                <a:pos x="connsiteX148" y="connsiteY148"/>
+              </a:cxn>
+              <a:cxn ang="0">
+                <a:pos x="connsiteX149" y="connsiteY149"/>
+              </a:cxn>
+              <a:cxn ang="0">
+                <a:pos x="connsiteX150" y="connsiteY150"/>
+              </a:cxn>
+              <a:cxn ang="0">
+                <a:pos x="connsiteX151" y="connsiteY151"/>
+              </a:cxn>
+              <a:cxn ang="0">
+                <a:pos x="connsiteX152" y="connsiteY152"/>
+              </a:cxn>
+            </a:cxnLst>
+            <a:rect l="l" t="t" r="r" b="b"/>
             <a:pathLst>
-              <a:path w="558" h="4320">
+              <a:path w="4116885" h="3585722">
                 <a:moveTo>
-                  <a:pt x="0" y="0"/>
+                  <a:pt x="371204" y="0"/>
                 </a:moveTo>
                 <a:lnTo>
-                  <a:pt x="447" y="0"/>
-                </a:lnTo>
-                <a:lnTo>
-                  <a:pt x="448" y="43"/>
-                </a:lnTo>
-                <a:lnTo>
-                  <a:pt x="453" y="81"/>
-                </a:lnTo>
-                <a:lnTo>
-                  <a:pt x="460" y="114"/>
-                </a:lnTo>
-                <a:lnTo>
-                  <a:pt x="469" y="143"/>
-                </a:lnTo>
-                <a:lnTo>
-                  <a:pt x="479" y="169"/>
-                </a:lnTo>
-                <a:lnTo>
-                  <a:pt x="491" y="192"/>
-                </a:lnTo>
-                <a:lnTo>
-                  <a:pt x="503" y="216"/>
-                </a:lnTo>
-                <a:lnTo>
-                  <a:pt x="515" y="240"/>
-                </a:lnTo>
-                <a:lnTo>
-                  <a:pt x="525" y="263"/>
-                </a:lnTo>
-                <a:lnTo>
-                  <a:pt x="535" y="289"/>
-                </a:lnTo>
-                <a:lnTo>
-                  <a:pt x="545" y="318"/>
-                </a:lnTo>
-                <a:lnTo>
-                  <a:pt x="552" y="351"/>
-                </a:lnTo>
-                <a:lnTo>
-                  <a:pt x="556" y="389"/>
-                </a:lnTo>
-                <a:lnTo>
-                  <a:pt x="558" y="432"/>
-                </a:lnTo>
-                <a:lnTo>
-                  <a:pt x="556" y="475"/>
-                </a:lnTo>
-                <a:lnTo>
-                  <a:pt x="552" y="513"/>
-                </a:lnTo>
-                <a:lnTo>
-                  <a:pt x="545" y="546"/>
-                </a:lnTo>
-                <a:lnTo>
-                  <a:pt x="535" y="575"/>
-                </a:lnTo>
-                <a:lnTo>
-                  <a:pt x="525" y="601"/>
-                </a:lnTo>
-                <a:lnTo>
-                  <a:pt x="515" y="624"/>
-                </a:lnTo>
-                <a:lnTo>
-                  <a:pt x="503" y="648"/>
-                </a:lnTo>
-                <a:lnTo>
-                  <a:pt x="491" y="672"/>
-                </a:lnTo>
-                <a:lnTo>
-                  <a:pt x="479" y="695"/>
-                </a:lnTo>
-                <a:lnTo>
-                  <a:pt x="469" y="721"/>
-                </a:lnTo>
-                <a:lnTo>
-                  <a:pt x="460" y="750"/>
-                </a:lnTo>
-                <a:lnTo>
-                  <a:pt x="453" y="783"/>
-                </a:lnTo>
-                <a:lnTo>
-                  <a:pt x="448" y="821"/>
-                </a:lnTo>
-                <a:lnTo>
-                  <a:pt x="447" y="864"/>
-                </a:lnTo>
-                <a:lnTo>
-                  <a:pt x="448" y="907"/>
-                </a:lnTo>
-                <a:lnTo>
-                  <a:pt x="453" y="945"/>
-                </a:lnTo>
-                <a:lnTo>
-                  <a:pt x="460" y="978"/>
-                </a:lnTo>
-                <a:lnTo>
-                  <a:pt x="469" y="1007"/>
-                </a:lnTo>
-                <a:lnTo>
-                  <a:pt x="479" y="1033"/>
-                </a:lnTo>
-                <a:lnTo>
-                  <a:pt x="491" y="1056"/>
-                </a:lnTo>
-                <a:lnTo>
-                  <a:pt x="503" y="1080"/>
-                </a:lnTo>
-                <a:lnTo>
-                  <a:pt x="515" y="1104"/>
-                </a:lnTo>
-                <a:lnTo>
-                  <a:pt x="525" y="1127"/>
-                </a:lnTo>
-                <a:lnTo>
-                  <a:pt x="535" y="1153"/>
-                </a:lnTo>
-                <a:lnTo>
-                  <a:pt x="545" y="1182"/>
-                </a:lnTo>
-                <a:lnTo>
-                  <a:pt x="552" y="1215"/>
-                </a:lnTo>
-                <a:lnTo>
-                  <a:pt x="556" y="1253"/>
-                </a:lnTo>
-                <a:lnTo>
-                  <a:pt x="558" y="1296"/>
-                </a:lnTo>
-                <a:lnTo>
-                  <a:pt x="556" y="1339"/>
-                </a:lnTo>
-                <a:lnTo>
-                  <a:pt x="552" y="1377"/>
-                </a:lnTo>
-                <a:lnTo>
-                  <a:pt x="545" y="1410"/>
-                </a:lnTo>
-                <a:lnTo>
-                  <a:pt x="535" y="1439"/>
-                </a:lnTo>
-                <a:lnTo>
-                  <a:pt x="525" y="1465"/>
-                </a:lnTo>
-                <a:lnTo>
-                  <a:pt x="515" y="1488"/>
-                </a:lnTo>
-                <a:lnTo>
-                  <a:pt x="503" y="1512"/>
-                </a:lnTo>
-                <a:lnTo>
-                  <a:pt x="491" y="1536"/>
-                </a:lnTo>
-                <a:lnTo>
-                  <a:pt x="479" y="1559"/>
-                </a:lnTo>
-                <a:lnTo>
-                  <a:pt x="469" y="1585"/>
-                </a:lnTo>
-                <a:lnTo>
-                  <a:pt x="460" y="1614"/>
-                </a:lnTo>
-                <a:lnTo>
-                  <a:pt x="453" y="1647"/>
-                </a:lnTo>
-                <a:lnTo>
-                  <a:pt x="448" y="1685"/>
-                </a:lnTo>
-                <a:lnTo>
-                  <a:pt x="447" y="1728"/>
-                </a:lnTo>
-                <a:lnTo>
-                  <a:pt x="448" y="1771"/>
-                </a:lnTo>
-                <a:lnTo>
-                  <a:pt x="453" y="1809"/>
-                </a:lnTo>
-                <a:lnTo>
-                  <a:pt x="460" y="1842"/>
-                </a:lnTo>
-                <a:lnTo>
-                  <a:pt x="469" y="1871"/>
-                </a:lnTo>
-                <a:lnTo>
-                  <a:pt x="479" y="1897"/>
-                </a:lnTo>
-                <a:lnTo>
-                  <a:pt x="491" y="1920"/>
-                </a:lnTo>
-                <a:lnTo>
-                  <a:pt x="503" y="1944"/>
-                </a:lnTo>
-                <a:lnTo>
-                  <a:pt x="515" y="1968"/>
-                </a:lnTo>
-                <a:lnTo>
-                  <a:pt x="525" y="1991"/>
-                </a:lnTo>
-                <a:lnTo>
-                  <a:pt x="535" y="2017"/>
-                </a:lnTo>
-                <a:lnTo>
-                  <a:pt x="545" y="2046"/>
-                </a:lnTo>
-                <a:lnTo>
-                  <a:pt x="552" y="2079"/>
-                </a:lnTo>
-                <a:lnTo>
-                  <a:pt x="556" y="2117"/>
-                </a:lnTo>
-                <a:lnTo>
-                  <a:pt x="558" y="2159"/>
-                </a:lnTo>
-                <a:lnTo>
-                  <a:pt x="556" y="2203"/>
-                </a:lnTo>
-                <a:lnTo>
-                  <a:pt x="552" y="2241"/>
-                </a:lnTo>
-                <a:lnTo>
-                  <a:pt x="545" y="2274"/>
-                </a:lnTo>
-                <a:lnTo>
-                  <a:pt x="535" y="2303"/>
-                </a:lnTo>
-                <a:lnTo>
-                  <a:pt x="525" y="2329"/>
-                </a:lnTo>
-                <a:lnTo>
-                  <a:pt x="515" y="2352"/>
-                </a:lnTo>
-                <a:lnTo>
-                  <a:pt x="503" y="2376"/>
-                </a:lnTo>
-                <a:lnTo>
-                  <a:pt x="491" y="2400"/>
-                </a:lnTo>
-                <a:lnTo>
-                  <a:pt x="479" y="2423"/>
-                </a:lnTo>
-                <a:lnTo>
-                  <a:pt x="469" y="2449"/>
-                </a:lnTo>
-                <a:lnTo>
-                  <a:pt x="460" y="2478"/>
-                </a:lnTo>
-                <a:lnTo>
-                  <a:pt x="453" y="2511"/>
-                </a:lnTo>
-                <a:lnTo>
-                  <a:pt x="448" y="2549"/>
-                </a:lnTo>
-                <a:lnTo>
-                  <a:pt x="447" y="2592"/>
-                </a:lnTo>
-                <a:lnTo>
-                  <a:pt x="448" y="2635"/>
-                </a:lnTo>
-                <a:lnTo>
-                  <a:pt x="453" y="2673"/>
-                </a:lnTo>
-                <a:lnTo>
-                  <a:pt x="460" y="2706"/>
-                </a:lnTo>
-                <a:lnTo>
-                  <a:pt x="469" y="2735"/>
-                </a:lnTo>
-                <a:lnTo>
-                  <a:pt x="479" y="2761"/>
-                </a:lnTo>
-                <a:lnTo>
-                  <a:pt x="491" y="2784"/>
-                </a:lnTo>
-                <a:lnTo>
-                  <a:pt x="515" y="2832"/>
-                </a:lnTo>
-                <a:lnTo>
-                  <a:pt x="525" y="2855"/>
-                </a:lnTo>
-                <a:lnTo>
-                  <a:pt x="535" y="2881"/>
-                </a:lnTo>
-                <a:lnTo>
-                  <a:pt x="545" y="2910"/>
-                </a:lnTo>
-                <a:lnTo>
-                  <a:pt x="552" y="2943"/>
-                </a:lnTo>
-                <a:lnTo>
-                  <a:pt x="556" y="2981"/>
-                </a:lnTo>
-                <a:lnTo>
-                  <a:pt x="558" y="3024"/>
-                </a:lnTo>
-                <a:lnTo>
-                  <a:pt x="556" y="3067"/>
-                </a:lnTo>
-                <a:lnTo>
-                  <a:pt x="552" y="3105"/>
-                </a:lnTo>
-                <a:lnTo>
-                  <a:pt x="545" y="3138"/>
-                </a:lnTo>
-                <a:lnTo>
-                  <a:pt x="535" y="3167"/>
-                </a:lnTo>
-                <a:lnTo>
-                  <a:pt x="525" y="3193"/>
-                </a:lnTo>
-                <a:lnTo>
-                  <a:pt x="515" y="3216"/>
-                </a:lnTo>
-                <a:lnTo>
-                  <a:pt x="503" y="3240"/>
-                </a:lnTo>
-                <a:lnTo>
-                  <a:pt x="491" y="3264"/>
-                </a:lnTo>
-                <a:lnTo>
-                  <a:pt x="479" y="3287"/>
-                </a:lnTo>
-                <a:lnTo>
-                  <a:pt x="469" y="3313"/>
-                </a:lnTo>
-                <a:lnTo>
-                  <a:pt x="460" y="3342"/>
-                </a:lnTo>
-                <a:lnTo>
-                  <a:pt x="453" y="3375"/>
-                </a:lnTo>
-                <a:lnTo>
-                  <a:pt x="448" y="3413"/>
-                </a:lnTo>
-                <a:lnTo>
-                  <a:pt x="447" y="3456"/>
-                </a:lnTo>
-                <a:lnTo>
-                  <a:pt x="448" y="3499"/>
-                </a:lnTo>
-                <a:lnTo>
-                  <a:pt x="453" y="3537"/>
-                </a:lnTo>
-                <a:lnTo>
-                  <a:pt x="460" y="3570"/>
-                </a:lnTo>
-                <a:lnTo>
-                  <a:pt x="469" y="3599"/>
-                </a:lnTo>
-                <a:lnTo>
-                  <a:pt x="479" y="3625"/>
-                </a:lnTo>
-                <a:lnTo>
-                  <a:pt x="491" y="3648"/>
-                </a:lnTo>
-                <a:lnTo>
-                  <a:pt x="503" y="3672"/>
-                </a:lnTo>
-                <a:lnTo>
-                  <a:pt x="515" y="3696"/>
-                </a:lnTo>
-                <a:lnTo>
-                  <a:pt x="525" y="3719"/>
-                </a:lnTo>
-                <a:lnTo>
-                  <a:pt x="535" y="3745"/>
-                </a:lnTo>
-                <a:lnTo>
-                  <a:pt x="545" y="3774"/>
-                </a:lnTo>
-                <a:lnTo>
-                  <a:pt x="552" y="3807"/>
-                </a:lnTo>
-                <a:lnTo>
-                  <a:pt x="556" y="3845"/>
-                </a:lnTo>
-                <a:lnTo>
-                  <a:pt x="558" y="3888"/>
-                </a:lnTo>
-                <a:lnTo>
-                  <a:pt x="556" y="3931"/>
-                </a:lnTo>
-                <a:lnTo>
-                  <a:pt x="552" y="3969"/>
-                </a:lnTo>
-                <a:lnTo>
-                  <a:pt x="545" y="4002"/>
-                </a:lnTo>
-                <a:lnTo>
-                  <a:pt x="535" y="4031"/>
-                </a:lnTo>
-                <a:lnTo>
-                  <a:pt x="525" y="4057"/>
-                </a:lnTo>
-                <a:lnTo>
-                  <a:pt x="515" y="4080"/>
-                </a:lnTo>
-                <a:lnTo>
-                  <a:pt x="503" y="4104"/>
-                </a:lnTo>
-                <a:lnTo>
-                  <a:pt x="491" y="4128"/>
-                </a:lnTo>
-                <a:lnTo>
-                  <a:pt x="479" y="4151"/>
-                </a:lnTo>
-                <a:lnTo>
-                  <a:pt x="469" y="4177"/>
-                </a:lnTo>
-                <a:lnTo>
-                  <a:pt x="460" y="4206"/>
-                </a:lnTo>
-                <a:lnTo>
-                  <a:pt x="453" y="4239"/>
-                </a:lnTo>
-                <a:lnTo>
-                  <a:pt x="448" y="4277"/>
-                </a:lnTo>
-                <a:lnTo>
-                  <a:pt x="447" y="4320"/>
-                </a:lnTo>
-                <a:lnTo>
-                  <a:pt x="0" y="4320"/>
-                </a:lnTo>
-                <a:lnTo>
-                  <a:pt x="0" y="0"/>
+                  <a:pt x="4116885" y="0"/>
+                </a:lnTo>
+                <a:lnTo>
+                  <a:pt x="4116885" y="2920084"/>
+                </a:lnTo>
+                <a:lnTo>
+                  <a:pt x="4083518" y="2934914"/>
+                </a:lnTo>
+                <a:lnTo>
+                  <a:pt x="4040331" y="2949806"/>
+                </a:lnTo>
+                <a:lnTo>
+                  <a:pt x="3997143" y="2963209"/>
+                </a:lnTo>
+                <a:lnTo>
+                  <a:pt x="3950976" y="2975125"/>
+                </a:lnTo>
+                <a:lnTo>
+                  <a:pt x="3906298" y="2987039"/>
+                </a:lnTo>
+                <a:lnTo>
+                  <a:pt x="3861622" y="3000442"/>
+                </a:lnTo>
+                <a:lnTo>
+                  <a:pt x="3818433" y="3015336"/>
+                </a:lnTo>
+                <a:lnTo>
+                  <a:pt x="3778225" y="3033207"/>
+                </a:lnTo>
+                <a:lnTo>
+                  <a:pt x="3740994" y="3054056"/>
+                </a:lnTo>
+                <a:lnTo>
+                  <a:pt x="3708230" y="3080861"/>
+                </a:lnTo>
+                <a:lnTo>
+                  <a:pt x="3673977" y="3110649"/>
+                </a:lnTo>
+                <a:lnTo>
+                  <a:pt x="3644190" y="3144902"/>
+                </a:lnTo>
+                <a:lnTo>
+                  <a:pt x="3615895" y="3180643"/>
+                </a:lnTo>
+                <a:lnTo>
+                  <a:pt x="3587600" y="3217874"/>
+                </a:lnTo>
+                <a:lnTo>
+                  <a:pt x="3559305" y="3255107"/>
+                </a:lnTo>
+                <a:lnTo>
+                  <a:pt x="3531009" y="3290849"/>
+                </a:lnTo>
+                <a:lnTo>
+                  <a:pt x="3499734" y="3325101"/>
+                </a:lnTo>
+                <a:lnTo>
+                  <a:pt x="3468459" y="3354887"/>
+                </a:lnTo>
+                <a:lnTo>
+                  <a:pt x="3432719" y="3380204"/>
+                </a:lnTo>
+                <a:lnTo>
+                  <a:pt x="3395487" y="3399565"/>
+                </a:lnTo>
+                <a:lnTo>
+                  <a:pt x="3350809" y="3412968"/>
+                </a:lnTo>
+                <a:lnTo>
+                  <a:pt x="3304642" y="3418925"/>
+                </a:lnTo>
+                <a:lnTo>
+                  <a:pt x="3256988" y="3420415"/>
+                </a:lnTo>
+                <a:lnTo>
+                  <a:pt x="3206353" y="3415946"/>
+                </a:lnTo>
+                <a:lnTo>
+                  <a:pt x="3155719" y="3409991"/>
+                </a:lnTo>
+                <a:lnTo>
+                  <a:pt x="3105083" y="3402543"/>
+                </a:lnTo>
+                <a:lnTo>
+                  <a:pt x="3054450" y="3396587"/>
+                </a:lnTo>
+                <a:lnTo>
+                  <a:pt x="3003814" y="3393607"/>
+                </a:lnTo>
+                <a:lnTo>
+                  <a:pt x="2954669" y="3393607"/>
+                </a:lnTo>
+                <a:lnTo>
+                  <a:pt x="2908503" y="3399565"/>
+                </a:lnTo>
+                <a:lnTo>
+                  <a:pt x="2860847" y="3411479"/>
+                </a:lnTo>
+                <a:lnTo>
+                  <a:pt x="2817659" y="3429350"/>
+                </a:lnTo>
+                <a:lnTo>
+                  <a:pt x="2772981" y="3453178"/>
+                </a:lnTo>
+                <a:lnTo>
+                  <a:pt x="2728305" y="3477008"/>
+                </a:lnTo>
+                <a:lnTo>
+                  <a:pt x="2683627" y="3503814"/>
+                </a:lnTo>
+                <a:lnTo>
+                  <a:pt x="2640437" y="3529131"/>
+                </a:lnTo>
+                <a:lnTo>
+                  <a:pt x="2594272" y="3551469"/>
+                </a:lnTo>
+                <a:lnTo>
+                  <a:pt x="2549594" y="3569341"/>
+                </a:lnTo>
+                <a:lnTo>
+                  <a:pt x="2503426" y="3581255"/>
+                </a:lnTo>
+                <a:lnTo>
+                  <a:pt x="2455772" y="3585722"/>
+                </a:lnTo>
+                <a:lnTo>
+                  <a:pt x="2408116" y="3581255"/>
+                </a:lnTo>
+                <a:lnTo>
+                  <a:pt x="2361949" y="3569341"/>
+                </a:lnTo>
+                <a:lnTo>
+                  <a:pt x="2317272" y="3551469"/>
+                </a:lnTo>
+                <a:lnTo>
+                  <a:pt x="2271105" y="3529131"/>
+                </a:lnTo>
+                <a:lnTo>
+                  <a:pt x="2227917" y="3503814"/>
+                </a:lnTo>
+                <a:lnTo>
+                  <a:pt x="2183239" y="3477008"/>
+                </a:lnTo>
+                <a:lnTo>
+                  <a:pt x="2138561" y="3453178"/>
+                </a:lnTo>
+                <a:lnTo>
+                  <a:pt x="2093885" y="3429350"/>
+                </a:lnTo>
+                <a:lnTo>
+                  <a:pt x="2049208" y="3411479"/>
+                </a:lnTo>
+                <a:lnTo>
+                  <a:pt x="2003041" y="3399565"/>
+                </a:lnTo>
+                <a:lnTo>
+                  <a:pt x="1956874" y="3393607"/>
+                </a:lnTo>
+                <a:lnTo>
+                  <a:pt x="1907728" y="3393607"/>
+                </a:lnTo>
+                <a:lnTo>
+                  <a:pt x="1857094" y="3396587"/>
+                </a:lnTo>
+                <a:lnTo>
+                  <a:pt x="1806460" y="3402543"/>
+                </a:lnTo>
+                <a:lnTo>
+                  <a:pt x="1755825" y="3409991"/>
+                </a:lnTo>
+                <a:lnTo>
+                  <a:pt x="1705189" y="3415946"/>
+                </a:lnTo>
+                <a:lnTo>
+                  <a:pt x="1654555" y="3420415"/>
+                </a:lnTo>
+                <a:lnTo>
+                  <a:pt x="1606901" y="3418925"/>
+                </a:lnTo>
+                <a:lnTo>
+                  <a:pt x="1560733" y="3412968"/>
+                </a:lnTo>
+                <a:lnTo>
+                  <a:pt x="1516055" y="3399565"/>
+                </a:lnTo>
+                <a:lnTo>
+                  <a:pt x="1478825" y="3380204"/>
+                </a:lnTo>
+                <a:lnTo>
+                  <a:pt x="1443081" y="3354887"/>
+                </a:lnTo>
+                <a:lnTo>
+                  <a:pt x="1411808" y="3325101"/>
+                </a:lnTo>
+                <a:lnTo>
+                  <a:pt x="1380533" y="3290849"/>
+                </a:lnTo>
+                <a:lnTo>
+                  <a:pt x="1352239" y="3255107"/>
+                </a:lnTo>
+                <a:lnTo>
+                  <a:pt x="1323942" y="3217874"/>
+                </a:lnTo>
+                <a:lnTo>
+                  <a:pt x="1295647" y="3180643"/>
+                </a:lnTo>
+                <a:lnTo>
+                  <a:pt x="1267352" y="3144902"/>
+                </a:lnTo>
+                <a:lnTo>
+                  <a:pt x="1237566" y="3110649"/>
+                </a:lnTo>
+                <a:lnTo>
+                  <a:pt x="1203314" y="3080861"/>
+                </a:lnTo>
+                <a:lnTo>
+                  <a:pt x="1170550" y="3054056"/>
+                </a:lnTo>
+                <a:lnTo>
+                  <a:pt x="1133319" y="3033207"/>
+                </a:lnTo>
+                <a:lnTo>
+                  <a:pt x="1093109" y="3015336"/>
+                </a:lnTo>
+                <a:lnTo>
+                  <a:pt x="1049921" y="3000442"/>
+                </a:lnTo>
+                <a:lnTo>
+                  <a:pt x="1005242" y="2987039"/>
+                </a:lnTo>
+                <a:lnTo>
+                  <a:pt x="960566" y="2975125"/>
+                </a:lnTo>
+                <a:lnTo>
+                  <a:pt x="914400" y="2963209"/>
+                </a:lnTo>
+                <a:lnTo>
+                  <a:pt x="871211" y="2949806"/>
+                </a:lnTo>
+                <a:lnTo>
+                  <a:pt x="828022" y="2934914"/>
+                </a:lnTo>
+                <a:lnTo>
+                  <a:pt x="787813" y="2917043"/>
+                </a:lnTo>
+                <a:lnTo>
+                  <a:pt x="752072" y="2894704"/>
+                </a:lnTo>
+                <a:lnTo>
+                  <a:pt x="719306" y="2867898"/>
+                </a:lnTo>
+                <a:lnTo>
+                  <a:pt x="692502" y="2835134"/>
+                </a:lnTo>
+                <a:lnTo>
+                  <a:pt x="670163" y="2799391"/>
+                </a:lnTo>
+                <a:lnTo>
+                  <a:pt x="652291" y="2759180"/>
+                </a:lnTo>
+                <a:lnTo>
+                  <a:pt x="637399" y="2715993"/>
+                </a:lnTo>
+                <a:lnTo>
+                  <a:pt x="623997" y="2672804"/>
+                </a:lnTo>
+                <a:lnTo>
+                  <a:pt x="612083" y="2626638"/>
+                </a:lnTo>
+                <a:lnTo>
+                  <a:pt x="600169" y="2581960"/>
+                </a:lnTo>
+                <a:lnTo>
+                  <a:pt x="586764" y="2537281"/>
+                </a:lnTo>
+                <a:lnTo>
+                  <a:pt x="571872" y="2494092"/>
+                </a:lnTo>
+                <a:lnTo>
+                  <a:pt x="554000" y="2453882"/>
+                </a:lnTo>
+                <a:lnTo>
+                  <a:pt x="533152" y="2416651"/>
+                </a:lnTo>
+                <a:lnTo>
+                  <a:pt x="506346" y="2383887"/>
+                </a:lnTo>
+                <a:lnTo>
+                  <a:pt x="476561" y="2349633"/>
+                </a:lnTo>
+                <a:lnTo>
+                  <a:pt x="442308" y="2319849"/>
+                </a:lnTo>
+                <a:lnTo>
+                  <a:pt x="405075" y="2291554"/>
+                </a:lnTo>
+                <a:lnTo>
+                  <a:pt x="367844" y="2263257"/>
+                </a:lnTo>
+                <a:lnTo>
+                  <a:pt x="330615" y="2234962"/>
+                </a:lnTo>
+                <a:lnTo>
+                  <a:pt x="294872" y="2206664"/>
+                </a:lnTo>
+                <a:lnTo>
+                  <a:pt x="260619" y="2175390"/>
+                </a:lnTo>
+                <a:lnTo>
+                  <a:pt x="230835" y="2144116"/>
+                </a:lnTo>
+                <a:lnTo>
+                  <a:pt x="205519" y="2108372"/>
+                </a:lnTo>
+                <a:lnTo>
+                  <a:pt x="186158" y="2071141"/>
+                </a:lnTo>
+                <a:lnTo>
+                  <a:pt x="172755" y="2026465"/>
+                </a:lnTo>
+                <a:lnTo>
+                  <a:pt x="166797" y="1980297"/>
+                </a:lnTo>
+                <a:lnTo>
+                  <a:pt x="165306" y="1932640"/>
+                </a:lnTo>
+                <a:lnTo>
+                  <a:pt x="169775" y="1882006"/>
+                </a:lnTo>
+                <a:lnTo>
+                  <a:pt x="175733" y="1831370"/>
+                </a:lnTo>
+                <a:lnTo>
+                  <a:pt x="183178" y="1780735"/>
+                </a:lnTo>
+                <a:lnTo>
+                  <a:pt x="189136" y="1730101"/>
+                </a:lnTo>
+                <a:lnTo>
+                  <a:pt x="192116" y="1679466"/>
+                </a:lnTo>
+                <a:lnTo>
+                  <a:pt x="192116" y="1630319"/>
+                </a:lnTo>
+                <a:lnTo>
+                  <a:pt x="186158" y="1584152"/>
+                </a:lnTo>
+                <a:lnTo>
+                  <a:pt x="174244" y="1537986"/>
+                </a:lnTo>
+                <a:lnTo>
+                  <a:pt x="156372" y="1494795"/>
+                </a:lnTo>
+                <a:lnTo>
+                  <a:pt x="134033" y="1450119"/>
+                </a:lnTo>
+                <a:lnTo>
+                  <a:pt x="108716" y="1405442"/>
+                </a:lnTo>
+                <a:lnTo>
+                  <a:pt x="81910" y="1360762"/>
+                </a:lnTo>
+                <a:lnTo>
+                  <a:pt x="56594" y="1317574"/>
+                </a:lnTo>
+                <a:lnTo>
+                  <a:pt x="34253" y="1271407"/>
+                </a:lnTo>
+                <a:lnTo>
+                  <a:pt x="16383" y="1226729"/>
+                </a:lnTo>
+                <a:lnTo>
+                  <a:pt x="4469" y="1180561"/>
+                </a:lnTo>
+                <a:lnTo>
+                  <a:pt x="0" y="1132905"/>
+                </a:lnTo>
+                <a:lnTo>
+                  <a:pt x="4469" y="1085249"/>
+                </a:lnTo>
+                <a:lnTo>
+                  <a:pt x="16383" y="1039083"/>
+                </a:lnTo>
+                <a:lnTo>
+                  <a:pt x="34253" y="994403"/>
+                </a:lnTo>
+                <a:lnTo>
+                  <a:pt x="56594" y="948238"/>
+                </a:lnTo>
+                <a:lnTo>
+                  <a:pt x="81910" y="905048"/>
+                </a:lnTo>
+                <a:lnTo>
+                  <a:pt x="108716" y="860370"/>
+                </a:lnTo>
+                <a:lnTo>
+                  <a:pt x="134033" y="815693"/>
+                </a:lnTo>
+                <a:lnTo>
+                  <a:pt x="156372" y="771015"/>
+                </a:lnTo>
+                <a:lnTo>
+                  <a:pt x="174244" y="727825"/>
+                </a:lnTo>
+                <a:lnTo>
+                  <a:pt x="186158" y="681658"/>
+                </a:lnTo>
+                <a:lnTo>
+                  <a:pt x="192116" y="635491"/>
+                </a:lnTo>
+                <a:lnTo>
+                  <a:pt x="192116" y="586346"/>
+                </a:lnTo>
+                <a:lnTo>
+                  <a:pt x="189136" y="535711"/>
+                </a:lnTo>
+                <a:lnTo>
+                  <a:pt x="183178" y="485075"/>
+                </a:lnTo>
+                <a:lnTo>
+                  <a:pt x="175733" y="434440"/>
+                </a:lnTo>
+                <a:lnTo>
+                  <a:pt x="169775" y="383806"/>
+                </a:lnTo>
+                <a:lnTo>
+                  <a:pt x="165306" y="333172"/>
+                </a:lnTo>
+                <a:lnTo>
+                  <a:pt x="166797" y="285515"/>
+                </a:lnTo>
+                <a:lnTo>
+                  <a:pt x="172755" y="239348"/>
+                </a:lnTo>
+                <a:lnTo>
+                  <a:pt x="186158" y="194669"/>
+                </a:lnTo>
+                <a:lnTo>
+                  <a:pt x="205519" y="157438"/>
+                </a:lnTo>
+                <a:lnTo>
+                  <a:pt x="230835" y="121696"/>
+                </a:lnTo>
+                <a:lnTo>
+                  <a:pt x="260619" y="90421"/>
+                </a:lnTo>
+                <a:lnTo>
+                  <a:pt x="294872" y="59147"/>
+                </a:lnTo>
+                <a:lnTo>
+                  <a:pt x="330615" y="30850"/>
+                </a:lnTo>
+                <a:lnTo>
+                  <a:pt x="367844" y="2553"/>
                 </a:lnTo>
                 <a:close/>
               </a:path>
             </a:pathLst>
           </a:custGeom>
           <a:solidFill>
-            <a:schemeClr val="accent1">
-              <a:lumMod val="75000"/>
-              <a:alpha val="70000"/>
-            </a:schemeClr>
+            <a:srgbClr val="FFFFFF"/>
           </a:solidFill>
-          <a:ln w="0">
+          <a:ln>
             <a:noFill/>
-            <a:prstDash val="solid"/>
-            <a:round/>
-            <a:headEnd/>
-            <a:tailEnd/>
           </a:ln>
         </p:spPr>
+        <p:style>
+          <a:lnRef idx="2">
+            <a:schemeClr val="accent1">
+              <a:shade val="50000"/>
+            </a:schemeClr>
+          </a:lnRef>
+          <a:fillRef idx="1">
+            <a:schemeClr val="accent1"/>
+          </a:fillRef>
+          <a:effectRef idx="0">
+            <a:schemeClr val="accent1"/>
+          </a:effectRef>
+          <a:fontRef idx="minor">
+            <a:schemeClr val="lt1"/>
+          </a:fontRef>
+        </p:style>
+        <p:txBody>
+          <a:bodyPr wrap="square" rtlCol="0" anchor="ctr">
+            <a:noAutofit/>
+          </a:bodyPr>
+          <a:lstStyle/>
+          <a:p>
+            <a:pPr algn="ctr"/>
+            <a:endParaRPr lang="en-US"/>
+          </a:p>
+        </p:txBody>
       </p:sp>
+      <p:pic>
+        <p:nvPicPr>
+          <p:cNvPr id="19" name="图片 18">
+            <a:extLst>
+              <a:ext uri="{FF2B5EF4-FFF2-40B4-BE49-F238E27FC236}">
+                <a16:creationId xmlns:a16="http://schemas.microsoft.com/office/drawing/2014/main" id="{5943BA67-6684-41E5-A9E7-5B908D9FECB8}"/>
+              </a:ext>
+            </a:extLst>
+          </p:cNvPr>
+          <p:cNvPicPr>
+            <a:picLocks noChangeAspect="1"/>
+          </p:cNvPicPr>
+          <p:nvPr/>
+        </p:nvPicPr>
+        <p:blipFill>
+          <a:blip r:embed="rId2"/>
+          <a:stretch>
+            <a:fillRect/>
+          </a:stretch>
+        </p:blipFill>
+        <p:spPr>
+          <a:xfrm>
+            <a:off x="8938777" y="331318"/>
+            <a:ext cx="2897623" cy="2170420"/>
+          </a:xfrm>
+          <a:prstGeom prst="rect">
+            <a:avLst/>
+          </a:prstGeom>
+        </p:spPr>
+      </p:pic>
       <p:sp>
         <p:nvSpPr>
-          <p:cNvPr id="3" name="Content Placeholder 2">
+          <p:cNvPr id="32" name="Freeform: Shape 31">
             <a:extLst>
               <a:ext uri="{FF2B5EF4-FFF2-40B4-BE49-F238E27FC236}">
-                <a16:creationId xmlns:a16="http://schemas.microsoft.com/office/drawing/2014/main" id="{4477747A-3CAD-4F32-9548-170199D746AB}"/>
+                <a16:creationId xmlns:a16="http://schemas.microsoft.com/office/drawing/2014/main" id="{5D3DD866-9865-42E4-989A-17A2755F2266}"/>
+              </a:ext>
+              <a:ext uri="{C183D7F6-B498-43B3-948B-1728B52AA6E4}">
+                <adec:decorative xmlns:adec="http://schemas.microsoft.com/office/drawing/2017/decorative" val="1"/>
               </a:ext>
             </a:extLst>
           </p:cNvPr>
           <p:cNvSpPr>
-            <a:spLocks noGrp="1"/>
+            <a:spLocks noGrp="1" noRot="1" noChangeAspect="1" noMove="1" noResize="1" noEditPoints="1" noAdjustHandles="1" noChangeArrowheads="1" noChangeShapeType="1" noTextEdit="1"/>
           </p:cNvSpPr>
           <p:nvPr>
-            <p:ph idx="1"/>
+            <p:extLst>
+              <p:ext uri="{386F3935-93C4-4BCD-93E2-E3B085C9AB24}">
+                <p16:designElem xmlns:p16="http://schemas.microsoft.com/office/powerpoint/2015/main" val="1"/>
+              </p:ext>
+            </p:extLst>
           </p:nvPr>
         </p:nvSpPr>
         <p:spPr>
           <a:xfrm>
-            <a:off x="5167062" y="1078378"/>
-            <a:ext cx="6262938" cy="4701244"/>
+            <a:off x="8878598" y="3909952"/>
+            <a:ext cx="3313402" cy="2948047"/>
           </a:xfrm>
+          <a:custGeom>
+            <a:avLst/>
+            <a:gdLst>
+              <a:gd name="connsiteX0" fmla="*/ 1934947 w 3313402"/>
+              <a:gd name="connsiteY0" fmla="*/ 0 h 2948047"/>
+              <a:gd name="connsiteX1" fmla="*/ 1972495 w 3313402"/>
+              <a:gd name="connsiteY1" fmla="*/ 3519 h 2948047"/>
+              <a:gd name="connsiteX2" fmla="*/ 2008871 w 3313402"/>
+              <a:gd name="connsiteY2" fmla="*/ 12907 h 2948047"/>
+              <a:gd name="connsiteX3" fmla="*/ 2044074 w 3313402"/>
+              <a:gd name="connsiteY3" fmla="*/ 26988 h 2948047"/>
+              <a:gd name="connsiteX4" fmla="*/ 2080448 w 3313402"/>
+              <a:gd name="connsiteY4" fmla="*/ 44589 h 2948047"/>
+              <a:gd name="connsiteX5" fmla="*/ 2114478 w 3313402"/>
+              <a:gd name="connsiteY5" fmla="*/ 64537 h 2948047"/>
+              <a:gd name="connsiteX6" fmla="*/ 2149681 w 3313402"/>
+              <a:gd name="connsiteY6" fmla="*/ 85659 h 2948047"/>
+              <a:gd name="connsiteX7" fmla="*/ 2184882 w 3313402"/>
+              <a:gd name="connsiteY7" fmla="*/ 104433 h 2948047"/>
+              <a:gd name="connsiteX8" fmla="*/ 2220084 w 3313402"/>
+              <a:gd name="connsiteY8" fmla="*/ 123208 h 2948047"/>
+              <a:gd name="connsiteX9" fmla="*/ 2254113 w 3313402"/>
+              <a:gd name="connsiteY9" fmla="*/ 137288 h 2948047"/>
+              <a:gd name="connsiteX10" fmla="*/ 2291662 w 3313402"/>
+              <a:gd name="connsiteY10" fmla="*/ 146675 h 2948047"/>
+              <a:gd name="connsiteX11" fmla="*/ 2328037 w 3313402"/>
+              <a:gd name="connsiteY11" fmla="*/ 151369 h 2948047"/>
+              <a:gd name="connsiteX12" fmla="*/ 2366759 w 3313402"/>
+              <a:gd name="connsiteY12" fmla="*/ 151369 h 2948047"/>
+              <a:gd name="connsiteX13" fmla="*/ 2406656 w 3313402"/>
+              <a:gd name="connsiteY13" fmla="*/ 149023 h 2948047"/>
+              <a:gd name="connsiteX14" fmla="*/ 2446551 w 3313402"/>
+              <a:gd name="connsiteY14" fmla="*/ 144329 h 2948047"/>
+              <a:gd name="connsiteX15" fmla="*/ 2486448 w 3313402"/>
+              <a:gd name="connsiteY15" fmla="*/ 138462 h 2948047"/>
+              <a:gd name="connsiteX16" fmla="*/ 2526343 w 3313402"/>
+              <a:gd name="connsiteY16" fmla="*/ 133769 h 2948047"/>
+              <a:gd name="connsiteX17" fmla="*/ 2566239 w 3313402"/>
+              <a:gd name="connsiteY17" fmla="*/ 130247 h 2948047"/>
+              <a:gd name="connsiteX18" fmla="*/ 2603787 w 3313402"/>
+              <a:gd name="connsiteY18" fmla="*/ 131421 h 2948047"/>
+              <a:gd name="connsiteX19" fmla="*/ 2640163 w 3313402"/>
+              <a:gd name="connsiteY19" fmla="*/ 136115 h 2948047"/>
+              <a:gd name="connsiteX20" fmla="*/ 2675366 w 3313402"/>
+              <a:gd name="connsiteY20" fmla="*/ 146675 h 2948047"/>
+              <a:gd name="connsiteX21" fmla="*/ 2704702 w 3313402"/>
+              <a:gd name="connsiteY21" fmla="*/ 161930 h 2948047"/>
+              <a:gd name="connsiteX22" fmla="*/ 2732862 w 3313402"/>
+              <a:gd name="connsiteY22" fmla="*/ 181878 h 2948047"/>
+              <a:gd name="connsiteX23" fmla="*/ 2757504 w 3313402"/>
+              <a:gd name="connsiteY23" fmla="*/ 205346 h 2948047"/>
+              <a:gd name="connsiteX24" fmla="*/ 2782146 w 3313402"/>
+              <a:gd name="connsiteY24" fmla="*/ 232334 h 2948047"/>
+              <a:gd name="connsiteX25" fmla="*/ 2804440 w 3313402"/>
+              <a:gd name="connsiteY25" fmla="*/ 260495 h 2948047"/>
+              <a:gd name="connsiteX26" fmla="*/ 2826735 w 3313402"/>
+              <a:gd name="connsiteY26" fmla="*/ 289831 h 2948047"/>
+              <a:gd name="connsiteX27" fmla="*/ 2849030 w 3313402"/>
+              <a:gd name="connsiteY27" fmla="*/ 319166 h 2948047"/>
+              <a:gd name="connsiteX28" fmla="*/ 2871324 w 3313402"/>
+              <a:gd name="connsiteY28" fmla="*/ 347327 h 2948047"/>
+              <a:gd name="connsiteX29" fmla="*/ 2894793 w 3313402"/>
+              <a:gd name="connsiteY29" fmla="*/ 374315 h 2948047"/>
+              <a:gd name="connsiteX30" fmla="*/ 2921781 w 3313402"/>
+              <a:gd name="connsiteY30" fmla="*/ 397785 h 2948047"/>
+              <a:gd name="connsiteX31" fmla="*/ 2947597 w 3313402"/>
+              <a:gd name="connsiteY31" fmla="*/ 418906 h 2948047"/>
+              <a:gd name="connsiteX32" fmla="*/ 2976931 w 3313402"/>
+              <a:gd name="connsiteY32" fmla="*/ 435332 h 2948047"/>
+              <a:gd name="connsiteX33" fmla="*/ 3008614 w 3313402"/>
+              <a:gd name="connsiteY33" fmla="*/ 449413 h 2948047"/>
+              <a:gd name="connsiteX34" fmla="*/ 3042641 w 3313402"/>
+              <a:gd name="connsiteY34" fmla="*/ 461147 h 2948047"/>
+              <a:gd name="connsiteX35" fmla="*/ 3077843 w 3313402"/>
+              <a:gd name="connsiteY35" fmla="*/ 471708 h 2948047"/>
+              <a:gd name="connsiteX36" fmla="*/ 3113046 w 3313402"/>
+              <a:gd name="connsiteY36" fmla="*/ 481096 h 2948047"/>
+              <a:gd name="connsiteX37" fmla="*/ 3149422 w 3313402"/>
+              <a:gd name="connsiteY37" fmla="*/ 490483 h 2948047"/>
+              <a:gd name="connsiteX38" fmla="*/ 3183450 w 3313402"/>
+              <a:gd name="connsiteY38" fmla="*/ 501044 h 2948047"/>
+              <a:gd name="connsiteX39" fmla="*/ 3217478 w 3313402"/>
+              <a:gd name="connsiteY39" fmla="*/ 512777 h 2948047"/>
+              <a:gd name="connsiteX40" fmla="*/ 3249161 w 3313402"/>
+              <a:gd name="connsiteY40" fmla="*/ 526859 h 2948047"/>
+              <a:gd name="connsiteX41" fmla="*/ 3277323 w 3313402"/>
+              <a:gd name="connsiteY41" fmla="*/ 544460 h 2948047"/>
+              <a:gd name="connsiteX42" fmla="*/ 3303139 w 3313402"/>
+              <a:gd name="connsiteY42" fmla="*/ 565581 h 2948047"/>
+              <a:gd name="connsiteX43" fmla="*/ 3313402 w 3313402"/>
+              <a:gd name="connsiteY43" fmla="*/ 578126 h 2948047"/>
+              <a:gd name="connsiteX44" fmla="*/ 3313402 w 3313402"/>
+              <a:gd name="connsiteY44" fmla="*/ 2948047 h 2948047"/>
+              <a:gd name="connsiteX45" fmla="*/ 422306 w 3313402"/>
+              <a:gd name="connsiteY45" fmla="*/ 2948047 h 2948047"/>
+              <a:gd name="connsiteX46" fmla="*/ 420079 w 3313402"/>
+              <a:gd name="connsiteY46" fmla="*/ 2944070 h 2948047"/>
+              <a:gd name="connsiteX47" fmla="*/ 398960 w 3313402"/>
+              <a:gd name="connsiteY47" fmla="*/ 2918255 h 2948047"/>
+              <a:gd name="connsiteX48" fmla="*/ 375490 w 3313402"/>
+              <a:gd name="connsiteY48" fmla="*/ 2891267 h 2948047"/>
+              <a:gd name="connsiteX49" fmla="*/ 348502 w 3313402"/>
+              <a:gd name="connsiteY49" fmla="*/ 2867799 h 2948047"/>
+              <a:gd name="connsiteX50" fmla="*/ 319166 w 3313402"/>
+              <a:gd name="connsiteY50" fmla="*/ 2845505 h 2948047"/>
+              <a:gd name="connsiteX51" fmla="*/ 289832 w 3313402"/>
+              <a:gd name="connsiteY51" fmla="*/ 2823210 h 2948047"/>
+              <a:gd name="connsiteX52" fmla="*/ 260497 w 3313402"/>
+              <a:gd name="connsiteY52" fmla="*/ 2800916 h 2948047"/>
+              <a:gd name="connsiteX53" fmla="*/ 232334 w 3313402"/>
+              <a:gd name="connsiteY53" fmla="*/ 2778620 h 2948047"/>
+              <a:gd name="connsiteX54" fmla="*/ 205346 w 3313402"/>
+              <a:gd name="connsiteY54" fmla="*/ 2753979 h 2948047"/>
+              <a:gd name="connsiteX55" fmla="*/ 181878 w 3313402"/>
+              <a:gd name="connsiteY55" fmla="*/ 2729338 h 2948047"/>
+              <a:gd name="connsiteX56" fmla="*/ 161931 w 3313402"/>
+              <a:gd name="connsiteY56" fmla="*/ 2701176 h 2948047"/>
+              <a:gd name="connsiteX57" fmla="*/ 146677 w 3313402"/>
+              <a:gd name="connsiteY57" fmla="*/ 2671841 h 2948047"/>
+              <a:gd name="connsiteX58" fmla="*/ 136116 w 3313402"/>
+              <a:gd name="connsiteY58" fmla="*/ 2636640 h 2948047"/>
+              <a:gd name="connsiteX59" fmla="*/ 131422 w 3313402"/>
+              <a:gd name="connsiteY59" fmla="*/ 2600264 h 2948047"/>
+              <a:gd name="connsiteX60" fmla="*/ 130248 w 3313402"/>
+              <a:gd name="connsiteY60" fmla="*/ 2562713 h 2948047"/>
+              <a:gd name="connsiteX61" fmla="*/ 133769 w 3313402"/>
+              <a:gd name="connsiteY61" fmla="*/ 2522818 h 2948047"/>
+              <a:gd name="connsiteX62" fmla="*/ 138462 w 3313402"/>
+              <a:gd name="connsiteY62" fmla="*/ 2482923 h 2948047"/>
+              <a:gd name="connsiteX63" fmla="*/ 144329 w 3313402"/>
+              <a:gd name="connsiteY63" fmla="*/ 2443026 h 2948047"/>
+              <a:gd name="connsiteX64" fmla="*/ 149023 w 3313402"/>
+              <a:gd name="connsiteY64" fmla="*/ 2403131 h 2948047"/>
+              <a:gd name="connsiteX65" fmla="*/ 151371 w 3313402"/>
+              <a:gd name="connsiteY65" fmla="*/ 2363236 h 2948047"/>
+              <a:gd name="connsiteX66" fmla="*/ 151371 w 3313402"/>
+              <a:gd name="connsiteY66" fmla="*/ 2324513 h 2948047"/>
+              <a:gd name="connsiteX67" fmla="*/ 146677 w 3313402"/>
+              <a:gd name="connsiteY67" fmla="*/ 2288138 h 2948047"/>
+              <a:gd name="connsiteX68" fmla="*/ 137289 w 3313402"/>
+              <a:gd name="connsiteY68" fmla="*/ 2251763 h 2948047"/>
+              <a:gd name="connsiteX69" fmla="*/ 123208 w 3313402"/>
+              <a:gd name="connsiteY69" fmla="*/ 2217733 h 2948047"/>
+              <a:gd name="connsiteX70" fmla="*/ 105607 w 3313402"/>
+              <a:gd name="connsiteY70" fmla="*/ 2182531 h 2948047"/>
+              <a:gd name="connsiteX71" fmla="*/ 85659 w 3313402"/>
+              <a:gd name="connsiteY71" fmla="*/ 2147330 h 2948047"/>
+              <a:gd name="connsiteX72" fmla="*/ 64538 w 3313402"/>
+              <a:gd name="connsiteY72" fmla="*/ 2112127 h 2948047"/>
+              <a:gd name="connsiteX73" fmla="*/ 44590 w 3313402"/>
+              <a:gd name="connsiteY73" fmla="*/ 2078098 h 2948047"/>
+              <a:gd name="connsiteX74" fmla="*/ 26988 w 3313402"/>
+              <a:gd name="connsiteY74" fmla="*/ 2041723 h 2948047"/>
+              <a:gd name="connsiteX75" fmla="*/ 12908 w 3313402"/>
+              <a:gd name="connsiteY75" fmla="*/ 2006521 h 2948047"/>
+              <a:gd name="connsiteX76" fmla="*/ 3521 w 3313402"/>
+              <a:gd name="connsiteY76" fmla="*/ 1970145 h 2948047"/>
+              <a:gd name="connsiteX77" fmla="*/ 0 w 3313402"/>
+              <a:gd name="connsiteY77" fmla="*/ 1932596 h 2948047"/>
+              <a:gd name="connsiteX78" fmla="*/ 3521 w 3313402"/>
+              <a:gd name="connsiteY78" fmla="*/ 1895048 h 2948047"/>
+              <a:gd name="connsiteX79" fmla="*/ 12908 w 3313402"/>
+              <a:gd name="connsiteY79" fmla="*/ 1858672 h 2948047"/>
+              <a:gd name="connsiteX80" fmla="*/ 26988 w 3313402"/>
+              <a:gd name="connsiteY80" fmla="*/ 1823470 h 2948047"/>
+              <a:gd name="connsiteX81" fmla="*/ 44590 w 3313402"/>
+              <a:gd name="connsiteY81" fmla="*/ 1787095 h 2948047"/>
+              <a:gd name="connsiteX82" fmla="*/ 64538 w 3313402"/>
+              <a:gd name="connsiteY82" fmla="*/ 1753065 h 2948047"/>
+              <a:gd name="connsiteX83" fmla="*/ 85659 w 3313402"/>
+              <a:gd name="connsiteY83" fmla="*/ 1717864 h 2948047"/>
+              <a:gd name="connsiteX84" fmla="*/ 105607 w 3313402"/>
+              <a:gd name="connsiteY84" fmla="*/ 1682661 h 2948047"/>
+              <a:gd name="connsiteX85" fmla="*/ 123208 w 3313402"/>
+              <a:gd name="connsiteY85" fmla="*/ 1647460 h 2948047"/>
+              <a:gd name="connsiteX86" fmla="*/ 137289 w 3313402"/>
+              <a:gd name="connsiteY86" fmla="*/ 1613430 h 2948047"/>
+              <a:gd name="connsiteX87" fmla="*/ 146677 w 3313402"/>
+              <a:gd name="connsiteY87" fmla="*/ 1577054 h 2948047"/>
+              <a:gd name="connsiteX88" fmla="*/ 151371 w 3313402"/>
+              <a:gd name="connsiteY88" fmla="*/ 1540680 h 2948047"/>
+              <a:gd name="connsiteX89" fmla="*/ 151371 w 3313402"/>
+              <a:gd name="connsiteY89" fmla="*/ 1501958 h 2948047"/>
+              <a:gd name="connsiteX90" fmla="*/ 149023 w 3313402"/>
+              <a:gd name="connsiteY90" fmla="*/ 1462061 h 2948047"/>
+              <a:gd name="connsiteX91" fmla="*/ 144329 w 3313402"/>
+              <a:gd name="connsiteY91" fmla="*/ 1422166 h 2948047"/>
+              <a:gd name="connsiteX92" fmla="*/ 138462 w 3313402"/>
+              <a:gd name="connsiteY92" fmla="*/ 1382269 h 2948047"/>
+              <a:gd name="connsiteX93" fmla="*/ 133769 w 3313402"/>
+              <a:gd name="connsiteY93" fmla="*/ 1342374 h 2948047"/>
+              <a:gd name="connsiteX94" fmla="*/ 130248 w 3313402"/>
+              <a:gd name="connsiteY94" fmla="*/ 1302479 h 2948047"/>
+              <a:gd name="connsiteX95" fmla="*/ 131422 w 3313402"/>
+              <a:gd name="connsiteY95" fmla="*/ 1264930 h 2948047"/>
+              <a:gd name="connsiteX96" fmla="*/ 136116 w 3313402"/>
+              <a:gd name="connsiteY96" fmla="*/ 1228554 h 2948047"/>
+              <a:gd name="connsiteX97" fmla="*/ 146677 w 3313402"/>
+              <a:gd name="connsiteY97" fmla="*/ 1193352 h 2948047"/>
+              <a:gd name="connsiteX98" fmla="*/ 161931 w 3313402"/>
+              <a:gd name="connsiteY98" fmla="*/ 1164017 h 2948047"/>
+              <a:gd name="connsiteX99" fmla="*/ 181878 w 3313402"/>
+              <a:gd name="connsiteY99" fmla="*/ 1135856 h 2948047"/>
+              <a:gd name="connsiteX100" fmla="*/ 205346 w 3313402"/>
+              <a:gd name="connsiteY100" fmla="*/ 1111214 h 2948047"/>
+              <a:gd name="connsiteX101" fmla="*/ 232334 w 3313402"/>
+              <a:gd name="connsiteY101" fmla="*/ 1086573 h 2948047"/>
+              <a:gd name="connsiteX102" fmla="*/ 260497 w 3313402"/>
+              <a:gd name="connsiteY102" fmla="*/ 1064277 h 2948047"/>
+              <a:gd name="connsiteX103" fmla="*/ 289832 w 3313402"/>
+              <a:gd name="connsiteY103" fmla="*/ 1041982 h 2948047"/>
+              <a:gd name="connsiteX104" fmla="*/ 319166 w 3313402"/>
+              <a:gd name="connsiteY104" fmla="*/ 1019688 h 2948047"/>
+              <a:gd name="connsiteX105" fmla="*/ 348502 w 3313402"/>
+              <a:gd name="connsiteY105" fmla="*/ 997393 h 2948047"/>
+              <a:gd name="connsiteX106" fmla="*/ 375490 w 3313402"/>
+              <a:gd name="connsiteY106" fmla="*/ 973926 h 2948047"/>
+              <a:gd name="connsiteX107" fmla="*/ 398960 w 3313402"/>
+              <a:gd name="connsiteY107" fmla="*/ 946938 h 2948047"/>
+              <a:gd name="connsiteX108" fmla="*/ 420079 w 3313402"/>
+              <a:gd name="connsiteY108" fmla="*/ 921122 h 2948047"/>
+              <a:gd name="connsiteX109" fmla="*/ 436507 w 3313402"/>
+              <a:gd name="connsiteY109" fmla="*/ 891788 h 2948047"/>
+              <a:gd name="connsiteX110" fmla="*/ 450588 w 3313402"/>
+              <a:gd name="connsiteY110" fmla="*/ 860106 h 2948047"/>
+              <a:gd name="connsiteX111" fmla="*/ 462322 w 3313402"/>
+              <a:gd name="connsiteY111" fmla="*/ 826076 h 2948047"/>
+              <a:gd name="connsiteX112" fmla="*/ 472883 w 3313402"/>
+              <a:gd name="connsiteY112" fmla="*/ 790874 h 2948047"/>
+              <a:gd name="connsiteX113" fmla="*/ 482271 w 3313402"/>
+              <a:gd name="connsiteY113" fmla="*/ 755672 h 2948047"/>
+              <a:gd name="connsiteX114" fmla="*/ 491658 w 3313402"/>
+              <a:gd name="connsiteY114" fmla="*/ 719297 h 2948047"/>
+              <a:gd name="connsiteX115" fmla="*/ 502219 w 3313402"/>
+              <a:gd name="connsiteY115" fmla="*/ 685268 h 2948047"/>
+              <a:gd name="connsiteX116" fmla="*/ 513952 w 3313402"/>
+              <a:gd name="connsiteY116" fmla="*/ 651238 h 2948047"/>
+              <a:gd name="connsiteX117" fmla="*/ 528034 w 3313402"/>
+              <a:gd name="connsiteY117" fmla="*/ 619558 h 2948047"/>
+              <a:gd name="connsiteX118" fmla="*/ 545635 w 3313402"/>
+              <a:gd name="connsiteY118" fmla="*/ 591396 h 2948047"/>
+              <a:gd name="connsiteX119" fmla="*/ 566755 w 3313402"/>
+              <a:gd name="connsiteY119" fmla="*/ 565581 h 2948047"/>
+              <a:gd name="connsiteX120" fmla="*/ 592570 w 3313402"/>
+              <a:gd name="connsiteY120" fmla="*/ 544460 h 2948047"/>
+              <a:gd name="connsiteX121" fmla="*/ 620733 w 3313402"/>
+              <a:gd name="connsiteY121" fmla="*/ 526859 h 2948047"/>
+              <a:gd name="connsiteX122" fmla="*/ 652413 w 3313402"/>
+              <a:gd name="connsiteY122" fmla="*/ 512777 h 2948047"/>
+              <a:gd name="connsiteX123" fmla="*/ 686443 w 3313402"/>
+              <a:gd name="connsiteY123" fmla="*/ 501044 h 2948047"/>
+              <a:gd name="connsiteX124" fmla="*/ 720472 w 3313402"/>
+              <a:gd name="connsiteY124" fmla="*/ 490483 h 2948047"/>
+              <a:gd name="connsiteX125" fmla="*/ 756848 w 3313402"/>
+              <a:gd name="connsiteY125" fmla="*/ 481096 h 2948047"/>
+              <a:gd name="connsiteX126" fmla="*/ 792049 w 3313402"/>
+              <a:gd name="connsiteY126" fmla="*/ 471708 h 2948047"/>
+              <a:gd name="connsiteX127" fmla="*/ 827252 w 3313402"/>
+              <a:gd name="connsiteY127" fmla="*/ 461147 h 2948047"/>
+              <a:gd name="connsiteX128" fmla="*/ 861280 w 3313402"/>
+              <a:gd name="connsiteY128" fmla="*/ 449413 h 2948047"/>
+              <a:gd name="connsiteX129" fmla="*/ 892962 w 3313402"/>
+              <a:gd name="connsiteY129" fmla="*/ 435332 h 2948047"/>
+              <a:gd name="connsiteX130" fmla="*/ 922297 w 3313402"/>
+              <a:gd name="connsiteY130" fmla="*/ 418906 h 2948047"/>
+              <a:gd name="connsiteX131" fmla="*/ 948112 w 3313402"/>
+              <a:gd name="connsiteY131" fmla="*/ 397785 h 2948047"/>
+              <a:gd name="connsiteX132" fmla="*/ 975101 w 3313402"/>
+              <a:gd name="connsiteY132" fmla="*/ 374315 h 2948047"/>
+              <a:gd name="connsiteX133" fmla="*/ 998569 w 3313402"/>
+              <a:gd name="connsiteY133" fmla="*/ 347327 h 2948047"/>
+              <a:gd name="connsiteX134" fmla="*/ 1020864 w 3313402"/>
+              <a:gd name="connsiteY134" fmla="*/ 319166 h 2948047"/>
+              <a:gd name="connsiteX135" fmla="*/ 1043158 w 3313402"/>
+              <a:gd name="connsiteY135" fmla="*/ 289831 h 2948047"/>
+              <a:gd name="connsiteX136" fmla="*/ 1065453 w 3313402"/>
+              <a:gd name="connsiteY136" fmla="*/ 260495 h 2948047"/>
+              <a:gd name="connsiteX137" fmla="*/ 1087747 w 3313402"/>
+              <a:gd name="connsiteY137" fmla="*/ 232334 h 2948047"/>
+              <a:gd name="connsiteX138" fmla="*/ 1112390 w 3313402"/>
+              <a:gd name="connsiteY138" fmla="*/ 205346 h 2948047"/>
+              <a:gd name="connsiteX139" fmla="*/ 1137030 w 3313402"/>
+              <a:gd name="connsiteY139" fmla="*/ 181878 h 2948047"/>
+              <a:gd name="connsiteX140" fmla="*/ 1165193 w 3313402"/>
+              <a:gd name="connsiteY140" fmla="*/ 161930 h 2948047"/>
+              <a:gd name="connsiteX141" fmla="*/ 1194528 w 3313402"/>
+              <a:gd name="connsiteY141" fmla="*/ 146675 h 2948047"/>
+              <a:gd name="connsiteX142" fmla="*/ 1229731 w 3313402"/>
+              <a:gd name="connsiteY142" fmla="*/ 136115 h 2948047"/>
+              <a:gd name="connsiteX143" fmla="*/ 1266106 w 3313402"/>
+              <a:gd name="connsiteY143" fmla="*/ 131421 h 2948047"/>
+              <a:gd name="connsiteX144" fmla="*/ 1303654 w 3313402"/>
+              <a:gd name="connsiteY144" fmla="*/ 130247 h 2948047"/>
+              <a:gd name="connsiteX145" fmla="*/ 1343549 w 3313402"/>
+              <a:gd name="connsiteY145" fmla="*/ 133769 h 2948047"/>
+              <a:gd name="connsiteX146" fmla="*/ 1383446 w 3313402"/>
+              <a:gd name="connsiteY146" fmla="*/ 138462 h 2948047"/>
+              <a:gd name="connsiteX147" fmla="*/ 1423342 w 3313402"/>
+              <a:gd name="connsiteY147" fmla="*/ 144329 h 2948047"/>
+              <a:gd name="connsiteX148" fmla="*/ 1463237 w 3313402"/>
+              <a:gd name="connsiteY148" fmla="*/ 149023 h 2948047"/>
+              <a:gd name="connsiteX149" fmla="*/ 1503133 w 3313402"/>
+              <a:gd name="connsiteY149" fmla="*/ 151369 h 2948047"/>
+              <a:gd name="connsiteX150" fmla="*/ 1541856 w 3313402"/>
+              <a:gd name="connsiteY150" fmla="*/ 151369 h 2948047"/>
+              <a:gd name="connsiteX151" fmla="*/ 1578232 w 3313402"/>
+              <a:gd name="connsiteY151" fmla="*/ 146675 h 2948047"/>
+              <a:gd name="connsiteX152" fmla="*/ 1614608 w 3313402"/>
+              <a:gd name="connsiteY152" fmla="*/ 137288 h 2948047"/>
+              <a:gd name="connsiteX153" fmla="*/ 1649810 w 3313402"/>
+              <a:gd name="connsiteY153" fmla="*/ 123208 h 2948047"/>
+              <a:gd name="connsiteX154" fmla="*/ 1685011 w 3313402"/>
+              <a:gd name="connsiteY154" fmla="*/ 104433 h 2948047"/>
+              <a:gd name="connsiteX155" fmla="*/ 1720214 w 3313402"/>
+              <a:gd name="connsiteY155" fmla="*/ 85659 h 2948047"/>
+              <a:gd name="connsiteX156" fmla="*/ 1755415 w 3313402"/>
+              <a:gd name="connsiteY156" fmla="*/ 64537 h 2948047"/>
+              <a:gd name="connsiteX157" fmla="*/ 1789445 w 3313402"/>
+              <a:gd name="connsiteY157" fmla="*/ 44589 h 2948047"/>
+              <a:gd name="connsiteX158" fmla="*/ 1825821 w 3313402"/>
+              <a:gd name="connsiteY158" fmla="*/ 26988 h 2948047"/>
+              <a:gd name="connsiteX159" fmla="*/ 1861022 w 3313402"/>
+              <a:gd name="connsiteY159" fmla="*/ 12907 h 2948047"/>
+              <a:gd name="connsiteX160" fmla="*/ 1897398 w 3313402"/>
+              <a:gd name="connsiteY160" fmla="*/ 3519 h 2948047"/>
+            </a:gdLst>
+            <a:ahLst/>
+            <a:cxnLst>
+              <a:cxn ang="0">
+                <a:pos x="connsiteX0" y="connsiteY0"/>
+              </a:cxn>
+              <a:cxn ang="0">
+                <a:pos x="connsiteX1" y="connsiteY1"/>
+              </a:cxn>
+              <a:cxn ang="0">
+                <a:pos x="connsiteX2" y="connsiteY2"/>
+              </a:cxn>
+              <a:cxn ang="0">
+                <a:pos x="connsiteX3" y="connsiteY3"/>
+              </a:cxn>
+              <a:cxn ang="0">
+                <a:pos x="connsiteX4" y="connsiteY4"/>
+              </a:cxn>
+              <a:cxn ang="0">
+                <a:pos x="connsiteX5" y="connsiteY5"/>
+              </a:cxn>
+              <a:cxn ang="0">
+                <a:pos x="connsiteX6" y="connsiteY6"/>
+              </a:cxn>
+              <a:cxn ang="0">
+                <a:pos x="connsiteX7" y="connsiteY7"/>
+              </a:cxn>
+              <a:cxn ang="0">
+                <a:pos x="connsiteX8" y="connsiteY8"/>
+              </a:cxn>
+              <a:cxn ang="0">
+                <a:pos x="connsiteX9" y="connsiteY9"/>
+              </a:cxn>
+              <a:cxn ang="0">
+                <a:pos x="connsiteX10" y="connsiteY10"/>
+              </a:cxn>
+              <a:cxn ang="0">
+                <a:pos x="connsiteX11" y="connsiteY11"/>
+              </a:cxn>
+              <a:cxn ang="0">
+                <a:pos x="connsiteX12" y="connsiteY12"/>
+              </a:cxn>
+              <a:cxn ang="0">
+                <a:pos x="connsiteX13" y="connsiteY13"/>
+              </a:cxn>
+              <a:cxn ang="0">
+                <a:pos x="connsiteX14" y="connsiteY14"/>
+              </a:cxn>
+              <a:cxn ang="0">
+                <a:pos x="connsiteX15" y="connsiteY15"/>
+              </a:cxn>
+              <a:cxn ang="0">
+                <a:pos x="connsiteX16" y="connsiteY16"/>
+              </a:cxn>
+              <a:cxn ang="0">
+                <a:pos x="connsiteX17" y="connsiteY17"/>
+              </a:cxn>
+              <a:cxn ang="0">
+                <a:pos x="connsiteX18" y="connsiteY18"/>
+              </a:cxn>
+              <a:cxn ang="0">
+                <a:pos x="connsiteX19" y="connsiteY19"/>
+              </a:cxn>
+              <a:cxn ang="0">
+                <a:pos x="connsiteX20" y="connsiteY20"/>
+              </a:cxn>
+              <a:cxn ang="0">
+                <a:pos x="connsiteX21" y="connsiteY21"/>
+              </a:cxn>
+              <a:cxn ang="0">
+                <a:pos x="connsiteX22" y="connsiteY22"/>
+              </a:cxn>
+              <a:cxn ang="0">
+                <a:pos x="connsiteX23" y="connsiteY23"/>
+              </a:cxn>
+              <a:cxn ang="0">
+                <a:pos x="connsiteX24" y="connsiteY24"/>
+              </a:cxn>
+              <a:cxn ang="0">
+                <a:pos x="connsiteX25" y="connsiteY25"/>
+              </a:cxn>
+              <a:cxn ang="0">
+                <a:pos x="connsiteX26" y="connsiteY26"/>
+              </a:cxn>
+              <a:cxn ang="0">
+                <a:pos x="connsiteX27" y="connsiteY27"/>
+              </a:cxn>
+              <a:cxn ang="0">
+                <a:pos x="connsiteX28" y="connsiteY28"/>
+              </a:cxn>
+              <a:cxn ang="0">
+                <a:pos x="connsiteX29" y="connsiteY29"/>
+              </a:cxn>
+              <a:cxn ang="0">
+                <a:pos x="connsiteX30" y="connsiteY30"/>
+              </a:cxn>
+              <a:cxn ang="0">
+                <a:pos x="connsiteX31" y="connsiteY31"/>
+              </a:cxn>
+              <a:cxn ang="0">
+                <a:pos x="connsiteX32" y="connsiteY32"/>
+              </a:cxn>
+              <a:cxn ang="0">
+                <a:pos x="connsiteX33" y="connsiteY33"/>
+              </a:cxn>
+              <a:cxn ang="0">
+                <a:pos x="connsiteX34" y="connsiteY34"/>
+              </a:cxn>
+              <a:cxn ang="0">
+                <a:pos x="connsiteX35" y="connsiteY35"/>
+              </a:cxn>
+              <a:cxn ang="0">
+                <a:pos x="connsiteX36" y="connsiteY36"/>
+              </a:cxn>
+              <a:cxn ang="0">
+                <a:pos x="connsiteX37" y="connsiteY37"/>
+              </a:cxn>
+              <a:cxn ang="0">
+                <a:pos x="connsiteX38" y="connsiteY38"/>
+              </a:cxn>
+              <a:cxn ang="0">
+                <a:pos x="connsiteX39" y="connsiteY39"/>
+              </a:cxn>
+              <a:cxn ang="0">
+                <a:pos x="connsiteX40" y="connsiteY40"/>
+              </a:cxn>
+              <a:cxn ang="0">
+                <a:pos x="connsiteX41" y="connsiteY41"/>
+              </a:cxn>
+              <a:cxn ang="0">
+                <a:pos x="connsiteX42" y="connsiteY42"/>
+              </a:cxn>
+              <a:cxn ang="0">
+                <a:pos x="connsiteX43" y="connsiteY43"/>
+              </a:cxn>
+              <a:cxn ang="0">
+                <a:pos x="connsiteX44" y="connsiteY44"/>
+              </a:cxn>
+              <a:cxn ang="0">
+                <a:pos x="connsiteX45" y="connsiteY45"/>
+              </a:cxn>
+              <a:cxn ang="0">
+                <a:pos x="connsiteX46" y="connsiteY46"/>
+              </a:cxn>
+              <a:cxn ang="0">
+                <a:pos x="connsiteX47" y="connsiteY47"/>
+              </a:cxn>
+              <a:cxn ang="0">
+                <a:pos x="connsiteX48" y="connsiteY48"/>
+              </a:cxn>
+              <a:cxn ang="0">
+                <a:pos x="connsiteX49" y="connsiteY49"/>
+              </a:cxn>
+              <a:cxn ang="0">
+                <a:pos x="connsiteX50" y="connsiteY50"/>
+              </a:cxn>
+              <a:cxn ang="0">
+                <a:pos x="connsiteX51" y="connsiteY51"/>
+              </a:cxn>
+              <a:cxn ang="0">
+                <a:pos x="connsiteX52" y="connsiteY52"/>
+              </a:cxn>
+              <a:cxn ang="0">
+                <a:pos x="connsiteX53" y="connsiteY53"/>
+              </a:cxn>
+              <a:cxn ang="0">
+                <a:pos x="connsiteX54" y="connsiteY54"/>
+              </a:cxn>
+              <a:cxn ang="0">
+                <a:pos x="connsiteX55" y="connsiteY55"/>
+              </a:cxn>
+              <a:cxn ang="0">
+                <a:pos x="connsiteX56" y="connsiteY56"/>
+              </a:cxn>
+              <a:cxn ang="0">
+                <a:pos x="connsiteX57" y="connsiteY57"/>
+              </a:cxn>
+              <a:cxn ang="0">
+                <a:pos x="connsiteX58" y="connsiteY58"/>
+              </a:cxn>
+              <a:cxn ang="0">
+                <a:pos x="connsiteX59" y="connsiteY59"/>
+              </a:cxn>
+              <a:cxn ang="0">
+                <a:pos x="connsiteX60" y="connsiteY60"/>
+              </a:cxn>
+              <a:cxn ang="0">
+                <a:pos x="connsiteX61" y="connsiteY61"/>
+              </a:cxn>
+              <a:cxn ang="0">
+                <a:pos x="connsiteX62" y="connsiteY62"/>
+              </a:cxn>
+              <a:cxn ang="0">
+                <a:pos x="connsiteX63" y="connsiteY63"/>
+              </a:cxn>
+              <a:cxn ang="0">
+                <a:pos x="connsiteX64" y="connsiteY64"/>
+              </a:cxn>
+              <a:cxn ang="0">
+                <a:pos x="connsiteX65" y="connsiteY65"/>
+              </a:cxn>
+              <a:cxn ang="0">
+                <a:pos x="connsiteX66" y="connsiteY66"/>
+              </a:cxn>
+              <a:cxn ang="0">
+                <a:pos x="connsiteX67" y="connsiteY67"/>
+              </a:cxn>
+              <a:cxn ang="0">
+                <a:pos x="connsiteX68" y="connsiteY68"/>
+              </a:cxn>
+              <a:cxn ang="0">
+                <a:pos x="connsiteX69" y="connsiteY69"/>
+              </a:cxn>
+              <a:cxn ang="0">
+                <a:pos x="connsiteX70" y="connsiteY70"/>
+              </a:cxn>
+              <a:cxn ang="0">
+                <a:pos x="connsiteX71" y="connsiteY71"/>
+              </a:cxn>
+              <a:cxn ang="0">
+                <a:pos x="connsiteX72" y="connsiteY72"/>
+              </a:cxn>
+              <a:cxn ang="0">
+                <a:pos x="connsiteX73" y="connsiteY73"/>
+              </a:cxn>
+              <a:cxn ang="0">
+                <a:pos x="connsiteX74" y="connsiteY74"/>
+              </a:cxn>
+              <a:cxn ang="0">
+                <a:pos x="connsiteX75" y="connsiteY75"/>
+              </a:cxn>
+              <a:cxn ang="0">
+                <a:pos x="connsiteX76" y="connsiteY76"/>
+              </a:cxn>
+              <a:cxn ang="0">
+                <a:pos x="connsiteX77" y="connsiteY77"/>
+              </a:cxn>
+              <a:cxn ang="0">
+                <a:pos x="connsiteX78" y="connsiteY78"/>
+              </a:cxn>
+              <a:cxn ang="0">
+                <a:pos x="connsiteX79" y="connsiteY79"/>
+              </a:cxn>
+              <a:cxn ang="0">
+                <a:pos x="connsiteX80" y="connsiteY80"/>
+              </a:cxn>
+              <a:cxn ang="0">
+                <a:pos x="connsiteX81" y="connsiteY81"/>
+              </a:cxn>
+              <a:cxn ang="0">
+                <a:pos x="connsiteX82" y="connsiteY82"/>
+              </a:cxn>
+              <a:cxn ang="0">
+                <a:pos x="connsiteX83" y="connsiteY83"/>
+              </a:cxn>
+              <a:cxn ang="0">
+                <a:pos x="connsiteX84" y="connsiteY84"/>
+              </a:cxn>
+              <a:cxn ang="0">
+                <a:pos x="connsiteX85" y="connsiteY85"/>
+              </a:cxn>
+              <a:cxn ang="0">
+                <a:pos x="connsiteX86" y="connsiteY86"/>
+              </a:cxn>
+              <a:cxn ang="0">
+                <a:pos x="connsiteX87" y="connsiteY87"/>
+              </a:cxn>
+              <a:cxn ang="0">
+                <a:pos x="connsiteX88" y="connsiteY88"/>
+              </a:cxn>
+              <a:cxn ang="0">
+                <a:pos x="connsiteX89" y="connsiteY89"/>
+              </a:cxn>
+              <a:cxn ang="0">
+                <a:pos x="connsiteX90" y="connsiteY90"/>
+              </a:cxn>
+              <a:cxn ang="0">
+                <a:pos x="connsiteX91" y="connsiteY91"/>
+              </a:cxn>
+              <a:cxn ang="0">
+                <a:pos x="connsiteX92" y="connsiteY92"/>
+              </a:cxn>
+              <a:cxn ang="0">
+                <a:pos x="connsiteX93" y="connsiteY93"/>
+              </a:cxn>
+              <a:cxn ang="0">
+                <a:pos x="connsiteX94" y="connsiteY94"/>
+              </a:cxn>
+              <a:cxn ang="0">
+                <a:pos x="connsiteX95" y="connsiteY95"/>
+              </a:cxn>
+              <a:cxn ang="0">
+                <a:pos x="connsiteX96" y="connsiteY96"/>
+              </a:cxn>
+              <a:cxn ang="0">
+                <a:pos x="connsiteX97" y="connsiteY97"/>
+              </a:cxn>
+              <a:cxn ang="0">
+                <a:pos x="connsiteX98" y="connsiteY98"/>
+              </a:cxn>
+              <a:cxn ang="0">
+                <a:pos x="connsiteX99" y="connsiteY99"/>
+              </a:cxn>
+              <a:cxn ang="0">
+                <a:pos x="connsiteX100" y="connsiteY100"/>
+              </a:cxn>
+              <a:cxn ang="0">
+                <a:pos x="connsiteX101" y="connsiteY101"/>
+              </a:cxn>
+              <a:cxn ang="0">
+                <a:pos x="connsiteX102" y="connsiteY102"/>
+              </a:cxn>
+              <a:cxn ang="0">
+                <a:pos x="connsiteX103" y="connsiteY103"/>
+              </a:cxn>
+              <a:cxn ang="0">
+                <a:pos x="connsiteX104" y="connsiteY104"/>
+              </a:cxn>
+              <a:cxn ang="0">
+                <a:pos x="connsiteX105" y="connsiteY105"/>
+              </a:cxn>
+              <a:cxn ang="0">
+                <a:pos x="connsiteX106" y="connsiteY106"/>
+              </a:cxn>
+              <a:cxn ang="0">
+                <a:pos x="connsiteX107" y="connsiteY107"/>
+              </a:cxn>
+              <a:cxn ang="0">
+                <a:pos x="connsiteX108" y="connsiteY108"/>
+              </a:cxn>
+              <a:cxn ang="0">
+                <a:pos x="connsiteX109" y="connsiteY109"/>
+              </a:cxn>
+              <a:cxn ang="0">
+                <a:pos x="connsiteX110" y="connsiteY110"/>
+              </a:cxn>
+              <a:cxn ang="0">
+                <a:pos x="connsiteX111" y="connsiteY111"/>
+              </a:cxn>
+              <a:cxn ang="0">
+                <a:pos x="connsiteX112" y="connsiteY112"/>
+              </a:cxn>
+              <a:cxn ang="0">
+                <a:pos x="connsiteX113" y="connsiteY113"/>
+              </a:cxn>
+              <a:cxn ang="0">
+                <a:pos x="connsiteX114" y="connsiteY114"/>
+              </a:cxn>
+              <a:cxn ang="0">
+                <a:pos x="connsiteX115" y="connsiteY115"/>
+              </a:cxn>
+              <a:cxn ang="0">
+                <a:pos x="connsiteX116" y="connsiteY116"/>
+              </a:cxn>
+              <a:cxn ang="0">
+                <a:pos x="connsiteX117" y="connsiteY117"/>
+              </a:cxn>
+              <a:cxn ang="0">
+                <a:pos x="connsiteX118" y="connsiteY118"/>
+              </a:cxn>
+              <a:cxn ang="0">
+                <a:pos x="connsiteX119" y="connsiteY119"/>
+              </a:cxn>
+              <a:cxn ang="0">
+                <a:pos x="connsiteX120" y="connsiteY120"/>
+              </a:cxn>
+              <a:cxn ang="0">
+                <a:pos x="connsiteX121" y="connsiteY121"/>
+              </a:cxn>
+              <a:cxn ang="0">
+                <a:pos x="connsiteX122" y="connsiteY122"/>
+              </a:cxn>
+              <a:cxn ang="0">
+                <a:pos x="connsiteX123" y="connsiteY123"/>
+              </a:cxn>
+              <a:cxn ang="0">
+                <a:pos x="connsiteX124" y="connsiteY124"/>
+              </a:cxn>
+              <a:cxn ang="0">
+                <a:pos x="connsiteX125" y="connsiteY125"/>
+              </a:cxn>
+              <a:cxn ang="0">
+                <a:pos x="connsiteX126" y="connsiteY126"/>
+              </a:cxn>
+              <a:cxn ang="0">
+                <a:pos x="connsiteX127" y="connsiteY127"/>
+              </a:cxn>
+              <a:cxn ang="0">
+                <a:pos x="connsiteX128" y="connsiteY128"/>
+              </a:cxn>
+              <a:cxn ang="0">
+                <a:pos x="connsiteX129" y="connsiteY129"/>
+              </a:cxn>
+              <a:cxn ang="0">
+                <a:pos x="connsiteX130" y="connsiteY130"/>
+              </a:cxn>
+              <a:cxn ang="0">
+                <a:pos x="connsiteX131" y="connsiteY131"/>
+              </a:cxn>
+              <a:cxn ang="0">
+                <a:pos x="connsiteX132" y="connsiteY132"/>
+              </a:cxn>
+              <a:cxn ang="0">
+                <a:pos x="connsiteX133" y="connsiteY133"/>
+              </a:cxn>
+              <a:cxn ang="0">
+                <a:pos x="connsiteX134" y="connsiteY134"/>
+              </a:cxn>
+              <a:cxn ang="0">
+                <a:pos x="connsiteX135" y="connsiteY135"/>
+              </a:cxn>
+              <a:cxn ang="0">
+                <a:pos x="connsiteX136" y="connsiteY136"/>
+              </a:cxn>
+              <a:cxn ang="0">
+                <a:pos x="connsiteX137" y="connsiteY137"/>
+              </a:cxn>
+              <a:cxn ang="0">
+                <a:pos x="connsiteX138" y="connsiteY138"/>
+              </a:cxn>
+              <a:cxn ang="0">
+                <a:pos x="connsiteX139" y="connsiteY139"/>
+              </a:cxn>
+              <a:cxn ang="0">
+                <a:pos x="connsiteX140" y="connsiteY140"/>
+              </a:cxn>
+              <a:cxn ang="0">
+                <a:pos x="connsiteX141" y="connsiteY141"/>
+              </a:cxn>
+              <a:cxn ang="0">
+                <a:pos x="connsiteX142" y="connsiteY142"/>
+              </a:cxn>
+              <a:cxn ang="0">
+                <a:pos x="connsiteX143" y="connsiteY143"/>
+              </a:cxn>
+              <a:cxn ang="0">
+                <a:pos x="connsiteX144" y="connsiteY144"/>
+              </a:cxn>
+              <a:cxn ang="0">
+                <a:pos x="connsiteX145" y="connsiteY145"/>
+              </a:cxn>
+              <a:cxn ang="0">
+                <a:pos x="connsiteX146" y="connsiteY146"/>
+              </a:cxn>
+              <a:cxn ang="0">
+                <a:pos x="connsiteX147" y="connsiteY147"/>
+              </a:cxn>
+              <a:cxn ang="0">
+                <a:pos x="connsiteX148" y="connsiteY148"/>
+              </a:cxn>
+              <a:cxn ang="0">
+                <a:pos x="connsiteX149" y="connsiteY149"/>
+              </a:cxn>
+              <a:cxn ang="0">
+                <a:pos x="connsiteX150" y="connsiteY150"/>
+              </a:cxn>
+              <a:cxn ang="0">
+                <a:pos x="connsiteX151" y="connsiteY151"/>
+              </a:cxn>
+              <a:cxn ang="0">
+                <a:pos x="connsiteX152" y="connsiteY152"/>
+              </a:cxn>
+              <a:cxn ang="0">
+                <a:pos x="connsiteX153" y="connsiteY153"/>
+              </a:cxn>
+              <a:cxn ang="0">
+                <a:pos x="connsiteX154" y="connsiteY154"/>
+              </a:cxn>
+              <a:cxn ang="0">
+                <a:pos x="connsiteX155" y="connsiteY155"/>
+              </a:cxn>
+              <a:cxn ang="0">
+                <a:pos x="connsiteX156" y="connsiteY156"/>
+              </a:cxn>
+              <a:cxn ang="0">
+                <a:pos x="connsiteX157" y="connsiteY157"/>
+              </a:cxn>
+              <a:cxn ang="0">
+                <a:pos x="connsiteX158" y="connsiteY158"/>
+              </a:cxn>
+              <a:cxn ang="0">
+                <a:pos x="connsiteX159" y="connsiteY159"/>
+              </a:cxn>
+              <a:cxn ang="0">
+                <a:pos x="connsiteX160" y="connsiteY160"/>
+              </a:cxn>
+            </a:cxnLst>
+            <a:rect l="l" t="t" r="r" b="b"/>
+            <a:pathLst>
+              <a:path w="3313402" h="2948047">
+                <a:moveTo>
+                  <a:pt x="1934947" y="0"/>
+                </a:moveTo>
+                <a:lnTo>
+                  <a:pt x="1972495" y="3519"/>
+                </a:lnTo>
+                <a:lnTo>
+                  <a:pt x="2008871" y="12907"/>
+                </a:lnTo>
+                <a:lnTo>
+                  <a:pt x="2044074" y="26988"/>
+                </a:lnTo>
+                <a:lnTo>
+                  <a:pt x="2080448" y="44589"/>
+                </a:lnTo>
+                <a:lnTo>
+                  <a:pt x="2114478" y="64537"/>
+                </a:lnTo>
+                <a:lnTo>
+                  <a:pt x="2149681" y="85659"/>
+                </a:lnTo>
+                <a:lnTo>
+                  <a:pt x="2184882" y="104433"/>
+                </a:lnTo>
+                <a:lnTo>
+                  <a:pt x="2220084" y="123208"/>
+                </a:lnTo>
+                <a:lnTo>
+                  <a:pt x="2254113" y="137288"/>
+                </a:lnTo>
+                <a:lnTo>
+                  <a:pt x="2291662" y="146675"/>
+                </a:lnTo>
+                <a:lnTo>
+                  <a:pt x="2328037" y="151369"/>
+                </a:lnTo>
+                <a:lnTo>
+                  <a:pt x="2366759" y="151369"/>
+                </a:lnTo>
+                <a:lnTo>
+                  <a:pt x="2406656" y="149023"/>
+                </a:lnTo>
+                <a:lnTo>
+                  <a:pt x="2446551" y="144329"/>
+                </a:lnTo>
+                <a:lnTo>
+                  <a:pt x="2486448" y="138462"/>
+                </a:lnTo>
+                <a:lnTo>
+                  <a:pt x="2526343" y="133769"/>
+                </a:lnTo>
+                <a:lnTo>
+                  <a:pt x="2566239" y="130247"/>
+                </a:lnTo>
+                <a:lnTo>
+                  <a:pt x="2603787" y="131421"/>
+                </a:lnTo>
+                <a:lnTo>
+                  <a:pt x="2640163" y="136115"/>
+                </a:lnTo>
+                <a:lnTo>
+                  <a:pt x="2675366" y="146675"/>
+                </a:lnTo>
+                <a:lnTo>
+                  <a:pt x="2704702" y="161930"/>
+                </a:lnTo>
+                <a:lnTo>
+                  <a:pt x="2732862" y="181878"/>
+                </a:lnTo>
+                <a:lnTo>
+                  <a:pt x="2757504" y="205346"/>
+                </a:lnTo>
+                <a:lnTo>
+                  <a:pt x="2782146" y="232334"/>
+                </a:lnTo>
+                <a:lnTo>
+                  <a:pt x="2804440" y="260495"/>
+                </a:lnTo>
+                <a:lnTo>
+                  <a:pt x="2826735" y="289831"/>
+                </a:lnTo>
+                <a:lnTo>
+                  <a:pt x="2849030" y="319166"/>
+                </a:lnTo>
+                <a:lnTo>
+                  <a:pt x="2871324" y="347327"/>
+                </a:lnTo>
+                <a:lnTo>
+                  <a:pt x="2894793" y="374315"/>
+                </a:lnTo>
+                <a:lnTo>
+                  <a:pt x="2921781" y="397785"/>
+                </a:lnTo>
+                <a:lnTo>
+                  <a:pt x="2947597" y="418906"/>
+                </a:lnTo>
+                <a:lnTo>
+                  <a:pt x="2976931" y="435332"/>
+                </a:lnTo>
+                <a:lnTo>
+                  <a:pt x="3008614" y="449413"/>
+                </a:lnTo>
+                <a:lnTo>
+                  <a:pt x="3042641" y="461147"/>
+                </a:lnTo>
+                <a:lnTo>
+                  <a:pt x="3077843" y="471708"/>
+                </a:lnTo>
+                <a:lnTo>
+                  <a:pt x="3113046" y="481096"/>
+                </a:lnTo>
+                <a:lnTo>
+                  <a:pt x="3149422" y="490483"/>
+                </a:lnTo>
+                <a:lnTo>
+                  <a:pt x="3183450" y="501044"/>
+                </a:lnTo>
+                <a:lnTo>
+                  <a:pt x="3217478" y="512777"/>
+                </a:lnTo>
+                <a:lnTo>
+                  <a:pt x="3249161" y="526859"/>
+                </a:lnTo>
+                <a:lnTo>
+                  <a:pt x="3277323" y="544460"/>
+                </a:lnTo>
+                <a:lnTo>
+                  <a:pt x="3303139" y="565581"/>
+                </a:lnTo>
+                <a:lnTo>
+                  <a:pt x="3313402" y="578126"/>
+                </a:lnTo>
+                <a:lnTo>
+                  <a:pt x="3313402" y="2948047"/>
+                </a:lnTo>
+                <a:lnTo>
+                  <a:pt x="422306" y="2948047"/>
+                </a:lnTo>
+                <a:lnTo>
+                  <a:pt x="420079" y="2944070"/>
+                </a:lnTo>
+                <a:lnTo>
+                  <a:pt x="398960" y="2918255"/>
+                </a:lnTo>
+                <a:lnTo>
+                  <a:pt x="375490" y="2891267"/>
+                </a:lnTo>
+                <a:lnTo>
+                  <a:pt x="348502" y="2867799"/>
+                </a:lnTo>
+                <a:lnTo>
+                  <a:pt x="319166" y="2845505"/>
+                </a:lnTo>
+                <a:lnTo>
+                  <a:pt x="289832" y="2823210"/>
+                </a:lnTo>
+                <a:lnTo>
+                  <a:pt x="260497" y="2800916"/>
+                </a:lnTo>
+                <a:lnTo>
+                  <a:pt x="232334" y="2778620"/>
+                </a:lnTo>
+                <a:lnTo>
+                  <a:pt x="205346" y="2753979"/>
+                </a:lnTo>
+                <a:lnTo>
+                  <a:pt x="181878" y="2729338"/>
+                </a:lnTo>
+                <a:lnTo>
+                  <a:pt x="161931" y="2701176"/>
+                </a:lnTo>
+                <a:lnTo>
+                  <a:pt x="146677" y="2671841"/>
+                </a:lnTo>
+                <a:lnTo>
+                  <a:pt x="136116" y="2636640"/>
+                </a:lnTo>
+                <a:lnTo>
+                  <a:pt x="131422" y="2600264"/>
+                </a:lnTo>
+                <a:lnTo>
+                  <a:pt x="130248" y="2562713"/>
+                </a:lnTo>
+                <a:lnTo>
+                  <a:pt x="133769" y="2522818"/>
+                </a:lnTo>
+                <a:lnTo>
+                  <a:pt x="138462" y="2482923"/>
+                </a:lnTo>
+                <a:lnTo>
+                  <a:pt x="144329" y="2443026"/>
+                </a:lnTo>
+                <a:lnTo>
+                  <a:pt x="149023" y="2403131"/>
+                </a:lnTo>
+                <a:lnTo>
+                  <a:pt x="151371" y="2363236"/>
+                </a:lnTo>
+                <a:lnTo>
+                  <a:pt x="151371" y="2324513"/>
+                </a:lnTo>
+                <a:lnTo>
+                  <a:pt x="146677" y="2288138"/>
+                </a:lnTo>
+                <a:lnTo>
+                  <a:pt x="137289" y="2251763"/>
+                </a:lnTo>
+                <a:lnTo>
+                  <a:pt x="123208" y="2217733"/>
+                </a:lnTo>
+                <a:lnTo>
+                  <a:pt x="105607" y="2182531"/>
+                </a:lnTo>
+                <a:lnTo>
+                  <a:pt x="85659" y="2147330"/>
+                </a:lnTo>
+                <a:lnTo>
+                  <a:pt x="64538" y="2112127"/>
+                </a:lnTo>
+                <a:lnTo>
+                  <a:pt x="44590" y="2078098"/>
+                </a:lnTo>
+                <a:lnTo>
+                  <a:pt x="26988" y="2041723"/>
+                </a:lnTo>
+                <a:lnTo>
+                  <a:pt x="12908" y="2006521"/>
+                </a:lnTo>
+                <a:lnTo>
+                  <a:pt x="3521" y="1970145"/>
+                </a:lnTo>
+                <a:lnTo>
+                  <a:pt x="0" y="1932596"/>
+                </a:lnTo>
+                <a:lnTo>
+                  <a:pt x="3521" y="1895048"/>
+                </a:lnTo>
+                <a:lnTo>
+                  <a:pt x="12908" y="1858672"/>
+                </a:lnTo>
+                <a:lnTo>
+                  <a:pt x="26988" y="1823470"/>
+                </a:lnTo>
+                <a:lnTo>
+                  <a:pt x="44590" y="1787095"/>
+                </a:lnTo>
+                <a:lnTo>
+                  <a:pt x="64538" y="1753065"/>
+                </a:lnTo>
+                <a:lnTo>
+                  <a:pt x="85659" y="1717864"/>
+                </a:lnTo>
+                <a:lnTo>
+                  <a:pt x="105607" y="1682661"/>
+                </a:lnTo>
+                <a:lnTo>
+                  <a:pt x="123208" y="1647460"/>
+                </a:lnTo>
+                <a:lnTo>
+                  <a:pt x="137289" y="1613430"/>
+                </a:lnTo>
+                <a:lnTo>
+                  <a:pt x="146677" y="1577054"/>
+                </a:lnTo>
+                <a:lnTo>
+                  <a:pt x="151371" y="1540680"/>
+                </a:lnTo>
+                <a:lnTo>
+                  <a:pt x="151371" y="1501958"/>
+                </a:lnTo>
+                <a:lnTo>
+                  <a:pt x="149023" y="1462061"/>
+                </a:lnTo>
+                <a:lnTo>
+                  <a:pt x="144329" y="1422166"/>
+                </a:lnTo>
+                <a:lnTo>
+                  <a:pt x="138462" y="1382269"/>
+                </a:lnTo>
+                <a:lnTo>
+                  <a:pt x="133769" y="1342374"/>
+                </a:lnTo>
+                <a:lnTo>
+                  <a:pt x="130248" y="1302479"/>
+                </a:lnTo>
+                <a:lnTo>
+                  <a:pt x="131422" y="1264930"/>
+                </a:lnTo>
+                <a:lnTo>
+                  <a:pt x="136116" y="1228554"/>
+                </a:lnTo>
+                <a:lnTo>
+                  <a:pt x="146677" y="1193352"/>
+                </a:lnTo>
+                <a:lnTo>
+                  <a:pt x="161931" y="1164017"/>
+                </a:lnTo>
+                <a:lnTo>
+                  <a:pt x="181878" y="1135856"/>
+                </a:lnTo>
+                <a:lnTo>
+                  <a:pt x="205346" y="1111214"/>
+                </a:lnTo>
+                <a:lnTo>
+                  <a:pt x="232334" y="1086573"/>
+                </a:lnTo>
+                <a:lnTo>
+                  <a:pt x="260497" y="1064277"/>
+                </a:lnTo>
+                <a:lnTo>
+                  <a:pt x="289832" y="1041982"/>
+                </a:lnTo>
+                <a:lnTo>
+                  <a:pt x="319166" y="1019688"/>
+                </a:lnTo>
+                <a:lnTo>
+                  <a:pt x="348502" y="997393"/>
+                </a:lnTo>
+                <a:lnTo>
+                  <a:pt x="375490" y="973926"/>
+                </a:lnTo>
+                <a:lnTo>
+                  <a:pt x="398960" y="946938"/>
+                </a:lnTo>
+                <a:lnTo>
+                  <a:pt x="420079" y="921122"/>
+                </a:lnTo>
+                <a:lnTo>
+                  <a:pt x="436507" y="891788"/>
+                </a:lnTo>
+                <a:lnTo>
+                  <a:pt x="450588" y="860106"/>
+                </a:lnTo>
+                <a:lnTo>
+                  <a:pt x="462322" y="826076"/>
+                </a:lnTo>
+                <a:lnTo>
+                  <a:pt x="472883" y="790874"/>
+                </a:lnTo>
+                <a:lnTo>
+                  <a:pt x="482271" y="755672"/>
+                </a:lnTo>
+                <a:lnTo>
+                  <a:pt x="491658" y="719297"/>
+                </a:lnTo>
+                <a:lnTo>
+                  <a:pt x="502219" y="685268"/>
+                </a:lnTo>
+                <a:lnTo>
+                  <a:pt x="513952" y="651238"/>
+                </a:lnTo>
+                <a:lnTo>
+                  <a:pt x="528034" y="619558"/>
+                </a:lnTo>
+                <a:lnTo>
+                  <a:pt x="545635" y="591396"/>
+                </a:lnTo>
+                <a:lnTo>
+                  <a:pt x="566755" y="565581"/>
+                </a:lnTo>
+                <a:lnTo>
+                  <a:pt x="592570" y="544460"/>
+                </a:lnTo>
+                <a:lnTo>
+                  <a:pt x="620733" y="526859"/>
+                </a:lnTo>
+                <a:lnTo>
+                  <a:pt x="652413" y="512777"/>
+                </a:lnTo>
+                <a:lnTo>
+                  <a:pt x="686443" y="501044"/>
+                </a:lnTo>
+                <a:lnTo>
+                  <a:pt x="720472" y="490483"/>
+                </a:lnTo>
+                <a:lnTo>
+                  <a:pt x="756848" y="481096"/>
+                </a:lnTo>
+                <a:lnTo>
+                  <a:pt x="792049" y="471708"/>
+                </a:lnTo>
+                <a:lnTo>
+                  <a:pt x="827252" y="461147"/>
+                </a:lnTo>
+                <a:lnTo>
+                  <a:pt x="861280" y="449413"/>
+                </a:lnTo>
+                <a:lnTo>
+                  <a:pt x="892962" y="435332"/>
+                </a:lnTo>
+                <a:lnTo>
+                  <a:pt x="922297" y="418906"/>
+                </a:lnTo>
+                <a:lnTo>
+                  <a:pt x="948112" y="397785"/>
+                </a:lnTo>
+                <a:lnTo>
+                  <a:pt x="975101" y="374315"/>
+                </a:lnTo>
+                <a:lnTo>
+                  <a:pt x="998569" y="347327"/>
+                </a:lnTo>
+                <a:lnTo>
+                  <a:pt x="1020864" y="319166"/>
+                </a:lnTo>
+                <a:lnTo>
+                  <a:pt x="1043158" y="289831"/>
+                </a:lnTo>
+                <a:lnTo>
+                  <a:pt x="1065453" y="260495"/>
+                </a:lnTo>
+                <a:lnTo>
+                  <a:pt x="1087747" y="232334"/>
+                </a:lnTo>
+                <a:lnTo>
+                  <a:pt x="1112390" y="205346"/>
+                </a:lnTo>
+                <a:lnTo>
+                  <a:pt x="1137030" y="181878"/>
+                </a:lnTo>
+                <a:lnTo>
+                  <a:pt x="1165193" y="161930"/>
+                </a:lnTo>
+                <a:lnTo>
+                  <a:pt x="1194528" y="146675"/>
+                </a:lnTo>
+                <a:lnTo>
+                  <a:pt x="1229731" y="136115"/>
+                </a:lnTo>
+                <a:lnTo>
+                  <a:pt x="1266106" y="131421"/>
+                </a:lnTo>
+                <a:lnTo>
+                  <a:pt x="1303654" y="130247"/>
+                </a:lnTo>
+                <a:lnTo>
+                  <a:pt x="1343549" y="133769"/>
+                </a:lnTo>
+                <a:lnTo>
+                  <a:pt x="1383446" y="138462"/>
+                </a:lnTo>
+                <a:lnTo>
+                  <a:pt x="1423342" y="144329"/>
+                </a:lnTo>
+                <a:lnTo>
+                  <a:pt x="1463237" y="149023"/>
+                </a:lnTo>
+                <a:lnTo>
+                  <a:pt x="1503133" y="151369"/>
+                </a:lnTo>
+                <a:lnTo>
+                  <a:pt x="1541856" y="151369"/>
+                </a:lnTo>
+                <a:lnTo>
+                  <a:pt x="1578232" y="146675"/>
+                </a:lnTo>
+                <a:lnTo>
+                  <a:pt x="1614608" y="137288"/>
+                </a:lnTo>
+                <a:lnTo>
+                  <a:pt x="1649810" y="123208"/>
+                </a:lnTo>
+                <a:lnTo>
+                  <a:pt x="1685011" y="104433"/>
+                </a:lnTo>
+                <a:lnTo>
+                  <a:pt x="1720214" y="85659"/>
+                </a:lnTo>
+                <a:lnTo>
+                  <a:pt x="1755415" y="64537"/>
+                </a:lnTo>
+                <a:lnTo>
+                  <a:pt x="1789445" y="44589"/>
+                </a:lnTo>
+                <a:lnTo>
+                  <a:pt x="1825821" y="26988"/>
+                </a:lnTo>
+                <a:lnTo>
+                  <a:pt x="1861022" y="12907"/>
+                </a:lnTo>
+                <a:lnTo>
+                  <a:pt x="1897398" y="3519"/>
+                </a:lnTo>
+                <a:close/>
+              </a:path>
+            </a:pathLst>
+          </a:custGeom>
+          <a:solidFill>
+            <a:srgbClr val="FFFFFF">
+              <a:alpha val="80000"/>
+            </a:srgbClr>
+          </a:solidFill>
+          <a:ln>
+            <a:noFill/>
+          </a:ln>
         </p:spPr>
+        <p:style>
+          <a:lnRef idx="2">
+            <a:schemeClr val="accent1">
+              <a:shade val="50000"/>
+            </a:schemeClr>
+          </a:lnRef>
+          <a:fillRef idx="1">
+            <a:schemeClr val="accent1"/>
+          </a:fillRef>
+          <a:effectRef idx="0">
+            <a:schemeClr val="accent1"/>
+          </a:effectRef>
+          <a:fontRef idx="minor">
+            <a:schemeClr val="lt1"/>
+          </a:fontRef>
+        </p:style>
         <p:txBody>
-          <a:bodyPr anchor="ctr">
-            <a:normAutofit/>
+          <a:bodyPr wrap="square" rtlCol="0" anchor="ctr">
+            <a:noAutofit/>
           </a:bodyPr>
           <a:lstStyle/>
           <a:p>
-            <a:r>
-              <a:rPr lang="en-US" altLang="zh-CN" dirty="0"/>
-              <a:t>Input the angle </a:t>
-            </a:r>
-            <a:endParaRPr lang="zh-CN" altLang="en-US" dirty="0"/>
+            <a:pPr algn="ctr"/>
+            <a:endParaRPr lang="en-US" dirty="0">
+              <a:solidFill>
+                <a:prstClr val="white"/>
+              </a:solidFill>
+              <a:latin typeface="Calibri" panose="020F0502020204030204"/>
+            </a:endParaRPr>
           </a:p>
         </p:txBody>
       </p:sp>
+      <p:sp>
+        <p:nvSpPr>
+          <p:cNvPr id="34" name="Freeform: Shape 33">
+            <a:extLst>
+              <a:ext uri="{FF2B5EF4-FFF2-40B4-BE49-F238E27FC236}">
+                <a16:creationId xmlns:a16="http://schemas.microsoft.com/office/drawing/2014/main" id="{9E2E6A6E-803E-4838-AD5C-113793CC2067}"/>
+              </a:ext>
+              <a:ext uri="{C183D7F6-B498-43B3-948B-1728B52AA6E4}">
+                <adec:decorative xmlns:adec="http://schemas.microsoft.com/office/drawing/2017/decorative" val="1"/>
+              </a:ext>
+            </a:extLst>
+          </p:cNvPr>
+          <p:cNvSpPr>
+            <a:spLocks noGrp="1" noRot="1" noChangeAspect="1" noMove="1" noResize="1" noEditPoints="1" noAdjustHandles="1" noChangeArrowheads="1" noChangeShapeType="1" noTextEdit="1"/>
+          </p:cNvSpPr>
+          <p:nvPr>
+            <p:extLst>
+              <p:ext uri="{386F3935-93C4-4BCD-93E2-E3B085C9AB24}">
+                <p16:designElem xmlns:p16="http://schemas.microsoft.com/office/powerpoint/2015/main" val="1"/>
+              </p:ext>
+            </p:extLst>
+          </p:nvPr>
+        </p:nvSpPr>
+        <p:spPr>
+          <a:xfrm>
+            <a:off x="8977890" y="4009102"/>
+            <a:ext cx="3214111" cy="2848897"/>
+          </a:xfrm>
+          <a:custGeom>
+            <a:avLst/>
+            <a:gdLst>
+              <a:gd name="connsiteX0" fmla="*/ 1835656 w 3214111"/>
+              <a:gd name="connsiteY0" fmla="*/ 0 h 2848897"/>
+              <a:gd name="connsiteX1" fmla="*/ 1871276 w 3214111"/>
+              <a:gd name="connsiteY1" fmla="*/ 3339 h 2848897"/>
+              <a:gd name="connsiteX2" fmla="*/ 1905787 w 3214111"/>
+              <a:gd name="connsiteY2" fmla="*/ 12245 h 2848897"/>
+              <a:gd name="connsiteX3" fmla="*/ 1939183 w 3214111"/>
+              <a:gd name="connsiteY3" fmla="*/ 25604 h 2848897"/>
+              <a:gd name="connsiteX4" fmla="*/ 1973690 w 3214111"/>
+              <a:gd name="connsiteY4" fmla="*/ 42302 h 2848897"/>
+              <a:gd name="connsiteX5" fmla="*/ 2005974 w 3214111"/>
+              <a:gd name="connsiteY5" fmla="*/ 61227 h 2848897"/>
+              <a:gd name="connsiteX6" fmla="*/ 2039370 w 3214111"/>
+              <a:gd name="connsiteY6" fmla="*/ 81264 h 2848897"/>
+              <a:gd name="connsiteX7" fmla="*/ 2072765 w 3214111"/>
+              <a:gd name="connsiteY7" fmla="*/ 99075 h 2848897"/>
+              <a:gd name="connsiteX8" fmla="*/ 2106161 w 3214111"/>
+              <a:gd name="connsiteY8" fmla="*/ 116887 h 2848897"/>
+              <a:gd name="connsiteX9" fmla="*/ 2138444 w 3214111"/>
+              <a:gd name="connsiteY9" fmla="*/ 130245 h 2848897"/>
+              <a:gd name="connsiteX10" fmla="*/ 2174066 w 3214111"/>
+              <a:gd name="connsiteY10" fmla="*/ 139150 h 2848897"/>
+              <a:gd name="connsiteX11" fmla="*/ 2208575 w 3214111"/>
+              <a:gd name="connsiteY11" fmla="*/ 143604 h 2848897"/>
+              <a:gd name="connsiteX12" fmla="*/ 2245310 w 3214111"/>
+              <a:gd name="connsiteY12" fmla="*/ 143604 h 2848897"/>
+              <a:gd name="connsiteX13" fmla="*/ 2283159 w 3214111"/>
+              <a:gd name="connsiteY13" fmla="*/ 141378 h 2848897"/>
+              <a:gd name="connsiteX14" fmla="*/ 2321007 w 3214111"/>
+              <a:gd name="connsiteY14" fmla="*/ 136924 h 2848897"/>
+              <a:gd name="connsiteX15" fmla="*/ 2358857 w 3214111"/>
+              <a:gd name="connsiteY15" fmla="*/ 131359 h 2848897"/>
+              <a:gd name="connsiteX16" fmla="*/ 2396705 w 3214111"/>
+              <a:gd name="connsiteY16" fmla="*/ 126906 h 2848897"/>
+              <a:gd name="connsiteX17" fmla="*/ 2434554 w 3214111"/>
+              <a:gd name="connsiteY17" fmla="*/ 123565 h 2848897"/>
+              <a:gd name="connsiteX18" fmla="*/ 2470175 w 3214111"/>
+              <a:gd name="connsiteY18" fmla="*/ 124678 h 2848897"/>
+              <a:gd name="connsiteX19" fmla="*/ 2504683 w 3214111"/>
+              <a:gd name="connsiteY19" fmla="*/ 129132 h 2848897"/>
+              <a:gd name="connsiteX20" fmla="*/ 2538079 w 3214111"/>
+              <a:gd name="connsiteY20" fmla="*/ 139150 h 2848897"/>
+              <a:gd name="connsiteX21" fmla="*/ 2565910 w 3214111"/>
+              <a:gd name="connsiteY21" fmla="*/ 153622 h 2848897"/>
+              <a:gd name="connsiteX22" fmla="*/ 2592625 w 3214111"/>
+              <a:gd name="connsiteY22" fmla="*/ 172547 h 2848897"/>
+              <a:gd name="connsiteX23" fmla="*/ 2616003 w 3214111"/>
+              <a:gd name="connsiteY23" fmla="*/ 194811 h 2848897"/>
+              <a:gd name="connsiteX24" fmla="*/ 2639380 w 3214111"/>
+              <a:gd name="connsiteY24" fmla="*/ 220414 h 2848897"/>
+              <a:gd name="connsiteX25" fmla="*/ 2660531 w 3214111"/>
+              <a:gd name="connsiteY25" fmla="*/ 247131 h 2848897"/>
+              <a:gd name="connsiteX26" fmla="*/ 2681682 w 3214111"/>
+              <a:gd name="connsiteY26" fmla="*/ 274961 h 2848897"/>
+              <a:gd name="connsiteX27" fmla="*/ 2702832 w 3214111"/>
+              <a:gd name="connsiteY27" fmla="*/ 302791 h 2848897"/>
+              <a:gd name="connsiteX28" fmla="*/ 2723982 w 3214111"/>
+              <a:gd name="connsiteY28" fmla="*/ 329509 h 2848897"/>
+              <a:gd name="connsiteX29" fmla="*/ 2746247 w 3214111"/>
+              <a:gd name="connsiteY29" fmla="*/ 355112 h 2848897"/>
+              <a:gd name="connsiteX30" fmla="*/ 2771851 w 3214111"/>
+              <a:gd name="connsiteY30" fmla="*/ 377377 h 2848897"/>
+              <a:gd name="connsiteX31" fmla="*/ 2796341 w 3214111"/>
+              <a:gd name="connsiteY31" fmla="*/ 397415 h 2848897"/>
+              <a:gd name="connsiteX32" fmla="*/ 2824171 w 3214111"/>
+              <a:gd name="connsiteY32" fmla="*/ 412999 h 2848897"/>
+              <a:gd name="connsiteX33" fmla="*/ 2854227 w 3214111"/>
+              <a:gd name="connsiteY33" fmla="*/ 426357 h 2848897"/>
+              <a:gd name="connsiteX34" fmla="*/ 2886509 w 3214111"/>
+              <a:gd name="connsiteY34" fmla="*/ 437489 h 2848897"/>
+              <a:gd name="connsiteX35" fmla="*/ 2919904 w 3214111"/>
+              <a:gd name="connsiteY35" fmla="*/ 447507 h 2848897"/>
+              <a:gd name="connsiteX36" fmla="*/ 2953300 w 3214111"/>
+              <a:gd name="connsiteY36" fmla="*/ 456413 h 2848897"/>
+              <a:gd name="connsiteX37" fmla="*/ 2987809 w 3214111"/>
+              <a:gd name="connsiteY37" fmla="*/ 465320 h 2848897"/>
+              <a:gd name="connsiteX38" fmla="*/ 3020092 w 3214111"/>
+              <a:gd name="connsiteY38" fmla="*/ 475338 h 2848897"/>
+              <a:gd name="connsiteX39" fmla="*/ 3052373 w 3214111"/>
+              <a:gd name="connsiteY39" fmla="*/ 486470 h 2848897"/>
+              <a:gd name="connsiteX40" fmla="*/ 3082430 w 3214111"/>
+              <a:gd name="connsiteY40" fmla="*/ 499829 h 2848897"/>
+              <a:gd name="connsiteX41" fmla="*/ 3109148 w 3214111"/>
+              <a:gd name="connsiteY41" fmla="*/ 516527 h 2848897"/>
+              <a:gd name="connsiteX42" fmla="*/ 3133639 w 3214111"/>
+              <a:gd name="connsiteY42" fmla="*/ 536565 h 2848897"/>
+              <a:gd name="connsiteX43" fmla="*/ 3153674 w 3214111"/>
+              <a:gd name="connsiteY43" fmla="*/ 561055 h 2848897"/>
+              <a:gd name="connsiteX44" fmla="*/ 3170373 w 3214111"/>
+              <a:gd name="connsiteY44" fmla="*/ 587772 h 2848897"/>
+              <a:gd name="connsiteX45" fmla="*/ 3183731 w 3214111"/>
+              <a:gd name="connsiteY45" fmla="*/ 617827 h 2848897"/>
+              <a:gd name="connsiteX46" fmla="*/ 3194863 w 3214111"/>
+              <a:gd name="connsiteY46" fmla="*/ 650112 h 2848897"/>
+              <a:gd name="connsiteX47" fmla="*/ 3204881 w 3214111"/>
+              <a:gd name="connsiteY47" fmla="*/ 682393 h 2848897"/>
+              <a:gd name="connsiteX48" fmla="*/ 3213788 w 3214111"/>
+              <a:gd name="connsiteY48" fmla="*/ 716904 h 2848897"/>
+              <a:gd name="connsiteX49" fmla="*/ 3214111 w 3214111"/>
+              <a:gd name="connsiteY49" fmla="*/ 718115 h 2848897"/>
+              <a:gd name="connsiteX50" fmla="*/ 3214111 w 3214111"/>
+              <a:gd name="connsiteY50" fmla="*/ 2848897 h 2848897"/>
+              <a:gd name="connsiteX51" fmla="*/ 426570 w 3214111"/>
+              <a:gd name="connsiteY51" fmla="*/ 2848897 h 2848897"/>
+              <a:gd name="connsiteX52" fmla="*/ 414108 w 3214111"/>
+              <a:gd name="connsiteY52" fmla="*/ 2820857 h 2848897"/>
+              <a:gd name="connsiteX53" fmla="*/ 398524 w 3214111"/>
+              <a:gd name="connsiteY53" fmla="*/ 2793028 h 2848897"/>
+              <a:gd name="connsiteX54" fmla="*/ 378487 w 3214111"/>
+              <a:gd name="connsiteY54" fmla="*/ 2768537 h 2848897"/>
+              <a:gd name="connsiteX55" fmla="*/ 356222 w 3214111"/>
+              <a:gd name="connsiteY55" fmla="*/ 2742933 h 2848897"/>
+              <a:gd name="connsiteX56" fmla="*/ 330619 w 3214111"/>
+              <a:gd name="connsiteY56" fmla="*/ 2720669 h 2848897"/>
+              <a:gd name="connsiteX57" fmla="*/ 302788 w 3214111"/>
+              <a:gd name="connsiteY57" fmla="*/ 2699519 h 2848897"/>
+              <a:gd name="connsiteX58" fmla="*/ 274959 w 3214111"/>
+              <a:gd name="connsiteY58" fmla="*/ 2678368 h 2848897"/>
+              <a:gd name="connsiteX59" fmla="*/ 247130 w 3214111"/>
+              <a:gd name="connsiteY59" fmla="*/ 2657218 h 2848897"/>
+              <a:gd name="connsiteX60" fmla="*/ 220413 w 3214111"/>
+              <a:gd name="connsiteY60" fmla="*/ 2636065 h 2848897"/>
+              <a:gd name="connsiteX61" fmla="*/ 194809 w 3214111"/>
+              <a:gd name="connsiteY61" fmla="*/ 2612689 h 2848897"/>
+              <a:gd name="connsiteX62" fmla="*/ 172546 w 3214111"/>
+              <a:gd name="connsiteY62" fmla="*/ 2589312 h 2848897"/>
+              <a:gd name="connsiteX63" fmla="*/ 153622 w 3214111"/>
+              <a:gd name="connsiteY63" fmla="*/ 2562594 h 2848897"/>
+              <a:gd name="connsiteX64" fmla="*/ 139150 w 3214111"/>
+              <a:gd name="connsiteY64" fmla="*/ 2534764 h 2848897"/>
+              <a:gd name="connsiteX65" fmla="*/ 129132 w 3214111"/>
+              <a:gd name="connsiteY65" fmla="*/ 2501370 h 2848897"/>
+              <a:gd name="connsiteX66" fmla="*/ 124678 w 3214111"/>
+              <a:gd name="connsiteY66" fmla="*/ 2466860 h 2848897"/>
+              <a:gd name="connsiteX67" fmla="*/ 123564 w 3214111"/>
+              <a:gd name="connsiteY67" fmla="*/ 2431236 h 2848897"/>
+              <a:gd name="connsiteX68" fmla="*/ 126904 w 3214111"/>
+              <a:gd name="connsiteY68" fmla="*/ 2393388 h 2848897"/>
+              <a:gd name="connsiteX69" fmla="*/ 131358 w 3214111"/>
+              <a:gd name="connsiteY69" fmla="*/ 2355539 h 2848897"/>
+              <a:gd name="connsiteX70" fmla="*/ 136923 w 3214111"/>
+              <a:gd name="connsiteY70" fmla="*/ 2317690 h 2848897"/>
+              <a:gd name="connsiteX71" fmla="*/ 141376 w 3214111"/>
+              <a:gd name="connsiteY71" fmla="*/ 2279842 h 2848897"/>
+              <a:gd name="connsiteX72" fmla="*/ 143604 w 3214111"/>
+              <a:gd name="connsiteY72" fmla="*/ 2241992 h 2848897"/>
+              <a:gd name="connsiteX73" fmla="*/ 143604 w 3214111"/>
+              <a:gd name="connsiteY73" fmla="*/ 2205256 h 2848897"/>
+              <a:gd name="connsiteX74" fmla="*/ 139150 w 3214111"/>
+              <a:gd name="connsiteY74" fmla="*/ 2170747 h 2848897"/>
+              <a:gd name="connsiteX75" fmla="*/ 130245 w 3214111"/>
+              <a:gd name="connsiteY75" fmla="*/ 2136238 h 2848897"/>
+              <a:gd name="connsiteX76" fmla="*/ 116886 w 3214111"/>
+              <a:gd name="connsiteY76" fmla="*/ 2103954 h 2848897"/>
+              <a:gd name="connsiteX77" fmla="*/ 100188 w 3214111"/>
+              <a:gd name="connsiteY77" fmla="*/ 2070559 h 2848897"/>
+              <a:gd name="connsiteX78" fmla="*/ 81264 w 3214111"/>
+              <a:gd name="connsiteY78" fmla="*/ 2037163 h 2848897"/>
+              <a:gd name="connsiteX79" fmla="*/ 61227 w 3214111"/>
+              <a:gd name="connsiteY79" fmla="*/ 2003766 h 2848897"/>
+              <a:gd name="connsiteX80" fmla="*/ 42303 w 3214111"/>
+              <a:gd name="connsiteY80" fmla="*/ 1971483 h 2848897"/>
+              <a:gd name="connsiteX81" fmla="*/ 25603 w 3214111"/>
+              <a:gd name="connsiteY81" fmla="*/ 1936974 h 2848897"/>
+              <a:gd name="connsiteX82" fmla="*/ 12246 w 3214111"/>
+              <a:gd name="connsiteY82" fmla="*/ 1903578 h 2848897"/>
+              <a:gd name="connsiteX83" fmla="*/ 3340 w 3214111"/>
+              <a:gd name="connsiteY83" fmla="*/ 1869068 h 2848897"/>
+              <a:gd name="connsiteX84" fmla="*/ 0 w 3214111"/>
+              <a:gd name="connsiteY84" fmla="*/ 1833446 h 2848897"/>
+              <a:gd name="connsiteX85" fmla="*/ 3340 w 3214111"/>
+              <a:gd name="connsiteY85" fmla="*/ 1797824 h 2848897"/>
+              <a:gd name="connsiteX86" fmla="*/ 12246 w 3214111"/>
+              <a:gd name="connsiteY86" fmla="*/ 1763315 h 2848897"/>
+              <a:gd name="connsiteX87" fmla="*/ 25603 w 3214111"/>
+              <a:gd name="connsiteY87" fmla="*/ 1729918 h 2848897"/>
+              <a:gd name="connsiteX88" fmla="*/ 42303 w 3214111"/>
+              <a:gd name="connsiteY88" fmla="*/ 1695410 h 2848897"/>
+              <a:gd name="connsiteX89" fmla="*/ 61227 w 3214111"/>
+              <a:gd name="connsiteY89" fmla="*/ 1663126 h 2848897"/>
+              <a:gd name="connsiteX90" fmla="*/ 81264 w 3214111"/>
+              <a:gd name="connsiteY90" fmla="*/ 1629730 h 2848897"/>
+              <a:gd name="connsiteX91" fmla="*/ 100188 w 3214111"/>
+              <a:gd name="connsiteY91" fmla="*/ 1596334 h 2848897"/>
+              <a:gd name="connsiteX92" fmla="*/ 116886 w 3214111"/>
+              <a:gd name="connsiteY92" fmla="*/ 1562938 h 2848897"/>
+              <a:gd name="connsiteX93" fmla="*/ 130245 w 3214111"/>
+              <a:gd name="connsiteY93" fmla="*/ 1530654 h 2848897"/>
+              <a:gd name="connsiteX94" fmla="*/ 139150 w 3214111"/>
+              <a:gd name="connsiteY94" fmla="*/ 1496145 h 2848897"/>
+              <a:gd name="connsiteX95" fmla="*/ 143604 w 3214111"/>
+              <a:gd name="connsiteY95" fmla="*/ 1461636 h 2848897"/>
+              <a:gd name="connsiteX96" fmla="*/ 143604 w 3214111"/>
+              <a:gd name="connsiteY96" fmla="*/ 1424901 h 2848897"/>
+              <a:gd name="connsiteX97" fmla="*/ 141376 w 3214111"/>
+              <a:gd name="connsiteY97" fmla="*/ 1387052 h 2848897"/>
+              <a:gd name="connsiteX98" fmla="*/ 136923 w 3214111"/>
+              <a:gd name="connsiteY98" fmla="*/ 1349203 h 2848897"/>
+              <a:gd name="connsiteX99" fmla="*/ 131358 w 3214111"/>
+              <a:gd name="connsiteY99" fmla="*/ 1311353 h 2848897"/>
+              <a:gd name="connsiteX100" fmla="*/ 126904 w 3214111"/>
+              <a:gd name="connsiteY100" fmla="*/ 1273505 h 2848897"/>
+              <a:gd name="connsiteX101" fmla="*/ 123564 w 3214111"/>
+              <a:gd name="connsiteY101" fmla="*/ 1235657 h 2848897"/>
+              <a:gd name="connsiteX102" fmla="*/ 124678 w 3214111"/>
+              <a:gd name="connsiteY102" fmla="*/ 1200034 h 2848897"/>
+              <a:gd name="connsiteX103" fmla="*/ 129132 w 3214111"/>
+              <a:gd name="connsiteY103" fmla="*/ 1165525 h 2848897"/>
+              <a:gd name="connsiteX104" fmla="*/ 139150 w 3214111"/>
+              <a:gd name="connsiteY104" fmla="*/ 1132128 h 2848897"/>
+              <a:gd name="connsiteX105" fmla="*/ 153622 w 3214111"/>
+              <a:gd name="connsiteY105" fmla="*/ 1104298 h 2848897"/>
+              <a:gd name="connsiteX106" fmla="*/ 172546 w 3214111"/>
+              <a:gd name="connsiteY106" fmla="*/ 1077582 h 2848897"/>
+              <a:gd name="connsiteX107" fmla="*/ 194809 w 3214111"/>
+              <a:gd name="connsiteY107" fmla="*/ 1054204 h 2848897"/>
+              <a:gd name="connsiteX108" fmla="*/ 220413 w 3214111"/>
+              <a:gd name="connsiteY108" fmla="*/ 1030827 h 2848897"/>
+              <a:gd name="connsiteX109" fmla="*/ 247130 w 3214111"/>
+              <a:gd name="connsiteY109" fmla="*/ 1009676 h 2848897"/>
+              <a:gd name="connsiteX110" fmla="*/ 274959 w 3214111"/>
+              <a:gd name="connsiteY110" fmla="*/ 988524 h 2848897"/>
+              <a:gd name="connsiteX111" fmla="*/ 302788 w 3214111"/>
+              <a:gd name="connsiteY111" fmla="*/ 967374 h 2848897"/>
+              <a:gd name="connsiteX112" fmla="*/ 330619 w 3214111"/>
+              <a:gd name="connsiteY112" fmla="*/ 946223 h 2848897"/>
+              <a:gd name="connsiteX113" fmla="*/ 356222 w 3214111"/>
+              <a:gd name="connsiteY113" fmla="*/ 923960 h 2848897"/>
+              <a:gd name="connsiteX114" fmla="*/ 378487 w 3214111"/>
+              <a:gd name="connsiteY114" fmla="*/ 898356 h 2848897"/>
+              <a:gd name="connsiteX115" fmla="*/ 398524 w 3214111"/>
+              <a:gd name="connsiteY115" fmla="*/ 873865 h 2848897"/>
+              <a:gd name="connsiteX116" fmla="*/ 414108 w 3214111"/>
+              <a:gd name="connsiteY116" fmla="*/ 846035 h 2848897"/>
+              <a:gd name="connsiteX117" fmla="*/ 427466 w 3214111"/>
+              <a:gd name="connsiteY117" fmla="*/ 815980 h 2848897"/>
+              <a:gd name="connsiteX118" fmla="*/ 438598 w 3214111"/>
+              <a:gd name="connsiteY118" fmla="*/ 783695 h 2848897"/>
+              <a:gd name="connsiteX119" fmla="*/ 448618 w 3214111"/>
+              <a:gd name="connsiteY119" fmla="*/ 750298 h 2848897"/>
+              <a:gd name="connsiteX120" fmla="*/ 457523 w 3214111"/>
+              <a:gd name="connsiteY120" fmla="*/ 716904 h 2848897"/>
+              <a:gd name="connsiteX121" fmla="*/ 466429 w 3214111"/>
+              <a:gd name="connsiteY121" fmla="*/ 682393 h 2848897"/>
+              <a:gd name="connsiteX122" fmla="*/ 476447 w 3214111"/>
+              <a:gd name="connsiteY122" fmla="*/ 650112 h 2848897"/>
+              <a:gd name="connsiteX123" fmla="*/ 487579 w 3214111"/>
+              <a:gd name="connsiteY123" fmla="*/ 617827 h 2848897"/>
+              <a:gd name="connsiteX124" fmla="*/ 500938 w 3214111"/>
+              <a:gd name="connsiteY124" fmla="*/ 587772 h 2848897"/>
+              <a:gd name="connsiteX125" fmla="*/ 517636 w 3214111"/>
+              <a:gd name="connsiteY125" fmla="*/ 561055 h 2848897"/>
+              <a:gd name="connsiteX126" fmla="*/ 537671 w 3214111"/>
+              <a:gd name="connsiteY126" fmla="*/ 536565 h 2848897"/>
+              <a:gd name="connsiteX127" fmla="*/ 562163 w 3214111"/>
+              <a:gd name="connsiteY127" fmla="*/ 516527 h 2848897"/>
+              <a:gd name="connsiteX128" fmla="*/ 588880 w 3214111"/>
+              <a:gd name="connsiteY128" fmla="*/ 499829 h 2848897"/>
+              <a:gd name="connsiteX129" fmla="*/ 618935 w 3214111"/>
+              <a:gd name="connsiteY129" fmla="*/ 486470 h 2848897"/>
+              <a:gd name="connsiteX130" fmla="*/ 651218 w 3214111"/>
+              <a:gd name="connsiteY130" fmla="*/ 475338 h 2848897"/>
+              <a:gd name="connsiteX131" fmla="*/ 683501 w 3214111"/>
+              <a:gd name="connsiteY131" fmla="*/ 465320 h 2848897"/>
+              <a:gd name="connsiteX132" fmla="*/ 718010 w 3214111"/>
+              <a:gd name="connsiteY132" fmla="*/ 456413 h 2848897"/>
+              <a:gd name="connsiteX133" fmla="*/ 751405 w 3214111"/>
+              <a:gd name="connsiteY133" fmla="*/ 447507 h 2848897"/>
+              <a:gd name="connsiteX134" fmla="*/ 784802 w 3214111"/>
+              <a:gd name="connsiteY134" fmla="*/ 437489 h 2848897"/>
+              <a:gd name="connsiteX135" fmla="*/ 817083 w 3214111"/>
+              <a:gd name="connsiteY135" fmla="*/ 426357 h 2848897"/>
+              <a:gd name="connsiteX136" fmla="*/ 847140 w 3214111"/>
+              <a:gd name="connsiteY136" fmla="*/ 412999 h 2848897"/>
+              <a:gd name="connsiteX137" fmla="*/ 874970 w 3214111"/>
+              <a:gd name="connsiteY137" fmla="*/ 397415 h 2848897"/>
+              <a:gd name="connsiteX138" fmla="*/ 899460 w 3214111"/>
+              <a:gd name="connsiteY138" fmla="*/ 377377 h 2848897"/>
+              <a:gd name="connsiteX139" fmla="*/ 925064 w 3214111"/>
+              <a:gd name="connsiteY139" fmla="*/ 355112 h 2848897"/>
+              <a:gd name="connsiteX140" fmla="*/ 947328 w 3214111"/>
+              <a:gd name="connsiteY140" fmla="*/ 329509 h 2848897"/>
+              <a:gd name="connsiteX141" fmla="*/ 968478 w 3214111"/>
+              <a:gd name="connsiteY141" fmla="*/ 302791 h 2848897"/>
+              <a:gd name="connsiteX142" fmla="*/ 989628 w 3214111"/>
+              <a:gd name="connsiteY142" fmla="*/ 274961 h 2848897"/>
+              <a:gd name="connsiteX143" fmla="*/ 1010780 w 3214111"/>
+              <a:gd name="connsiteY143" fmla="*/ 247131 h 2848897"/>
+              <a:gd name="connsiteX144" fmla="*/ 1031930 w 3214111"/>
+              <a:gd name="connsiteY144" fmla="*/ 220414 h 2848897"/>
+              <a:gd name="connsiteX145" fmla="*/ 1055307 w 3214111"/>
+              <a:gd name="connsiteY145" fmla="*/ 194811 h 2848897"/>
+              <a:gd name="connsiteX146" fmla="*/ 1078683 w 3214111"/>
+              <a:gd name="connsiteY146" fmla="*/ 172547 h 2848897"/>
+              <a:gd name="connsiteX147" fmla="*/ 1105401 w 3214111"/>
+              <a:gd name="connsiteY147" fmla="*/ 153622 h 2848897"/>
+              <a:gd name="connsiteX148" fmla="*/ 1133231 w 3214111"/>
+              <a:gd name="connsiteY148" fmla="*/ 139150 h 2848897"/>
+              <a:gd name="connsiteX149" fmla="*/ 1166627 w 3214111"/>
+              <a:gd name="connsiteY149" fmla="*/ 129132 h 2848897"/>
+              <a:gd name="connsiteX150" fmla="*/ 1201137 w 3214111"/>
+              <a:gd name="connsiteY150" fmla="*/ 124678 h 2848897"/>
+              <a:gd name="connsiteX151" fmla="*/ 1236757 w 3214111"/>
+              <a:gd name="connsiteY151" fmla="*/ 123565 h 2848897"/>
+              <a:gd name="connsiteX152" fmla="*/ 1274605 w 3214111"/>
+              <a:gd name="connsiteY152" fmla="*/ 126906 h 2848897"/>
+              <a:gd name="connsiteX153" fmla="*/ 1312455 w 3214111"/>
+              <a:gd name="connsiteY153" fmla="*/ 131359 h 2848897"/>
+              <a:gd name="connsiteX154" fmla="*/ 1350304 w 3214111"/>
+              <a:gd name="connsiteY154" fmla="*/ 136924 h 2848897"/>
+              <a:gd name="connsiteX155" fmla="*/ 1388152 w 3214111"/>
+              <a:gd name="connsiteY155" fmla="*/ 141378 h 2848897"/>
+              <a:gd name="connsiteX156" fmla="*/ 1426000 w 3214111"/>
+              <a:gd name="connsiteY156" fmla="*/ 143604 h 2848897"/>
+              <a:gd name="connsiteX157" fmla="*/ 1462737 w 3214111"/>
+              <a:gd name="connsiteY157" fmla="*/ 143604 h 2848897"/>
+              <a:gd name="connsiteX158" fmla="*/ 1497245 w 3214111"/>
+              <a:gd name="connsiteY158" fmla="*/ 139150 h 2848897"/>
+              <a:gd name="connsiteX159" fmla="*/ 1531755 w 3214111"/>
+              <a:gd name="connsiteY159" fmla="*/ 130245 h 2848897"/>
+              <a:gd name="connsiteX160" fmla="*/ 1565150 w 3214111"/>
+              <a:gd name="connsiteY160" fmla="*/ 116887 h 2848897"/>
+              <a:gd name="connsiteX161" fmla="*/ 1598545 w 3214111"/>
+              <a:gd name="connsiteY161" fmla="*/ 99075 h 2848897"/>
+              <a:gd name="connsiteX162" fmla="*/ 1631941 w 3214111"/>
+              <a:gd name="connsiteY162" fmla="*/ 81264 h 2848897"/>
+              <a:gd name="connsiteX163" fmla="*/ 1665337 w 3214111"/>
+              <a:gd name="connsiteY163" fmla="*/ 61227 h 2848897"/>
+              <a:gd name="connsiteX164" fmla="*/ 1697620 w 3214111"/>
+              <a:gd name="connsiteY164" fmla="*/ 42302 h 2848897"/>
+              <a:gd name="connsiteX165" fmla="*/ 1732129 w 3214111"/>
+              <a:gd name="connsiteY165" fmla="*/ 25604 h 2848897"/>
+              <a:gd name="connsiteX166" fmla="*/ 1765525 w 3214111"/>
+              <a:gd name="connsiteY166" fmla="*/ 12245 h 2848897"/>
+              <a:gd name="connsiteX167" fmla="*/ 1800034 w 3214111"/>
+              <a:gd name="connsiteY167" fmla="*/ 3339 h 2848897"/>
+            </a:gdLst>
+            <a:ahLst/>
+            <a:cxnLst>
+              <a:cxn ang="0">
+                <a:pos x="connsiteX0" y="connsiteY0"/>
+              </a:cxn>
+              <a:cxn ang="0">
+                <a:pos x="connsiteX1" y="connsiteY1"/>
+              </a:cxn>
+              <a:cxn ang="0">
+                <a:pos x="connsiteX2" y="connsiteY2"/>
+              </a:cxn>
+              <a:cxn ang="0">
+                <a:pos x="connsiteX3" y="connsiteY3"/>
+              </a:cxn>
+              <a:cxn ang="0">
+                <a:pos x="connsiteX4" y="connsiteY4"/>
+              </a:cxn>
+              <a:cxn ang="0">
+                <a:pos x="connsiteX5" y="connsiteY5"/>
+              </a:cxn>
+              <a:cxn ang="0">
+                <a:pos x="connsiteX6" y="connsiteY6"/>
+              </a:cxn>
+              <a:cxn ang="0">
+                <a:pos x="connsiteX7" y="connsiteY7"/>
+              </a:cxn>
+              <a:cxn ang="0">
+                <a:pos x="connsiteX8" y="connsiteY8"/>
+              </a:cxn>
+              <a:cxn ang="0">
+                <a:pos x="connsiteX9" y="connsiteY9"/>
+              </a:cxn>
+              <a:cxn ang="0">
+                <a:pos x="connsiteX10" y="connsiteY10"/>
+              </a:cxn>
+              <a:cxn ang="0">
+                <a:pos x="connsiteX11" y="connsiteY11"/>
+              </a:cxn>
+              <a:cxn ang="0">
+                <a:pos x="connsiteX12" y="connsiteY12"/>
+              </a:cxn>
+              <a:cxn ang="0">
+                <a:pos x="connsiteX13" y="connsiteY13"/>
+              </a:cxn>
+              <a:cxn ang="0">
+                <a:pos x="connsiteX14" y="connsiteY14"/>
+              </a:cxn>
+              <a:cxn ang="0">
+                <a:pos x="connsiteX15" y="connsiteY15"/>
+              </a:cxn>
+              <a:cxn ang="0">
+                <a:pos x="connsiteX16" y="connsiteY16"/>
+              </a:cxn>
+              <a:cxn ang="0">
+                <a:pos x="connsiteX17" y="connsiteY17"/>
+              </a:cxn>
+              <a:cxn ang="0">
+                <a:pos x="connsiteX18" y="connsiteY18"/>
+              </a:cxn>
+              <a:cxn ang="0">
+                <a:pos x="connsiteX19" y="connsiteY19"/>
+              </a:cxn>
+              <a:cxn ang="0">
+                <a:pos x="connsiteX20" y="connsiteY20"/>
+              </a:cxn>
+              <a:cxn ang="0">
+                <a:pos x="connsiteX21" y="connsiteY21"/>
+              </a:cxn>
+              <a:cxn ang="0">
+                <a:pos x="connsiteX22" y="connsiteY22"/>
+              </a:cxn>
+              <a:cxn ang="0">
+                <a:pos x="connsiteX23" y="connsiteY23"/>
+              </a:cxn>
+              <a:cxn ang="0">
+                <a:pos x="connsiteX24" y="connsiteY24"/>
+              </a:cxn>
+              <a:cxn ang="0">
+                <a:pos x="connsiteX25" y="connsiteY25"/>
+              </a:cxn>
+              <a:cxn ang="0">
+                <a:pos x="connsiteX26" y="connsiteY26"/>
+              </a:cxn>
+              <a:cxn ang="0">
+                <a:pos x="connsiteX27" y="connsiteY27"/>
+              </a:cxn>
+              <a:cxn ang="0">
+                <a:pos x="connsiteX28" y="connsiteY28"/>
+              </a:cxn>
+              <a:cxn ang="0">
+                <a:pos x="connsiteX29" y="connsiteY29"/>
+              </a:cxn>
+              <a:cxn ang="0">
+                <a:pos x="connsiteX30" y="connsiteY30"/>
+              </a:cxn>
+              <a:cxn ang="0">
+                <a:pos x="connsiteX31" y="connsiteY31"/>
+              </a:cxn>
+              <a:cxn ang="0">
+                <a:pos x="connsiteX32" y="connsiteY32"/>
+              </a:cxn>
+              <a:cxn ang="0">
+                <a:pos x="connsiteX33" y="connsiteY33"/>
+              </a:cxn>
+              <a:cxn ang="0">
+                <a:pos x="connsiteX34" y="connsiteY34"/>
+              </a:cxn>
+              <a:cxn ang="0">
+                <a:pos x="connsiteX35" y="connsiteY35"/>
+              </a:cxn>
+              <a:cxn ang="0">
+                <a:pos x="connsiteX36" y="connsiteY36"/>
+              </a:cxn>
+              <a:cxn ang="0">
+                <a:pos x="connsiteX37" y="connsiteY37"/>
+              </a:cxn>
+              <a:cxn ang="0">
+                <a:pos x="connsiteX38" y="connsiteY38"/>
+              </a:cxn>
+              <a:cxn ang="0">
+                <a:pos x="connsiteX39" y="connsiteY39"/>
+              </a:cxn>
+              <a:cxn ang="0">
+                <a:pos x="connsiteX40" y="connsiteY40"/>
+              </a:cxn>
+              <a:cxn ang="0">
+                <a:pos x="connsiteX41" y="connsiteY41"/>
+              </a:cxn>
+              <a:cxn ang="0">
+                <a:pos x="connsiteX42" y="connsiteY42"/>
+              </a:cxn>
+              <a:cxn ang="0">
+                <a:pos x="connsiteX43" y="connsiteY43"/>
+              </a:cxn>
+              <a:cxn ang="0">
+                <a:pos x="connsiteX44" y="connsiteY44"/>
+              </a:cxn>
+              <a:cxn ang="0">
+                <a:pos x="connsiteX45" y="connsiteY45"/>
+              </a:cxn>
+              <a:cxn ang="0">
+                <a:pos x="connsiteX46" y="connsiteY46"/>
+              </a:cxn>
+              <a:cxn ang="0">
+                <a:pos x="connsiteX47" y="connsiteY47"/>
+              </a:cxn>
+              <a:cxn ang="0">
+                <a:pos x="connsiteX48" y="connsiteY48"/>
+              </a:cxn>
+              <a:cxn ang="0">
+                <a:pos x="connsiteX49" y="connsiteY49"/>
+              </a:cxn>
+              <a:cxn ang="0">
+                <a:pos x="connsiteX50" y="connsiteY50"/>
+              </a:cxn>
+              <a:cxn ang="0">
+                <a:pos x="connsiteX51" y="connsiteY51"/>
+              </a:cxn>
+              <a:cxn ang="0">
+                <a:pos x="connsiteX52" y="connsiteY52"/>
+              </a:cxn>
+              <a:cxn ang="0">
+                <a:pos x="connsiteX53" y="connsiteY53"/>
+              </a:cxn>
+              <a:cxn ang="0">
+                <a:pos x="connsiteX54" y="connsiteY54"/>
+              </a:cxn>
+              <a:cxn ang="0">
+                <a:pos x="connsiteX55" y="connsiteY55"/>
+              </a:cxn>
+              <a:cxn ang="0">
+                <a:pos x="connsiteX56" y="connsiteY56"/>
+              </a:cxn>
+              <a:cxn ang="0">
+                <a:pos x="connsiteX57" y="connsiteY57"/>
+              </a:cxn>
+              <a:cxn ang="0">
+                <a:pos x="connsiteX58" y="connsiteY58"/>
+              </a:cxn>
+              <a:cxn ang="0">
+                <a:pos x="connsiteX59" y="connsiteY59"/>
+              </a:cxn>
+              <a:cxn ang="0">
+                <a:pos x="connsiteX60" y="connsiteY60"/>
+              </a:cxn>
+              <a:cxn ang="0">
+                <a:pos x="connsiteX61" y="connsiteY61"/>
+              </a:cxn>
+              <a:cxn ang="0">
+                <a:pos x="connsiteX62" y="connsiteY62"/>
+              </a:cxn>
+              <a:cxn ang="0">
+                <a:pos x="connsiteX63" y="connsiteY63"/>
+              </a:cxn>
+              <a:cxn ang="0">
+                <a:pos x="connsiteX64" y="connsiteY64"/>
+              </a:cxn>
+              <a:cxn ang="0">
+                <a:pos x="connsiteX65" y="connsiteY65"/>
+              </a:cxn>
+              <a:cxn ang="0">
+                <a:pos x="connsiteX66" y="connsiteY66"/>
+              </a:cxn>
+              <a:cxn ang="0">
+                <a:pos x="connsiteX67" y="connsiteY67"/>
+              </a:cxn>
+              <a:cxn ang="0">
+                <a:pos x="connsiteX68" y="connsiteY68"/>
+              </a:cxn>
+              <a:cxn ang="0">
+                <a:pos x="connsiteX69" y="connsiteY69"/>
+              </a:cxn>
+              <a:cxn ang="0">
+                <a:pos x="connsiteX70" y="connsiteY70"/>
+              </a:cxn>
+              <a:cxn ang="0">
+                <a:pos x="connsiteX71" y="connsiteY71"/>
+              </a:cxn>
+              <a:cxn ang="0">
+                <a:pos x="connsiteX72" y="connsiteY72"/>
+              </a:cxn>
+              <a:cxn ang="0">
+                <a:pos x="connsiteX73" y="connsiteY73"/>
+              </a:cxn>
+              <a:cxn ang="0">
+                <a:pos x="connsiteX74" y="connsiteY74"/>
+              </a:cxn>
+              <a:cxn ang="0">
+                <a:pos x="connsiteX75" y="connsiteY75"/>
+              </a:cxn>
+              <a:cxn ang="0">
+                <a:pos x="connsiteX76" y="connsiteY76"/>
+              </a:cxn>
+              <a:cxn ang="0">
+                <a:pos x="connsiteX77" y="connsiteY77"/>
+              </a:cxn>
+              <a:cxn ang="0">
+                <a:pos x="connsiteX78" y="connsiteY78"/>
+              </a:cxn>
+              <a:cxn ang="0">
+                <a:pos x="connsiteX79" y="connsiteY79"/>
+              </a:cxn>
+              <a:cxn ang="0">
+                <a:pos x="connsiteX80" y="connsiteY80"/>
+              </a:cxn>
+              <a:cxn ang="0">
+                <a:pos x="connsiteX81" y="connsiteY81"/>
+              </a:cxn>
+              <a:cxn ang="0">
+                <a:pos x="connsiteX82" y="connsiteY82"/>
+              </a:cxn>
+              <a:cxn ang="0">
+                <a:pos x="connsiteX83" y="connsiteY83"/>
+              </a:cxn>
+              <a:cxn ang="0">
+                <a:pos x="connsiteX84" y="connsiteY84"/>
+              </a:cxn>
+              <a:cxn ang="0">
+                <a:pos x="connsiteX85" y="connsiteY85"/>
+              </a:cxn>
+              <a:cxn ang="0">
+                <a:pos x="connsiteX86" y="connsiteY86"/>
+              </a:cxn>
+              <a:cxn ang="0">
+                <a:pos x="connsiteX87" y="connsiteY87"/>
+              </a:cxn>
+              <a:cxn ang="0">
+                <a:pos x="connsiteX88" y="connsiteY88"/>
+              </a:cxn>
+              <a:cxn ang="0">
+                <a:pos x="connsiteX89" y="connsiteY89"/>
+              </a:cxn>
+              <a:cxn ang="0">
+                <a:pos x="connsiteX90" y="connsiteY90"/>
+              </a:cxn>
+              <a:cxn ang="0">
+                <a:pos x="connsiteX91" y="connsiteY91"/>
+              </a:cxn>
+              <a:cxn ang="0">
+                <a:pos x="connsiteX92" y="connsiteY92"/>
+              </a:cxn>
+              <a:cxn ang="0">
+                <a:pos x="connsiteX93" y="connsiteY93"/>
+              </a:cxn>
+              <a:cxn ang="0">
+                <a:pos x="connsiteX94" y="connsiteY94"/>
+              </a:cxn>
+              <a:cxn ang="0">
+                <a:pos x="connsiteX95" y="connsiteY95"/>
+              </a:cxn>
+              <a:cxn ang="0">
+                <a:pos x="connsiteX96" y="connsiteY96"/>
+              </a:cxn>
+              <a:cxn ang="0">
+                <a:pos x="connsiteX97" y="connsiteY97"/>
+              </a:cxn>
+              <a:cxn ang="0">
+                <a:pos x="connsiteX98" y="connsiteY98"/>
+              </a:cxn>
+              <a:cxn ang="0">
+                <a:pos x="connsiteX99" y="connsiteY99"/>
+              </a:cxn>
+              <a:cxn ang="0">
+                <a:pos x="connsiteX100" y="connsiteY100"/>
+              </a:cxn>
+              <a:cxn ang="0">
+                <a:pos x="connsiteX101" y="connsiteY101"/>
+              </a:cxn>
+              <a:cxn ang="0">
+                <a:pos x="connsiteX102" y="connsiteY102"/>
+              </a:cxn>
+              <a:cxn ang="0">
+                <a:pos x="connsiteX103" y="connsiteY103"/>
+              </a:cxn>
+              <a:cxn ang="0">
+                <a:pos x="connsiteX104" y="connsiteY104"/>
+              </a:cxn>
+              <a:cxn ang="0">
+                <a:pos x="connsiteX105" y="connsiteY105"/>
+              </a:cxn>
+              <a:cxn ang="0">
+                <a:pos x="connsiteX106" y="connsiteY106"/>
+              </a:cxn>
+              <a:cxn ang="0">
+                <a:pos x="connsiteX107" y="connsiteY107"/>
+              </a:cxn>
+              <a:cxn ang="0">
+                <a:pos x="connsiteX108" y="connsiteY108"/>
+              </a:cxn>
+              <a:cxn ang="0">
+                <a:pos x="connsiteX109" y="connsiteY109"/>
+              </a:cxn>
+              <a:cxn ang="0">
+                <a:pos x="connsiteX110" y="connsiteY110"/>
+              </a:cxn>
+              <a:cxn ang="0">
+                <a:pos x="connsiteX111" y="connsiteY111"/>
+              </a:cxn>
+              <a:cxn ang="0">
+                <a:pos x="connsiteX112" y="connsiteY112"/>
+              </a:cxn>
+              <a:cxn ang="0">
+                <a:pos x="connsiteX113" y="connsiteY113"/>
+              </a:cxn>
+              <a:cxn ang="0">
+                <a:pos x="connsiteX114" y="connsiteY114"/>
+              </a:cxn>
+              <a:cxn ang="0">
+                <a:pos x="connsiteX115" y="connsiteY115"/>
+              </a:cxn>
+              <a:cxn ang="0">
+                <a:pos x="connsiteX116" y="connsiteY116"/>
+              </a:cxn>
+              <a:cxn ang="0">
+                <a:pos x="connsiteX117" y="connsiteY117"/>
+              </a:cxn>
+              <a:cxn ang="0">
+                <a:pos x="connsiteX118" y="connsiteY118"/>
+              </a:cxn>
+              <a:cxn ang="0">
+                <a:pos x="connsiteX119" y="connsiteY119"/>
+              </a:cxn>
+              <a:cxn ang="0">
+                <a:pos x="connsiteX120" y="connsiteY120"/>
+              </a:cxn>
+              <a:cxn ang="0">
+                <a:pos x="connsiteX121" y="connsiteY121"/>
+              </a:cxn>
+              <a:cxn ang="0">
+                <a:pos x="connsiteX122" y="connsiteY122"/>
+              </a:cxn>
+              <a:cxn ang="0">
+                <a:pos x="connsiteX123" y="connsiteY123"/>
+              </a:cxn>
+              <a:cxn ang="0">
+                <a:pos x="connsiteX124" y="connsiteY124"/>
+              </a:cxn>
+              <a:cxn ang="0">
+                <a:pos x="connsiteX125" y="connsiteY125"/>
+              </a:cxn>
+              <a:cxn ang="0">
+                <a:pos x="connsiteX126" y="connsiteY126"/>
+              </a:cxn>
+              <a:cxn ang="0">
+                <a:pos x="connsiteX127" y="connsiteY127"/>
+              </a:cxn>
+              <a:cxn ang="0">
+                <a:pos x="connsiteX128" y="connsiteY128"/>
+              </a:cxn>
+              <a:cxn ang="0">
+                <a:pos x="connsiteX129" y="connsiteY129"/>
+              </a:cxn>
+              <a:cxn ang="0">
+                <a:pos x="connsiteX130" y="connsiteY130"/>
+              </a:cxn>
+              <a:cxn ang="0">
+                <a:pos x="connsiteX131" y="connsiteY131"/>
+              </a:cxn>
+              <a:cxn ang="0">
+                <a:pos x="connsiteX132" y="connsiteY132"/>
+              </a:cxn>
+              <a:cxn ang="0">
+                <a:pos x="connsiteX133" y="connsiteY133"/>
+              </a:cxn>
+              <a:cxn ang="0">
+                <a:pos x="connsiteX134" y="connsiteY134"/>
+              </a:cxn>
+              <a:cxn ang="0">
+                <a:pos x="connsiteX135" y="connsiteY135"/>
+              </a:cxn>
+              <a:cxn ang="0">
+                <a:pos x="connsiteX136" y="connsiteY136"/>
+              </a:cxn>
+              <a:cxn ang="0">
+                <a:pos x="connsiteX137" y="connsiteY137"/>
+              </a:cxn>
+              <a:cxn ang="0">
+                <a:pos x="connsiteX138" y="connsiteY138"/>
+              </a:cxn>
+              <a:cxn ang="0">
+                <a:pos x="connsiteX139" y="connsiteY139"/>
+              </a:cxn>
+              <a:cxn ang="0">
+                <a:pos x="connsiteX140" y="connsiteY140"/>
+              </a:cxn>
+              <a:cxn ang="0">
+                <a:pos x="connsiteX141" y="connsiteY141"/>
+              </a:cxn>
+              <a:cxn ang="0">
+                <a:pos x="connsiteX142" y="connsiteY142"/>
+              </a:cxn>
+              <a:cxn ang="0">
+                <a:pos x="connsiteX143" y="connsiteY143"/>
+              </a:cxn>
+              <a:cxn ang="0">
+                <a:pos x="connsiteX144" y="connsiteY144"/>
+              </a:cxn>
+              <a:cxn ang="0">
+                <a:pos x="connsiteX145" y="connsiteY145"/>
+              </a:cxn>
+              <a:cxn ang="0">
+                <a:pos x="connsiteX146" y="connsiteY146"/>
+              </a:cxn>
+              <a:cxn ang="0">
+                <a:pos x="connsiteX147" y="connsiteY147"/>
+              </a:cxn>
+              <a:cxn ang="0">
+                <a:pos x="connsiteX148" y="connsiteY148"/>
+              </a:cxn>
+              <a:cxn ang="0">
+                <a:pos x="connsiteX149" y="connsiteY149"/>
+              </a:cxn>
+              <a:cxn ang="0">
+                <a:pos x="connsiteX150" y="connsiteY150"/>
+              </a:cxn>
+              <a:cxn ang="0">
+                <a:pos x="connsiteX151" y="connsiteY151"/>
+              </a:cxn>
+              <a:cxn ang="0">
+                <a:pos x="connsiteX152" y="connsiteY152"/>
+              </a:cxn>
+              <a:cxn ang="0">
+                <a:pos x="connsiteX153" y="connsiteY153"/>
+              </a:cxn>
+              <a:cxn ang="0">
+                <a:pos x="connsiteX154" y="connsiteY154"/>
+              </a:cxn>
+              <a:cxn ang="0">
+                <a:pos x="connsiteX155" y="connsiteY155"/>
+              </a:cxn>
+              <a:cxn ang="0">
+                <a:pos x="connsiteX156" y="connsiteY156"/>
+              </a:cxn>
+              <a:cxn ang="0">
+                <a:pos x="connsiteX157" y="connsiteY157"/>
+              </a:cxn>
+              <a:cxn ang="0">
+                <a:pos x="connsiteX158" y="connsiteY158"/>
+              </a:cxn>
+              <a:cxn ang="0">
+                <a:pos x="connsiteX159" y="connsiteY159"/>
+              </a:cxn>
+              <a:cxn ang="0">
+                <a:pos x="connsiteX160" y="connsiteY160"/>
+              </a:cxn>
+              <a:cxn ang="0">
+                <a:pos x="connsiteX161" y="connsiteY161"/>
+              </a:cxn>
+              <a:cxn ang="0">
+                <a:pos x="connsiteX162" y="connsiteY162"/>
+              </a:cxn>
+              <a:cxn ang="0">
+                <a:pos x="connsiteX163" y="connsiteY163"/>
+              </a:cxn>
+              <a:cxn ang="0">
+                <a:pos x="connsiteX164" y="connsiteY164"/>
+              </a:cxn>
+              <a:cxn ang="0">
+                <a:pos x="connsiteX165" y="connsiteY165"/>
+              </a:cxn>
+              <a:cxn ang="0">
+                <a:pos x="connsiteX166" y="connsiteY166"/>
+              </a:cxn>
+              <a:cxn ang="0">
+                <a:pos x="connsiteX167" y="connsiteY167"/>
+              </a:cxn>
+            </a:cxnLst>
+            <a:rect l="l" t="t" r="r" b="b"/>
+            <a:pathLst>
+              <a:path w="3214111" h="2848897">
+                <a:moveTo>
+                  <a:pt x="1835656" y="0"/>
+                </a:moveTo>
+                <a:lnTo>
+                  <a:pt x="1871276" y="3339"/>
+                </a:lnTo>
+                <a:lnTo>
+                  <a:pt x="1905787" y="12245"/>
+                </a:lnTo>
+                <a:lnTo>
+                  <a:pt x="1939183" y="25604"/>
+                </a:lnTo>
+                <a:lnTo>
+                  <a:pt x="1973690" y="42302"/>
+                </a:lnTo>
+                <a:lnTo>
+                  <a:pt x="2005974" y="61227"/>
+                </a:lnTo>
+                <a:lnTo>
+                  <a:pt x="2039370" y="81264"/>
+                </a:lnTo>
+                <a:lnTo>
+                  <a:pt x="2072765" y="99075"/>
+                </a:lnTo>
+                <a:lnTo>
+                  <a:pt x="2106161" y="116887"/>
+                </a:lnTo>
+                <a:lnTo>
+                  <a:pt x="2138444" y="130245"/>
+                </a:lnTo>
+                <a:lnTo>
+                  <a:pt x="2174066" y="139150"/>
+                </a:lnTo>
+                <a:lnTo>
+                  <a:pt x="2208575" y="143604"/>
+                </a:lnTo>
+                <a:lnTo>
+                  <a:pt x="2245310" y="143604"/>
+                </a:lnTo>
+                <a:lnTo>
+                  <a:pt x="2283159" y="141378"/>
+                </a:lnTo>
+                <a:lnTo>
+                  <a:pt x="2321007" y="136924"/>
+                </a:lnTo>
+                <a:lnTo>
+                  <a:pt x="2358857" y="131359"/>
+                </a:lnTo>
+                <a:lnTo>
+                  <a:pt x="2396705" y="126906"/>
+                </a:lnTo>
+                <a:lnTo>
+                  <a:pt x="2434554" y="123565"/>
+                </a:lnTo>
+                <a:lnTo>
+                  <a:pt x="2470175" y="124678"/>
+                </a:lnTo>
+                <a:lnTo>
+                  <a:pt x="2504683" y="129132"/>
+                </a:lnTo>
+                <a:lnTo>
+                  <a:pt x="2538079" y="139150"/>
+                </a:lnTo>
+                <a:lnTo>
+                  <a:pt x="2565910" y="153622"/>
+                </a:lnTo>
+                <a:lnTo>
+                  <a:pt x="2592625" y="172547"/>
+                </a:lnTo>
+                <a:lnTo>
+                  <a:pt x="2616003" y="194811"/>
+                </a:lnTo>
+                <a:lnTo>
+                  <a:pt x="2639380" y="220414"/>
+                </a:lnTo>
+                <a:lnTo>
+                  <a:pt x="2660531" y="247131"/>
+                </a:lnTo>
+                <a:lnTo>
+                  <a:pt x="2681682" y="274961"/>
+                </a:lnTo>
+                <a:lnTo>
+                  <a:pt x="2702832" y="302791"/>
+                </a:lnTo>
+                <a:lnTo>
+                  <a:pt x="2723982" y="329509"/>
+                </a:lnTo>
+                <a:lnTo>
+                  <a:pt x="2746247" y="355112"/>
+                </a:lnTo>
+                <a:lnTo>
+                  <a:pt x="2771851" y="377377"/>
+                </a:lnTo>
+                <a:lnTo>
+                  <a:pt x="2796341" y="397415"/>
+                </a:lnTo>
+                <a:lnTo>
+                  <a:pt x="2824171" y="412999"/>
+                </a:lnTo>
+                <a:lnTo>
+                  <a:pt x="2854227" y="426357"/>
+                </a:lnTo>
+                <a:lnTo>
+                  <a:pt x="2886509" y="437489"/>
+                </a:lnTo>
+                <a:lnTo>
+                  <a:pt x="2919904" y="447507"/>
+                </a:lnTo>
+                <a:lnTo>
+                  <a:pt x="2953300" y="456413"/>
+                </a:lnTo>
+                <a:lnTo>
+                  <a:pt x="2987809" y="465320"/>
+                </a:lnTo>
+                <a:lnTo>
+                  <a:pt x="3020092" y="475338"/>
+                </a:lnTo>
+                <a:lnTo>
+                  <a:pt x="3052373" y="486470"/>
+                </a:lnTo>
+                <a:lnTo>
+                  <a:pt x="3082430" y="499829"/>
+                </a:lnTo>
+                <a:lnTo>
+                  <a:pt x="3109148" y="516527"/>
+                </a:lnTo>
+                <a:lnTo>
+                  <a:pt x="3133639" y="536565"/>
+                </a:lnTo>
+                <a:lnTo>
+                  <a:pt x="3153674" y="561055"/>
+                </a:lnTo>
+                <a:lnTo>
+                  <a:pt x="3170373" y="587772"/>
+                </a:lnTo>
+                <a:lnTo>
+                  <a:pt x="3183731" y="617827"/>
+                </a:lnTo>
+                <a:lnTo>
+                  <a:pt x="3194863" y="650112"/>
+                </a:lnTo>
+                <a:lnTo>
+                  <a:pt x="3204881" y="682393"/>
+                </a:lnTo>
+                <a:lnTo>
+                  <a:pt x="3213788" y="716904"/>
+                </a:lnTo>
+                <a:lnTo>
+                  <a:pt x="3214111" y="718115"/>
+                </a:lnTo>
+                <a:lnTo>
+                  <a:pt x="3214111" y="2848897"/>
+                </a:lnTo>
+                <a:lnTo>
+                  <a:pt x="426570" y="2848897"/>
+                </a:lnTo>
+                <a:lnTo>
+                  <a:pt x="414108" y="2820857"/>
+                </a:lnTo>
+                <a:lnTo>
+                  <a:pt x="398524" y="2793028"/>
+                </a:lnTo>
+                <a:lnTo>
+                  <a:pt x="378487" y="2768537"/>
+                </a:lnTo>
+                <a:lnTo>
+                  <a:pt x="356222" y="2742933"/>
+                </a:lnTo>
+                <a:lnTo>
+                  <a:pt x="330619" y="2720669"/>
+                </a:lnTo>
+                <a:lnTo>
+                  <a:pt x="302788" y="2699519"/>
+                </a:lnTo>
+                <a:lnTo>
+                  <a:pt x="274959" y="2678368"/>
+                </a:lnTo>
+                <a:lnTo>
+                  <a:pt x="247130" y="2657218"/>
+                </a:lnTo>
+                <a:lnTo>
+                  <a:pt x="220413" y="2636065"/>
+                </a:lnTo>
+                <a:lnTo>
+                  <a:pt x="194809" y="2612689"/>
+                </a:lnTo>
+                <a:lnTo>
+                  <a:pt x="172546" y="2589312"/>
+                </a:lnTo>
+                <a:lnTo>
+                  <a:pt x="153622" y="2562594"/>
+                </a:lnTo>
+                <a:lnTo>
+                  <a:pt x="139150" y="2534764"/>
+                </a:lnTo>
+                <a:lnTo>
+                  <a:pt x="129132" y="2501370"/>
+                </a:lnTo>
+                <a:lnTo>
+                  <a:pt x="124678" y="2466860"/>
+                </a:lnTo>
+                <a:lnTo>
+                  <a:pt x="123564" y="2431236"/>
+                </a:lnTo>
+                <a:lnTo>
+                  <a:pt x="126904" y="2393388"/>
+                </a:lnTo>
+                <a:lnTo>
+                  <a:pt x="131358" y="2355539"/>
+                </a:lnTo>
+                <a:lnTo>
+                  <a:pt x="136923" y="2317690"/>
+                </a:lnTo>
+                <a:lnTo>
+                  <a:pt x="141376" y="2279842"/>
+                </a:lnTo>
+                <a:lnTo>
+                  <a:pt x="143604" y="2241992"/>
+                </a:lnTo>
+                <a:lnTo>
+                  <a:pt x="143604" y="2205256"/>
+                </a:lnTo>
+                <a:lnTo>
+                  <a:pt x="139150" y="2170747"/>
+                </a:lnTo>
+                <a:lnTo>
+                  <a:pt x="130245" y="2136238"/>
+                </a:lnTo>
+                <a:lnTo>
+                  <a:pt x="116886" y="2103954"/>
+                </a:lnTo>
+                <a:lnTo>
+                  <a:pt x="100188" y="2070559"/>
+                </a:lnTo>
+                <a:lnTo>
+                  <a:pt x="81264" y="2037163"/>
+                </a:lnTo>
+                <a:lnTo>
+                  <a:pt x="61227" y="2003766"/>
+                </a:lnTo>
+                <a:lnTo>
+                  <a:pt x="42303" y="1971483"/>
+                </a:lnTo>
+                <a:lnTo>
+                  <a:pt x="25603" y="1936974"/>
+                </a:lnTo>
+                <a:lnTo>
+                  <a:pt x="12246" y="1903578"/>
+                </a:lnTo>
+                <a:lnTo>
+                  <a:pt x="3340" y="1869068"/>
+                </a:lnTo>
+                <a:lnTo>
+                  <a:pt x="0" y="1833446"/>
+                </a:lnTo>
+                <a:lnTo>
+                  <a:pt x="3340" y="1797824"/>
+                </a:lnTo>
+                <a:lnTo>
+                  <a:pt x="12246" y="1763315"/>
+                </a:lnTo>
+                <a:lnTo>
+                  <a:pt x="25603" y="1729918"/>
+                </a:lnTo>
+                <a:lnTo>
+                  <a:pt x="42303" y="1695410"/>
+                </a:lnTo>
+                <a:lnTo>
+                  <a:pt x="61227" y="1663126"/>
+                </a:lnTo>
+                <a:lnTo>
+                  <a:pt x="81264" y="1629730"/>
+                </a:lnTo>
+                <a:lnTo>
+                  <a:pt x="100188" y="1596334"/>
+                </a:lnTo>
+                <a:lnTo>
+                  <a:pt x="116886" y="1562938"/>
+                </a:lnTo>
+                <a:lnTo>
+                  <a:pt x="130245" y="1530654"/>
+                </a:lnTo>
+                <a:lnTo>
+                  <a:pt x="139150" y="1496145"/>
+                </a:lnTo>
+                <a:lnTo>
+                  <a:pt x="143604" y="1461636"/>
+                </a:lnTo>
+                <a:lnTo>
+                  <a:pt x="143604" y="1424901"/>
+                </a:lnTo>
+                <a:lnTo>
+                  <a:pt x="141376" y="1387052"/>
+                </a:lnTo>
+                <a:lnTo>
+                  <a:pt x="136923" y="1349203"/>
+                </a:lnTo>
+                <a:lnTo>
+                  <a:pt x="131358" y="1311353"/>
+                </a:lnTo>
+                <a:lnTo>
+                  <a:pt x="126904" y="1273505"/>
+                </a:lnTo>
+                <a:lnTo>
+                  <a:pt x="123564" y="1235657"/>
+                </a:lnTo>
+                <a:lnTo>
+                  <a:pt x="124678" y="1200034"/>
+                </a:lnTo>
+                <a:lnTo>
+                  <a:pt x="129132" y="1165525"/>
+                </a:lnTo>
+                <a:lnTo>
+                  <a:pt x="139150" y="1132128"/>
+                </a:lnTo>
+                <a:lnTo>
+                  <a:pt x="153622" y="1104298"/>
+                </a:lnTo>
+                <a:lnTo>
+                  <a:pt x="172546" y="1077582"/>
+                </a:lnTo>
+                <a:lnTo>
+                  <a:pt x="194809" y="1054204"/>
+                </a:lnTo>
+                <a:lnTo>
+                  <a:pt x="220413" y="1030827"/>
+                </a:lnTo>
+                <a:lnTo>
+                  <a:pt x="247130" y="1009676"/>
+                </a:lnTo>
+                <a:lnTo>
+                  <a:pt x="274959" y="988524"/>
+                </a:lnTo>
+                <a:lnTo>
+                  <a:pt x="302788" y="967374"/>
+                </a:lnTo>
+                <a:lnTo>
+                  <a:pt x="330619" y="946223"/>
+                </a:lnTo>
+                <a:lnTo>
+                  <a:pt x="356222" y="923960"/>
+                </a:lnTo>
+                <a:lnTo>
+                  <a:pt x="378487" y="898356"/>
+                </a:lnTo>
+                <a:lnTo>
+                  <a:pt x="398524" y="873865"/>
+                </a:lnTo>
+                <a:lnTo>
+                  <a:pt x="414108" y="846035"/>
+                </a:lnTo>
+                <a:lnTo>
+                  <a:pt x="427466" y="815980"/>
+                </a:lnTo>
+                <a:lnTo>
+                  <a:pt x="438598" y="783695"/>
+                </a:lnTo>
+                <a:lnTo>
+                  <a:pt x="448618" y="750298"/>
+                </a:lnTo>
+                <a:lnTo>
+                  <a:pt x="457523" y="716904"/>
+                </a:lnTo>
+                <a:lnTo>
+                  <a:pt x="466429" y="682393"/>
+                </a:lnTo>
+                <a:lnTo>
+                  <a:pt x="476447" y="650112"/>
+                </a:lnTo>
+                <a:lnTo>
+                  <a:pt x="487579" y="617827"/>
+                </a:lnTo>
+                <a:lnTo>
+                  <a:pt x="500938" y="587772"/>
+                </a:lnTo>
+                <a:lnTo>
+                  <a:pt x="517636" y="561055"/>
+                </a:lnTo>
+                <a:lnTo>
+                  <a:pt x="537671" y="536565"/>
+                </a:lnTo>
+                <a:lnTo>
+                  <a:pt x="562163" y="516527"/>
+                </a:lnTo>
+                <a:lnTo>
+                  <a:pt x="588880" y="499829"/>
+                </a:lnTo>
+                <a:lnTo>
+                  <a:pt x="618935" y="486470"/>
+                </a:lnTo>
+                <a:lnTo>
+                  <a:pt x="651218" y="475338"/>
+                </a:lnTo>
+                <a:lnTo>
+                  <a:pt x="683501" y="465320"/>
+                </a:lnTo>
+                <a:lnTo>
+                  <a:pt x="718010" y="456413"/>
+                </a:lnTo>
+                <a:lnTo>
+                  <a:pt x="751405" y="447507"/>
+                </a:lnTo>
+                <a:lnTo>
+                  <a:pt x="784802" y="437489"/>
+                </a:lnTo>
+                <a:lnTo>
+                  <a:pt x="817083" y="426357"/>
+                </a:lnTo>
+                <a:lnTo>
+                  <a:pt x="847140" y="412999"/>
+                </a:lnTo>
+                <a:lnTo>
+                  <a:pt x="874970" y="397415"/>
+                </a:lnTo>
+                <a:lnTo>
+                  <a:pt x="899460" y="377377"/>
+                </a:lnTo>
+                <a:lnTo>
+                  <a:pt x="925064" y="355112"/>
+                </a:lnTo>
+                <a:lnTo>
+                  <a:pt x="947328" y="329509"/>
+                </a:lnTo>
+                <a:lnTo>
+                  <a:pt x="968478" y="302791"/>
+                </a:lnTo>
+                <a:lnTo>
+                  <a:pt x="989628" y="274961"/>
+                </a:lnTo>
+                <a:lnTo>
+                  <a:pt x="1010780" y="247131"/>
+                </a:lnTo>
+                <a:lnTo>
+                  <a:pt x="1031930" y="220414"/>
+                </a:lnTo>
+                <a:lnTo>
+                  <a:pt x="1055307" y="194811"/>
+                </a:lnTo>
+                <a:lnTo>
+                  <a:pt x="1078683" y="172547"/>
+                </a:lnTo>
+                <a:lnTo>
+                  <a:pt x="1105401" y="153622"/>
+                </a:lnTo>
+                <a:lnTo>
+                  <a:pt x="1133231" y="139150"/>
+                </a:lnTo>
+                <a:lnTo>
+                  <a:pt x="1166627" y="129132"/>
+                </a:lnTo>
+                <a:lnTo>
+                  <a:pt x="1201137" y="124678"/>
+                </a:lnTo>
+                <a:lnTo>
+                  <a:pt x="1236757" y="123565"/>
+                </a:lnTo>
+                <a:lnTo>
+                  <a:pt x="1274605" y="126906"/>
+                </a:lnTo>
+                <a:lnTo>
+                  <a:pt x="1312455" y="131359"/>
+                </a:lnTo>
+                <a:lnTo>
+                  <a:pt x="1350304" y="136924"/>
+                </a:lnTo>
+                <a:lnTo>
+                  <a:pt x="1388152" y="141378"/>
+                </a:lnTo>
+                <a:lnTo>
+                  <a:pt x="1426000" y="143604"/>
+                </a:lnTo>
+                <a:lnTo>
+                  <a:pt x="1462737" y="143604"/>
+                </a:lnTo>
+                <a:lnTo>
+                  <a:pt x="1497245" y="139150"/>
+                </a:lnTo>
+                <a:lnTo>
+                  <a:pt x="1531755" y="130245"/>
+                </a:lnTo>
+                <a:lnTo>
+                  <a:pt x="1565150" y="116887"/>
+                </a:lnTo>
+                <a:lnTo>
+                  <a:pt x="1598545" y="99075"/>
+                </a:lnTo>
+                <a:lnTo>
+                  <a:pt x="1631941" y="81264"/>
+                </a:lnTo>
+                <a:lnTo>
+                  <a:pt x="1665337" y="61227"/>
+                </a:lnTo>
+                <a:lnTo>
+                  <a:pt x="1697620" y="42302"/>
+                </a:lnTo>
+                <a:lnTo>
+                  <a:pt x="1732129" y="25604"/>
+                </a:lnTo>
+                <a:lnTo>
+                  <a:pt x="1765525" y="12245"/>
+                </a:lnTo>
+                <a:lnTo>
+                  <a:pt x="1800034" y="3339"/>
+                </a:lnTo>
+                <a:close/>
+              </a:path>
+            </a:pathLst>
+          </a:custGeom>
+          <a:solidFill>
+            <a:srgbClr val="FFFFFF"/>
+          </a:solidFill>
+          <a:ln>
+            <a:noFill/>
+          </a:ln>
+        </p:spPr>
+        <p:style>
+          <a:lnRef idx="2">
+            <a:schemeClr val="accent1">
+              <a:shade val="50000"/>
+            </a:schemeClr>
+          </a:lnRef>
+          <a:fillRef idx="1">
+            <a:schemeClr val="accent1"/>
+          </a:fillRef>
+          <a:effectRef idx="0">
+            <a:schemeClr val="accent1"/>
+          </a:effectRef>
+          <a:fontRef idx="minor">
+            <a:schemeClr val="lt1"/>
+          </a:fontRef>
+        </p:style>
+        <p:txBody>
+          <a:bodyPr wrap="square" rtlCol="0" anchor="ctr">
+            <a:noAutofit/>
+          </a:bodyPr>
+          <a:lstStyle/>
+          <a:p>
+            <a:pPr algn="ctr"/>
+            <a:endParaRPr lang="en-US"/>
+          </a:p>
+        </p:txBody>
+      </p:sp>
+      <p:pic>
+        <p:nvPicPr>
+          <p:cNvPr id="18" name="图片 17">
+            <a:extLst>
+              <a:ext uri="{FF2B5EF4-FFF2-40B4-BE49-F238E27FC236}">
+                <a16:creationId xmlns:a16="http://schemas.microsoft.com/office/drawing/2014/main" id="{21948C1A-2522-400C-B327-A2BB7DDFA975}"/>
+              </a:ext>
+            </a:extLst>
+          </p:cNvPr>
+          <p:cNvPicPr>
+            <a:picLocks noChangeAspect="1"/>
+          </p:cNvPicPr>
+          <p:nvPr/>
+        </p:nvPicPr>
+        <p:blipFill>
+          <a:blip r:embed="rId2"/>
+          <a:stretch>
+            <a:fillRect/>
+          </a:stretch>
+        </p:blipFill>
+        <p:spPr>
+          <a:xfrm>
+            <a:off x="9790690" y="4973998"/>
+            <a:ext cx="2045710" cy="1532307"/>
+          </a:xfrm>
+          <a:prstGeom prst="rect">
+            <a:avLst/>
+          </a:prstGeom>
+        </p:spPr>
+      </p:pic>
     </p:spTree>
     <p:extLst>
       <p:ext uri="{BB962C8B-B14F-4D97-AF65-F5344CB8AC3E}">
-        <p14:creationId xmlns:p14="http://schemas.microsoft.com/office/powerpoint/2010/main" val="3638282669"/>
+        <p14:creationId xmlns:p14="http://schemas.microsoft.com/office/powerpoint/2010/main" val="767621751"/>
       </p:ext>
     </p:extLst>
   </p:cSld>
